--- a/misc/dataflow.pptx
+++ b/misc/dataflow.pptx
@@ -5,12 +5,13 @@
     <p:sldMasterId id="2147483648" r:id="rId1"/>
   </p:sldMasterIdLst>
   <p:notesMasterIdLst>
-    <p:notesMasterId r:id="rId5"/>
+    <p:notesMasterId r:id="rId6"/>
   </p:notesMasterIdLst>
   <p:sldIdLst>
     <p:sldId id="256" r:id="rId2"/>
     <p:sldId id="257" r:id="rId3"/>
     <p:sldId id="258" r:id="rId4"/>
+    <p:sldId id="259" r:id="rId5"/>
   </p:sldIdLst>
   <p:sldSz cx="12192000" cy="6858000"/>
   <p:notesSz cx="6858000" cy="9144000"/>
@@ -199,7 +200,7 @@
           <a:p>
             <a:fld id="{C5B23C63-B32F-AF4C-B9DF-43B06B6336C1}" type="datetimeFigureOut">
               <a:rPr lang="en-GB" smtClean="0"/>
-              <a:t>06/08/2018</a:t>
+              <a:t>21/08/2018</a:t>
             </a:fld>
             <a:endParaRPr lang="en-GB"/>
           </a:p>
@@ -551,6 +552,90 @@
 </p:notes>
 </file>
 
+<file path=ppt/notesSlides/notesSlide2.xml><?xml version="1.0" encoding="utf-8"?>
+<p:notes xmlns:a="http://schemas.openxmlformats.org/drawingml/2006/main" xmlns:r="http://schemas.openxmlformats.org/officeDocument/2006/relationships" xmlns:p="http://schemas.openxmlformats.org/presentationml/2006/main">
+  <p:cSld>
+    <p:spTree>
+      <p:nvGrpSpPr>
+        <p:cNvPr id="1" name=""/>
+        <p:cNvGrpSpPr/>
+        <p:nvPr/>
+      </p:nvGrpSpPr>
+      <p:grpSpPr>
+        <a:xfrm>
+          <a:off x="0" y="0"/>
+          <a:ext cx="0" cy="0"/>
+          <a:chOff x="0" y="0"/>
+          <a:chExt cx="0" cy="0"/>
+        </a:xfrm>
+      </p:grpSpPr>
+      <p:sp>
+        <p:nvSpPr>
+          <p:cNvPr id="2" name="Slide Image Placeholder 1"/>
+          <p:cNvSpPr>
+            <a:spLocks noGrp="1" noRot="1" noChangeAspect="1"/>
+          </p:cNvSpPr>
+          <p:nvPr>
+            <p:ph type="sldImg"/>
+          </p:nvPr>
+        </p:nvSpPr>
+        <p:spPr/>
+      </p:sp>
+      <p:sp>
+        <p:nvSpPr>
+          <p:cNvPr id="3" name="Notes Placeholder 2"/>
+          <p:cNvSpPr>
+            <a:spLocks noGrp="1"/>
+          </p:cNvSpPr>
+          <p:nvPr>
+            <p:ph type="body" idx="1"/>
+          </p:nvPr>
+        </p:nvSpPr>
+        <p:spPr/>
+        <p:txBody>
+          <a:bodyPr/>
+          <a:lstStyle/>
+          <a:p>
+            <a:endParaRPr lang="en-GB" dirty="0"/>
+          </a:p>
+        </p:txBody>
+      </p:sp>
+      <p:sp>
+        <p:nvSpPr>
+          <p:cNvPr id="4" name="Slide Number Placeholder 3"/>
+          <p:cNvSpPr>
+            <a:spLocks noGrp="1"/>
+          </p:cNvSpPr>
+          <p:nvPr>
+            <p:ph type="sldNum" sz="quarter" idx="5"/>
+          </p:nvPr>
+        </p:nvSpPr>
+        <p:spPr/>
+        <p:txBody>
+          <a:bodyPr/>
+          <a:lstStyle/>
+          <a:p>
+            <a:fld id="{10648B58-96C8-414D-B339-07BF9B5B284E}" type="slidenum">
+              <a:rPr lang="en-GB" smtClean="0"/>
+              <a:t>4</a:t>
+            </a:fld>
+            <a:endParaRPr lang="en-GB"/>
+          </a:p>
+        </p:txBody>
+      </p:sp>
+    </p:spTree>
+    <p:extLst>
+      <p:ext uri="{BB962C8B-B14F-4D97-AF65-F5344CB8AC3E}">
+        <p14:creationId xmlns:p14="http://schemas.microsoft.com/office/powerpoint/2010/main" val="3879702293"/>
+      </p:ext>
+    </p:extLst>
+  </p:cSld>
+  <p:clrMapOvr>
+    <a:masterClrMapping/>
+  </p:clrMapOvr>
+</p:notes>
+</file>
+
 <file path=ppt/slideLayouts/slideLayout1.xml><?xml version="1.0" encoding="utf-8"?>
 <p:sldLayout xmlns:a="http://schemas.openxmlformats.org/drawingml/2006/main" xmlns:r="http://schemas.openxmlformats.org/officeDocument/2006/relationships" xmlns:p="http://schemas.openxmlformats.org/presentationml/2006/main" type="title" preserve="1">
   <p:cSld name="Title Slide">
@@ -700,7 +785,7 @@
           <a:p>
             <a:fld id="{9F682711-DC70-F046-A7AB-3B6E062141C5}" type="datetimeFigureOut">
               <a:rPr lang="en-GB" smtClean="0"/>
-              <a:t>06/08/2018</a:t>
+              <a:t>21/08/2018</a:t>
             </a:fld>
             <a:endParaRPr lang="en-GB"/>
           </a:p>
@@ -900,7 +985,7 @@
           <a:p>
             <a:fld id="{9F682711-DC70-F046-A7AB-3B6E062141C5}" type="datetimeFigureOut">
               <a:rPr lang="en-GB" smtClean="0"/>
-              <a:t>06/08/2018</a:t>
+              <a:t>21/08/2018</a:t>
             </a:fld>
             <a:endParaRPr lang="en-GB"/>
           </a:p>
@@ -1110,7 +1195,7 @@
           <a:p>
             <a:fld id="{9F682711-DC70-F046-A7AB-3B6E062141C5}" type="datetimeFigureOut">
               <a:rPr lang="en-GB" smtClean="0"/>
-              <a:t>06/08/2018</a:t>
+              <a:t>21/08/2018</a:t>
             </a:fld>
             <a:endParaRPr lang="en-GB"/>
           </a:p>
@@ -1310,7 +1395,7 @@
           <a:p>
             <a:fld id="{9F682711-DC70-F046-A7AB-3B6E062141C5}" type="datetimeFigureOut">
               <a:rPr lang="en-GB" smtClean="0"/>
-              <a:t>06/08/2018</a:t>
+              <a:t>21/08/2018</a:t>
             </a:fld>
             <a:endParaRPr lang="en-GB"/>
           </a:p>
@@ -1586,7 +1671,7 @@
           <a:p>
             <a:fld id="{9F682711-DC70-F046-A7AB-3B6E062141C5}" type="datetimeFigureOut">
               <a:rPr lang="en-GB" smtClean="0"/>
-              <a:t>06/08/2018</a:t>
+              <a:t>21/08/2018</a:t>
             </a:fld>
             <a:endParaRPr lang="en-GB"/>
           </a:p>
@@ -1854,7 +1939,7 @@
           <a:p>
             <a:fld id="{9F682711-DC70-F046-A7AB-3B6E062141C5}" type="datetimeFigureOut">
               <a:rPr lang="en-GB" smtClean="0"/>
-              <a:t>06/08/2018</a:t>
+              <a:t>21/08/2018</a:t>
             </a:fld>
             <a:endParaRPr lang="en-GB"/>
           </a:p>
@@ -2269,7 +2354,7 @@
           <a:p>
             <a:fld id="{9F682711-DC70-F046-A7AB-3B6E062141C5}" type="datetimeFigureOut">
               <a:rPr lang="en-GB" smtClean="0"/>
-              <a:t>06/08/2018</a:t>
+              <a:t>21/08/2018</a:t>
             </a:fld>
             <a:endParaRPr lang="en-GB"/>
           </a:p>
@@ -2411,7 +2496,7 @@
           <a:p>
             <a:fld id="{9F682711-DC70-F046-A7AB-3B6E062141C5}" type="datetimeFigureOut">
               <a:rPr lang="en-GB" smtClean="0"/>
-              <a:t>06/08/2018</a:t>
+              <a:t>21/08/2018</a:t>
             </a:fld>
             <a:endParaRPr lang="en-GB"/>
           </a:p>
@@ -2524,7 +2609,7 @@
           <a:p>
             <a:fld id="{9F682711-DC70-F046-A7AB-3B6E062141C5}" type="datetimeFigureOut">
               <a:rPr lang="en-GB" smtClean="0"/>
-              <a:t>06/08/2018</a:t>
+              <a:t>21/08/2018</a:t>
             </a:fld>
             <a:endParaRPr lang="en-GB"/>
           </a:p>
@@ -2837,7 +2922,7 @@
           <a:p>
             <a:fld id="{9F682711-DC70-F046-A7AB-3B6E062141C5}" type="datetimeFigureOut">
               <a:rPr lang="en-GB" smtClean="0"/>
-              <a:t>06/08/2018</a:t>
+              <a:t>21/08/2018</a:t>
             </a:fld>
             <a:endParaRPr lang="en-GB"/>
           </a:p>
@@ -3126,7 +3211,7 @@
           <a:p>
             <a:fld id="{9F682711-DC70-F046-A7AB-3B6E062141C5}" type="datetimeFigureOut">
               <a:rPr lang="en-GB" smtClean="0"/>
-              <a:t>06/08/2018</a:t>
+              <a:t>21/08/2018</a:t>
             </a:fld>
             <a:endParaRPr lang="en-GB"/>
           </a:p>
@@ -3369,7 +3454,7 @@
           <a:p>
             <a:fld id="{9F682711-DC70-F046-A7AB-3B6E062141C5}" type="datetimeFigureOut">
               <a:rPr lang="en-GB" smtClean="0"/>
-              <a:t>06/08/2018</a:t>
+              <a:t>21/08/2018</a:t>
             </a:fld>
             <a:endParaRPr lang="en-GB"/>
           </a:p>
@@ -28635,6 +28720,1412 @@
 </p:sld>
 </file>
 
+<file path=ppt/slides/slide4.xml><?xml version="1.0" encoding="utf-8"?>
+<p:sld xmlns:a="http://schemas.openxmlformats.org/drawingml/2006/main" xmlns:r="http://schemas.openxmlformats.org/officeDocument/2006/relationships" xmlns:p="http://schemas.openxmlformats.org/presentationml/2006/main">
+  <p:cSld>
+    <p:spTree>
+      <p:nvGrpSpPr>
+        <p:cNvPr id="1" name=""/>
+        <p:cNvGrpSpPr/>
+        <p:nvPr/>
+      </p:nvGrpSpPr>
+      <p:grpSpPr>
+        <a:xfrm>
+          <a:off x="0" y="0"/>
+          <a:ext cx="0" cy="0"/>
+          <a:chOff x="0" y="0"/>
+          <a:chExt cx="0" cy="0"/>
+        </a:xfrm>
+      </p:grpSpPr>
+      <p:sp>
+        <p:nvSpPr>
+          <p:cNvPr id="37" name="TextBox 36">
+            <a:extLst>
+              <a:ext uri="{FF2B5EF4-FFF2-40B4-BE49-F238E27FC236}">
+                <a16:creationId xmlns:a16="http://schemas.microsoft.com/office/drawing/2014/main" id="{421D4F4B-C03C-694C-95FF-30DED4B70C7B}"/>
+              </a:ext>
+            </a:extLst>
+          </p:cNvPr>
+          <p:cNvSpPr txBox="1"/>
+          <p:nvPr/>
+        </p:nvSpPr>
+        <p:spPr>
+          <a:xfrm rot="20728804">
+            <a:off x="3264951" y="3859621"/>
+            <a:ext cx="439544" cy="253916"/>
+          </a:xfrm>
+          <a:prstGeom prst="rect">
+            <a:avLst/>
+          </a:prstGeom>
+          <a:noFill/>
+        </p:spPr>
+        <p:txBody>
+          <a:bodyPr wrap="none" rtlCol="0">
+            <a:spAutoFit/>
+          </a:bodyPr>
+          <a:lstStyle/>
+          <a:p>
+            <a:r>
+              <a:rPr lang="en-GB" sz="1050" dirty="0"/>
+              <a:t>Pixel</a:t>
+            </a:r>
+          </a:p>
+        </p:txBody>
+      </p:sp>
+      <p:sp>
+        <p:nvSpPr>
+          <p:cNvPr id="4" name="Arc 3">
+            <a:extLst>
+              <a:ext uri="{FF2B5EF4-FFF2-40B4-BE49-F238E27FC236}">
+                <a16:creationId xmlns:a16="http://schemas.microsoft.com/office/drawing/2014/main" id="{FB36911C-1217-9E4D-B4C1-A9F0E5EEA7A5}"/>
+              </a:ext>
+            </a:extLst>
+          </p:cNvPr>
+          <p:cNvSpPr/>
+          <p:nvPr/>
+        </p:nvSpPr>
+        <p:spPr>
+          <a:xfrm>
+            <a:off x="1449659" y="3858324"/>
+            <a:ext cx="7192537" cy="4092497"/>
+          </a:xfrm>
+          <a:prstGeom prst="arc">
+            <a:avLst>
+              <a:gd name="adj1" fmla="val 12757610"/>
+              <a:gd name="adj2" fmla="val 19630855"/>
+            </a:avLst>
+          </a:prstGeom>
+          <a:ln w="28575"/>
+        </p:spPr>
+        <p:style>
+          <a:lnRef idx="1">
+            <a:schemeClr val="accent1"/>
+          </a:lnRef>
+          <a:fillRef idx="0">
+            <a:schemeClr val="accent1"/>
+          </a:fillRef>
+          <a:effectRef idx="0">
+            <a:schemeClr val="accent1"/>
+          </a:effectRef>
+          <a:fontRef idx="minor">
+            <a:schemeClr val="tx1"/>
+          </a:fontRef>
+        </p:style>
+        <p:txBody>
+          <a:bodyPr rtlCol="0" anchor="ctr"/>
+          <a:lstStyle/>
+          <a:p>
+            <a:pPr algn="ctr"/>
+            <a:endParaRPr lang="en-GB"/>
+          </a:p>
+        </p:txBody>
+      </p:sp>
+      <p:cxnSp>
+        <p:nvCxnSpPr>
+          <p:cNvPr id="7" name="Straight Connector 6">
+            <a:extLst>
+              <a:ext uri="{FF2B5EF4-FFF2-40B4-BE49-F238E27FC236}">
+                <a16:creationId xmlns:a16="http://schemas.microsoft.com/office/drawing/2014/main" id="{EB65B854-561B-7342-8144-01958448AF3B}"/>
+              </a:ext>
+            </a:extLst>
+          </p:cNvPr>
+          <p:cNvCxnSpPr>
+            <a:cxnSpLocks/>
+          </p:cNvCxnSpPr>
+          <p:nvPr/>
+        </p:nvCxnSpPr>
+        <p:spPr>
+          <a:xfrm flipV="1">
+            <a:off x="5045927" y="3858324"/>
+            <a:ext cx="0" cy="2888165"/>
+          </a:xfrm>
+          <a:prstGeom prst="line">
+            <a:avLst/>
+          </a:prstGeom>
+        </p:spPr>
+        <p:style>
+          <a:lnRef idx="1">
+            <a:schemeClr val="accent1"/>
+          </a:lnRef>
+          <a:fillRef idx="0">
+            <a:schemeClr val="accent1"/>
+          </a:fillRef>
+          <a:effectRef idx="0">
+            <a:schemeClr val="accent1"/>
+          </a:effectRef>
+          <a:fontRef idx="minor">
+            <a:schemeClr val="tx1"/>
+          </a:fontRef>
+        </p:style>
+      </p:cxnSp>
+      <p:cxnSp>
+        <p:nvCxnSpPr>
+          <p:cNvPr id="9" name="Straight Connector 8">
+            <a:extLst>
+              <a:ext uri="{FF2B5EF4-FFF2-40B4-BE49-F238E27FC236}">
+                <a16:creationId xmlns:a16="http://schemas.microsoft.com/office/drawing/2014/main" id="{CDE1092C-EA3C-1040-8EC5-B39DA3FF242C}"/>
+              </a:ext>
+            </a:extLst>
+          </p:cNvPr>
+          <p:cNvCxnSpPr>
+            <a:cxnSpLocks/>
+          </p:cNvCxnSpPr>
+          <p:nvPr/>
+        </p:nvCxnSpPr>
+        <p:spPr>
+          <a:xfrm flipH="1" flipV="1">
+            <a:off x="3702205" y="4025590"/>
+            <a:ext cx="1343722" cy="2720899"/>
+          </a:xfrm>
+          <a:prstGeom prst="line">
+            <a:avLst/>
+          </a:prstGeom>
+        </p:spPr>
+        <p:style>
+          <a:lnRef idx="1">
+            <a:schemeClr val="accent1"/>
+          </a:lnRef>
+          <a:fillRef idx="0">
+            <a:schemeClr val="accent1"/>
+          </a:fillRef>
+          <a:effectRef idx="0">
+            <a:schemeClr val="accent1"/>
+          </a:effectRef>
+          <a:fontRef idx="minor">
+            <a:schemeClr val="tx1"/>
+          </a:fontRef>
+        </p:style>
+      </p:cxnSp>
+      <p:sp>
+        <p:nvSpPr>
+          <p:cNvPr id="12" name="6-Point Star 11">
+            <a:extLst>
+              <a:ext uri="{FF2B5EF4-FFF2-40B4-BE49-F238E27FC236}">
+                <a16:creationId xmlns:a16="http://schemas.microsoft.com/office/drawing/2014/main" id="{DF0BD2EF-A342-2249-9293-51D4AC8867CC}"/>
+              </a:ext>
+            </a:extLst>
+          </p:cNvPr>
+          <p:cNvSpPr>
+            <a:spLocks noChangeAspect="1"/>
+          </p:cNvSpPr>
+          <p:nvPr/>
+        </p:nvSpPr>
+        <p:spPr>
+          <a:xfrm>
+            <a:off x="4955927" y="111512"/>
+            <a:ext cx="180000" cy="180000"/>
+          </a:xfrm>
+          <a:prstGeom prst="star6">
+            <a:avLst/>
+          </a:prstGeom>
+          <a:solidFill>
+            <a:srgbClr val="FF0000"/>
+          </a:solidFill>
+          <a:ln>
+            <a:noFill/>
+          </a:ln>
+        </p:spPr>
+        <p:style>
+          <a:lnRef idx="2">
+            <a:schemeClr val="accent1">
+              <a:shade val="50000"/>
+            </a:schemeClr>
+          </a:lnRef>
+          <a:fillRef idx="1">
+            <a:schemeClr val="accent1"/>
+          </a:fillRef>
+          <a:effectRef idx="0">
+            <a:schemeClr val="accent1"/>
+          </a:effectRef>
+          <a:fontRef idx="minor">
+            <a:schemeClr val="lt1"/>
+          </a:fontRef>
+        </p:style>
+        <p:txBody>
+          <a:bodyPr rtlCol="0" anchor="ctr"/>
+          <a:lstStyle/>
+          <a:p>
+            <a:pPr algn="ctr"/>
+            <a:endParaRPr lang="en-GB"/>
+          </a:p>
+        </p:txBody>
+      </p:sp>
+      <p:cxnSp>
+        <p:nvCxnSpPr>
+          <p:cNvPr id="14" name="Straight Connector 13">
+            <a:extLst>
+              <a:ext uri="{FF2B5EF4-FFF2-40B4-BE49-F238E27FC236}">
+                <a16:creationId xmlns:a16="http://schemas.microsoft.com/office/drawing/2014/main" id="{3B05A895-338D-6947-A2B5-1B872EFD08B9}"/>
+              </a:ext>
+            </a:extLst>
+          </p:cNvPr>
+          <p:cNvCxnSpPr>
+            <a:stCxn id="12" idx="2"/>
+          </p:cNvCxnSpPr>
+          <p:nvPr/>
+        </p:nvCxnSpPr>
+        <p:spPr>
+          <a:xfrm>
+            <a:off x="5045927" y="291512"/>
+            <a:ext cx="0" cy="3566812"/>
+          </a:xfrm>
+          <a:prstGeom prst="line">
+            <a:avLst/>
+          </a:prstGeom>
+          <a:ln>
+            <a:solidFill>
+              <a:srgbClr val="FF0000"/>
+            </a:solidFill>
+          </a:ln>
+        </p:spPr>
+        <p:style>
+          <a:lnRef idx="1">
+            <a:schemeClr val="accent1"/>
+          </a:lnRef>
+          <a:fillRef idx="0">
+            <a:schemeClr val="accent1"/>
+          </a:fillRef>
+          <a:effectRef idx="0">
+            <a:schemeClr val="accent1"/>
+          </a:effectRef>
+          <a:fontRef idx="minor">
+            <a:schemeClr val="tx1"/>
+          </a:fontRef>
+        </p:style>
+      </p:cxnSp>
+      <p:cxnSp>
+        <p:nvCxnSpPr>
+          <p:cNvPr id="15" name="Straight Connector 14">
+            <a:extLst>
+              <a:ext uri="{FF2B5EF4-FFF2-40B4-BE49-F238E27FC236}">
+                <a16:creationId xmlns:a16="http://schemas.microsoft.com/office/drawing/2014/main" id="{11923410-3996-CA4B-A356-4C47CCF488A3}"/>
+              </a:ext>
+            </a:extLst>
+          </p:cNvPr>
+          <p:cNvCxnSpPr>
+            <a:cxnSpLocks/>
+          </p:cNvCxnSpPr>
+          <p:nvPr/>
+        </p:nvCxnSpPr>
+        <p:spPr>
+          <a:xfrm flipH="1">
+            <a:off x="3702205" y="291512"/>
+            <a:ext cx="1343722" cy="3734078"/>
+          </a:xfrm>
+          <a:prstGeom prst="line">
+            <a:avLst/>
+          </a:prstGeom>
+          <a:ln>
+            <a:solidFill>
+              <a:srgbClr val="FF0000"/>
+            </a:solidFill>
+          </a:ln>
+        </p:spPr>
+        <p:style>
+          <a:lnRef idx="1">
+            <a:schemeClr val="accent1"/>
+          </a:lnRef>
+          <a:fillRef idx="0">
+            <a:schemeClr val="accent1"/>
+          </a:fillRef>
+          <a:effectRef idx="0">
+            <a:schemeClr val="accent1"/>
+          </a:effectRef>
+          <a:fontRef idx="minor">
+            <a:schemeClr val="tx1"/>
+          </a:fontRef>
+        </p:style>
+      </p:cxnSp>
+      <p:cxnSp>
+        <p:nvCxnSpPr>
+          <p:cNvPr id="18" name="Straight Connector 17">
+            <a:extLst>
+              <a:ext uri="{FF2B5EF4-FFF2-40B4-BE49-F238E27FC236}">
+                <a16:creationId xmlns:a16="http://schemas.microsoft.com/office/drawing/2014/main" id="{B9DAD53B-B805-144A-B13E-6ED842CBF27E}"/>
+              </a:ext>
+            </a:extLst>
+          </p:cNvPr>
+          <p:cNvCxnSpPr/>
+          <p:nvPr/>
+        </p:nvCxnSpPr>
+        <p:spPr>
+          <a:xfrm>
+            <a:off x="3702205" y="4025590"/>
+            <a:ext cx="1343722" cy="0"/>
+          </a:xfrm>
+          <a:prstGeom prst="line">
+            <a:avLst/>
+          </a:prstGeom>
+          <a:ln>
+            <a:prstDash val="dash"/>
+          </a:ln>
+        </p:spPr>
+        <p:style>
+          <a:lnRef idx="1">
+            <a:schemeClr val="accent1"/>
+          </a:lnRef>
+          <a:fillRef idx="0">
+            <a:schemeClr val="accent1"/>
+          </a:fillRef>
+          <a:effectRef idx="0">
+            <a:schemeClr val="accent1"/>
+          </a:effectRef>
+          <a:fontRef idx="minor">
+            <a:schemeClr val="tx1"/>
+          </a:fontRef>
+        </p:style>
+      </p:cxnSp>
+      <p:sp>
+        <p:nvSpPr>
+          <p:cNvPr id="19" name="Rectangle 18">
+            <a:extLst>
+              <a:ext uri="{FF2B5EF4-FFF2-40B4-BE49-F238E27FC236}">
+                <a16:creationId xmlns:a16="http://schemas.microsoft.com/office/drawing/2014/main" id="{BFC644EA-EB70-634D-BBBD-3299150C8F65}"/>
+              </a:ext>
+            </a:extLst>
+          </p:cNvPr>
+          <p:cNvSpPr/>
+          <p:nvPr/>
+        </p:nvSpPr>
+        <p:spPr>
+          <a:xfrm>
+            <a:off x="4955927" y="3936458"/>
+            <a:ext cx="90000" cy="180000"/>
+          </a:xfrm>
+          <a:prstGeom prst="rect">
+            <a:avLst/>
+          </a:prstGeom>
+          <a:noFill/>
+          <a:ln w="6350">
+            <a:solidFill>
+              <a:srgbClr val="4372C4"/>
+            </a:solidFill>
+          </a:ln>
+        </p:spPr>
+        <p:style>
+          <a:lnRef idx="2">
+            <a:schemeClr val="accent1">
+              <a:shade val="50000"/>
+            </a:schemeClr>
+          </a:lnRef>
+          <a:fillRef idx="1">
+            <a:schemeClr val="accent1"/>
+          </a:fillRef>
+          <a:effectRef idx="0">
+            <a:schemeClr val="accent1"/>
+          </a:effectRef>
+          <a:fontRef idx="minor">
+            <a:schemeClr val="lt1"/>
+          </a:fontRef>
+        </p:style>
+        <p:txBody>
+          <a:bodyPr rtlCol="0" anchor="ctr"/>
+          <a:lstStyle/>
+          <a:p>
+            <a:pPr algn="ctr"/>
+            <a:endParaRPr lang="en-GB"/>
+          </a:p>
+        </p:txBody>
+      </p:sp>
+      <p:sp>
+        <p:nvSpPr>
+          <p:cNvPr id="21" name="Arc 20">
+            <a:extLst>
+              <a:ext uri="{FF2B5EF4-FFF2-40B4-BE49-F238E27FC236}">
+                <a16:creationId xmlns:a16="http://schemas.microsoft.com/office/drawing/2014/main" id="{D23FA39B-E6A8-D14E-AE2A-7A93A9466AB0}"/>
+              </a:ext>
+            </a:extLst>
+          </p:cNvPr>
+          <p:cNvSpPr/>
+          <p:nvPr/>
+        </p:nvSpPr>
+        <p:spPr>
+          <a:xfrm>
+            <a:off x="4354171" y="5798963"/>
+            <a:ext cx="1203512" cy="1075764"/>
+          </a:xfrm>
+          <a:prstGeom prst="arc">
+            <a:avLst>
+              <a:gd name="adj1" fmla="val 14004331"/>
+              <a:gd name="adj2" fmla="val 16759775"/>
+            </a:avLst>
+          </a:prstGeom>
+        </p:spPr>
+        <p:style>
+          <a:lnRef idx="1">
+            <a:schemeClr val="accent1"/>
+          </a:lnRef>
+          <a:fillRef idx="0">
+            <a:schemeClr val="accent1"/>
+          </a:fillRef>
+          <a:effectRef idx="0">
+            <a:schemeClr val="accent1"/>
+          </a:effectRef>
+          <a:fontRef idx="minor">
+            <a:schemeClr val="tx1"/>
+          </a:fontRef>
+        </p:style>
+        <p:txBody>
+          <a:bodyPr rtlCol="0" anchor="ctr"/>
+          <a:lstStyle/>
+          <a:p>
+            <a:pPr algn="ctr"/>
+            <a:endParaRPr lang="en-GB"/>
+          </a:p>
+        </p:txBody>
+      </p:sp>
+      <p:sp>
+        <p:nvSpPr>
+          <p:cNvPr id="22" name="TextBox 21">
+            <a:extLst>
+              <a:ext uri="{FF2B5EF4-FFF2-40B4-BE49-F238E27FC236}">
+                <a16:creationId xmlns:a16="http://schemas.microsoft.com/office/drawing/2014/main" id="{453143F0-BA70-2C40-BF22-C54D550D5C71}"/>
+              </a:ext>
+            </a:extLst>
+          </p:cNvPr>
+          <p:cNvSpPr txBox="1"/>
+          <p:nvPr/>
+        </p:nvSpPr>
+        <p:spPr>
+          <a:xfrm>
+            <a:off x="4729816" y="5904572"/>
+            <a:ext cx="316112" cy="369332"/>
+          </a:xfrm>
+          <a:prstGeom prst="rect">
+            <a:avLst/>
+          </a:prstGeom>
+          <a:noFill/>
+        </p:spPr>
+        <p:txBody>
+          <a:bodyPr wrap="none" rtlCol="0">
+            <a:spAutoFit/>
+          </a:bodyPr>
+          <a:lstStyle/>
+          <a:p>
+            <a:r>
+              <a:rPr lang="en-GB" dirty="0"/>
+              <a:t>α</a:t>
+            </a:r>
+          </a:p>
+        </p:txBody>
+      </p:sp>
+      <p:sp>
+        <p:nvSpPr>
+          <p:cNvPr id="23" name="Arc 22">
+            <a:extLst>
+              <a:ext uri="{FF2B5EF4-FFF2-40B4-BE49-F238E27FC236}">
+                <a16:creationId xmlns:a16="http://schemas.microsoft.com/office/drawing/2014/main" id="{3C773386-9B6D-AC4D-97A6-2B727E588B54}"/>
+              </a:ext>
+            </a:extLst>
+          </p:cNvPr>
+          <p:cNvSpPr/>
+          <p:nvPr/>
+        </p:nvSpPr>
+        <p:spPr>
+          <a:xfrm>
+            <a:off x="4399171" y="305285"/>
+            <a:ext cx="1203512" cy="1075764"/>
+          </a:xfrm>
+          <a:prstGeom prst="arc">
+            <a:avLst>
+              <a:gd name="adj1" fmla="val 5128818"/>
+              <a:gd name="adj2" fmla="val 7473651"/>
+            </a:avLst>
+          </a:prstGeom>
+          <a:ln>
+            <a:solidFill>
+              <a:srgbClr val="FF0000"/>
+            </a:solidFill>
+          </a:ln>
+        </p:spPr>
+        <p:style>
+          <a:lnRef idx="1">
+            <a:schemeClr val="accent1"/>
+          </a:lnRef>
+          <a:fillRef idx="0">
+            <a:schemeClr val="accent1"/>
+          </a:fillRef>
+          <a:effectRef idx="0">
+            <a:schemeClr val="accent1"/>
+          </a:effectRef>
+          <a:fontRef idx="minor">
+            <a:schemeClr val="tx1"/>
+          </a:fontRef>
+        </p:style>
+        <p:txBody>
+          <a:bodyPr rtlCol="0" anchor="ctr"/>
+          <a:lstStyle/>
+          <a:p>
+            <a:pPr algn="ctr"/>
+            <a:endParaRPr lang="en-GB"/>
+          </a:p>
+        </p:txBody>
+      </p:sp>
+      <p:sp>
+        <p:nvSpPr>
+          <p:cNvPr id="24" name="TextBox 23">
+            <a:extLst>
+              <a:ext uri="{FF2B5EF4-FFF2-40B4-BE49-F238E27FC236}">
+                <a16:creationId xmlns:a16="http://schemas.microsoft.com/office/drawing/2014/main" id="{D3B3BB14-8000-7E4F-A01D-974BA2C52A5E}"/>
+              </a:ext>
+            </a:extLst>
+          </p:cNvPr>
+          <p:cNvSpPr txBox="1"/>
+          <p:nvPr/>
+        </p:nvSpPr>
+        <p:spPr>
+          <a:xfrm>
+            <a:off x="4737829" y="976151"/>
+            <a:ext cx="308098" cy="369332"/>
+          </a:xfrm>
+          <a:prstGeom prst="rect">
+            <a:avLst/>
+          </a:prstGeom>
+          <a:noFill/>
+        </p:spPr>
+        <p:txBody>
+          <a:bodyPr wrap="none" rtlCol="0">
+            <a:spAutoFit/>
+          </a:bodyPr>
+          <a:lstStyle/>
+          <a:p>
+            <a:r>
+              <a:rPr lang="en-GB" dirty="0"/>
+              <a:t>θ</a:t>
+            </a:r>
+          </a:p>
+        </p:txBody>
+      </p:sp>
+      <p:sp>
+        <p:nvSpPr>
+          <p:cNvPr id="26" name="TextBox 25">
+            <a:extLst>
+              <a:ext uri="{FF2B5EF4-FFF2-40B4-BE49-F238E27FC236}">
+                <a16:creationId xmlns:a16="http://schemas.microsoft.com/office/drawing/2014/main" id="{F855528D-E8D8-AD42-B53C-E31EF6C90E40}"/>
+              </a:ext>
+            </a:extLst>
+          </p:cNvPr>
+          <p:cNvSpPr txBox="1"/>
+          <p:nvPr/>
+        </p:nvSpPr>
+        <p:spPr>
+          <a:xfrm rot="1068819">
+            <a:off x="6040490" y="3894786"/>
+            <a:ext cx="1415772" cy="261610"/>
+          </a:xfrm>
+          <a:prstGeom prst="rect">
+            <a:avLst/>
+          </a:prstGeom>
+          <a:noFill/>
+        </p:spPr>
+        <p:txBody>
+          <a:bodyPr wrap="none" rtlCol="0">
+            <a:spAutoFit/>
+          </a:bodyPr>
+          <a:lstStyle/>
+          <a:p>
+            <a:r>
+              <a:rPr lang="en-GB" sz="1050" dirty="0"/>
+              <a:t>Camera Focal Surface</a:t>
+            </a:r>
+          </a:p>
+        </p:txBody>
+      </p:sp>
+      <p:sp>
+        <p:nvSpPr>
+          <p:cNvPr id="27" name="TextBox 26">
+            <a:extLst>
+              <a:ext uri="{FF2B5EF4-FFF2-40B4-BE49-F238E27FC236}">
+                <a16:creationId xmlns:a16="http://schemas.microsoft.com/office/drawing/2014/main" id="{D0F949DF-24A6-4A45-9F70-64D91DF6D324}"/>
+              </a:ext>
+            </a:extLst>
+          </p:cNvPr>
+          <p:cNvSpPr txBox="1"/>
+          <p:nvPr/>
+        </p:nvSpPr>
+        <p:spPr>
+          <a:xfrm>
+            <a:off x="5066917" y="61712"/>
+            <a:ext cx="857927" cy="253916"/>
+          </a:xfrm>
+          <a:prstGeom prst="rect">
+            <a:avLst/>
+          </a:prstGeom>
+          <a:noFill/>
+        </p:spPr>
+        <p:txBody>
+          <a:bodyPr wrap="none" rtlCol="0">
+            <a:spAutoFit/>
+          </a:bodyPr>
+          <a:lstStyle/>
+          <a:p>
+            <a:r>
+              <a:rPr lang="en-GB" sz="1050" dirty="0"/>
+              <a:t>Light-source</a:t>
+            </a:r>
+          </a:p>
+        </p:txBody>
+      </p:sp>
+      <p:sp>
+        <p:nvSpPr>
+          <p:cNvPr id="28" name="TextBox 27">
+            <a:extLst>
+              <a:ext uri="{FF2B5EF4-FFF2-40B4-BE49-F238E27FC236}">
+                <a16:creationId xmlns:a16="http://schemas.microsoft.com/office/drawing/2014/main" id="{35FEA91F-1022-0D41-A420-EB4F46C9A8BF}"/>
+              </a:ext>
+            </a:extLst>
+          </p:cNvPr>
+          <p:cNvSpPr txBox="1"/>
+          <p:nvPr/>
+        </p:nvSpPr>
+        <p:spPr>
+          <a:xfrm>
+            <a:off x="5029033" y="6613117"/>
+            <a:ext cx="1483098" cy="253916"/>
+          </a:xfrm>
+          <a:prstGeom prst="rect">
+            <a:avLst/>
+          </a:prstGeom>
+          <a:noFill/>
+        </p:spPr>
+        <p:txBody>
+          <a:bodyPr wrap="none" rtlCol="0">
+            <a:spAutoFit/>
+          </a:bodyPr>
+          <a:lstStyle/>
+          <a:p>
+            <a:r>
+              <a:rPr lang="en-GB" sz="1050" dirty="0"/>
+              <a:t>Centre of Camera Circle</a:t>
+            </a:r>
+          </a:p>
+        </p:txBody>
+      </p:sp>
+      <p:sp>
+        <p:nvSpPr>
+          <p:cNvPr id="29" name="Oval 28">
+            <a:extLst>
+              <a:ext uri="{FF2B5EF4-FFF2-40B4-BE49-F238E27FC236}">
+                <a16:creationId xmlns:a16="http://schemas.microsoft.com/office/drawing/2014/main" id="{F04373C3-D654-584E-8EA8-BA06E6F1903A}"/>
+              </a:ext>
+            </a:extLst>
+          </p:cNvPr>
+          <p:cNvSpPr/>
+          <p:nvPr/>
+        </p:nvSpPr>
+        <p:spPr>
+          <a:xfrm>
+            <a:off x="4991403" y="6693685"/>
+            <a:ext cx="108284" cy="105609"/>
+          </a:xfrm>
+          <a:prstGeom prst="ellipse">
+            <a:avLst/>
+          </a:prstGeom>
+          <a:ln>
+            <a:noFill/>
+          </a:ln>
+        </p:spPr>
+        <p:style>
+          <a:lnRef idx="2">
+            <a:schemeClr val="accent1">
+              <a:shade val="50000"/>
+            </a:schemeClr>
+          </a:lnRef>
+          <a:fillRef idx="1">
+            <a:schemeClr val="accent1"/>
+          </a:fillRef>
+          <a:effectRef idx="0">
+            <a:schemeClr val="accent1"/>
+          </a:effectRef>
+          <a:fontRef idx="minor">
+            <a:schemeClr val="lt1"/>
+          </a:fontRef>
+        </p:style>
+        <p:txBody>
+          <a:bodyPr rtlCol="0" anchor="ctr"/>
+          <a:lstStyle/>
+          <a:p>
+            <a:pPr algn="ctr"/>
+            <a:endParaRPr lang="en-GB"/>
+          </a:p>
+        </p:txBody>
+      </p:sp>
+      <p:cxnSp>
+        <p:nvCxnSpPr>
+          <p:cNvPr id="34" name="Straight Connector 33">
+            <a:extLst>
+              <a:ext uri="{FF2B5EF4-FFF2-40B4-BE49-F238E27FC236}">
+                <a16:creationId xmlns:a16="http://schemas.microsoft.com/office/drawing/2014/main" id="{888271A9-61CA-0342-B5E9-53BECC9AA750}"/>
+              </a:ext>
+            </a:extLst>
+          </p:cNvPr>
+          <p:cNvCxnSpPr>
+            <a:cxnSpLocks/>
+          </p:cNvCxnSpPr>
+          <p:nvPr/>
+        </p:nvCxnSpPr>
+        <p:spPr>
+          <a:xfrm flipV="1">
+            <a:off x="3644844" y="3995343"/>
+            <a:ext cx="109203" cy="26402"/>
+          </a:xfrm>
+          <a:prstGeom prst="line">
+            <a:avLst/>
+          </a:prstGeom>
+          <a:ln w="38100">
+            <a:solidFill>
+              <a:schemeClr val="tx1"/>
+            </a:solidFill>
+          </a:ln>
+        </p:spPr>
+        <p:style>
+          <a:lnRef idx="1">
+            <a:schemeClr val="accent1"/>
+          </a:lnRef>
+          <a:fillRef idx="0">
+            <a:schemeClr val="accent1"/>
+          </a:fillRef>
+          <a:effectRef idx="0">
+            <a:schemeClr val="accent1"/>
+          </a:effectRef>
+          <a:fontRef idx="minor">
+            <a:schemeClr val="tx1"/>
+          </a:fontRef>
+        </p:style>
+      </p:cxnSp>
+      <p:sp>
+        <p:nvSpPr>
+          <p:cNvPr id="39" name="TextBox 38">
+            <a:extLst>
+              <a:ext uri="{FF2B5EF4-FFF2-40B4-BE49-F238E27FC236}">
+                <a16:creationId xmlns:a16="http://schemas.microsoft.com/office/drawing/2014/main" id="{F548B6AB-CDBC-7D43-AA3E-B0D69B82C350}"/>
+              </a:ext>
+            </a:extLst>
+          </p:cNvPr>
+          <p:cNvSpPr txBox="1"/>
+          <p:nvPr/>
+        </p:nvSpPr>
+        <p:spPr>
+          <a:xfrm>
+            <a:off x="5062821" y="4866389"/>
+            <a:ext cx="385042" cy="369332"/>
+          </a:xfrm>
+          <a:prstGeom prst="rect">
+            <a:avLst/>
+          </a:prstGeom>
+          <a:noFill/>
+        </p:spPr>
+        <p:txBody>
+          <a:bodyPr wrap="none" rtlCol="0">
+            <a:spAutoFit/>
+          </a:bodyPr>
+          <a:lstStyle/>
+          <a:p>
+            <a:r>
+              <a:rPr lang="en-GB" dirty="0"/>
+              <a:t>d</a:t>
+            </a:r>
+            <a:r>
+              <a:rPr lang="en-GB" baseline="-25000" dirty="0"/>
+              <a:t>2</a:t>
+            </a:r>
+            <a:endParaRPr lang="en-GB" dirty="0"/>
+          </a:p>
+        </p:txBody>
+      </p:sp>
+      <p:sp>
+        <p:nvSpPr>
+          <p:cNvPr id="40" name="TextBox 39">
+            <a:extLst>
+              <a:ext uri="{FF2B5EF4-FFF2-40B4-BE49-F238E27FC236}">
+                <a16:creationId xmlns:a16="http://schemas.microsoft.com/office/drawing/2014/main" id="{2AC25E33-DB99-4346-948B-CA83DC67B4F8}"/>
+              </a:ext>
+            </a:extLst>
+          </p:cNvPr>
+          <p:cNvSpPr txBox="1"/>
+          <p:nvPr/>
+        </p:nvSpPr>
+        <p:spPr>
+          <a:xfrm>
+            <a:off x="4998143" y="3784919"/>
+            <a:ext cx="385042" cy="369332"/>
+          </a:xfrm>
+          <a:prstGeom prst="rect">
+            <a:avLst/>
+          </a:prstGeom>
+          <a:noFill/>
+        </p:spPr>
+        <p:txBody>
+          <a:bodyPr wrap="none" rtlCol="0">
+            <a:spAutoFit/>
+          </a:bodyPr>
+          <a:lstStyle/>
+          <a:p>
+            <a:r>
+              <a:rPr lang="en-GB" dirty="0"/>
+              <a:t>d</a:t>
+            </a:r>
+            <a:r>
+              <a:rPr lang="en-GB" baseline="-25000" dirty="0"/>
+              <a:t>1</a:t>
+            </a:r>
+            <a:endParaRPr lang="en-GB" dirty="0"/>
+          </a:p>
+        </p:txBody>
+      </p:sp>
+      <p:sp>
+        <p:nvSpPr>
+          <p:cNvPr id="41" name="TextBox 40">
+            <a:extLst>
+              <a:ext uri="{FF2B5EF4-FFF2-40B4-BE49-F238E27FC236}">
+                <a16:creationId xmlns:a16="http://schemas.microsoft.com/office/drawing/2014/main" id="{5F0B91BD-2B5E-7F47-AF35-157359500709}"/>
+              </a:ext>
+            </a:extLst>
+          </p:cNvPr>
+          <p:cNvSpPr txBox="1"/>
+          <p:nvPr/>
+        </p:nvSpPr>
+        <p:spPr>
+          <a:xfrm>
+            <a:off x="5029033" y="2158551"/>
+            <a:ext cx="372218" cy="369332"/>
+          </a:xfrm>
+          <a:prstGeom prst="rect">
+            <a:avLst/>
+          </a:prstGeom>
+          <a:noFill/>
+        </p:spPr>
+        <p:txBody>
+          <a:bodyPr wrap="none" rtlCol="0">
+            <a:spAutoFit/>
+          </a:bodyPr>
+          <a:lstStyle/>
+          <a:p>
+            <a:r>
+              <a:rPr lang="en-GB" dirty="0"/>
+              <a:t>d</a:t>
+            </a:r>
+            <a:r>
+              <a:rPr lang="en-GB" baseline="-25000" dirty="0"/>
+              <a:t>c</a:t>
+            </a:r>
+            <a:endParaRPr lang="en-GB" dirty="0"/>
+          </a:p>
+        </p:txBody>
+      </p:sp>
+      <p:sp>
+        <p:nvSpPr>
+          <p:cNvPr id="42" name="TextBox 41">
+            <a:extLst>
+              <a:ext uri="{FF2B5EF4-FFF2-40B4-BE49-F238E27FC236}">
+                <a16:creationId xmlns:a16="http://schemas.microsoft.com/office/drawing/2014/main" id="{56783E8F-4A31-7345-A7D6-B1DB98936F68}"/>
+              </a:ext>
+            </a:extLst>
+          </p:cNvPr>
+          <p:cNvSpPr txBox="1"/>
+          <p:nvPr/>
+        </p:nvSpPr>
+        <p:spPr>
+          <a:xfrm>
+            <a:off x="3981953" y="2084952"/>
+            <a:ext cx="367408" cy="369332"/>
+          </a:xfrm>
+          <a:prstGeom prst="rect">
+            <a:avLst/>
+          </a:prstGeom>
+          <a:noFill/>
+        </p:spPr>
+        <p:txBody>
+          <a:bodyPr wrap="none" rtlCol="0">
+            <a:spAutoFit/>
+          </a:bodyPr>
+          <a:lstStyle/>
+          <a:p>
+            <a:r>
+              <a:rPr lang="en-GB" dirty="0" err="1"/>
+              <a:t>d</a:t>
+            </a:r>
+            <a:r>
+              <a:rPr lang="en-GB" baseline="-25000" dirty="0" err="1"/>
+              <a:t>z</a:t>
+            </a:r>
+            <a:endParaRPr lang="en-GB" dirty="0"/>
+          </a:p>
+        </p:txBody>
+      </p:sp>
+      <p:sp>
+        <p:nvSpPr>
+          <p:cNvPr id="43" name="TextBox 42">
+            <a:extLst>
+              <a:ext uri="{FF2B5EF4-FFF2-40B4-BE49-F238E27FC236}">
+                <a16:creationId xmlns:a16="http://schemas.microsoft.com/office/drawing/2014/main" id="{6DEAC719-ADB6-F047-915E-794DABB3A9D4}"/>
+              </a:ext>
+            </a:extLst>
+          </p:cNvPr>
+          <p:cNvSpPr txBox="1"/>
+          <p:nvPr/>
+        </p:nvSpPr>
+        <p:spPr>
+          <a:xfrm>
+            <a:off x="4200113" y="3987196"/>
+            <a:ext cx="284052" cy="369332"/>
+          </a:xfrm>
+          <a:prstGeom prst="rect">
+            <a:avLst/>
+          </a:prstGeom>
+          <a:noFill/>
+        </p:spPr>
+        <p:txBody>
+          <a:bodyPr wrap="none" rtlCol="0">
+            <a:spAutoFit/>
+          </a:bodyPr>
+          <a:lstStyle/>
+          <a:p>
+            <a:r>
+              <a:rPr lang="en-GB" dirty="0"/>
+              <a:t>x</a:t>
+            </a:r>
+          </a:p>
+        </p:txBody>
+      </p:sp>
+      <p:sp>
+        <p:nvSpPr>
+          <p:cNvPr id="44" name="TextBox 43">
+            <a:extLst>
+              <a:ext uri="{FF2B5EF4-FFF2-40B4-BE49-F238E27FC236}">
+                <a16:creationId xmlns:a16="http://schemas.microsoft.com/office/drawing/2014/main" id="{C870FD77-B3AF-E348-BF06-89F6513635B8}"/>
+              </a:ext>
+            </a:extLst>
+          </p:cNvPr>
+          <p:cNvSpPr txBox="1"/>
+          <p:nvPr/>
+        </p:nvSpPr>
+        <p:spPr>
+          <a:xfrm>
+            <a:off x="3981953" y="4986699"/>
+            <a:ext cx="264816" cy="369332"/>
+          </a:xfrm>
+          <a:prstGeom prst="rect">
+            <a:avLst/>
+          </a:prstGeom>
+          <a:noFill/>
+        </p:spPr>
+        <p:txBody>
+          <a:bodyPr wrap="none" rtlCol="0">
+            <a:spAutoFit/>
+          </a:bodyPr>
+          <a:lstStyle/>
+          <a:p>
+            <a:r>
+              <a:rPr lang="en-GB" dirty="0"/>
+              <a:t>r</a:t>
+            </a:r>
+          </a:p>
+        </p:txBody>
+      </p:sp>
+      <p:cxnSp>
+        <p:nvCxnSpPr>
+          <p:cNvPr id="57" name="Straight Connector 56">
+            <a:extLst>
+              <a:ext uri="{FF2B5EF4-FFF2-40B4-BE49-F238E27FC236}">
+                <a16:creationId xmlns:a16="http://schemas.microsoft.com/office/drawing/2014/main" id="{F42E48B8-8F9C-7C46-BD9C-180A677D3644}"/>
+              </a:ext>
+            </a:extLst>
+          </p:cNvPr>
+          <p:cNvCxnSpPr>
+            <a:cxnSpLocks noChangeAspect="1"/>
+          </p:cNvCxnSpPr>
+          <p:nvPr/>
+        </p:nvCxnSpPr>
+        <p:spPr>
+          <a:xfrm flipH="1" flipV="1">
+            <a:off x="3339566" y="3291180"/>
+            <a:ext cx="362638" cy="734304"/>
+          </a:xfrm>
+          <a:prstGeom prst="line">
+            <a:avLst/>
+          </a:prstGeom>
+          <a:ln>
+            <a:solidFill>
+              <a:schemeClr val="tx1"/>
+            </a:solidFill>
+            <a:headEnd type="none" w="med" len="med"/>
+            <a:tailEnd type="triangle" w="med" len="med"/>
+          </a:ln>
+        </p:spPr>
+        <p:style>
+          <a:lnRef idx="1">
+            <a:schemeClr val="accent1"/>
+          </a:lnRef>
+          <a:fillRef idx="0">
+            <a:schemeClr val="accent1"/>
+          </a:fillRef>
+          <a:effectRef idx="0">
+            <a:schemeClr val="accent1"/>
+          </a:effectRef>
+          <a:fontRef idx="minor">
+            <a:schemeClr val="tx1"/>
+          </a:fontRef>
+        </p:style>
+      </p:cxnSp>
+      <p:sp>
+        <p:nvSpPr>
+          <p:cNvPr id="59" name="Arc 58">
+            <a:extLst>
+              <a:ext uri="{FF2B5EF4-FFF2-40B4-BE49-F238E27FC236}">
+                <a16:creationId xmlns:a16="http://schemas.microsoft.com/office/drawing/2014/main" id="{1CF5C861-1721-9245-9322-F074DBF3561D}"/>
+              </a:ext>
+            </a:extLst>
+          </p:cNvPr>
+          <p:cNvSpPr/>
+          <p:nvPr/>
+        </p:nvSpPr>
+        <p:spPr>
+          <a:xfrm>
+            <a:off x="3120000" y="3470662"/>
+            <a:ext cx="1203512" cy="1075764"/>
+          </a:xfrm>
+          <a:prstGeom prst="arc">
+            <a:avLst>
+              <a:gd name="adj1" fmla="val 14448500"/>
+              <a:gd name="adj2" fmla="val 17304444"/>
+            </a:avLst>
+          </a:prstGeom>
+          <a:ln>
+            <a:solidFill>
+              <a:schemeClr val="tx1"/>
+            </a:solidFill>
+          </a:ln>
+        </p:spPr>
+        <p:style>
+          <a:lnRef idx="1">
+            <a:schemeClr val="accent1"/>
+          </a:lnRef>
+          <a:fillRef idx="0">
+            <a:schemeClr val="accent1"/>
+          </a:fillRef>
+          <a:effectRef idx="0">
+            <a:schemeClr val="accent1"/>
+          </a:effectRef>
+          <a:fontRef idx="minor">
+            <a:schemeClr val="tx1"/>
+          </a:fontRef>
+        </p:style>
+        <p:txBody>
+          <a:bodyPr rtlCol="0" anchor="ctr"/>
+          <a:lstStyle/>
+          <a:p>
+            <a:pPr algn="ctr"/>
+            <a:endParaRPr lang="en-GB"/>
+          </a:p>
+        </p:txBody>
+      </p:sp>
+      <p:sp>
+        <p:nvSpPr>
+          <p:cNvPr id="60" name="TextBox 59">
+            <a:extLst>
+              <a:ext uri="{FF2B5EF4-FFF2-40B4-BE49-F238E27FC236}">
+                <a16:creationId xmlns:a16="http://schemas.microsoft.com/office/drawing/2014/main" id="{3A61C585-509A-EA44-9448-F6F017A2F04E}"/>
+              </a:ext>
+            </a:extLst>
+          </p:cNvPr>
+          <p:cNvSpPr txBox="1"/>
+          <p:nvPr/>
+        </p:nvSpPr>
+        <p:spPr>
+          <a:xfrm>
+            <a:off x="3552410" y="3497244"/>
+            <a:ext cx="308098" cy="369332"/>
+          </a:xfrm>
+          <a:prstGeom prst="rect">
+            <a:avLst/>
+          </a:prstGeom>
+          <a:noFill/>
+        </p:spPr>
+        <p:txBody>
+          <a:bodyPr wrap="none" rtlCol="0">
+            <a:spAutoFit/>
+          </a:bodyPr>
+          <a:lstStyle/>
+          <a:p>
+            <a:r>
+              <a:rPr lang="en-GB" dirty="0"/>
+              <a:t>β</a:t>
+            </a:r>
+          </a:p>
+        </p:txBody>
+      </p:sp>
+      <p:cxnSp>
+        <p:nvCxnSpPr>
+          <p:cNvPr id="61" name="Straight Connector 60">
+            <a:extLst>
+              <a:ext uri="{FF2B5EF4-FFF2-40B4-BE49-F238E27FC236}">
+                <a16:creationId xmlns:a16="http://schemas.microsoft.com/office/drawing/2014/main" id="{1E95FA66-1AA3-864D-BB95-754941F215A6}"/>
+              </a:ext>
+            </a:extLst>
+          </p:cNvPr>
+          <p:cNvCxnSpPr>
+            <a:cxnSpLocks noChangeAspect="1"/>
+          </p:cNvCxnSpPr>
+          <p:nvPr/>
+        </p:nvCxnSpPr>
+        <p:spPr>
+          <a:xfrm flipV="1">
+            <a:off x="3694611" y="4021747"/>
+            <a:ext cx="0" cy="1456373"/>
+          </a:xfrm>
+          <a:prstGeom prst="line">
+            <a:avLst/>
+          </a:prstGeom>
+          <a:ln>
+            <a:prstDash val="sysDot"/>
+          </a:ln>
+        </p:spPr>
+        <p:style>
+          <a:lnRef idx="1">
+            <a:schemeClr val="accent1"/>
+          </a:lnRef>
+          <a:fillRef idx="0">
+            <a:schemeClr val="accent1"/>
+          </a:fillRef>
+          <a:effectRef idx="0">
+            <a:schemeClr val="accent1"/>
+          </a:effectRef>
+          <a:fontRef idx="minor">
+            <a:schemeClr val="tx1"/>
+          </a:fontRef>
+        </p:style>
+      </p:cxnSp>
+      <p:cxnSp>
+        <p:nvCxnSpPr>
+          <p:cNvPr id="64" name="Straight Connector 63">
+            <a:extLst>
+              <a:ext uri="{FF2B5EF4-FFF2-40B4-BE49-F238E27FC236}">
+                <a16:creationId xmlns:a16="http://schemas.microsoft.com/office/drawing/2014/main" id="{9F4EA009-DE66-7847-90C3-725084AD38F6}"/>
+              </a:ext>
+            </a:extLst>
+          </p:cNvPr>
+          <p:cNvCxnSpPr>
+            <a:cxnSpLocks noChangeAspect="1"/>
+          </p:cNvCxnSpPr>
+          <p:nvPr/>
+        </p:nvCxnSpPr>
+        <p:spPr>
+          <a:xfrm flipH="1">
+            <a:off x="3174544" y="4026572"/>
+            <a:ext cx="522345" cy="1451548"/>
+          </a:xfrm>
+          <a:prstGeom prst="line">
+            <a:avLst/>
+          </a:prstGeom>
+          <a:ln>
+            <a:solidFill>
+              <a:srgbClr val="FF0000"/>
+            </a:solidFill>
+            <a:prstDash val="sysDot"/>
+          </a:ln>
+        </p:spPr>
+        <p:style>
+          <a:lnRef idx="1">
+            <a:schemeClr val="accent1"/>
+          </a:lnRef>
+          <a:fillRef idx="0">
+            <a:schemeClr val="accent1"/>
+          </a:fillRef>
+          <a:effectRef idx="0">
+            <a:schemeClr val="accent1"/>
+          </a:effectRef>
+          <a:fontRef idx="minor">
+            <a:schemeClr val="tx1"/>
+          </a:fontRef>
+        </p:style>
+      </p:cxnSp>
+      <p:sp>
+        <p:nvSpPr>
+          <p:cNvPr id="66" name="Arc 65">
+            <a:extLst>
+              <a:ext uri="{FF2B5EF4-FFF2-40B4-BE49-F238E27FC236}">
+                <a16:creationId xmlns:a16="http://schemas.microsoft.com/office/drawing/2014/main" id="{38692C21-46CB-FE4B-9485-658AB8FBBE0D}"/>
+              </a:ext>
+            </a:extLst>
+          </p:cNvPr>
+          <p:cNvSpPr/>
+          <p:nvPr/>
+        </p:nvSpPr>
+        <p:spPr>
+          <a:xfrm>
+            <a:off x="3168983" y="3385169"/>
+            <a:ext cx="1203512" cy="1075764"/>
+          </a:xfrm>
+          <a:prstGeom prst="arc">
+            <a:avLst>
+              <a:gd name="adj1" fmla="val 5872318"/>
+              <a:gd name="adj2" fmla="val 6786286"/>
+            </a:avLst>
+          </a:prstGeom>
+          <a:ln>
+            <a:solidFill>
+              <a:srgbClr val="FF0000"/>
+            </a:solidFill>
+            <a:prstDash val="sysDot"/>
+          </a:ln>
+        </p:spPr>
+        <p:style>
+          <a:lnRef idx="1">
+            <a:schemeClr val="accent1"/>
+          </a:lnRef>
+          <a:fillRef idx="0">
+            <a:schemeClr val="accent1"/>
+          </a:fillRef>
+          <a:effectRef idx="0">
+            <a:schemeClr val="accent1"/>
+          </a:effectRef>
+          <a:fontRef idx="minor">
+            <a:schemeClr val="tx1"/>
+          </a:fontRef>
+        </p:style>
+        <p:txBody>
+          <a:bodyPr rtlCol="0" anchor="ctr"/>
+          <a:lstStyle/>
+          <a:p>
+            <a:pPr algn="ctr"/>
+            <a:endParaRPr lang="en-GB"/>
+          </a:p>
+        </p:txBody>
+      </p:sp>
+      <p:sp>
+        <p:nvSpPr>
+          <p:cNvPr id="67" name="TextBox 66">
+            <a:extLst>
+              <a:ext uri="{FF2B5EF4-FFF2-40B4-BE49-F238E27FC236}">
+                <a16:creationId xmlns:a16="http://schemas.microsoft.com/office/drawing/2014/main" id="{C4DEB33B-B6D7-B240-BC69-C76DE7E89ED5}"/>
+              </a:ext>
+            </a:extLst>
+          </p:cNvPr>
+          <p:cNvSpPr txBox="1"/>
+          <p:nvPr/>
+        </p:nvSpPr>
+        <p:spPr>
+          <a:xfrm>
+            <a:off x="3514840" y="4237028"/>
+            <a:ext cx="260008" cy="261610"/>
+          </a:xfrm>
+          <a:prstGeom prst="rect">
+            <a:avLst/>
+          </a:prstGeom>
+          <a:noFill/>
+        </p:spPr>
+        <p:txBody>
+          <a:bodyPr wrap="none" rtlCol="0">
+            <a:spAutoFit/>
+          </a:bodyPr>
+          <a:lstStyle/>
+          <a:p>
+            <a:r>
+              <a:rPr lang="en-GB" sz="1100" dirty="0"/>
+              <a:t>θ</a:t>
+            </a:r>
+          </a:p>
+        </p:txBody>
+      </p:sp>
+      <p:sp>
+        <p:nvSpPr>
+          <p:cNvPr id="68" name="Arc 67">
+            <a:extLst>
+              <a:ext uri="{FF2B5EF4-FFF2-40B4-BE49-F238E27FC236}">
+                <a16:creationId xmlns:a16="http://schemas.microsoft.com/office/drawing/2014/main" id="{EDEB5B3A-6E4A-C049-9D50-AF732D4172F7}"/>
+              </a:ext>
+            </a:extLst>
+          </p:cNvPr>
+          <p:cNvSpPr/>
+          <p:nvPr/>
+        </p:nvSpPr>
+        <p:spPr>
+          <a:xfrm>
+            <a:off x="3099011" y="3276909"/>
+            <a:ext cx="1203512" cy="1075764"/>
+          </a:xfrm>
+          <a:prstGeom prst="arc">
+            <a:avLst>
+              <a:gd name="adj1" fmla="val 4408054"/>
+              <a:gd name="adj2" fmla="val 5395354"/>
+            </a:avLst>
+          </a:prstGeom>
+          <a:ln>
+            <a:prstDash val="sysDot"/>
+          </a:ln>
+        </p:spPr>
+        <p:style>
+          <a:lnRef idx="1">
+            <a:schemeClr val="accent1"/>
+          </a:lnRef>
+          <a:fillRef idx="0">
+            <a:schemeClr val="accent1"/>
+          </a:fillRef>
+          <a:effectRef idx="0">
+            <a:schemeClr val="accent1"/>
+          </a:effectRef>
+          <a:fontRef idx="minor">
+            <a:schemeClr val="tx1"/>
+          </a:fontRef>
+        </p:style>
+        <p:txBody>
+          <a:bodyPr rtlCol="0" anchor="ctr"/>
+          <a:lstStyle/>
+          <a:p>
+            <a:pPr algn="ctr"/>
+            <a:endParaRPr lang="en-GB"/>
+          </a:p>
+        </p:txBody>
+      </p:sp>
+      <p:sp>
+        <p:nvSpPr>
+          <p:cNvPr id="69" name="TextBox 68">
+            <a:extLst>
+              <a:ext uri="{FF2B5EF4-FFF2-40B4-BE49-F238E27FC236}">
+                <a16:creationId xmlns:a16="http://schemas.microsoft.com/office/drawing/2014/main" id="{EF481F16-C117-834E-AAEE-70AC083E9FBE}"/>
+              </a:ext>
+            </a:extLst>
+          </p:cNvPr>
+          <p:cNvSpPr txBox="1"/>
+          <p:nvPr/>
+        </p:nvSpPr>
+        <p:spPr>
+          <a:xfrm>
+            <a:off x="3623796" y="4111265"/>
+            <a:ext cx="264816" cy="261610"/>
+          </a:xfrm>
+          <a:prstGeom prst="rect">
+            <a:avLst/>
+          </a:prstGeom>
+          <a:noFill/>
+        </p:spPr>
+        <p:txBody>
+          <a:bodyPr wrap="none" rtlCol="0">
+            <a:spAutoFit/>
+          </a:bodyPr>
+          <a:lstStyle/>
+          <a:p>
+            <a:r>
+              <a:rPr lang="en-GB" sz="1100" dirty="0"/>
+              <a:t>α</a:t>
+            </a:r>
+          </a:p>
+        </p:txBody>
+      </p:sp>
+    </p:spTree>
+    <p:extLst>
+      <p:ext uri="{BB962C8B-B14F-4D97-AF65-F5344CB8AC3E}">
+        <p14:creationId xmlns:p14="http://schemas.microsoft.com/office/powerpoint/2010/main" val="3499679119"/>
+      </p:ext>
+    </p:extLst>
+  </p:cSld>
+  <p:clrMapOvr>
+    <a:masterClrMapping/>
+  </p:clrMapOvr>
+</p:sld>
+</file>
+
 <file path=ppt/theme/theme1.xml><?xml version="1.0" encoding="utf-8"?>
 <a:theme xmlns:a="http://schemas.openxmlformats.org/drawingml/2006/main" name="Office Theme">
   <a:themeElements>

--- a/misc/dataflow.pptx
+++ b/misc/dataflow.pptx
@@ -5,13 +5,17 @@
     <p:sldMasterId id="2147483648" r:id="rId1"/>
   </p:sldMasterIdLst>
   <p:notesMasterIdLst>
-    <p:notesMasterId r:id="rId6"/>
+    <p:notesMasterId r:id="rId10"/>
   </p:notesMasterIdLst>
   <p:sldIdLst>
     <p:sldId id="256" r:id="rId2"/>
     <p:sldId id="257" r:id="rId3"/>
     <p:sldId id="258" r:id="rId4"/>
     <p:sldId id="259" r:id="rId5"/>
+    <p:sldId id="260" r:id="rId6"/>
+    <p:sldId id="262" r:id="rId7"/>
+    <p:sldId id="261" r:id="rId8"/>
+    <p:sldId id="263" r:id="rId9"/>
   </p:sldIdLst>
   <p:sldSz cx="12192000" cy="6858000"/>
   <p:notesSz cx="6858000" cy="9144000"/>
@@ -200,7 +204,7 @@
           <a:p>
             <a:fld id="{C5B23C63-B32F-AF4C-B9DF-43B06B6336C1}" type="datetimeFigureOut">
               <a:rPr lang="en-GB" smtClean="0"/>
-              <a:t>21/08/2018</a:t>
+              <a:t>04/09/2018</a:t>
             </a:fld>
             <a:endParaRPr lang="en-GB"/>
           </a:p>
@@ -785,7 +789,7 @@
           <a:p>
             <a:fld id="{9F682711-DC70-F046-A7AB-3B6E062141C5}" type="datetimeFigureOut">
               <a:rPr lang="en-GB" smtClean="0"/>
-              <a:t>21/08/2018</a:t>
+              <a:t>04/09/2018</a:t>
             </a:fld>
             <a:endParaRPr lang="en-GB"/>
           </a:p>
@@ -985,7 +989,7 @@
           <a:p>
             <a:fld id="{9F682711-DC70-F046-A7AB-3B6E062141C5}" type="datetimeFigureOut">
               <a:rPr lang="en-GB" smtClean="0"/>
-              <a:t>21/08/2018</a:t>
+              <a:t>04/09/2018</a:t>
             </a:fld>
             <a:endParaRPr lang="en-GB"/>
           </a:p>
@@ -1195,7 +1199,7 @@
           <a:p>
             <a:fld id="{9F682711-DC70-F046-A7AB-3B6E062141C5}" type="datetimeFigureOut">
               <a:rPr lang="en-GB" smtClean="0"/>
-              <a:t>21/08/2018</a:t>
+              <a:t>04/09/2018</a:t>
             </a:fld>
             <a:endParaRPr lang="en-GB"/>
           </a:p>
@@ -1395,7 +1399,7 @@
           <a:p>
             <a:fld id="{9F682711-DC70-F046-A7AB-3B6E062141C5}" type="datetimeFigureOut">
               <a:rPr lang="en-GB" smtClean="0"/>
-              <a:t>21/08/2018</a:t>
+              <a:t>04/09/2018</a:t>
             </a:fld>
             <a:endParaRPr lang="en-GB"/>
           </a:p>
@@ -1671,7 +1675,7 @@
           <a:p>
             <a:fld id="{9F682711-DC70-F046-A7AB-3B6E062141C5}" type="datetimeFigureOut">
               <a:rPr lang="en-GB" smtClean="0"/>
-              <a:t>21/08/2018</a:t>
+              <a:t>04/09/2018</a:t>
             </a:fld>
             <a:endParaRPr lang="en-GB"/>
           </a:p>
@@ -1939,7 +1943,7 @@
           <a:p>
             <a:fld id="{9F682711-DC70-F046-A7AB-3B6E062141C5}" type="datetimeFigureOut">
               <a:rPr lang="en-GB" smtClean="0"/>
-              <a:t>21/08/2018</a:t>
+              <a:t>04/09/2018</a:t>
             </a:fld>
             <a:endParaRPr lang="en-GB"/>
           </a:p>
@@ -2354,7 +2358,7 @@
           <a:p>
             <a:fld id="{9F682711-DC70-F046-A7AB-3B6E062141C5}" type="datetimeFigureOut">
               <a:rPr lang="en-GB" smtClean="0"/>
-              <a:t>21/08/2018</a:t>
+              <a:t>04/09/2018</a:t>
             </a:fld>
             <a:endParaRPr lang="en-GB"/>
           </a:p>
@@ -2496,7 +2500,7 @@
           <a:p>
             <a:fld id="{9F682711-DC70-F046-A7AB-3B6E062141C5}" type="datetimeFigureOut">
               <a:rPr lang="en-GB" smtClean="0"/>
-              <a:t>21/08/2018</a:t>
+              <a:t>04/09/2018</a:t>
             </a:fld>
             <a:endParaRPr lang="en-GB"/>
           </a:p>
@@ -2609,7 +2613,7 @@
           <a:p>
             <a:fld id="{9F682711-DC70-F046-A7AB-3B6E062141C5}" type="datetimeFigureOut">
               <a:rPr lang="en-GB" smtClean="0"/>
-              <a:t>21/08/2018</a:t>
+              <a:t>04/09/2018</a:t>
             </a:fld>
             <a:endParaRPr lang="en-GB"/>
           </a:p>
@@ -2922,7 +2926,7 @@
           <a:p>
             <a:fld id="{9F682711-DC70-F046-A7AB-3B6E062141C5}" type="datetimeFigureOut">
               <a:rPr lang="en-GB" smtClean="0"/>
-              <a:t>21/08/2018</a:t>
+              <a:t>04/09/2018</a:t>
             </a:fld>
             <a:endParaRPr lang="en-GB"/>
           </a:p>
@@ -3211,7 +3215,7 @@
           <a:p>
             <a:fld id="{9F682711-DC70-F046-A7AB-3B6E062141C5}" type="datetimeFigureOut">
               <a:rPr lang="en-GB" smtClean="0"/>
-              <a:t>21/08/2018</a:t>
+              <a:t>04/09/2018</a:t>
             </a:fld>
             <a:endParaRPr lang="en-GB"/>
           </a:p>
@@ -3454,7 +3458,7 @@
           <a:p>
             <a:fld id="{9F682711-DC70-F046-A7AB-3B6E062141C5}" type="datetimeFigureOut">
               <a:rPr lang="en-GB" smtClean="0"/>
-              <a:t>21/08/2018</a:t>
+              <a:t>04/09/2018</a:t>
             </a:fld>
             <a:endParaRPr lang="en-GB"/>
           </a:p>
@@ -29346,7 +29350,7 @@
         <p:spPr>
           <a:xfrm>
             <a:off x="5066917" y="61712"/>
-            <a:ext cx="857927" cy="253916"/>
+            <a:ext cx="846707" cy="253916"/>
           </a:xfrm>
           <a:prstGeom prst="rect">
             <a:avLst/>
@@ -29361,7 +29365,7 @@
           <a:p>
             <a:r>
               <a:rPr lang="en-GB" sz="1050" dirty="0"/>
-              <a:t>Light-source</a:t>
+              <a:t>Light source</a:t>
             </a:r>
           </a:p>
         </p:txBody>
@@ -30126,6 +30130,2782 @@
 </p:sld>
 </file>
 
+<file path=ppt/slides/slide5.xml><?xml version="1.0" encoding="utf-8"?>
+<p:sld xmlns:a="http://schemas.openxmlformats.org/drawingml/2006/main" xmlns:r="http://schemas.openxmlformats.org/officeDocument/2006/relationships" xmlns:p="http://schemas.openxmlformats.org/presentationml/2006/main">
+  <p:cSld>
+    <p:spTree>
+      <p:nvGrpSpPr>
+        <p:cNvPr id="1" name=""/>
+        <p:cNvGrpSpPr/>
+        <p:nvPr/>
+      </p:nvGrpSpPr>
+      <p:grpSpPr>
+        <a:xfrm>
+          <a:off x="0" y="0"/>
+          <a:ext cx="0" cy="0"/>
+          <a:chOff x="0" y="0"/>
+          <a:chExt cx="0" cy="0"/>
+        </a:xfrm>
+      </p:grpSpPr>
+      <p:sp>
+        <p:nvSpPr>
+          <p:cNvPr id="80" name="Oval 79">
+            <a:extLst>
+              <a:ext uri="{FF2B5EF4-FFF2-40B4-BE49-F238E27FC236}">
+                <a16:creationId xmlns:a16="http://schemas.microsoft.com/office/drawing/2014/main" id="{6BAC1B9E-7DFD-264F-89ED-DCE5D5A6063B}"/>
+              </a:ext>
+            </a:extLst>
+          </p:cNvPr>
+          <p:cNvSpPr>
+            <a:spLocks noChangeAspect="1"/>
+          </p:cNvSpPr>
+          <p:nvPr/>
+        </p:nvSpPr>
+        <p:spPr>
+          <a:xfrm>
+            <a:off x="3433447" y="3516720"/>
+            <a:ext cx="516012" cy="516012"/>
+          </a:xfrm>
+          <a:prstGeom prst="ellipse">
+            <a:avLst/>
+          </a:prstGeom>
+          <a:solidFill>
+            <a:schemeClr val="bg1"/>
+          </a:solidFill>
+          <a:ln>
+            <a:solidFill>
+              <a:schemeClr val="tx1"/>
+            </a:solidFill>
+          </a:ln>
+        </p:spPr>
+        <p:style>
+          <a:lnRef idx="2">
+            <a:schemeClr val="accent1">
+              <a:shade val="50000"/>
+            </a:schemeClr>
+          </a:lnRef>
+          <a:fillRef idx="1">
+            <a:schemeClr val="accent1"/>
+          </a:fillRef>
+          <a:effectRef idx="0">
+            <a:schemeClr val="accent1"/>
+          </a:effectRef>
+          <a:fontRef idx="minor">
+            <a:schemeClr val="lt1"/>
+          </a:fontRef>
+        </p:style>
+        <p:txBody>
+          <a:bodyPr rtlCol="0" anchor="ctr"/>
+          <a:lstStyle/>
+          <a:p>
+            <a:pPr algn="ctr"/>
+            <a:endParaRPr lang="en-GB"/>
+          </a:p>
+        </p:txBody>
+      </p:sp>
+      <p:sp>
+        <p:nvSpPr>
+          <p:cNvPr id="78" name="Oval 77">
+            <a:extLst>
+              <a:ext uri="{FF2B5EF4-FFF2-40B4-BE49-F238E27FC236}">
+                <a16:creationId xmlns:a16="http://schemas.microsoft.com/office/drawing/2014/main" id="{3EB14AC0-20BA-4748-8FE6-BAAC10170599}"/>
+              </a:ext>
+            </a:extLst>
+          </p:cNvPr>
+          <p:cNvSpPr>
+            <a:spLocks noChangeAspect="1"/>
+          </p:cNvSpPr>
+          <p:nvPr/>
+        </p:nvSpPr>
+        <p:spPr>
+          <a:xfrm>
+            <a:off x="1195718" y="4318789"/>
+            <a:ext cx="516012" cy="516012"/>
+          </a:xfrm>
+          <a:prstGeom prst="ellipse">
+            <a:avLst/>
+          </a:prstGeom>
+          <a:solidFill>
+            <a:schemeClr val="bg1"/>
+          </a:solidFill>
+          <a:ln>
+            <a:solidFill>
+              <a:schemeClr val="tx1"/>
+            </a:solidFill>
+          </a:ln>
+        </p:spPr>
+        <p:style>
+          <a:lnRef idx="2">
+            <a:schemeClr val="accent1">
+              <a:shade val="50000"/>
+            </a:schemeClr>
+          </a:lnRef>
+          <a:fillRef idx="1">
+            <a:schemeClr val="accent1"/>
+          </a:fillRef>
+          <a:effectRef idx="0">
+            <a:schemeClr val="accent1"/>
+          </a:effectRef>
+          <a:fontRef idx="minor">
+            <a:schemeClr val="lt1"/>
+          </a:fontRef>
+        </p:style>
+        <p:txBody>
+          <a:bodyPr rtlCol="0" anchor="ctr"/>
+          <a:lstStyle/>
+          <a:p>
+            <a:pPr algn="ctr"/>
+            <a:endParaRPr lang="en-GB"/>
+          </a:p>
+        </p:txBody>
+      </p:sp>
+      <p:cxnSp>
+        <p:nvCxnSpPr>
+          <p:cNvPr id="61" name="Straight Connector 60">
+            <a:extLst>
+              <a:ext uri="{FF2B5EF4-FFF2-40B4-BE49-F238E27FC236}">
+                <a16:creationId xmlns:a16="http://schemas.microsoft.com/office/drawing/2014/main" id="{562E8CD2-292B-5147-9F71-11854BF986E9}"/>
+              </a:ext>
+            </a:extLst>
+          </p:cNvPr>
+          <p:cNvCxnSpPr>
+            <a:cxnSpLocks/>
+          </p:cNvCxnSpPr>
+          <p:nvPr/>
+        </p:nvCxnSpPr>
+        <p:spPr>
+          <a:xfrm flipV="1">
+            <a:off x="1179413" y="2612658"/>
+            <a:ext cx="2278677" cy="2233515"/>
+          </a:xfrm>
+          <a:prstGeom prst="line">
+            <a:avLst/>
+          </a:prstGeom>
+          <a:ln w="12700"/>
+        </p:spPr>
+        <p:style>
+          <a:lnRef idx="1">
+            <a:schemeClr val="dk1"/>
+          </a:lnRef>
+          <a:fillRef idx="0">
+            <a:schemeClr val="dk1"/>
+          </a:fillRef>
+          <a:effectRef idx="0">
+            <a:schemeClr val="dk1"/>
+          </a:effectRef>
+          <a:fontRef idx="minor">
+            <a:schemeClr val="tx1"/>
+          </a:fontRef>
+        </p:style>
+      </p:cxnSp>
+      <p:sp>
+        <p:nvSpPr>
+          <p:cNvPr id="79" name="Oval 78">
+            <a:extLst>
+              <a:ext uri="{FF2B5EF4-FFF2-40B4-BE49-F238E27FC236}">
+                <a16:creationId xmlns:a16="http://schemas.microsoft.com/office/drawing/2014/main" id="{AB73D040-F60E-B64E-8061-55F73326A26C}"/>
+              </a:ext>
+            </a:extLst>
+          </p:cNvPr>
+          <p:cNvSpPr>
+            <a:spLocks noChangeAspect="1"/>
+          </p:cNvSpPr>
+          <p:nvPr/>
+        </p:nvSpPr>
+        <p:spPr>
+          <a:xfrm>
+            <a:off x="2616639" y="2625378"/>
+            <a:ext cx="516012" cy="516012"/>
+          </a:xfrm>
+          <a:prstGeom prst="ellipse">
+            <a:avLst/>
+          </a:prstGeom>
+          <a:solidFill>
+            <a:schemeClr val="bg1"/>
+          </a:solidFill>
+          <a:ln>
+            <a:solidFill>
+              <a:schemeClr val="tx1"/>
+            </a:solidFill>
+          </a:ln>
+        </p:spPr>
+        <p:style>
+          <a:lnRef idx="2">
+            <a:schemeClr val="accent1">
+              <a:shade val="50000"/>
+            </a:schemeClr>
+          </a:lnRef>
+          <a:fillRef idx="1">
+            <a:schemeClr val="accent1"/>
+          </a:fillRef>
+          <a:effectRef idx="0">
+            <a:schemeClr val="accent1"/>
+          </a:effectRef>
+          <a:fontRef idx="minor">
+            <a:schemeClr val="lt1"/>
+          </a:fontRef>
+        </p:style>
+        <p:txBody>
+          <a:bodyPr rtlCol="0" anchor="ctr"/>
+          <a:lstStyle/>
+          <a:p>
+            <a:pPr algn="ctr"/>
+            <a:endParaRPr lang="en-GB"/>
+          </a:p>
+        </p:txBody>
+      </p:sp>
+      <p:sp>
+        <p:nvSpPr>
+          <p:cNvPr id="56" name="Oval 55">
+            <a:extLst>
+              <a:ext uri="{FF2B5EF4-FFF2-40B4-BE49-F238E27FC236}">
+                <a16:creationId xmlns:a16="http://schemas.microsoft.com/office/drawing/2014/main" id="{330ED522-9A16-1C4A-ACE6-B926552B8F42}"/>
+              </a:ext>
+            </a:extLst>
+          </p:cNvPr>
+          <p:cNvSpPr>
+            <a:spLocks noChangeAspect="1"/>
+          </p:cNvSpPr>
+          <p:nvPr/>
+        </p:nvSpPr>
+        <p:spPr>
+          <a:xfrm rot="2714273">
+            <a:off x="1334851" y="4551584"/>
+            <a:ext cx="45719" cy="238258"/>
+          </a:xfrm>
+          <a:prstGeom prst="ellipse">
+            <a:avLst/>
+          </a:prstGeom>
+          <a:solidFill>
+            <a:schemeClr val="tx1"/>
+          </a:solidFill>
+          <a:ln>
+            <a:noFill/>
+          </a:ln>
+        </p:spPr>
+        <p:style>
+          <a:lnRef idx="2">
+            <a:schemeClr val="accent1">
+              <a:shade val="50000"/>
+            </a:schemeClr>
+          </a:lnRef>
+          <a:fillRef idx="1">
+            <a:schemeClr val="accent1"/>
+          </a:fillRef>
+          <a:effectRef idx="0">
+            <a:schemeClr val="accent1"/>
+          </a:effectRef>
+          <a:fontRef idx="minor">
+            <a:schemeClr val="lt1"/>
+          </a:fontRef>
+        </p:style>
+        <p:txBody>
+          <a:bodyPr rtlCol="0" anchor="ctr"/>
+          <a:lstStyle/>
+          <a:p>
+            <a:pPr algn="ctr"/>
+            <a:endParaRPr lang="en-GB"/>
+          </a:p>
+        </p:txBody>
+      </p:sp>
+      <p:sp>
+        <p:nvSpPr>
+          <p:cNvPr id="57" name="Oval 56">
+            <a:extLst>
+              <a:ext uri="{FF2B5EF4-FFF2-40B4-BE49-F238E27FC236}">
+                <a16:creationId xmlns:a16="http://schemas.microsoft.com/office/drawing/2014/main" id="{1992B344-A3CC-0445-90D1-3FB588A769F0}"/>
+              </a:ext>
+            </a:extLst>
+          </p:cNvPr>
+          <p:cNvSpPr>
+            <a:spLocks noChangeAspect="1"/>
+          </p:cNvSpPr>
+          <p:nvPr/>
+        </p:nvSpPr>
+        <p:spPr>
+          <a:xfrm rot="7059828">
+            <a:off x="3736210" y="3704526"/>
+            <a:ext cx="98520" cy="221071"/>
+          </a:xfrm>
+          <a:prstGeom prst="ellipse">
+            <a:avLst/>
+          </a:prstGeom>
+          <a:solidFill>
+            <a:schemeClr val="tx1"/>
+          </a:solidFill>
+          <a:ln>
+            <a:noFill/>
+          </a:ln>
+        </p:spPr>
+        <p:style>
+          <a:lnRef idx="2">
+            <a:schemeClr val="accent1">
+              <a:shade val="50000"/>
+            </a:schemeClr>
+          </a:lnRef>
+          <a:fillRef idx="1">
+            <a:schemeClr val="accent1"/>
+          </a:fillRef>
+          <a:effectRef idx="0">
+            <a:schemeClr val="accent1"/>
+          </a:effectRef>
+          <a:fontRef idx="minor">
+            <a:schemeClr val="lt1"/>
+          </a:fontRef>
+        </p:style>
+        <p:txBody>
+          <a:bodyPr rtlCol="0" anchor="ctr"/>
+          <a:lstStyle/>
+          <a:p>
+            <a:pPr algn="ctr"/>
+            <a:endParaRPr lang="en-GB"/>
+          </a:p>
+        </p:txBody>
+      </p:sp>
+      <p:cxnSp>
+        <p:nvCxnSpPr>
+          <p:cNvPr id="59" name="Straight Connector 58">
+            <a:extLst>
+              <a:ext uri="{FF2B5EF4-FFF2-40B4-BE49-F238E27FC236}">
+                <a16:creationId xmlns:a16="http://schemas.microsoft.com/office/drawing/2014/main" id="{0D273C09-A519-384A-9592-78BCF3557676}"/>
+              </a:ext>
+            </a:extLst>
+          </p:cNvPr>
+          <p:cNvCxnSpPr>
+            <a:cxnSpLocks/>
+          </p:cNvCxnSpPr>
+          <p:nvPr/>
+        </p:nvCxnSpPr>
+        <p:spPr>
+          <a:xfrm flipV="1">
+            <a:off x="2692795" y="2010993"/>
+            <a:ext cx="358045" cy="1784933"/>
+          </a:xfrm>
+          <a:prstGeom prst="line">
+            <a:avLst/>
+          </a:prstGeom>
+          <a:ln w="12700"/>
+        </p:spPr>
+        <p:style>
+          <a:lnRef idx="1">
+            <a:schemeClr val="dk1"/>
+          </a:lnRef>
+          <a:fillRef idx="0">
+            <a:schemeClr val="dk1"/>
+          </a:fillRef>
+          <a:effectRef idx="0">
+            <a:schemeClr val="dk1"/>
+          </a:effectRef>
+          <a:fontRef idx="minor">
+            <a:schemeClr val="tx1"/>
+          </a:fontRef>
+        </p:style>
+      </p:cxnSp>
+      <p:cxnSp>
+        <p:nvCxnSpPr>
+          <p:cNvPr id="60" name="Straight Connector 59">
+            <a:extLst>
+              <a:ext uri="{FF2B5EF4-FFF2-40B4-BE49-F238E27FC236}">
+                <a16:creationId xmlns:a16="http://schemas.microsoft.com/office/drawing/2014/main" id="{9DB53A43-9DE8-4C40-8403-85261F0B5975}"/>
+              </a:ext>
+            </a:extLst>
+          </p:cNvPr>
+          <p:cNvCxnSpPr>
+            <a:cxnSpLocks/>
+          </p:cNvCxnSpPr>
+          <p:nvPr/>
+        </p:nvCxnSpPr>
+        <p:spPr>
+          <a:xfrm>
+            <a:off x="2150163" y="2933886"/>
+            <a:ext cx="2527134" cy="1345634"/>
+          </a:xfrm>
+          <a:prstGeom prst="line">
+            <a:avLst/>
+          </a:prstGeom>
+          <a:ln w="12700"/>
+        </p:spPr>
+        <p:style>
+          <a:lnRef idx="1">
+            <a:schemeClr val="dk1"/>
+          </a:lnRef>
+          <a:fillRef idx="0">
+            <a:schemeClr val="dk1"/>
+          </a:fillRef>
+          <a:effectRef idx="0">
+            <a:schemeClr val="dk1"/>
+          </a:effectRef>
+          <a:fontRef idx="minor">
+            <a:schemeClr val="tx1"/>
+          </a:fontRef>
+        </p:style>
+      </p:cxnSp>
+      <p:sp>
+        <p:nvSpPr>
+          <p:cNvPr id="63" name="Oval 62">
+            <a:extLst>
+              <a:ext uri="{FF2B5EF4-FFF2-40B4-BE49-F238E27FC236}">
+                <a16:creationId xmlns:a16="http://schemas.microsoft.com/office/drawing/2014/main" id="{233C4E30-B388-D647-B135-91D6FF19C5CE}"/>
+              </a:ext>
+            </a:extLst>
+          </p:cNvPr>
+          <p:cNvSpPr>
+            <a:spLocks noChangeAspect="1"/>
+          </p:cNvSpPr>
+          <p:nvPr/>
+        </p:nvSpPr>
+        <p:spPr>
+          <a:xfrm rot="694878">
+            <a:off x="2863361" y="2777511"/>
+            <a:ext cx="45719" cy="112159"/>
+          </a:xfrm>
+          <a:prstGeom prst="ellipse">
+            <a:avLst/>
+          </a:prstGeom>
+          <a:solidFill>
+            <a:schemeClr val="tx1"/>
+          </a:solidFill>
+          <a:ln>
+            <a:noFill/>
+          </a:ln>
+        </p:spPr>
+        <p:style>
+          <a:lnRef idx="2">
+            <a:schemeClr val="accent1">
+              <a:shade val="50000"/>
+            </a:schemeClr>
+          </a:lnRef>
+          <a:fillRef idx="1">
+            <a:schemeClr val="accent1"/>
+          </a:fillRef>
+          <a:effectRef idx="0">
+            <a:schemeClr val="accent1"/>
+          </a:effectRef>
+          <a:fontRef idx="minor">
+            <a:schemeClr val="lt1"/>
+          </a:fontRef>
+        </p:style>
+        <p:txBody>
+          <a:bodyPr rtlCol="0" anchor="ctr"/>
+          <a:lstStyle/>
+          <a:p>
+            <a:pPr algn="ctr"/>
+            <a:endParaRPr lang="en-GB"/>
+          </a:p>
+        </p:txBody>
+      </p:sp>
+      <p:sp>
+        <p:nvSpPr>
+          <p:cNvPr id="64" name="TextBox 63">
+            <a:extLst>
+              <a:ext uri="{FF2B5EF4-FFF2-40B4-BE49-F238E27FC236}">
+                <a16:creationId xmlns:a16="http://schemas.microsoft.com/office/drawing/2014/main" id="{D27D6388-C6E3-BE4C-A239-66C1D9D94093}"/>
+              </a:ext>
+            </a:extLst>
+          </p:cNvPr>
+          <p:cNvSpPr txBox="1"/>
+          <p:nvPr/>
+        </p:nvSpPr>
+        <p:spPr>
+          <a:xfrm>
+            <a:off x="813739" y="2725538"/>
+            <a:ext cx="1277850" cy="369332"/>
+          </a:xfrm>
+          <a:prstGeom prst="rect">
+            <a:avLst/>
+          </a:prstGeom>
+          <a:noFill/>
+        </p:spPr>
+        <p:txBody>
+          <a:bodyPr wrap="none" rtlCol="0">
+            <a:spAutoFit/>
+          </a:bodyPr>
+          <a:lstStyle/>
+          <a:p>
+            <a:r>
+              <a:rPr lang="en-GB" dirty="0">
+                <a:latin typeface="Times New Roman" panose="02020603050405020304" pitchFamily="18" charset="0"/>
+                <a:cs typeface="Times New Roman" panose="02020603050405020304" pitchFamily="18" charset="0"/>
+              </a:rPr>
+              <a:t>Telescope 1</a:t>
+            </a:r>
+          </a:p>
+        </p:txBody>
+      </p:sp>
+      <p:sp>
+        <p:nvSpPr>
+          <p:cNvPr id="65" name="TextBox 64">
+            <a:extLst>
+              <a:ext uri="{FF2B5EF4-FFF2-40B4-BE49-F238E27FC236}">
+                <a16:creationId xmlns:a16="http://schemas.microsoft.com/office/drawing/2014/main" id="{25BF1D7A-179D-9D45-BF4F-4380526C83BE}"/>
+              </a:ext>
+            </a:extLst>
+          </p:cNvPr>
+          <p:cNvSpPr txBox="1"/>
+          <p:nvPr/>
+        </p:nvSpPr>
+        <p:spPr>
+          <a:xfrm>
+            <a:off x="1720869" y="2288565"/>
+            <a:ext cx="1277850" cy="369332"/>
+          </a:xfrm>
+          <a:prstGeom prst="rect">
+            <a:avLst/>
+          </a:prstGeom>
+          <a:noFill/>
+        </p:spPr>
+        <p:txBody>
+          <a:bodyPr wrap="none" rtlCol="0">
+            <a:spAutoFit/>
+          </a:bodyPr>
+          <a:lstStyle/>
+          <a:p>
+            <a:r>
+              <a:rPr lang="en-GB" dirty="0">
+                <a:latin typeface="Times New Roman" panose="02020603050405020304" pitchFamily="18" charset="0"/>
+                <a:cs typeface="Times New Roman" panose="02020603050405020304" pitchFamily="18" charset="0"/>
+              </a:rPr>
+              <a:t>Telescope 2</a:t>
+            </a:r>
+          </a:p>
+        </p:txBody>
+      </p:sp>
+      <p:sp>
+        <p:nvSpPr>
+          <p:cNvPr id="66" name="TextBox 65">
+            <a:extLst>
+              <a:ext uri="{FF2B5EF4-FFF2-40B4-BE49-F238E27FC236}">
+                <a16:creationId xmlns:a16="http://schemas.microsoft.com/office/drawing/2014/main" id="{093EE1C0-6A4D-204D-A6E0-8B8A20B1D15B}"/>
+              </a:ext>
+            </a:extLst>
+          </p:cNvPr>
+          <p:cNvSpPr txBox="1"/>
+          <p:nvPr/>
+        </p:nvSpPr>
+        <p:spPr>
+          <a:xfrm>
+            <a:off x="3854890" y="3364626"/>
+            <a:ext cx="1277850" cy="369332"/>
+          </a:xfrm>
+          <a:prstGeom prst="rect">
+            <a:avLst/>
+          </a:prstGeom>
+          <a:noFill/>
+        </p:spPr>
+        <p:txBody>
+          <a:bodyPr wrap="none" rtlCol="0">
+            <a:spAutoFit/>
+          </a:bodyPr>
+          <a:lstStyle/>
+          <a:p>
+            <a:r>
+              <a:rPr lang="en-GB" dirty="0">
+                <a:latin typeface="Times New Roman" panose="02020603050405020304" pitchFamily="18" charset="0"/>
+                <a:cs typeface="Times New Roman" panose="02020603050405020304" pitchFamily="18" charset="0"/>
+              </a:rPr>
+              <a:t>Telescope 3</a:t>
+            </a:r>
+          </a:p>
+        </p:txBody>
+      </p:sp>
+      <p:sp>
+        <p:nvSpPr>
+          <p:cNvPr id="67" name="TextBox 66">
+            <a:extLst>
+              <a:ext uri="{FF2B5EF4-FFF2-40B4-BE49-F238E27FC236}">
+                <a16:creationId xmlns:a16="http://schemas.microsoft.com/office/drawing/2014/main" id="{5243D21B-6930-134E-BA3F-19EF900B755E}"/>
+              </a:ext>
+            </a:extLst>
+          </p:cNvPr>
+          <p:cNvSpPr txBox="1"/>
+          <p:nvPr/>
+        </p:nvSpPr>
+        <p:spPr>
+          <a:xfrm>
+            <a:off x="1642024" y="4300418"/>
+            <a:ext cx="1277850" cy="369332"/>
+          </a:xfrm>
+          <a:prstGeom prst="rect">
+            <a:avLst/>
+          </a:prstGeom>
+          <a:noFill/>
+        </p:spPr>
+        <p:txBody>
+          <a:bodyPr wrap="none" rtlCol="0">
+            <a:spAutoFit/>
+          </a:bodyPr>
+          <a:lstStyle/>
+          <a:p>
+            <a:r>
+              <a:rPr lang="en-GB" dirty="0">
+                <a:latin typeface="Times New Roman" panose="02020603050405020304" pitchFamily="18" charset="0"/>
+                <a:cs typeface="Times New Roman" panose="02020603050405020304" pitchFamily="18" charset="0"/>
+              </a:rPr>
+              <a:t>Telescope 4</a:t>
+            </a:r>
+          </a:p>
+        </p:txBody>
+      </p:sp>
+      <p:sp>
+        <p:nvSpPr>
+          <p:cNvPr id="68" name="TextBox 67">
+            <a:extLst>
+              <a:ext uri="{FF2B5EF4-FFF2-40B4-BE49-F238E27FC236}">
+                <a16:creationId xmlns:a16="http://schemas.microsoft.com/office/drawing/2014/main" id="{2FF01739-AD02-094A-BEFD-432A8C06BEA7}"/>
+              </a:ext>
+            </a:extLst>
+          </p:cNvPr>
+          <p:cNvSpPr txBox="1"/>
+          <p:nvPr/>
+        </p:nvSpPr>
+        <p:spPr>
+          <a:xfrm>
+            <a:off x="3259817" y="2748940"/>
+            <a:ext cx="2274982" cy="369332"/>
+          </a:xfrm>
+          <a:prstGeom prst="rect">
+            <a:avLst/>
+          </a:prstGeom>
+          <a:noFill/>
+        </p:spPr>
+        <p:txBody>
+          <a:bodyPr wrap="none" rtlCol="0">
+            <a:spAutoFit/>
+          </a:bodyPr>
+          <a:lstStyle/>
+          <a:p>
+            <a:r>
+              <a:rPr lang="en-GB" dirty="0">
+                <a:latin typeface="Times New Roman" panose="02020603050405020304" pitchFamily="18" charset="0"/>
+                <a:cs typeface="Times New Roman" panose="02020603050405020304" pitchFamily="18" charset="0"/>
+              </a:rPr>
+              <a:t>Shower Core Location</a:t>
+            </a:r>
+          </a:p>
+        </p:txBody>
+      </p:sp>
+      <p:cxnSp>
+        <p:nvCxnSpPr>
+          <p:cNvPr id="69" name="Straight Arrow Connector 68">
+            <a:extLst>
+              <a:ext uri="{FF2B5EF4-FFF2-40B4-BE49-F238E27FC236}">
+                <a16:creationId xmlns:a16="http://schemas.microsoft.com/office/drawing/2014/main" id="{CAF470E3-D31F-0B4C-A645-45B76CF28561}"/>
+              </a:ext>
+            </a:extLst>
+          </p:cNvPr>
+          <p:cNvCxnSpPr>
+            <a:cxnSpLocks/>
+          </p:cNvCxnSpPr>
+          <p:nvPr/>
+        </p:nvCxnSpPr>
+        <p:spPr>
+          <a:xfrm flipH="1">
+            <a:off x="2879851" y="2950793"/>
+            <a:ext cx="434201" cy="303761"/>
+          </a:xfrm>
+          <a:prstGeom prst="straightConnector1">
+            <a:avLst/>
+          </a:prstGeom>
+          <a:ln>
+            <a:tailEnd type="triangle"/>
+          </a:ln>
+        </p:spPr>
+        <p:style>
+          <a:lnRef idx="1">
+            <a:schemeClr val="dk1"/>
+          </a:lnRef>
+          <a:fillRef idx="0">
+            <a:schemeClr val="dk1"/>
+          </a:fillRef>
+          <a:effectRef idx="0">
+            <a:schemeClr val="dk1"/>
+          </a:effectRef>
+          <a:fontRef idx="minor">
+            <a:schemeClr val="tx1"/>
+          </a:fontRef>
+        </p:style>
+      </p:cxnSp>
+      <p:sp>
+        <p:nvSpPr>
+          <p:cNvPr id="71" name="Oval 70">
+            <a:extLst>
+              <a:ext uri="{FF2B5EF4-FFF2-40B4-BE49-F238E27FC236}">
+                <a16:creationId xmlns:a16="http://schemas.microsoft.com/office/drawing/2014/main" id="{8EF0345D-CBE4-C048-AF67-09C77514C440}"/>
+              </a:ext>
+            </a:extLst>
+          </p:cNvPr>
+          <p:cNvSpPr>
+            <a:spLocks noChangeAspect="1"/>
+          </p:cNvSpPr>
+          <p:nvPr/>
+        </p:nvSpPr>
+        <p:spPr>
+          <a:xfrm>
+            <a:off x="917920" y="3045710"/>
+            <a:ext cx="516012" cy="516012"/>
+          </a:xfrm>
+          <a:prstGeom prst="ellipse">
+            <a:avLst/>
+          </a:prstGeom>
+          <a:solidFill>
+            <a:schemeClr val="bg1"/>
+          </a:solidFill>
+          <a:ln>
+            <a:solidFill>
+              <a:schemeClr val="tx1"/>
+            </a:solidFill>
+          </a:ln>
+        </p:spPr>
+        <p:style>
+          <a:lnRef idx="2">
+            <a:schemeClr val="accent1">
+              <a:shade val="50000"/>
+            </a:schemeClr>
+          </a:lnRef>
+          <a:fillRef idx="1">
+            <a:schemeClr val="accent1"/>
+          </a:fillRef>
+          <a:effectRef idx="0">
+            <a:schemeClr val="accent1"/>
+          </a:effectRef>
+          <a:fontRef idx="minor">
+            <a:schemeClr val="lt1"/>
+          </a:fontRef>
+        </p:style>
+        <p:txBody>
+          <a:bodyPr rtlCol="0" anchor="ctr"/>
+          <a:lstStyle/>
+          <a:p>
+            <a:pPr algn="ctr"/>
+            <a:endParaRPr lang="en-GB"/>
+          </a:p>
+        </p:txBody>
+      </p:sp>
+      <p:cxnSp>
+        <p:nvCxnSpPr>
+          <p:cNvPr id="58" name="Straight Connector 57">
+            <a:extLst>
+              <a:ext uri="{FF2B5EF4-FFF2-40B4-BE49-F238E27FC236}">
+                <a16:creationId xmlns:a16="http://schemas.microsoft.com/office/drawing/2014/main" id="{A1B6AB24-CF12-4749-B5DA-04B55CC49DC1}"/>
+              </a:ext>
+            </a:extLst>
+          </p:cNvPr>
+          <p:cNvCxnSpPr/>
+          <p:nvPr/>
+        </p:nvCxnSpPr>
+        <p:spPr>
+          <a:xfrm>
+            <a:off x="886980" y="3302658"/>
+            <a:ext cx="3586348" cy="0"/>
+          </a:xfrm>
+          <a:prstGeom prst="line">
+            <a:avLst/>
+          </a:prstGeom>
+          <a:ln w="12700"/>
+        </p:spPr>
+        <p:style>
+          <a:lnRef idx="1">
+            <a:schemeClr val="dk1"/>
+          </a:lnRef>
+          <a:fillRef idx="0">
+            <a:schemeClr val="dk1"/>
+          </a:fillRef>
+          <a:effectRef idx="0">
+            <a:schemeClr val="dk1"/>
+          </a:effectRef>
+          <a:fontRef idx="minor">
+            <a:schemeClr val="tx1"/>
+          </a:fontRef>
+        </p:style>
+      </p:cxnSp>
+      <p:sp>
+        <p:nvSpPr>
+          <p:cNvPr id="55" name="Oval 54">
+            <a:extLst>
+              <a:ext uri="{FF2B5EF4-FFF2-40B4-BE49-F238E27FC236}">
+                <a16:creationId xmlns:a16="http://schemas.microsoft.com/office/drawing/2014/main" id="{3AC9F6FD-BDD3-404C-B147-4E11BF066774}"/>
+              </a:ext>
+            </a:extLst>
+          </p:cNvPr>
+          <p:cNvSpPr>
+            <a:spLocks noChangeAspect="1"/>
+          </p:cNvSpPr>
+          <p:nvPr/>
+        </p:nvSpPr>
+        <p:spPr>
+          <a:xfrm rot="5400000">
+            <a:off x="1010942" y="3200987"/>
+            <a:ext cx="55978" cy="212516"/>
+          </a:xfrm>
+          <a:prstGeom prst="ellipse">
+            <a:avLst/>
+          </a:prstGeom>
+          <a:solidFill>
+            <a:schemeClr val="tx1"/>
+          </a:solidFill>
+          <a:ln>
+            <a:noFill/>
+          </a:ln>
+        </p:spPr>
+        <p:style>
+          <a:lnRef idx="2">
+            <a:schemeClr val="accent1">
+              <a:shade val="50000"/>
+            </a:schemeClr>
+          </a:lnRef>
+          <a:fillRef idx="1">
+            <a:schemeClr val="accent1"/>
+          </a:fillRef>
+          <a:effectRef idx="0">
+            <a:schemeClr val="accent1"/>
+          </a:effectRef>
+          <a:fontRef idx="minor">
+            <a:schemeClr val="lt1"/>
+          </a:fontRef>
+        </p:style>
+        <p:txBody>
+          <a:bodyPr rtlCol="0" anchor="ctr"/>
+          <a:lstStyle/>
+          <a:p>
+            <a:pPr algn="ctr"/>
+            <a:endParaRPr lang="en-GB"/>
+          </a:p>
+        </p:txBody>
+      </p:sp>
+      <p:sp>
+        <p:nvSpPr>
+          <p:cNvPr id="62" name="Oval 61">
+            <a:extLst>
+              <a:ext uri="{FF2B5EF4-FFF2-40B4-BE49-F238E27FC236}">
+                <a16:creationId xmlns:a16="http://schemas.microsoft.com/office/drawing/2014/main" id="{DA19590E-DB03-204B-95FD-7EB0E187E061}"/>
+              </a:ext>
+            </a:extLst>
+          </p:cNvPr>
+          <p:cNvSpPr/>
+          <p:nvPr/>
+        </p:nvSpPr>
+        <p:spPr>
+          <a:xfrm>
+            <a:off x="2692795" y="3207765"/>
+            <a:ext cx="180000" cy="180000"/>
+          </a:xfrm>
+          <a:prstGeom prst="ellipse">
+            <a:avLst/>
+          </a:prstGeom>
+          <a:solidFill>
+            <a:schemeClr val="bg1"/>
+          </a:solidFill>
+          <a:ln>
+            <a:solidFill>
+              <a:schemeClr val="tx1"/>
+            </a:solidFill>
+          </a:ln>
+        </p:spPr>
+        <p:style>
+          <a:lnRef idx="2">
+            <a:schemeClr val="accent1">
+              <a:shade val="50000"/>
+            </a:schemeClr>
+          </a:lnRef>
+          <a:fillRef idx="1">
+            <a:schemeClr val="accent1"/>
+          </a:fillRef>
+          <a:effectRef idx="0">
+            <a:schemeClr val="accent1"/>
+          </a:effectRef>
+          <a:fontRef idx="minor">
+            <a:schemeClr val="lt1"/>
+          </a:fontRef>
+        </p:style>
+        <p:txBody>
+          <a:bodyPr rtlCol="0" anchor="ctr"/>
+          <a:lstStyle/>
+          <a:p>
+            <a:pPr algn="ctr"/>
+            <a:endParaRPr lang="en-GB"/>
+          </a:p>
+        </p:txBody>
+      </p:sp>
+    </p:spTree>
+    <p:extLst>
+      <p:ext uri="{BB962C8B-B14F-4D97-AF65-F5344CB8AC3E}">
+        <p14:creationId xmlns:p14="http://schemas.microsoft.com/office/powerpoint/2010/main" val="15611127"/>
+      </p:ext>
+    </p:extLst>
+  </p:cSld>
+  <p:clrMapOvr>
+    <a:masterClrMapping/>
+  </p:clrMapOvr>
+</p:sld>
+</file>
+
+<file path=ppt/slides/slide6.xml><?xml version="1.0" encoding="utf-8"?>
+<p:sld xmlns:a="http://schemas.openxmlformats.org/drawingml/2006/main" xmlns:r="http://schemas.openxmlformats.org/officeDocument/2006/relationships" xmlns:p="http://schemas.openxmlformats.org/presentationml/2006/main">
+  <p:cSld>
+    <p:spTree>
+      <p:nvGrpSpPr>
+        <p:cNvPr id="1" name=""/>
+        <p:cNvGrpSpPr/>
+        <p:nvPr/>
+      </p:nvGrpSpPr>
+      <p:grpSpPr>
+        <a:xfrm>
+          <a:off x="0" y="0"/>
+          <a:ext cx="0" cy="0"/>
+          <a:chOff x="0" y="0"/>
+          <a:chExt cx="0" cy="0"/>
+        </a:xfrm>
+      </p:grpSpPr>
+      <p:sp>
+        <p:nvSpPr>
+          <p:cNvPr id="4" name="Oval 3">
+            <a:extLst>
+              <a:ext uri="{FF2B5EF4-FFF2-40B4-BE49-F238E27FC236}">
+                <a16:creationId xmlns:a16="http://schemas.microsoft.com/office/drawing/2014/main" id="{3FD760E7-DBFB-254D-BCB5-F617D79FDB9D}"/>
+              </a:ext>
+            </a:extLst>
+          </p:cNvPr>
+          <p:cNvSpPr>
+            <a:spLocks noChangeAspect="1"/>
+          </p:cNvSpPr>
+          <p:nvPr/>
+        </p:nvSpPr>
+        <p:spPr>
+          <a:xfrm>
+            <a:off x="6003554" y="1210968"/>
+            <a:ext cx="4353594" cy="4353594"/>
+          </a:xfrm>
+          <a:prstGeom prst="ellipse">
+            <a:avLst/>
+          </a:prstGeom>
+          <a:solidFill>
+            <a:schemeClr val="bg1"/>
+          </a:solidFill>
+          <a:ln>
+            <a:solidFill>
+              <a:schemeClr val="tx1"/>
+            </a:solidFill>
+          </a:ln>
+        </p:spPr>
+        <p:style>
+          <a:lnRef idx="2">
+            <a:schemeClr val="accent1">
+              <a:shade val="50000"/>
+            </a:schemeClr>
+          </a:lnRef>
+          <a:fillRef idx="1">
+            <a:schemeClr val="accent1"/>
+          </a:fillRef>
+          <a:effectRef idx="0">
+            <a:schemeClr val="accent1"/>
+          </a:effectRef>
+          <a:fontRef idx="minor">
+            <a:schemeClr val="lt1"/>
+          </a:fontRef>
+        </p:style>
+        <p:txBody>
+          <a:bodyPr rtlCol="0" anchor="ctr"/>
+          <a:lstStyle/>
+          <a:p>
+            <a:pPr algn="ctr"/>
+            <a:endParaRPr lang="en-GB"/>
+          </a:p>
+        </p:txBody>
+      </p:sp>
+      <p:sp>
+        <p:nvSpPr>
+          <p:cNvPr id="5" name="Oval 4">
+            <a:extLst>
+              <a:ext uri="{FF2B5EF4-FFF2-40B4-BE49-F238E27FC236}">
+                <a16:creationId xmlns:a16="http://schemas.microsoft.com/office/drawing/2014/main" id="{7A304F28-017F-9446-A6E1-26B0104588E7}"/>
+              </a:ext>
+            </a:extLst>
+          </p:cNvPr>
+          <p:cNvSpPr/>
+          <p:nvPr/>
+        </p:nvSpPr>
+        <p:spPr>
+          <a:xfrm rot="5400000">
+            <a:off x="6673250" y="2234874"/>
+            <a:ext cx="332729" cy="1263182"/>
+          </a:xfrm>
+          <a:prstGeom prst="ellipse">
+            <a:avLst/>
+          </a:prstGeom>
+          <a:solidFill>
+            <a:schemeClr val="tx1"/>
+          </a:solidFill>
+          <a:ln>
+            <a:noFill/>
+          </a:ln>
+        </p:spPr>
+        <p:style>
+          <a:lnRef idx="2">
+            <a:schemeClr val="accent1">
+              <a:shade val="50000"/>
+            </a:schemeClr>
+          </a:lnRef>
+          <a:fillRef idx="1">
+            <a:schemeClr val="accent1"/>
+          </a:fillRef>
+          <a:effectRef idx="0">
+            <a:schemeClr val="accent1"/>
+          </a:effectRef>
+          <a:fontRef idx="minor">
+            <a:schemeClr val="lt1"/>
+          </a:fontRef>
+        </p:style>
+        <p:txBody>
+          <a:bodyPr rtlCol="0" anchor="ctr"/>
+          <a:lstStyle/>
+          <a:p>
+            <a:pPr algn="ctr"/>
+            <a:endParaRPr lang="en-GB"/>
+          </a:p>
+        </p:txBody>
+      </p:sp>
+      <p:sp>
+        <p:nvSpPr>
+          <p:cNvPr id="6" name="Oval 5">
+            <a:extLst>
+              <a:ext uri="{FF2B5EF4-FFF2-40B4-BE49-F238E27FC236}">
+                <a16:creationId xmlns:a16="http://schemas.microsoft.com/office/drawing/2014/main" id="{FD69F271-2F19-CC4B-9AE0-F3C4D91EEE19}"/>
+              </a:ext>
+            </a:extLst>
+          </p:cNvPr>
+          <p:cNvSpPr/>
+          <p:nvPr/>
+        </p:nvSpPr>
+        <p:spPr>
+          <a:xfrm rot="2714273">
+            <a:off x="6956827" y="2875305"/>
+            <a:ext cx="332729" cy="1733958"/>
+          </a:xfrm>
+          <a:prstGeom prst="ellipse">
+            <a:avLst/>
+          </a:prstGeom>
+          <a:solidFill>
+            <a:schemeClr val="tx1"/>
+          </a:solidFill>
+          <a:ln>
+            <a:noFill/>
+          </a:ln>
+        </p:spPr>
+        <p:style>
+          <a:lnRef idx="2">
+            <a:schemeClr val="accent1">
+              <a:shade val="50000"/>
+            </a:schemeClr>
+          </a:lnRef>
+          <a:fillRef idx="1">
+            <a:schemeClr val="accent1"/>
+          </a:fillRef>
+          <a:effectRef idx="0">
+            <a:schemeClr val="accent1"/>
+          </a:effectRef>
+          <a:fontRef idx="minor">
+            <a:schemeClr val="lt1"/>
+          </a:fontRef>
+        </p:style>
+        <p:txBody>
+          <a:bodyPr rtlCol="0" anchor="ctr"/>
+          <a:lstStyle/>
+          <a:p>
+            <a:pPr algn="ctr"/>
+            <a:endParaRPr lang="en-GB"/>
+          </a:p>
+        </p:txBody>
+      </p:sp>
+      <p:sp>
+        <p:nvSpPr>
+          <p:cNvPr id="7" name="Oval 6">
+            <a:extLst>
+              <a:ext uri="{FF2B5EF4-FFF2-40B4-BE49-F238E27FC236}">
+                <a16:creationId xmlns:a16="http://schemas.microsoft.com/office/drawing/2014/main" id="{E0169AD6-0B73-5A4C-9BE2-4589B1EEDCD0}"/>
+              </a:ext>
+            </a:extLst>
+          </p:cNvPr>
+          <p:cNvSpPr/>
+          <p:nvPr/>
+        </p:nvSpPr>
+        <p:spPr>
+          <a:xfrm rot="7059828">
+            <a:off x="8828986" y="2953342"/>
+            <a:ext cx="367632" cy="824933"/>
+          </a:xfrm>
+          <a:prstGeom prst="ellipse">
+            <a:avLst/>
+          </a:prstGeom>
+          <a:solidFill>
+            <a:schemeClr val="tx1"/>
+          </a:solidFill>
+          <a:ln>
+            <a:noFill/>
+          </a:ln>
+        </p:spPr>
+        <p:style>
+          <a:lnRef idx="2">
+            <a:schemeClr val="accent1">
+              <a:shade val="50000"/>
+            </a:schemeClr>
+          </a:lnRef>
+          <a:fillRef idx="1">
+            <a:schemeClr val="accent1"/>
+          </a:fillRef>
+          <a:effectRef idx="0">
+            <a:schemeClr val="accent1"/>
+          </a:effectRef>
+          <a:fontRef idx="minor">
+            <a:schemeClr val="lt1"/>
+          </a:fontRef>
+        </p:style>
+        <p:txBody>
+          <a:bodyPr rtlCol="0" anchor="ctr"/>
+          <a:lstStyle/>
+          <a:p>
+            <a:pPr algn="ctr"/>
+            <a:endParaRPr lang="en-GB"/>
+          </a:p>
+        </p:txBody>
+      </p:sp>
+      <p:cxnSp>
+        <p:nvCxnSpPr>
+          <p:cNvPr id="8" name="Straight Connector 7">
+            <a:extLst>
+              <a:ext uri="{FF2B5EF4-FFF2-40B4-BE49-F238E27FC236}">
+                <a16:creationId xmlns:a16="http://schemas.microsoft.com/office/drawing/2014/main" id="{628371E8-C94F-E94E-9CAA-7AD4ED1BB9B8}"/>
+              </a:ext>
+            </a:extLst>
+          </p:cNvPr>
+          <p:cNvCxnSpPr/>
+          <p:nvPr/>
+        </p:nvCxnSpPr>
+        <p:spPr>
+          <a:xfrm>
+            <a:off x="6137454" y="2866465"/>
+            <a:ext cx="3586348" cy="0"/>
+          </a:xfrm>
+          <a:prstGeom prst="line">
+            <a:avLst/>
+          </a:prstGeom>
+          <a:ln w="38100"/>
+        </p:spPr>
+        <p:style>
+          <a:lnRef idx="1">
+            <a:schemeClr val="dk1"/>
+          </a:lnRef>
+          <a:fillRef idx="0">
+            <a:schemeClr val="dk1"/>
+          </a:fillRef>
+          <a:effectRef idx="0">
+            <a:schemeClr val="dk1"/>
+          </a:effectRef>
+          <a:fontRef idx="minor">
+            <a:schemeClr val="tx1"/>
+          </a:fontRef>
+        </p:style>
+      </p:cxnSp>
+      <p:cxnSp>
+        <p:nvCxnSpPr>
+          <p:cNvPr id="9" name="Straight Connector 8">
+            <a:extLst>
+              <a:ext uri="{FF2B5EF4-FFF2-40B4-BE49-F238E27FC236}">
+                <a16:creationId xmlns:a16="http://schemas.microsoft.com/office/drawing/2014/main" id="{5B0A2B47-B56E-CC4F-A40B-63AF452FB99F}"/>
+              </a:ext>
+            </a:extLst>
+          </p:cNvPr>
+          <p:cNvCxnSpPr>
+            <a:cxnSpLocks/>
+          </p:cNvCxnSpPr>
+          <p:nvPr/>
+        </p:nvCxnSpPr>
+        <p:spPr>
+          <a:xfrm flipV="1">
+            <a:off x="7943269" y="1574800"/>
+            <a:ext cx="358045" cy="1784933"/>
+          </a:xfrm>
+          <a:prstGeom prst="line">
+            <a:avLst/>
+          </a:prstGeom>
+          <a:ln w="38100"/>
+        </p:spPr>
+        <p:style>
+          <a:lnRef idx="1">
+            <a:schemeClr val="dk1"/>
+          </a:lnRef>
+          <a:fillRef idx="0">
+            <a:schemeClr val="dk1"/>
+          </a:fillRef>
+          <a:effectRef idx="0">
+            <a:schemeClr val="dk1"/>
+          </a:effectRef>
+          <a:fontRef idx="minor">
+            <a:schemeClr val="tx1"/>
+          </a:fontRef>
+        </p:style>
+      </p:cxnSp>
+      <p:cxnSp>
+        <p:nvCxnSpPr>
+          <p:cNvPr id="10" name="Straight Connector 9">
+            <a:extLst>
+              <a:ext uri="{FF2B5EF4-FFF2-40B4-BE49-F238E27FC236}">
+                <a16:creationId xmlns:a16="http://schemas.microsoft.com/office/drawing/2014/main" id="{D293286D-A369-3248-ACDC-8F3DC8461584}"/>
+              </a:ext>
+            </a:extLst>
+          </p:cNvPr>
+          <p:cNvCxnSpPr>
+            <a:cxnSpLocks/>
+          </p:cNvCxnSpPr>
+          <p:nvPr/>
+        </p:nvCxnSpPr>
+        <p:spPr>
+          <a:xfrm>
+            <a:off x="7400637" y="2497693"/>
+            <a:ext cx="2527134" cy="1345634"/>
+          </a:xfrm>
+          <a:prstGeom prst="line">
+            <a:avLst/>
+          </a:prstGeom>
+          <a:ln w="38100"/>
+        </p:spPr>
+        <p:style>
+          <a:lnRef idx="1">
+            <a:schemeClr val="dk1"/>
+          </a:lnRef>
+          <a:fillRef idx="0">
+            <a:schemeClr val="dk1"/>
+          </a:fillRef>
+          <a:effectRef idx="0">
+            <a:schemeClr val="dk1"/>
+          </a:effectRef>
+          <a:fontRef idx="minor">
+            <a:schemeClr val="tx1"/>
+          </a:fontRef>
+        </p:style>
+      </p:cxnSp>
+      <p:cxnSp>
+        <p:nvCxnSpPr>
+          <p:cNvPr id="11" name="Straight Connector 10">
+            <a:extLst>
+              <a:ext uri="{FF2B5EF4-FFF2-40B4-BE49-F238E27FC236}">
+                <a16:creationId xmlns:a16="http://schemas.microsoft.com/office/drawing/2014/main" id="{3E9639BB-B32A-9B41-8FE2-E853F7685F2C}"/>
+              </a:ext>
+            </a:extLst>
+          </p:cNvPr>
+          <p:cNvCxnSpPr>
+            <a:cxnSpLocks/>
+            <a:stCxn id="6" idx="4"/>
+          </p:cNvCxnSpPr>
+          <p:nvPr/>
+        </p:nvCxnSpPr>
+        <p:spPr>
+          <a:xfrm flipV="1">
+            <a:off x="6507605" y="2176465"/>
+            <a:ext cx="2200959" cy="2176316"/>
+          </a:xfrm>
+          <a:prstGeom prst="line">
+            <a:avLst/>
+          </a:prstGeom>
+          <a:ln w="38100"/>
+        </p:spPr>
+        <p:style>
+          <a:lnRef idx="1">
+            <a:schemeClr val="dk1"/>
+          </a:lnRef>
+          <a:fillRef idx="0">
+            <a:schemeClr val="dk1"/>
+          </a:fillRef>
+          <a:effectRef idx="0">
+            <a:schemeClr val="dk1"/>
+          </a:effectRef>
+          <a:fontRef idx="minor">
+            <a:schemeClr val="tx1"/>
+          </a:fontRef>
+        </p:style>
+      </p:cxnSp>
+      <p:sp>
+        <p:nvSpPr>
+          <p:cNvPr id="12" name="Oval 11">
+            <a:extLst>
+              <a:ext uri="{FF2B5EF4-FFF2-40B4-BE49-F238E27FC236}">
+                <a16:creationId xmlns:a16="http://schemas.microsoft.com/office/drawing/2014/main" id="{82B2A81A-7BFD-B54B-9033-3539F3139E3A}"/>
+              </a:ext>
+            </a:extLst>
+          </p:cNvPr>
+          <p:cNvSpPr/>
+          <p:nvPr/>
+        </p:nvSpPr>
+        <p:spPr>
+          <a:xfrm>
+            <a:off x="7943269" y="2771572"/>
+            <a:ext cx="180000" cy="180000"/>
+          </a:xfrm>
+          <a:prstGeom prst="ellipse">
+            <a:avLst/>
+          </a:prstGeom>
+          <a:solidFill>
+            <a:schemeClr val="bg1"/>
+          </a:solidFill>
+          <a:ln>
+            <a:solidFill>
+              <a:schemeClr val="tx1"/>
+            </a:solidFill>
+          </a:ln>
+        </p:spPr>
+        <p:style>
+          <a:lnRef idx="2">
+            <a:schemeClr val="accent1">
+              <a:shade val="50000"/>
+            </a:schemeClr>
+          </a:lnRef>
+          <a:fillRef idx="1">
+            <a:schemeClr val="accent1"/>
+          </a:fillRef>
+          <a:effectRef idx="0">
+            <a:schemeClr val="accent1"/>
+          </a:effectRef>
+          <a:fontRef idx="minor">
+            <a:schemeClr val="lt1"/>
+          </a:fontRef>
+        </p:style>
+        <p:txBody>
+          <a:bodyPr rtlCol="0" anchor="ctr"/>
+          <a:lstStyle/>
+          <a:p>
+            <a:pPr algn="ctr"/>
+            <a:endParaRPr lang="en-GB"/>
+          </a:p>
+        </p:txBody>
+      </p:sp>
+      <p:sp>
+        <p:nvSpPr>
+          <p:cNvPr id="13" name="Oval 12">
+            <a:extLst>
+              <a:ext uri="{FF2B5EF4-FFF2-40B4-BE49-F238E27FC236}">
+                <a16:creationId xmlns:a16="http://schemas.microsoft.com/office/drawing/2014/main" id="{A6288381-450F-FB42-B9F4-32F0C2ED3C78}"/>
+              </a:ext>
+            </a:extLst>
+          </p:cNvPr>
+          <p:cNvSpPr/>
+          <p:nvPr/>
+        </p:nvSpPr>
+        <p:spPr>
+          <a:xfrm rot="694878">
+            <a:off x="8024441" y="2142248"/>
+            <a:ext cx="223994" cy="549507"/>
+          </a:xfrm>
+          <a:prstGeom prst="ellipse">
+            <a:avLst/>
+          </a:prstGeom>
+          <a:solidFill>
+            <a:schemeClr val="tx1"/>
+          </a:solidFill>
+          <a:ln>
+            <a:noFill/>
+          </a:ln>
+        </p:spPr>
+        <p:style>
+          <a:lnRef idx="2">
+            <a:schemeClr val="accent1">
+              <a:shade val="50000"/>
+            </a:schemeClr>
+          </a:lnRef>
+          <a:fillRef idx="1">
+            <a:schemeClr val="accent1"/>
+          </a:fillRef>
+          <a:effectRef idx="0">
+            <a:schemeClr val="accent1"/>
+          </a:effectRef>
+          <a:fontRef idx="minor">
+            <a:schemeClr val="lt1"/>
+          </a:fontRef>
+        </p:style>
+        <p:txBody>
+          <a:bodyPr rtlCol="0" anchor="ctr"/>
+          <a:lstStyle/>
+          <a:p>
+            <a:pPr algn="ctr"/>
+            <a:endParaRPr lang="en-GB"/>
+          </a:p>
+        </p:txBody>
+      </p:sp>
+      <p:sp>
+        <p:nvSpPr>
+          <p:cNvPr id="14" name="TextBox 13">
+            <a:extLst>
+              <a:ext uri="{FF2B5EF4-FFF2-40B4-BE49-F238E27FC236}">
+                <a16:creationId xmlns:a16="http://schemas.microsoft.com/office/drawing/2014/main" id="{2A7F933C-16DD-444D-A132-29B01EA5FC6C}"/>
+              </a:ext>
+            </a:extLst>
+          </p:cNvPr>
+          <p:cNvSpPr txBox="1"/>
+          <p:nvPr/>
+        </p:nvSpPr>
+        <p:spPr>
+          <a:xfrm>
+            <a:off x="6321104" y="2382513"/>
+            <a:ext cx="929742" cy="369332"/>
+          </a:xfrm>
+          <a:prstGeom prst="rect">
+            <a:avLst/>
+          </a:prstGeom>
+          <a:noFill/>
+        </p:spPr>
+        <p:txBody>
+          <a:bodyPr wrap="none" rtlCol="0">
+            <a:spAutoFit/>
+          </a:bodyPr>
+          <a:lstStyle/>
+          <a:p>
+            <a:r>
+              <a:rPr lang="en-GB" dirty="0">
+                <a:latin typeface="Times New Roman" panose="02020603050405020304" pitchFamily="18" charset="0"/>
+                <a:cs typeface="Times New Roman" panose="02020603050405020304" pitchFamily="18" charset="0"/>
+              </a:rPr>
+              <a:t>Image 1</a:t>
+            </a:r>
+          </a:p>
+        </p:txBody>
+      </p:sp>
+      <p:sp>
+        <p:nvSpPr>
+          <p:cNvPr id="15" name="TextBox 14">
+            <a:extLst>
+              <a:ext uri="{FF2B5EF4-FFF2-40B4-BE49-F238E27FC236}">
+                <a16:creationId xmlns:a16="http://schemas.microsoft.com/office/drawing/2014/main" id="{2260D551-45CA-8544-B920-EE96A1E49AC6}"/>
+              </a:ext>
+            </a:extLst>
+          </p:cNvPr>
+          <p:cNvSpPr txBox="1"/>
+          <p:nvPr/>
+        </p:nvSpPr>
+        <p:spPr>
+          <a:xfrm>
+            <a:off x="7284150" y="1860513"/>
+            <a:ext cx="934871" cy="369332"/>
+          </a:xfrm>
+          <a:prstGeom prst="rect">
+            <a:avLst/>
+          </a:prstGeom>
+          <a:noFill/>
+        </p:spPr>
+        <p:txBody>
+          <a:bodyPr wrap="none" rtlCol="0">
+            <a:spAutoFit/>
+          </a:bodyPr>
+          <a:lstStyle/>
+          <a:p>
+            <a:r>
+              <a:rPr lang="en-GB" dirty="0">
+                <a:latin typeface="Times New Roman" panose="02020603050405020304" pitchFamily="18" charset="0"/>
+                <a:cs typeface="Times New Roman" panose="02020603050405020304" pitchFamily="18" charset="0"/>
+              </a:rPr>
+              <a:t>Image 2</a:t>
+            </a:r>
+          </a:p>
+        </p:txBody>
+      </p:sp>
+      <p:sp>
+        <p:nvSpPr>
+          <p:cNvPr id="16" name="TextBox 15">
+            <a:extLst>
+              <a:ext uri="{FF2B5EF4-FFF2-40B4-BE49-F238E27FC236}">
+                <a16:creationId xmlns:a16="http://schemas.microsoft.com/office/drawing/2014/main" id="{2D99277C-2B06-BF4D-A7D4-4FBAE164BE5B}"/>
+              </a:ext>
+            </a:extLst>
+          </p:cNvPr>
+          <p:cNvSpPr txBox="1"/>
+          <p:nvPr/>
+        </p:nvSpPr>
+        <p:spPr>
+          <a:xfrm>
+            <a:off x="9105364" y="2928433"/>
+            <a:ext cx="934871" cy="369332"/>
+          </a:xfrm>
+          <a:prstGeom prst="rect">
+            <a:avLst/>
+          </a:prstGeom>
+          <a:noFill/>
+        </p:spPr>
+        <p:txBody>
+          <a:bodyPr wrap="none" rtlCol="0">
+            <a:spAutoFit/>
+          </a:bodyPr>
+          <a:lstStyle/>
+          <a:p>
+            <a:r>
+              <a:rPr lang="en-GB" dirty="0">
+                <a:latin typeface="Times New Roman" panose="02020603050405020304" pitchFamily="18" charset="0"/>
+                <a:cs typeface="Times New Roman" panose="02020603050405020304" pitchFamily="18" charset="0"/>
+              </a:rPr>
+              <a:t>Image 3</a:t>
+            </a:r>
+          </a:p>
+        </p:txBody>
+      </p:sp>
+      <p:sp>
+        <p:nvSpPr>
+          <p:cNvPr id="17" name="TextBox 16">
+            <a:extLst>
+              <a:ext uri="{FF2B5EF4-FFF2-40B4-BE49-F238E27FC236}">
+                <a16:creationId xmlns:a16="http://schemas.microsoft.com/office/drawing/2014/main" id="{4A91AEEA-8BA3-1F43-B948-061C9BEE82D6}"/>
+              </a:ext>
+            </a:extLst>
+          </p:cNvPr>
+          <p:cNvSpPr txBox="1"/>
+          <p:nvPr/>
+        </p:nvSpPr>
+        <p:spPr>
+          <a:xfrm>
+            <a:off x="6839614" y="4063909"/>
+            <a:ext cx="934871" cy="369332"/>
+          </a:xfrm>
+          <a:prstGeom prst="rect">
+            <a:avLst/>
+          </a:prstGeom>
+          <a:noFill/>
+        </p:spPr>
+        <p:txBody>
+          <a:bodyPr wrap="none" rtlCol="0">
+            <a:spAutoFit/>
+          </a:bodyPr>
+          <a:lstStyle/>
+          <a:p>
+            <a:r>
+              <a:rPr lang="en-GB" dirty="0">
+                <a:latin typeface="Times New Roman" panose="02020603050405020304" pitchFamily="18" charset="0"/>
+                <a:cs typeface="Times New Roman" panose="02020603050405020304" pitchFamily="18" charset="0"/>
+              </a:rPr>
+              <a:t>Image 4</a:t>
+            </a:r>
+          </a:p>
+        </p:txBody>
+      </p:sp>
+      <p:sp>
+        <p:nvSpPr>
+          <p:cNvPr id="18" name="TextBox 17">
+            <a:extLst>
+              <a:ext uri="{FF2B5EF4-FFF2-40B4-BE49-F238E27FC236}">
+                <a16:creationId xmlns:a16="http://schemas.microsoft.com/office/drawing/2014/main" id="{38EFCE55-B51D-AC49-9AE3-2D63B99B4363}"/>
+              </a:ext>
+            </a:extLst>
+          </p:cNvPr>
+          <p:cNvSpPr txBox="1"/>
+          <p:nvPr/>
+        </p:nvSpPr>
+        <p:spPr>
+          <a:xfrm>
+            <a:off x="8495398" y="2240566"/>
+            <a:ext cx="1640193" cy="646331"/>
+          </a:xfrm>
+          <a:prstGeom prst="rect">
+            <a:avLst/>
+          </a:prstGeom>
+          <a:noFill/>
+        </p:spPr>
+        <p:txBody>
+          <a:bodyPr wrap="none" rtlCol="0">
+            <a:spAutoFit/>
+          </a:bodyPr>
+          <a:lstStyle/>
+          <a:p>
+            <a:r>
+              <a:rPr lang="en-GB" dirty="0">
+                <a:latin typeface="Times New Roman" panose="02020603050405020304" pitchFamily="18" charset="0"/>
+                <a:cs typeface="Times New Roman" panose="02020603050405020304" pitchFamily="18" charset="0"/>
+              </a:rPr>
+              <a:t>Shower </a:t>
+            </a:r>
+          </a:p>
+          <a:p>
+            <a:r>
+              <a:rPr lang="en-GB" dirty="0">
+                <a:latin typeface="Times New Roman" panose="02020603050405020304" pitchFamily="18" charset="0"/>
+                <a:cs typeface="Times New Roman" panose="02020603050405020304" pitchFamily="18" charset="0"/>
+              </a:rPr>
+              <a:t>Source Position</a:t>
+            </a:r>
+          </a:p>
+        </p:txBody>
+      </p:sp>
+      <p:cxnSp>
+        <p:nvCxnSpPr>
+          <p:cNvPr id="19" name="Straight Arrow Connector 18">
+            <a:extLst>
+              <a:ext uri="{FF2B5EF4-FFF2-40B4-BE49-F238E27FC236}">
+                <a16:creationId xmlns:a16="http://schemas.microsoft.com/office/drawing/2014/main" id="{980D5A14-4044-5842-8EEF-9D1FB38FAE48}"/>
+              </a:ext>
+            </a:extLst>
+          </p:cNvPr>
+          <p:cNvCxnSpPr>
+            <a:cxnSpLocks/>
+          </p:cNvCxnSpPr>
+          <p:nvPr/>
+        </p:nvCxnSpPr>
+        <p:spPr>
+          <a:xfrm flipH="1">
+            <a:off x="8130327" y="2579511"/>
+            <a:ext cx="398429" cy="238850"/>
+          </a:xfrm>
+          <a:prstGeom prst="straightConnector1">
+            <a:avLst/>
+          </a:prstGeom>
+          <a:ln>
+            <a:tailEnd type="triangle"/>
+          </a:ln>
+        </p:spPr>
+        <p:style>
+          <a:lnRef idx="1">
+            <a:schemeClr val="dk1"/>
+          </a:lnRef>
+          <a:fillRef idx="0">
+            <a:schemeClr val="dk1"/>
+          </a:fillRef>
+          <a:effectRef idx="0">
+            <a:schemeClr val="dk1"/>
+          </a:effectRef>
+          <a:fontRef idx="minor">
+            <a:schemeClr val="tx1"/>
+          </a:fontRef>
+        </p:style>
+      </p:cxnSp>
+      <p:sp>
+        <p:nvSpPr>
+          <p:cNvPr id="20" name="Oval 19">
+            <a:extLst>
+              <a:ext uri="{FF2B5EF4-FFF2-40B4-BE49-F238E27FC236}">
+                <a16:creationId xmlns:a16="http://schemas.microsoft.com/office/drawing/2014/main" id="{A49AAACF-F57B-9743-9485-C264F1815CA1}"/>
+              </a:ext>
+            </a:extLst>
+          </p:cNvPr>
+          <p:cNvSpPr/>
+          <p:nvPr/>
+        </p:nvSpPr>
+        <p:spPr>
+          <a:xfrm rot="5400000">
+            <a:off x="6699008" y="2247754"/>
+            <a:ext cx="332729" cy="1263182"/>
+          </a:xfrm>
+          <a:prstGeom prst="ellipse">
+            <a:avLst/>
+          </a:prstGeom>
+          <a:solidFill>
+            <a:schemeClr val="tx1"/>
+          </a:solidFill>
+          <a:ln>
+            <a:noFill/>
+          </a:ln>
+        </p:spPr>
+        <p:style>
+          <a:lnRef idx="2">
+            <a:schemeClr val="accent1">
+              <a:shade val="50000"/>
+            </a:schemeClr>
+          </a:lnRef>
+          <a:fillRef idx="1">
+            <a:schemeClr val="accent1"/>
+          </a:fillRef>
+          <a:effectRef idx="0">
+            <a:schemeClr val="accent1"/>
+          </a:effectRef>
+          <a:fontRef idx="minor">
+            <a:schemeClr val="lt1"/>
+          </a:fontRef>
+        </p:style>
+        <p:txBody>
+          <a:bodyPr rtlCol="0" anchor="ctr"/>
+          <a:lstStyle/>
+          <a:p>
+            <a:pPr algn="ctr"/>
+            <a:endParaRPr lang="en-GB"/>
+          </a:p>
+        </p:txBody>
+      </p:sp>
+      <p:sp>
+        <p:nvSpPr>
+          <p:cNvPr id="21" name="Oval 20">
+            <a:extLst>
+              <a:ext uri="{FF2B5EF4-FFF2-40B4-BE49-F238E27FC236}">
+                <a16:creationId xmlns:a16="http://schemas.microsoft.com/office/drawing/2014/main" id="{FE3B0195-9A97-F94D-ACFA-BF81B0379881}"/>
+              </a:ext>
+            </a:extLst>
+          </p:cNvPr>
+          <p:cNvSpPr/>
+          <p:nvPr/>
+        </p:nvSpPr>
+        <p:spPr>
+          <a:xfrm>
+            <a:off x="8085454" y="3377462"/>
+            <a:ext cx="180000" cy="180000"/>
+          </a:xfrm>
+          <a:prstGeom prst="ellipse">
+            <a:avLst/>
+          </a:prstGeom>
+          <a:solidFill>
+            <a:schemeClr val="tx1"/>
+          </a:solidFill>
+          <a:ln>
+            <a:solidFill>
+              <a:schemeClr val="tx1"/>
+            </a:solidFill>
+          </a:ln>
+        </p:spPr>
+        <p:style>
+          <a:lnRef idx="2">
+            <a:schemeClr val="accent1">
+              <a:shade val="50000"/>
+            </a:schemeClr>
+          </a:lnRef>
+          <a:fillRef idx="1">
+            <a:schemeClr val="accent1"/>
+          </a:fillRef>
+          <a:effectRef idx="0">
+            <a:schemeClr val="accent1"/>
+          </a:effectRef>
+          <a:fontRef idx="minor">
+            <a:schemeClr val="lt1"/>
+          </a:fontRef>
+        </p:style>
+        <p:txBody>
+          <a:bodyPr rtlCol="0" anchor="ctr"/>
+          <a:lstStyle/>
+          <a:p>
+            <a:pPr algn="ctr"/>
+            <a:endParaRPr lang="en-GB"/>
+          </a:p>
+        </p:txBody>
+      </p:sp>
+      <p:sp>
+        <p:nvSpPr>
+          <p:cNvPr id="22" name="TextBox 21">
+            <a:extLst>
+              <a:ext uri="{FF2B5EF4-FFF2-40B4-BE49-F238E27FC236}">
+                <a16:creationId xmlns:a16="http://schemas.microsoft.com/office/drawing/2014/main" id="{AE444FAC-8FE5-A742-923D-BA0A6D85F1D1}"/>
+              </a:ext>
+            </a:extLst>
+          </p:cNvPr>
+          <p:cNvSpPr txBox="1"/>
+          <p:nvPr/>
+        </p:nvSpPr>
+        <p:spPr>
+          <a:xfrm>
+            <a:off x="8203524" y="4168115"/>
+            <a:ext cx="1569660" cy="369332"/>
+          </a:xfrm>
+          <a:prstGeom prst="rect">
+            <a:avLst/>
+          </a:prstGeom>
+          <a:noFill/>
+        </p:spPr>
+        <p:txBody>
+          <a:bodyPr wrap="none" rtlCol="0">
+            <a:spAutoFit/>
+          </a:bodyPr>
+          <a:lstStyle/>
+          <a:p>
+            <a:r>
+              <a:rPr lang="en-GB" dirty="0">
+                <a:latin typeface="Times New Roman" panose="02020603050405020304" pitchFamily="18" charset="0"/>
+                <a:cs typeface="Times New Roman" panose="02020603050405020304" pitchFamily="18" charset="0"/>
+              </a:rPr>
+              <a:t>Centre of FOV</a:t>
+            </a:r>
+          </a:p>
+        </p:txBody>
+      </p:sp>
+      <p:cxnSp>
+        <p:nvCxnSpPr>
+          <p:cNvPr id="23" name="Straight Arrow Connector 22">
+            <a:extLst>
+              <a:ext uri="{FF2B5EF4-FFF2-40B4-BE49-F238E27FC236}">
+                <a16:creationId xmlns:a16="http://schemas.microsoft.com/office/drawing/2014/main" id="{E089A8D5-E052-6A49-BAE9-DEBF26044B35}"/>
+              </a:ext>
+            </a:extLst>
+          </p:cNvPr>
+          <p:cNvCxnSpPr>
+            <a:cxnSpLocks/>
+          </p:cNvCxnSpPr>
+          <p:nvPr/>
+        </p:nvCxnSpPr>
+        <p:spPr>
+          <a:xfrm flipH="1" flipV="1">
+            <a:off x="8203524" y="3592359"/>
+            <a:ext cx="180151" cy="619741"/>
+          </a:xfrm>
+          <a:prstGeom prst="straightConnector1">
+            <a:avLst/>
+          </a:prstGeom>
+          <a:ln>
+            <a:tailEnd type="triangle"/>
+          </a:ln>
+        </p:spPr>
+        <p:style>
+          <a:lnRef idx="1">
+            <a:schemeClr val="dk1"/>
+          </a:lnRef>
+          <a:fillRef idx="0">
+            <a:schemeClr val="dk1"/>
+          </a:fillRef>
+          <a:effectRef idx="0">
+            <a:schemeClr val="dk1"/>
+          </a:effectRef>
+          <a:fontRef idx="minor">
+            <a:schemeClr val="tx1"/>
+          </a:fontRef>
+        </p:style>
+      </p:cxnSp>
+    </p:spTree>
+    <p:extLst>
+      <p:ext uri="{BB962C8B-B14F-4D97-AF65-F5344CB8AC3E}">
+        <p14:creationId xmlns:p14="http://schemas.microsoft.com/office/powerpoint/2010/main" val="3859792552"/>
+      </p:ext>
+    </p:extLst>
+  </p:cSld>
+  <p:clrMapOvr>
+    <a:masterClrMapping/>
+  </p:clrMapOvr>
+</p:sld>
+</file>
+
+<file path=ppt/slides/slide7.xml><?xml version="1.0" encoding="utf-8"?>
+<p:sld xmlns:a="http://schemas.openxmlformats.org/drawingml/2006/main" xmlns:r="http://schemas.openxmlformats.org/officeDocument/2006/relationships" xmlns:p="http://schemas.openxmlformats.org/presentationml/2006/main">
+  <p:cSld>
+    <p:spTree>
+      <p:nvGrpSpPr>
+        <p:cNvPr id="1" name=""/>
+        <p:cNvGrpSpPr/>
+        <p:nvPr/>
+      </p:nvGrpSpPr>
+      <p:grpSpPr>
+        <a:xfrm>
+          <a:off x="0" y="0"/>
+          <a:ext cx="0" cy="0"/>
+          <a:chOff x="0" y="0"/>
+          <a:chExt cx="0" cy="0"/>
+        </a:xfrm>
+      </p:grpSpPr>
+      <p:sp>
+        <p:nvSpPr>
+          <p:cNvPr id="5" name="Oval 4">
+            <a:extLst>
+              <a:ext uri="{FF2B5EF4-FFF2-40B4-BE49-F238E27FC236}">
+                <a16:creationId xmlns:a16="http://schemas.microsoft.com/office/drawing/2014/main" id="{09AEB492-C24C-CC46-9643-29EF3099169F}"/>
+              </a:ext>
+            </a:extLst>
+          </p:cNvPr>
+          <p:cNvSpPr/>
+          <p:nvPr/>
+        </p:nvSpPr>
+        <p:spPr>
+          <a:xfrm rot="3043156">
+            <a:off x="7014282" y="320659"/>
+            <a:ext cx="1519651" cy="4659190"/>
+          </a:xfrm>
+          <a:prstGeom prst="ellipse">
+            <a:avLst/>
+          </a:prstGeom>
+          <a:noFill/>
+          <a:ln>
+            <a:solidFill>
+              <a:schemeClr val="tx1"/>
+            </a:solidFill>
+          </a:ln>
+        </p:spPr>
+        <p:style>
+          <a:lnRef idx="2">
+            <a:schemeClr val="accent1">
+              <a:shade val="50000"/>
+            </a:schemeClr>
+          </a:lnRef>
+          <a:fillRef idx="1">
+            <a:schemeClr val="accent1"/>
+          </a:fillRef>
+          <a:effectRef idx="0">
+            <a:schemeClr val="accent1"/>
+          </a:effectRef>
+          <a:fontRef idx="minor">
+            <a:schemeClr val="lt1"/>
+          </a:fontRef>
+        </p:style>
+        <p:txBody>
+          <a:bodyPr rtlCol="0" anchor="ctr"/>
+          <a:lstStyle/>
+          <a:p>
+            <a:pPr algn="ctr"/>
+            <a:endParaRPr lang="en-GB"/>
+          </a:p>
+        </p:txBody>
+      </p:sp>
+      <p:cxnSp>
+        <p:nvCxnSpPr>
+          <p:cNvPr id="7" name="Straight Connector 6">
+            <a:extLst>
+              <a:ext uri="{FF2B5EF4-FFF2-40B4-BE49-F238E27FC236}">
+                <a16:creationId xmlns:a16="http://schemas.microsoft.com/office/drawing/2014/main" id="{DEF6A16C-7AD5-EE4B-AEA5-826644C01332}"/>
+              </a:ext>
+            </a:extLst>
+          </p:cNvPr>
+          <p:cNvCxnSpPr>
+            <a:cxnSpLocks/>
+            <a:stCxn id="5" idx="0"/>
+            <a:endCxn id="5" idx="4"/>
+          </p:cNvCxnSpPr>
+          <p:nvPr/>
+        </p:nvCxnSpPr>
+        <p:spPr>
+          <a:xfrm flipH="1">
+            <a:off x="5970877" y="1175340"/>
+            <a:ext cx="3606461" cy="2949829"/>
+          </a:xfrm>
+          <a:prstGeom prst="line">
+            <a:avLst/>
+          </a:prstGeom>
+          <a:ln w="19050">
+            <a:solidFill>
+              <a:schemeClr val="tx1"/>
+            </a:solidFill>
+          </a:ln>
+        </p:spPr>
+        <p:style>
+          <a:lnRef idx="1">
+            <a:schemeClr val="accent1"/>
+          </a:lnRef>
+          <a:fillRef idx="0">
+            <a:schemeClr val="accent1"/>
+          </a:fillRef>
+          <a:effectRef idx="0">
+            <a:schemeClr val="accent1"/>
+          </a:effectRef>
+          <a:fontRef idx="minor">
+            <a:schemeClr val="tx1"/>
+          </a:fontRef>
+        </p:style>
+      </p:cxnSp>
+      <p:cxnSp>
+        <p:nvCxnSpPr>
+          <p:cNvPr id="10" name="Straight Connector 9">
+            <a:extLst>
+              <a:ext uri="{FF2B5EF4-FFF2-40B4-BE49-F238E27FC236}">
+                <a16:creationId xmlns:a16="http://schemas.microsoft.com/office/drawing/2014/main" id="{6433C930-648C-CF48-B311-EEC7D7CBF616}"/>
+              </a:ext>
+            </a:extLst>
+          </p:cNvPr>
+          <p:cNvCxnSpPr>
+            <a:cxnSpLocks/>
+            <a:stCxn id="5" idx="0"/>
+          </p:cNvCxnSpPr>
+          <p:nvPr/>
+        </p:nvCxnSpPr>
+        <p:spPr>
+          <a:xfrm flipH="1">
+            <a:off x="3473450" y="1175340"/>
+            <a:ext cx="6103888" cy="4990510"/>
+          </a:xfrm>
+          <a:prstGeom prst="line">
+            <a:avLst/>
+          </a:prstGeom>
+          <a:ln w="19050">
+            <a:solidFill>
+              <a:schemeClr val="tx1"/>
+            </a:solidFill>
+          </a:ln>
+        </p:spPr>
+        <p:style>
+          <a:lnRef idx="1">
+            <a:schemeClr val="accent1"/>
+          </a:lnRef>
+          <a:fillRef idx="0">
+            <a:schemeClr val="accent1"/>
+          </a:fillRef>
+          <a:effectRef idx="0">
+            <a:schemeClr val="accent1"/>
+          </a:effectRef>
+          <a:fontRef idx="minor">
+            <a:schemeClr val="tx1"/>
+          </a:fontRef>
+        </p:style>
+      </p:cxnSp>
+      <p:cxnSp>
+        <p:nvCxnSpPr>
+          <p:cNvPr id="14" name="Straight Connector 13">
+            <a:extLst>
+              <a:ext uri="{FF2B5EF4-FFF2-40B4-BE49-F238E27FC236}">
+                <a16:creationId xmlns:a16="http://schemas.microsoft.com/office/drawing/2014/main" id="{91A094D1-6B01-9646-BCD0-4F7CF02FCB50}"/>
+              </a:ext>
+            </a:extLst>
+          </p:cNvPr>
+          <p:cNvCxnSpPr>
+            <a:cxnSpLocks/>
+          </p:cNvCxnSpPr>
+          <p:nvPr/>
+        </p:nvCxnSpPr>
+        <p:spPr>
+          <a:xfrm flipH="1">
+            <a:off x="3473450" y="6165851"/>
+            <a:ext cx="6310630" cy="0"/>
+          </a:xfrm>
+          <a:prstGeom prst="line">
+            <a:avLst/>
+          </a:prstGeom>
+          <a:ln w="19050">
+            <a:solidFill>
+              <a:schemeClr val="tx1"/>
+            </a:solidFill>
+            <a:prstDash val="dash"/>
+          </a:ln>
+        </p:spPr>
+        <p:style>
+          <a:lnRef idx="1">
+            <a:schemeClr val="accent1"/>
+          </a:lnRef>
+          <a:fillRef idx="0">
+            <a:schemeClr val="accent1"/>
+          </a:fillRef>
+          <a:effectRef idx="0">
+            <a:schemeClr val="accent1"/>
+          </a:effectRef>
+          <a:fontRef idx="minor">
+            <a:schemeClr val="tx1"/>
+          </a:fontRef>
+        </p:style>
+      </p:cxnSp>
+      <p:cxnSp>
+        <p:nvCxnSpPr>
+          <p:cNvPr id="17" name="Straight Connector 16">
+            <a:extLst>
+              <a:ext uri="{FF2B5EF4-FFF2-40B4-BE49-F238E27FC236}">
+                <a16:creationId xmlns:a16="http://schemas.microsoft.com/office/drawing/2014/main" id="{F955BBA0-244A-3046-AA47-EDA518E131A3}"/>
+              </a:ext>
+            </a:extLst>
+          </p:cNvPr>
+          <p:cNvCxnSpPr>
+            <a:cxnSpLocks/>
+            <a:stCxn id="5" idx="6"/>
+            <a:endCxn id="5" idx="2"/>
+          </p:cNvCxnSpPr>
+          <p:nvPr/>
+        </p:nvCxnSpPr>
+        <p:spPr>
+          <a:xfrm flipH="1" flipV="1">
+            <a:off x="7293046" y="2062109"/>
+            <a:ext cx="962123" cy="1176290"/>
+          </a:xfrm>
+          <a:prstGeom prst="line">
+            <a:avLst/>
+          </a:prstGeom>
+          <a:ln w="19050">
+            <a:solidFill>
+              <a:schemeClr val="tx1"/>
+            </a:solidFill>
+          </a:ln>
+        </p:spPr>
+        <p:style>
+          <a:lnRef idx="1">
+            <a:schemeClr val="accent1"/>
+          </a:lnRef>
+          <a:fillRef idx="0">
+            <a:schemeClr val="accent1"/>
+          </a:fillRef>
+          <a:effectRef idx="0">
+            <a:schemeClr val="accent1"/>
+          </a:effectRef>
+          <a:fontRef idx="minor">
+            <a:schemeClr val="tx1"/>
+          </a:fontRef>
+        </p:style>
+      </p:cxnSp>
+      <p:sp>
+        <p:nvSpPr>
+          <p:cNvPr id="23" name="Oval 22">
+            <a:extLst>
+              <a:ext uri="{FF2B5EF4-FFF2-40B4-BE49-F238E27FC236}">
+                <a16:creationId xmlns:a16="http://schemas.microsoft.com/office/drawing/2014/main" id="{6236C433-16A1-E84B-9DBD-A751C20E03E8}"/>
+              </a:ext>
+            </a:extLst>
+          </p:cNvPr>
+          <p:cNvSpPr/>
+          <p:nvPr/>
+        </p:nvSpPr>
+        <p:spPr>
+          <a:xfrm>
+            <a:off x="7135624" y="6075850"/>
+            <a:ext cx="180000" cy="180000"/>
+          </a:xfrm>
+          <a:prstGeom prst="ellipse">
+            <a:avLst/>
+          </a:prstGeom>
+          <a:solidFill>
+            <a:schemeClr val="tx1"/>
+          </a:solidFill>
+          <a:ln>
+            <a:solidFill>
+              <a:schemeClr val="tx1"/>
+            </a:solidFill>
+          </a:ln>
+        </p:spPr>
+        <p:style>
+          <a:lnRef idx="2">
+            <a:schemeClr val="accent1">
+              <a:shade val="50000"/>
+            </a:schemeClr>
+          </a:lnRef>
+          <a:fillRef idx="1">
+            <a:schemeClr val="accent1"/>
+          </a:fillRef>
+          <a:effectRef idx="0">
+            <a:schemeClr val="accent1"/>
+          </a:effectRef>
+          <a:fontRef idx="minor">
+            <a:schemeClr val="lt1"/>
+          </a:fontRef>
+        </p:style>
+        <p:txBody>
+          <a:bodyPr rtlCol="0" anchor="ctr"/>
+          <a:lstStyle/>
+          <a:p>
+            <a:pPr algn="ctr"/>
+            <a:endParaRPr lang="en-GB"/>
+          </a:p>
+        </p:txBody>
+      </p:sp>
+      <p:sp>
+        <p:nvSpPr>
+          <p:cNvPr id="24" name="Oval 23">
+            <a:extLst>
+              <a:ext uri="{FF2B5EF4-FFF2-40B4-BE49-F238E27FC236}">
+                <a16:creationId xmlns:a16="http://schemas.microsoft.com/office/drawing/2014/main" id="{4CAF8305-BC19-AE47-9294-ACBF2BCE3EB1}"/>
+              </a:ext>
+            </a:extLst>
+          </p:cNvPr>
+          <p:cNvSpPr/>
+          <p:nvPr/>
+        </p:nvSpPr>
+        <p:spPr>
+          <a:xfrm>
+            <a:off x="3792074" y="5731913"/>
+            <a:ext cx="180000" cy="180000"/>
+          </a:xfrm>
+          <a:prstGeom prst="ellipse">
+            <a:avLst/>
+          </a:prstGeom>
+          <a:solidFill>
+            <a:schemeClr val="bg1"/>
+          </a:solidFill>
+          <a:ln>
+            <a:solidFill>
+              <a:schemeClr val="tx1"/>
+            </a:solidFill>
+          </a:ln>
+        </p:spPr>
+        <p:style>
+          <a:lnRef idx="2">
+            <a:schemeClr val="accent1">
+              <a:shade val="50000"/>
+            </a:schemeClr>
+          </a:lnRef>
+          <a:fillRef idx="1">
+            <a:schemeClr val="accent1"/>
+          </a:fillRef>
+          <a:effectRef idx="0">
+            <a:schemeClr val="accent1"/>
+          </a:effectRef>
+          <a:fontRef idx="minor">
+            <a:schemeClr val="lt1"/>
+          </a:fontRef>
+        </p:style>
+        <p:txBody>
+          <a:bodyPr rtlCol="0" anchor="ctr"/>
+          <a:lstStyle/>
+          <a:p>
+            <a:pPr algn="ctr"/>
+            <a:endParaRPr lang="en-GB"/>
+          </a:p>
+        </p:txBody>
+      </p:sp>
+      <p:sp>
+        <p:nvSpPr>
+          <p:cNvPr id="25" name="TextBox 24">
+            <a:extLst>
+              <a:ext uri="{FF2B5EF4-FFF2-40B4-BE49-F238E27FC236}">
+                <a16:creationId xmlns:a16="http://schemas.microsoft.com/office/drawing/2014/main" id="{01F902DA-4312-1F4F-886B-8E7FB29E0EFA}"/>
+              </a:ext>
+            </a:extLst>
+          </p:cNvPr>
+          <p:cNvSpPr txBox="1"/>
+          <p:nvPr/>
+        </p:nvSpPr>
+        <p:spPr>
+          <a:xfrm>
+            <a:off x="2533521" y="5380640"/>
+            <a:ext cx="1646605" cy="646331"/>
+          </a:xfrm>
+          <a:prstGeom prst="rect">
+            <a:avLst/>
+          </a:prstGeom>
+          <a:noFill/>
+        </p:spPr>
+        <p:txBody>
+          <a:bodyPr wrap="none" rtlCol="0">
+            <a:spAutoFit/>
+          </a:bodyPr>
+          <a:lstStyle/>
+          <a:p>
+            <a:pPr algn="ctr"/>
+            <a:r>
+              <a:rPr lang="en-GB" dirty="0">
+                <a:latin typeface="Times New Roman" panose="02020603050405020304" pitchFamily="18" charset="0"/>
+                <a:cs typeface="Times New Roman" panose="02020603050405020304" pitchFamily="18" charset="0"/>
+              </a:rPr>
+              <a:t>Shower Source </a:t>
+            </a:r>
+          </a:p>
+          <a:p>
+            <a:pPr algn="ctr"/>
+            <a:r>
+              <a:rPr lang="en-GB" dirty="0">
+                <a:latin typeface="Times New Roman" panose="02020603050405020304" pitchFamily="18" charset="0"/>
+                <a:cs typeface="Times New Roman" panose="02020603050405020304" pitchFamily="18" charset="0"/>
+              </a:rPr>
+              <a:t>Position</a:t>
+            </a:r>
+          </a:p>
+        </p:txBody>
+      </p:sp>
+      <p:sp>
+        <p:nvSpPr>
+          <p:cNvPr id="26" name="TextBox 25">
+            <a:extLst>
+              <a:ext uri="{FF2B5EF4-FFF2-40B4-BE49-F238E27FC236}">
+                <a16:creationId xmlns:a16="http://schemas.microsoft.com/office/drawing/2014/main" id="{AD2B5B76-2F74-614D-9C34-5EB41670FACF}"/>
+              </a:ext>
+            </a:extLst>
+          </p:cNvPr>
+          <p:cNvSpPr txBox="1"/>
+          <p:nvPr/>
+        </p:nvSpPr>
+        <p:spPr>
+          <a:xfrm>
+            <a:off x="7222062" y="6165850"/>
+            <a:ext cx="1569660" cy="369332"/>
+          </a:xfrm>
+          <a:prstGeom prst="rect">
+            <a:avLst/>
+          </a:prstGeom>
+          <a:noFill/>
+        </p:spPr>
+        <p:txBody>
+          <a:bodyPr wrap="none" rtlCol="0">
+            <a:spAutoFit/>
+          </a:bodyPr>
+          <a:lstStyle/>
+          <a:p>
+            <a:r>
+              <a:rPr lang="en-GB" dirty="0">
+                <a:latin typeface="Times New Roman" panose="02020603050405020304" pitchFamily="18" charset="0"/>
+                <a:cs typeface="Times New Roman" panose="02020603050405020304" pitchFamily="18" charset="0"/>
+              </a:rPr>
+              <a:t>Centre of FOV</a:t>
+            </a:r>
+          </a:p>
+        </p:txBody>
+      </p:sp>
+      <p:sp>
+        <p:nvSpPr>
+          <p:cNvPr id="34" name="TextBox 33">
+            <a:extLst>
+              <a:ext uri="{FF2B5EF4-FFF2-40B4-BE49-F238E27FC236}">
+                <a16:creationId xmlns:a16="http://schemas.microsoft.com/office/drawing/2014/main" id="{B6CF44E2-AB03-7344-8A2E-95DB7F416C92}"/>
+              </a:ext>
+            </a:extLst>
+          </p:cNvPr>
+          <p:cNvSpPr txBox="1"/>
+          <p:nvPr/>
+        </p:nvSpPr>
+        <p:spPr>
+          <a:xfrm rot="19246405">
+            <a:off x="4066577" y="4503888"/>
+            <a:ext cx="2044214" cy="369332"/>
+          </a:xfrm>
+          <a:prstGeom prst="rect">
+            <a:avLst/>
+          </a:prstGeom>
+          <a:noFill/>
+        </p:spPr>
+        <p:txBody>
+          <a:bodyPr wrap="none" rtlCol="0">
+            <a:spAutoFit/>
+          </a:bodyPr>
+          <a:lstStyle/>
+          <a:p>
+            <a:pPr algn="ctr"/>
+            <a:r>
+              <a:rPr lang="en-GB" dirty="0">
+                <a:latin typeface="Times New Roman" panose="02020603050405020304" pitchFamily="18" charset="0"/>
+                <a:cs typeface="Times New Roman" panose="02020603050405020304" pitchFamily="18" charset="0"/>
+              </a:rPr>
+              <a:t>Primary Image Axis</a:t>
+            </a:r>
+          </a:p>
+        </p:txBody>
+      </p:sp>
+      <p:cxnSp>
+        <p:nvCxnSpPr>
+          <p:cNvPr id="37" name="Straight Connector 36">
+            <a:extLst>
+              <a:ext uri="{FF2B5EF4-FFF2-40B4-BE49-F238E27FC236}">
+                <a16:creationId xmlns:a16="http://schemas.microsoft.com/office/drawing/2014/main" id="{5E63D0E4-A5D9-2F47-AB57-3AF7B5766C8D}"/>
+              </a:ext>
+            </a:extLst>
+          </p:cNvPr>
+          <p:cNvCxnSpPr>
+            <a:cxnSpLocks/>
+            <a:stCxn id="23" idx="0"/>
+          </p:cNvCxnSpPr>
+          <p:nvPr/>
+        </p:nvCxnSpPr>
+        <p:spPr>
+          <a:xfrm flipV="1">
+            <a:off x="7225624" y="2650254"/>
+            <a:ext cx="548483" cy="3425596"/>
+          </a:xfrm>
+          <a:prstGeom prst="line">
+            <a:avLst/>
+          </a:prstGeom>
+          <a:ln w="19050">
+            <a:solidFill>
+              <a:schemeClr val="tx1"/>
+            </a:solidFill>
+            <a:prstDash val="dash"/>
+          </a:ln>
+        </p:spPr>
+        <p:style>
+          <a:lnRef idx="1">
+            <a:schemeClr val="accent1"/>
+          </a:lnRef>
+          <a:fillRef idx="0">
+            <a:schemeClr val="accent1"/>
+          </a:fillRef>
+          <a:effectRef idx="0">
+            <a:schemeClr val="accent1"/>
+          </a:effectRef>
+          <a:fontRef idx="minor">
+            <a:schemeClr val="tx1"/>
+          </a:fontRef>
+        </p:style>
+      </p:cxnSp>
+      <p:sp>
+        <p:nvSpPr>
+          <p:cNvPr id="40" name="Arc 39">
+            <a:extLst>
+              <a:ext uri="{FF2B5EF4-FFF2-40B4-BE49-F238E27FC236}">
+                <a16:creationId xmlns:a16="http://schemas.microsoft.com/office/drawing/2014/main" id="{4DE59A7E-80AF-9848-982D-2DCBA0AC2304}"/>
+              </a:ext>
+            </a:extLst>
+          </p:cNvPr>
+          <p:cNvSpPr/>
+          <p:nvPr/>
+        </p:nvSpPr>
+        <p:spPr>
+          <a:xfrm>
+            <a:off x="7061651" y="1916819"/>
+            <a:ext cx="1424912" cy="1465352"/>
+          </a:xfrm>
+          <a:prstGeom prst="arc">
+            <a:avLst>
+              <a:gd name="adj1" fmla="val 5930571"/>
+              <a:gd name="adj2" fmla="val 8424060"/>
+            </a:avLst>
+          </a:prstGeom>
+          <a:ln w="9525"/>
+        </p:spPr>
+        <p:style>
+          <a:lnRef idx="1">
+            <a:schemeClr val="dk1"/>
+          </a:lnRef>
+          <a:fillRef idx="0">
+            <a:schemeClr val="dk1"/>
+          </a:fillRef>
+          <a:effectRef idx="0">
+            <a:schemeClr val="dk1"/>
+          </a:effectRef>
+          <a:fontRef idx="minor">
+            <a:schemeClr val="tx1"/>
+          </a:fontRef>
+        </p:style>
+        <p:txBody>
+          <a:bodyPr rtlCol="0" anchor="ctr"/>
+          <a:lstStyle/>
+          <a:p>
+            <a:pPr algn="ctr"/>
+            <a:endParaRPr lang="en-GB"/>
+          </a:p>
+        </p:txBody>
+      </p:sp>
+      <p:sp>
+        <p:nvSpPr>
+          <p:cNvPr id="41" name="TextBox 40">
+            <a:extLst>
+              <a:ext uri="{FF2B5EF4-FFF2-40B4-BE49-F238E27FC236}">
+                <a16:creationId xmlns:a16="http://schemas.microsoft.com/office/drawing/2014/main" id="{44D9AEBC-C17A-014E-83B2-A78351DB7C7F}"/>
+              </a:ext>
+            </a:extLst>
+          </p:cNvPr>
+          <p:cNvSpPr txBox="1"/>
+          <p:nvPr/>
+        </p:nvSpPr>
+        <p:spPr>
+          <a:xfrm>
+            <a:off x="7347419" y="2869447"/>
+            <a:ext cx="304892" cy="369332"/>
+          </a:xfrm>
+          <a:prstGeom prst="rect">
+            <a:avLst/>
+          </a:prstGeom>
+          <a:noFill/>
+        </p:spPr>
+        <p:txBody>
+          <a:bodyPr wrap="none" rtlCol="0">
+            <a:spAutoFit/>
+          </a:bodyPr>
+          <a:lstStyle/>
+          <a:p>
+            <a:pPr algn="ctr"/>
+            <a:r>
+              <a:rPr lang="en-GB" dirty="0">
+                <a:latin typeface="Times New Roman" panose="02020603050405020304" pitchFamily="18" charset="0"/>
+                <a:cs typeface="Times New Roman" panose="02020603050405020304" pitchFamily="18" charset="0"/>
+              </a:rPr>
+              <a:t>α</a:t>
+            </a:r>
+          </a:p>
+        </p:txBody>
+      </p:sp>
+      <p:cxnSp>
+        <p:nvCxnSpPr>
+          <p:cNvPr id="42" name="Straight Connector 41">
+            <a:extLst>
+              <a:ext uri="{FF2B5EF4-FFF2-40B4-BE49-F238E27FC236}">
+                <a16:creationId xmlns:a16="http://schemas.microsoft.com/office/drawing/2014/main" id="{4A179E88-89FC-D14A-AFDC-DE9CA4F20A60}"/>
+              </a:ext>
+            </a:extLst>
+          </p:cNvPr>
+          <p:cNvCxnSpPr>
+            <a:cxnSpLocks noChangeAspect="1"/>
+          </p:cNvCxnSpPr>
+          <p:nvPr/>
+        </p:nvCxnSpPr>
+        <p:spPr>
+          <a:xfrm flipH="1" flipV="1">
+            <a:off x="7360468" y="2026140"/>
+            <a:ext cx="452026" cy="552648"/>
+          </a:xfrm>
+          <a:prstGeom prst="line">
+            <a:avLst/>
+          </a:prstGeom>
+          <a:ln w="19050">
+            <a:solidFill>
+              <a:schemeClr val="tx1"/>
+            </a:solidFill>
+            <a:headEnd type="arrow" w="med" len="med"/>
+            <a:tailEnd type="arrow" w="med" len="med"/>
+          </a:ln>
+        </p:spPr>
+        <p:style>
+          <a:lnRef idx="1">
+            <a:schemeClr val="accent1"/>
+          </a:lnRef>
+          <a:fillRef idx="0">
+            <a:schemeClr val="accent1"/>
+          </a:fillRef>
+          <a:effectRef idx="0">
+            <a:schemeClr val="accent1"/>
+          </a:effectRef>
+          <a:fontRef idx="minor">
+            <a:schemeClr val="tx1"/>
+          </a:fontRef>
+        </p:style>
+      </p:cxnSp>
+      <p:sp>
+        <p:nvSpPr>
+          <p:cNvPr id="45" name="TextBox 44">
+            <a:extLst>
+              <a:ext uri="{FF2B5EF4-FFF2-40B4-BE49-F238E27FC236}">
+                <a16:creationId xmlns:a16="http://schemas.microsoft.com/office/drawing/2014/main" id="{3CBC2248-BE4B-FB4F-A65E-E17653F94EBE}"/>
+              </a:ext>
+            </a:extLst>
+          </p:cNvPr>
+          <p:cNvSpPr txBox="1"/>
+          <p:nvPr/>
+        </p:nvSpPr>
+        <p:spPr>
+          <a:xfrm rot="3025291">
+            <a:off x="7321425" y="2012929"/>
+            <a:ext cx="752515" cy="369332"/>
+          </a:xfrm>
+          <a:prstGeom prst="rect">
+            <a:avLst/>
+          </a:prstGeom>
+          <a:noFill/>
+        </p:spPr>
+        <p:txBody>
+          <a:bodyPr wrap="none" rtlCol="0">
+            <a:spAutoFit/>
+          </a:bodyPr>
+          <a:lstStyle/>
+          <a:p>
+            <a:pPr algn="ctr"/>
+            <a:r>
+              <a:rPr lang="en-GB" dirty="0">
+                <a:latin typeface="Times New Roman" panose="02020603050405020304" pitchFamily="18" charset="0"/>
+                <a:cs typeface="Times New Roman" panose="02020603050405020304" pitchFamily="18" charset="0"/>
+              </a:rPr>
+              <a:t>Width</a:t>
+            </a:r>
+          </a:p>
+        </p:txBody>
+      </p:sp>
+      <p:cxnSp>
+        <p:nvCxnSpPr>
+          <p:cNvPr id="46" name="Straight Connector 45">
+            <a:extLst>
+              <a:ext uri="{FF2B5EF4-FFF2-40B4-BE49-F238E27FC236}">
+                <a16:creationId xmlns:a16="http://schemas.microsoft.com/office/drawing/2014/main" id="{E198DC9A-8FCD-F94C-8AE8-DE1E6E29F512}"/>
+              </a:ext>
+            </a:extLst>
+          </p:cNvPr>
+          <p:cNvCxnSpPr>
+            <a:cxnSpLocks noChangeAspect="1"/>
+          </p:cNvCxnSpPr>
+          <p:nvPr/>
+        </p:nvCxnSpPr>
+        <p:spPr>
+          <a:xfrm flipH="1">
+            <a:off x="5944777" y="2623788"/>
+            <a:ext cx="1743736" cy="1425670"/>
+          </a:xfrm>
+          <a:prstGeom prst="line">
+            <a:avLst/>
+          </a:prstGeom>
+          <a:ln w="19050">
+            <a:solidFill>
+              <a:schemeClr val="tx1"/>
+            </a:solidFill>
+            <a:headEnd type="arrow" w="med" len="med"/>
+            <a:tailEnd type="arrow" w="med" len="med"/>
+          </a:ln>
+        </p:spPr>
+        <p:style>
+          <a:lnRef idx="1">
+            <a:schemeClr val="accent1"/>
+          </a:lnRef>
+          <a:fillRef idx="0">
+            <a:schemeClr val="accent1"/>
+          </a:fillRef>
+          <a:effectRef idx="0">
+            <a:schemeClr val="accent1"/>
+          </a:effectRef>
+          <a:fontRef idx="minor">
+            <a:schemeClr val="tx1"/>
+          </a:fontRef>
+        </p:style>
+      </p:cxnSp>
+      <p:sp>
+        <p:nvSpPr>
+          <p:cNvPr id="49" name="TextBox 48">
+            <a:extLst>
+              <a:ext uri="{FF2B5EF4-FFF2-40B4-BE49-F238E27FC236}">
+                <a16:creationId xmlns:a16="http://schemas.microsoft.com/office/drawing/2014/main" id="{F95652BE-3BA9-7F4F-8132-4622EB815401}"/>
+              </a:ext>
+            </a:extLst>
+          </p:cNvPr>
+          <p:cNvSpPr txBox="1"/>
+          <p:nvPr/>
+        </p:nvSpPr>
+        <p:spPr>
+          <a:xfrm rot="19169269">
+            <a:off x="6302910" y="3048095"/>
+            <a:ext cx="838691" cy="369332"/>
+          </a:xfrm>
+          <a:prstGeom prst="rect">
+            <a:avLst/>
+          </a:prstGeom>
+          <a:noFill/>
+        </p:spPr>
+        <p:txBody>
+          <a:bodyPr wrap="none" rtlCol="0">
+            <a:spAutoFit/>
+          </a:bodyPr>
+          <a:lstStyle/>
+          <a:p>
+            <a:pPr algn="ctr"/>
+            <a:r>
+              <a:rPr lang="en-GB" dirty="0">
+                <a:latin typeface="Times New Roman" panose="02020603050405020304" pitchFamily="18" charset="0"/>
+                <a:cs typeface="Times New Roman" panose="02020603050405020304" pitchFamily="18" charset="0"/>
+              </a:rPr>
+              <a:t>Length</a:t>
+            </a:r>
+          </a:p>
+        </p:txBody>
+      </p:sp>
+      <p:cxnSp>
+        <p:nvCxnSpPr>
+          <p:cNvPr id="51" name="Straight Connector 50">
+            <a:extLst>
+              <a:ext uri="{FF2B5EF4-FFF2-40B4-BE49-F238E27FC236}">
+                <a16:creationId xmlns:a16="http://schemas.microsoft.com/office/drawing/2014/main" id="{8CFBDCF1-0BCC-0442-A9BA-912CFCB7F514}"/>
+              </a:ext>
+            </a:extLst>
+          </p:cNvPr>
+          <p:cNvCxnSpPr>
+            <a:cxnSpLocks noChangeAspect="1"/>
+          </p:cNvCxnSpPr>
+          <p:nvPr/>
+        </p:nvCxnSpPr>
+        <p:spPr>
+          <a:xfrm flipV="1">
+            <a:off x="7299432" y="2750544"/>
+            <a:ext cx="534546" cy="3338551"/>
+          </a:xfrm>
+          <a:prstGeom prst="line">
+            <a:avLst/>
+          </a:prstGeom>
+          <a:ln w="19050">
+            <a:solidFill>
+              <a:schemeClr val="tx1"/>
+            </a:solidFill>
+            <a:prstDash val="solid"/>
+            <a:headEnd type="arrow" w="med" len="med"/>
+            <a:tailEnd type="arrow" w="med" len="med"/>
+          </a:ln>
+        </p:spPr>
+        <p:style>
+          <a:lnRef idx="1">
+            <a:schemeClr val="accent1"/>
+          </a:lnRef>
+          <a:fillRef idx="0">
+            <a:schemeClr val="accent1"/>
+          </a:fillRef>
+          <a:effectRef idx="0">
+            <a:schemeClr val="accent1"/>
+          </a:effectRef>
+          <a:fontRef idx="minor">
+            <a:schemeClr val="tx1"/>
+          </a:fontRef>
+        </p:style>
+      </p:cxnSp>
+      <p:sp>
+        <p:nvSpPr>
+          <p:cNvPr id="56" name="TextBox 55">
+            <a:extLst>
+              <a:ext uri="{FF2B5EF4-FFF2-40B4-BE49-F238E27FC236}">
+                <a16:creationId xmlns:a16="http://schemas.microsoft.com/office/drawing/2014/main" id="{E73E5B3E-DDE4-634A-BAFB-E9EE69B2DCEC}"/>
+              </a:ext>
+            </a:extLst>
+          </p:cNvPr>
+          <p:cNvSpPr txBox="1"/>
+          <p:nvPr/>
+        </p:nvSpPr>
+        <p:spPr>
+          <a:xfrm rot="16745764">
+            <a:off x="7162859" y="4448484"/>
+            <a:ext cx="992580" cy="369332"/>
+          </a:xfrm>
+          <a:prstGeom prst="rect">
+            <a:avLst/>
+          </a:prstGeom>
+          <a:noFill/>
+        </p:spPr>
+        <p:txBody>
+          <a:bodyPr wrap="none" rtlCol="0">
+            <a:spAutoFit/>
+          </a:bodyPr>
+          <a:lstStyle/>
+          <a:p>
+            <a:pPr algn="ctr"/>
+            <a:r>
+              <a:rPr lang="en-GB" dirty="0">
+                <a:latin typeface="Times New Roman" panose="02020603050405020304" pitchFamily="18" charset="0"/>
+                <a:cs typeface="Times New Roman" panose="02020603050405020304" pitchFamily="18" charset="0"/>
+              </a:rPr>
+              <a:t>Distance</a:t>
+            </a:r>
+          </a:p>
+        </p:txBody>
+      </p:sp>
+    </p:spTree>
+    <p:extLst>
+      <p:ext uri="{BB962C8B-B14F-4D97-AF65-F5344CB8AC3E}">
+        <p14:creationId xmlns:p14="http://schemas.microsoft.com/office/powerpoint/2010/main" val="3687888817"/>
+      </p:ext>
+    </p:extLst>
+  </p:cSld>
+  <p:clrMapOvr>
+    <a:masterClrMapping/>
+  </p:clrMapOvr>
+</p:sld>
+</file>
+
+<file path=ppt/slides/slide8.xml><?xml version="1.0" encoding="utf-8"?>
+<p:sld xmlns:a="http://schemas.openxmlformats.org/drawingml/2006/main" xmlns:r="http://schemas.openxmlformats.org/officeDocument/2006/relationships" xmlns:p="http://schemas.openxmlformats.org/presentationml/2006/main">
+  <p:cSld>
+    <p:spTree>
+      <p:nvGrpSpPr>
+        <p:cNvPr id="1" name=""/>
+        <p:cNvGrpSpPr/>
+        <p:nvPr/>
+      </p:nvGrpSpPr>
+      <p:grpSpPr>
+        <a:xfrm>
+          <a:off x="0" y="0"/>
+          <a:ext cx="0" cy="0"/>
+          <a:chOff x="0" y="0"/>
+          <a:chExt cx="0" cy="0"/>
+        </a:xfrm>
+      </p:grpSpPr>
+      <p:pic>
+        <p:nvPicPr>
+          <p:cNvPr id="4" name="Picture 3">
+            <a:extLst>
+              <a:ext uri="{FF2B5EF4-FFF2-40B4-BE49-F238E27FC236}">
+                <a16:creationId xmlns:a16="http://schemas.microsoft.com/office/drawing/2014/main" id="{65CAB37D-2C97-4B48-BA02-A698F3102514}"/>
+              </a:ext>
+            </a:extLst>
+          </p:cNvPr>
+          <p:cNvPicPr>
+            <a:picLocks noChangeAspect="1"/>
+          </p:cNvPicPr>
+          <p:nvPr/>
+        </p:nvPicPr>
+        <p:blipFill>
+          <a:blip r:embed="rId2"/>
+          <a:stretch>
+            <a:fillRect/>
+          </a:stretch>
+        </p:blipFill>
+        <p:spPr>
+          <a:xfrm>
+            <a:off x="1673986" y="0"/>
+            <a:ext cx="8844027" cy="6858000"/>
+          </a:xfrm>
+          <a:prstGeom prst="rect">
+            <a:avLst/>
+          </a:prstGeom>
+        </p:spPr>
+      </p:pic>
+    </p:spTree>
+    <p:extLst>
+      <p:ext uri="{BB962C8B-B14F-4D97-AF65-F5344CB8AC3E}">
+        <p14:creationId xmlns:p14="http://schemas.microsoft.com/office/powerpoint/2010/main" val="2464604038"/>
+      </p:ext>
+    </p:extLst>
+  </p:cSld>
+  <p:clrMapOvr>
+    <a:masterClrMapping/>
+  </p:clrMapOvr>
+</p:sld>
+</file>
+
 <file path=ppt/theme/theme1.xml><?xml version="1.0" encoding="utf-8"?>
 <a:theme xmlns:a="http://schemas.openxmlformats.org/drawingml/2006/main" name="Office Theme">
   <a:themeElements>

--- a/misc/dataflow.pptx
+++ b/misc/dataflow.pptx
@@ -5,7 +5,7 @@
     <p:sldMasterId id="2147483648" r:id="rId1"/>
   </p:sldMasterIdLst>
   <p:notesMasterIdLst>
-    <p:notesMasterId r:id="rId10"/>
+    <p:notesMasterId r:id="rId16"/>
   </p:notesMasterIdLst>
   <p:sldIdLst>
     <p:sldId id="256" r:id="rId2"/>
@@ -16,6 +16,12 @@
     <p:sldId id="262" r:id="rId7"/>
     <p:sldId id="261" r:id="rId8"/>
     <p:sldId id="263" r:id="rId9"/>
+    <p:sldId id="264" r:id="rId10"/>
+    <p:sldId id="265" r:id="rId11"/>
+    <p:sldId id="266" r:id="rId12"/>
+    <p:sldId id="267" r:id="rId13"/>
+    <p:sldId id="268" r:id="rId14"/>
+    <p:sldId id="269" r:id="rId15"/>
   </p:sldIdLst>
   <p:sldSz cx="12192000" cy="6858000"/>
   <p:notesSz cx="6858000" cy="9144000"/>
@@ -204,7 +210,7 @@
           <a:p>
             <a:fld id="{C5B23C63-B32F-AF4C-B9DF-43B06B6336C1}" type="datetimeFigureOut">
               <a:rPr lang="en-GB" smtClean="0"/>
-              <a:t>04/09/2018</a:t>
+              <a:t>06/09/2018</a:t>
             </a:fld>
             <a:endParaRPr lang="en-GB"/>
           </a:p>
@@ -640,6 +646,90 @@
 </p:notes>
 </file>
 
+<file path=ppt/notesSlides/notesSlide3.xml><?xml version="1.0" encoding="utf-8"?>
+<p:notes xmlns:a="http://schemas.openxmlformats.org/drawingml/2006/main" xmlns:r="http://schemas.openxmlformats.org/officeDocument/2006/relationships" xmlns:p="http://schemas.openxmlformats.org/presentationml/2006/main">
+  <p:cSld>
+    <p:spTree>
+      <p:nvGrpSpPr>
+        <p:cNvPr id="1" name=""/>
+        <p:cNvGrpSpPr/>
+        <p:nvPr/>
+      </p:nvGrpSpPr>
+      <p:grpSpPr>
+        <a:xfrm>
+          <a:off x="0" y="0"/>
+          <a:ext cx="0" cy="0"/>
+          <a:chOff x="0" y="0"/>
+          <a:chExt cx="0" cy="0"/>
+        </a:xfrm>
+      </p:grpSpPr>
+      <p:sp>
+        <p:nvSpPr>
+          <p:cNvPr id="2" name="Slide Image Placeholder 1"/>
+          <p:cNvSpPr>
+            <a:spLocks noGrp="1" noRot="1" noChangeAspect="1"/>
+          </p:cNvSpPr>
+          <p:nvPr>
+            <p:ph type="sldImg"/>
+          </p:nvPr>
+        </p:nvSpPr>
+        <p:spPr/>
+      </p:sp>
+      <p:sp>
+        <p:nvSpPr>
+          <p:cNvPr id="3" name="Notes Placeholder 2"/>
+          <p:cNvSpPr>
+            <a:spLocks noGrp="1"/>
+          </p:cNvSpPr>
+          <p:nvPr>
+            <p:ph type="body" idx="1"/>
+          </p:nvPr>
+        </p:nvSpPr>
+        <p:spPr/>
+        <p:txBody>
+          <a:bodyPr/>
+          <a:lstStyle/>
+          <a:p>
+            <a:endParaRPr lang="en-GB" dirty="0"/>
+          </a:p>
+        </p:txBody>
+      </p:sp>
+      <p:sp>
+        <p:nvSpPr>
+          <p:cNvPr id="4" name="Slide Number Placeholder 3"/>
+          <p:cNvSpPr>
+            <a:spLocks noGrp="1"/>
+          </p:cNvSpPr>
+          <p:nvPr>
+            <p:ph type="sldNum" sz="quarter" idx="5"/>
+          </p:nvPr>
+        </p:nvSpPr>
+        <p:spPr/>
+        <p:txBody>
+          <a:bodyPr/>
+          <a:lstStyle/>
+          <a:p>
+            <a:fld id="{10648B58-96C8-414D-B339-07BF9B5B284E}" type="slidenum">
+              <a:rPr lang="en-GB" smtClean="0"/>
+              <a:t>13</a:t>
+            </a:fld>
+            <a:endParaRPr lang="en-GB"/>
+          </a:p>
+        </p:txBody>
+      </p:sp>
+    </p:spTree>
+    <p:extLst>
+      <p:ext uri="{BB962C8B-B14F-4D97-AF65-F5344CB8AC3E}">
+        <p14:creationId xmlns:p14="http://schemas.microsoft.com/office/powerpoint/2010/main" val="2317098887"/>
+      </p:ext>
+    </p:extLst>
+  </p:cSld>
+  <p:clrMapOvr>
+    <a:masterClrMapping/>
+  </p:clrMapOvr>
+</p:notes>
+</file>
+
 <file path=ppt/slideLayouts/slideLayout1.xml><?xml version="1.0" encoding="utf-8"?>
 <p:sldLayout xmlns:a="http://schemas.openxmlformats.org/drawingml/2006/main" xmlns:r="http://schemas.openxmlformats.org/officeDocument/2006/relationships" xmlns:p="http://schemas.openxmlformats.org/presentationml/2006/main" type="title" preserve="1">
   <p:cSld name="Title Slide">
@@ -789,7 +879,7 @@
           <a:p>
             <a:fld id="{9F682711-DC70-F046-A7AB-3B6E062141C5}" type="datetimeFigureOut">
               <a:rPr lang="en-GB" smtClean="0"/>
-              <a:t>04/09/2018</a:t>
+              <a:t>06/09/2018</a:t>
             </a:fld>
             <a:endParaRPr lang="en-GB"/>
           </a:p>
@@ -989,7 +1079,7 @@
           <a:p>
             <a:fld id="{9F682711-DC70-F046-A7AB-3B6E062141C5}" type="datetimeFigureOut">
               <a:rPr lang="en-GB" smtClean="0"/>
-              <a:t>04/09/2018</a:t>
+              <a:t>06/09/2018</a:t>
             </a:fld>
             <a:endParaRPr lang="en-GB"/>
           </a:p>
@@ -1199,7 +1289,7 @@
           <a:p>
             <a:fld id="{9F682711-DC70-F046-A7AB-3B6E062141C5}" type="datetimeFigureOut">
               <a:rPr lang="en-GB" smtClean="0"/>
-              <a:t>04/09/2018</a:t>
+              <a:t>06/09/2018</a:t>
             </a:fld>
             <a:endParaRPr lang="en-GB"/>
           </a:p>
@@ -1399,7 +1489,7 @@
           <a:p>
             <a:fld id="{9F682711-DC70-F046-A7AB-3B6E062141C5}" type="datetimeFigureOut">
               <a:rPr lang="en-GB" smtClean="0"/>
-              <a:t>04/09/2018</a:t>
+              <a:t>06/09/2018</a:t>
             </a:fld>
             <a:endParaRPr lang="en-GB"/>
           </a:p>
@@ -1675,7 +1765,7 @@
           <a:p>
             <a:fld id="{9F682711-DC70-F046-A7AB-3B6E062141C5}" type="datetimeFigureOut">
               <a:rPr lang="en-GB" smtClean="0"/>
-              <a:t>04/09/2018</a:t>
+              <a:t>06/09/2018</a:t>
             </a:fld>
             <a:endParaRPr lang="en-GB"/>
           </a:p>
@@ -1943,7 +2033,7 @@
           <a:p>
             <a:fld id="{9F682711-DC70-F046-A7AB-3B6E062141C5}" type="datetimeFigureOut">
               <a:rPr lang="en-GB" smtClean="0"/>
-              <a:t>04/09/2018</a:t>
+              <a:t>06/09/2018</a:t>
             </a:fld>
             <a:endParaRPr lang="en-GB"/>
           </a:p>
@@ -2358,7 +2448,7 @@
           <a:p>
             <a:fld id="{9F682711-DC70-F046-A7AB-3B6E062141C5}" type="datetimeFigureOut">
               <a:rPr lang="en-GB" smtClean="0"/>
-              <a:t>04/09/2018</a:t>
+              <a:t>06/09/2018</a:t>
             </a:fld>
             <a:endParaRPr lang="en-GB"/>
           </a:p>
@@ -2500,7 +2590,7 @@
           <a:p>
             <a:fld id="{9F682711-DC70-F046-A7AB-3B6E062141C5}" type="datetimeFigureOut">
               <a:rPr lang="en-GB" smtClean="0"/>
-              <a:t>04/09/2018</a:t>
+              <a:t>06/09/2018</a:t>
             </a:fld>
             <a:endParaRPr lang="en-GB"/>
           </a:p>
@@ -2613,7 +2703,7 @@
           <a:p>
             <a:fld id="{9F682711-DC70-F046-A7AB-3B6E062141C5}" type="datetimeFigureOut">
               <a:rPr lang="en-GB" smtClean="0"/>
-              <a:t>04/09/2018</a:t>
+              <a:t>06/09/2018</a:t>
             </a:fld>
             <a:endParaRPr lang="en-GB"/>
           </a:p>
@@ -2926,7 +3016,7 @@
           <a:p>
             <a:fld id="{9F682711-DC70-F046-A7AB-3B6E062141C5}" type="datetimeFigureOut">
               <a:rPr lang="en-GB" smtClean="0"/>
-              <a:t>04/09/2018</a:t>
+              <a:t>06/09/2018</a:t>
             </a:fld>
             <a:endParaRPr lang="en-GB"/>
           </a:p>
@@ -3215,7 +3305,7 @@
           <a:p>
             <a:fld id="{9F682711-DC70-F046-A7AB-3B6E062141C5}" type="datetimeFigureOut">
               <a:rPr lang="en-GB" smtClean="0"/>
-              <a:t>04/09/2018</a:t>
+              <a:t>06/09/2018</a:t>
             </a:fld>
             <a:endParaRPr lang="en-GB"/>
           </a:p>
@@ -3458,7 +3548,7 @@
           <a:p>
             <a:fld id="{9F682711-DC70-F046-A7AB-3B6E062141C5}" type="datetimeFigureOut">
               <a:rPr lang="en-GB" smtClean="0"/>
-              <a:t>04/09/2018</a:t>
+              <a:t>06/09/2018</a:t>
             </a:fld>
             <a:endParaRPr lang="en-GB"/>
           </a:p>
@@ -3877,6 +3967,56 @@
       </p:grpSpPr>
       <p:sp>
         <p:nvSpPr>
+          <p:cNvPr id="2" name="Rectangle 1">
+            <a:extLst>
+              <a:ext uri="{FF2B5EF4-FFF2-40B4-BE49-F238E27FC236}">
+                <a16:creationId xmlns:a16="http://schemas.microsoft.com/office/drawing/2014/main" id="{78AEB565-B50A-3B4C-96BF-81CD04561AF9}"/>
+              </a:ext>
+            </a:extLst>
+          </p:cNvPr>
+          <p:cNvSpPr/>
+          <p:nvPr/>
+        </p:nvSpPr>
+        <p:spPr>
+          <a:xfrm>
+            <a:off x="7164001" y="126000"/>
+            <a:ext cx="3787200" cy="14713200"/>
+          </a:xfrm>
+          <a:prstGeom prst="rect">
+            <a:avLst/>
+          </a:prstGeom>
+          <a:noFill/>
+          <a:ln>
+            <a:noFill/>
+          </a:ln>
+        </p:spPr>
+        <p:style>
+          <a:lnRef idx="2">
+            <a:schemeClr val="accent1">
+              <a:shade val="50000"/>
+            </a:schemeClr>
+          </a:lnRef>
+          <a:fillRef idx="1">
+            <a:schemeClr val="accent1"/>
+          </a:fillRef>
+          <a:effectRef idx="0">
+            <a:schemeClr val="accent1"/>
+          </a:effectRef>
+          <a:fontRef idx="minor">
+            <a:schemeClr val="lt1"/>
+          </a:fontRef>
+        </p:style>
+        <p:txBody>
+          <a:bodyPr rtlCol="0" anchor="ctr"/>
+          <a:lstStyle/>
+          <a:p>
+            <a:pPr algn="ctr"/>
+            <a:endParaRPr lang="en-GB"/>
+          </a:p>
+        </p:txBody>
+      </p:sp>
+      <p:sp>
+        <p:nvSpPr>
           <p:cNvPr id="136" name="Rounded Rectangle 135">
             <a:extLst>
               <a:ext uri="{FF2B5EF4-FFF2-40B4-BE49-F238E27FC236}">
@@ -3951,8 +4091,8 @@
                 <a:solidFill>
                   <a:schemeClr val="tx1"/>
                 </a:solidFill>
-                <a:latin typeface="Arial" panose="020B0604020202020204" pitchFamily="34" charset="0"/>
-                <a:cs typeface="Arial" panose="020B0604020202020204" pitchFamily="34" charset="0"/>
+                <a:latin typeface="Times New Roman" panose="02020603050405020304" pitchFamily="18" charset="0"/>
+                <a:cs typeface="Times New Roman" panose="02020603050405020304" pitchFamily="18" charset="0"/>
               </a:rPr>
               <a:t>SUSS</a:t>
             </a:r>
@@ -4035,8 +4175,8 @@
                 <a:solidFill>
                   <a:schemeClr val="tx1"/>
                 </a:solidFill>
-                <a:latin typeface="Arial" panose="020B0604020202020204" pitchFamily="34" charset="0"/>
-                <a:cs typeface="Arial" panose="020B0604020202020204" pitchFamily="34" charset="0"/>
+                <a:latin typeface="Times New Roman" panose="02020603050405020304" pitchFamily="18" charset="0"/>
+                <a:cs typeface="Times New Roman" panose="02020603050405020304" pitchFamily="18" charset="0"/>
               </a:rPr>
               <a:t>DPPS</a:t>
             </a:r>
@@ -4119,8 +4259,8 @@
                 <a:solidFill>
                   <a:schemeClr val="tx1"/>
                 </a:solidFill>
-                <a:latin typeface="Arial" panose="020B0604020202020204" pitchFamily="34" charset="0"/>
-                <a:cs typeface="Arial" panose="020B0604020202020204" pitchFamily="34" charset="0"/>
+                <a:latin typeface="Times New Roman" panose="02020603050405020304" pitchFamily="18" charset="0"/>
+                <a:cs typeface="Times New Roman" panose="02020603050405020304" pitchFamily="18" charset="0"/>
               </a:rPr>
               <a:t>OES</a:t>
             </a:r>
@@ -4203,8 +4343,8 @@
                 <a:solidFill>
                   <a:schemeClr val="tx1"/>
                 </a:solidFill>
-                <a:latin typeface="Arial" panose="020B0604020202020204" pitchFamily="34" charset="0"/>
-                <a:cs typeface="Arial" panose="020B0604020202020204" pitchFamily="34" charset="0"/>
+                <a:latin typeface="Times New Roman" panose="02020603050405020304" pitchFamily="18" charset="0"/>
+                <a:cs typeface="Times New Roman" panose="02020603050405020304" pitchFamily="18" charset="0"/>
               </a:rPr>
               <a:t>Telescope</a:t>
             </a:r>
@@ -4283,9 +4423,9 @@
                 <a:solidFill>
                   <a:schemeClr val="tx1"/>
                 </a:solidFill>
-                <a:latin typeface="Arial" panose="020B0604020202020204" pitchFamily="34" charset="0"/>
+                <a:latin typeface="Times New Roman" panose="02020603050405020304" pitchFamily="18" charset="0"/>
                 <a:ea typeface="Ayuthaya" pitchFamily="2" charset="-34"/>
-                <a:cs typeface="Arial" panose="020B0604020202020204" pitchFamily="34" charset="0"/>
+                <a:cs typeface="Times New Roman" panose="02020603050405020304" pitchFamily="18" charset="0"/>
               </a:rPr>
               <a:t>R0</a:t>
             </a:r>
@@ -4294,9 +4434,9 @@
                 <a:solidFill>
                   <a:schemeClr val="tx1"/>
                 </a:solidFill>
-                <a:latin typeface="Arial" panose="020B0604020202020204" pitchFamily="34" charset="0"/>
+                <a:latin typeface="Times New Roman" panose="02020603050405020304" pitchFamily="18" charset="0"/>
                 <a:ea typeface="Ayuthaya" pitchFamily="2" charset="-34"/>
-                <a:cs typeface="Arial" panose="020B0604020202020204" pitchFamily="34" charset="0"/>
+                <a:cs typeface="Times New Roman" panose="02020603050405020304" pitchFamily="18" charset="0"/>
               </a:rPr>
               <a:t> </a:t>
             </a:r>
@@ -4308,9 +4448,9 @@
                 <a:solidFill>
                   <a:schemeClr val="tx1"/>
                 </a:solidFill>
-                <a:latin typeface="Arial" panose="020B0604020202020204" pitchFamily="34" charset="0"/>
+                <a:latin typeface="Times New Roman" panose="02020603050405020304" pitchFamily="18" charset="0"/>
                 <a:ea typeface="Ayuthaya" pitchFamily="2" charset="-34"/>
-                <a:cs typeface="Arial" panose="020B0604020202020204" pitchFamily="34" charset="0"/>
+                <a:cs typeface="Times New Roman" panose="02020603050405020304" pitchFamily="18" charset="0"/>
               </a:rPr>
               <a:t>(raw low-level)</a:t>
             </a:r>
@@ -4389,9 +4529,9 @@
                 <a:solidFill>
                   <a:schemeClr val="tx1"/>
                 </a:solidFill>
-                <a:latin typeface="Arial" panose="020B0604020202020204" pitchFamily="34" charset="0"/>
+                <a:latin typeface="Times New Roman" panose="02020603050405020304" pitchFamily="18" charset="0"/>
                 <a:ea typeface="Ayuthaya" pitchFamily="2" charset="-34"/>
-                <a:cs typeface="Arial" panose="020B0604020202020204" pitchFamily="34" charset="0"/>
+                <a:cs typeface="Times New Roman" panose="02020603050405020304" pitchFamily="18" charset="0"/>
               </a:rPr>
               <a:t>R1 </a:t>
             </a:r>
@@ -4403,9 +4543,9 @@
                 <a:solidFill>
                   <a:schemeClr val="tx1"/>
                 </a:solidFill>
-                <a:latin typeface="Arial" panose="020B0604020202020204" pitchFamily="34" charset="0"/>
+                <a:latin typeface="Times New Roman" panose="02020603050405020304" pitchFamily="18" charset="0"/>
                 <a:ea typeface="Ayuthaya" pitchFamily="2" charset="-34"/>
-                <a:cs typeface="Arial" panose="020B0604020202020204" pitchFamily="34" charset="0"/>
+                <a:cs typeface="Times New Roman" panose="02020603050405020304" pitchFamily="18" charset="0"/>
               </a:rPr>
               <a:t>(raw common)</a:t>
             </a:r>
@@ -4413,9 +4553,9 @@
               <a:solidFill>
                 <a:schemeClr val="tx1"/>
               </a:solidFill>
-              <a:latin typeface="Arial" panose="020B0604020202020204" pitchFamily="34" charset="0"/>
+              <a:latin typeface="Times New Roman" panose="02020603050405020304" pitchFamily="18" charset="0"/>
               <a:ea typeface="Ayuthaya" pitchFamily="2" charset="-34"/>
-              <a:cs typeface="Arial" panose="020B0604020202020204" pitchFamily="34" charset="0"/>
+              <a:cs typeface="Times New Roman" panose="02020603050405020304" pitchFamily="18" charset="0"/>
             </a:endParaRPr>
           </a:p>
         </p:txBody>
@@ -4492,9 +4632,9 @@
                 <a:solidFill>
                   <a:schemeClr val="tx1"/>
                 </a:solidFill>
-                <a:latin typeface="Arial" panose="020B0604020202020204" pitchFamily="34" charset="0"/>
+                <a:latin typeface="Times New Roman" panose="02020603050405020304" pitchFamily="18" charset="0"/>
                 <a:ea typeface="Ayuthaya" pitchFamily="2" charset="-34"/>
-                <a:cs typeface="Arial" panose="020B0604020202020204" pitchFamily="34" charset="0"/>
+                <a:cs typeface="Times New Roman" panose="02020603050405020304" pitchFamily="18" charset="0"/>
               </a:rPr>
               <a:t>DL0 </a:t>
             </a:r>
@@ -4506,9 +4646,9 @@
                 <a:solidFill>
                   <a:schemeClr val="tx1"/>
                 </a:solidFill>
-                <a:latin typeface="Arial" panose="020B0604020202020204" pitchFamily="34" charset="0"/>
+                <a:latin typeface="Times New Roman" panose="02020603050405020304" pitchFamily="18" charset="0"/>
                 <a:ea typeface="Ayuthaya" pitchFamily="2" charset="-34"/>
-                <a:cs typeface="Arial" panose="020B0604020202020204" pitchFamily="34" charset="0"/>
+                <a:cs typeface="Times New Roman" panose="02020603050405020304" pitchFamily="18" charset="0"/>
               </a:rPr>
               <a:t>(raw archived)</a:t>
             </a:r>
@@ -4516,9 +4656,9 @@
               <a:solidFill>
                 <a:schemeClr val="tx1"/>
               </a:solidFill>
-              <a:latin typeface="Arial" panose="020B0604020202020204" pitchFamily="34" charset="0"/>
+              <a:latin typeface="Times New Roman" panose="02020603050405020304" pitchFamily="18" charset="0"/>
               <a:ea typeface="Ayuthaya" pitchFamily="2" charset="-34"/>
-              <a:cs typeface="Arial" panose="020B0604020202020204" pitchFamily="34" charset="0"/>
+              <a:cs typeface="Times New Roman" panose="02020603050405020304" pitchFamily="18" charset="0"/>
             </a:endParaRPr>
           </a:p>
         </p:txBody>
@@ -4595,9 +4735,9 @@
                 <a:solidFill>
                   <a:schemeClr val="tx1"/>
                 </a:solidFill>
-                <a:latin typeface="Arial" panose="020B0604020202020204" pitchFamily="34" charset="0"/>
+                <a:latin typeface="Times New Roman" panose="02020603050405020304" pitchFamily="18" charset="0"/>
                 <a:ea typeface="Ayuthaya" pitchFamily="2" charset="-34"/>
-                <a:cs typeface="Arial" panose="020B0604020202020204" pitchFamily="34" charset="0"/>
+                <a:cs typeface="Times New Roman" panose="02020603050405020304" pitchFamily="18" charset="0"/>
               </a:rPr>
               <a:t>DL1a </a:t>
             </a:r>
@@ -4609,9 +4749,9 @@
                 <a:solidFill>
                   <a:schemeClr val="tx1"/>
                 </a:solidFill>
-                <a:latin typeface="Arial" panose="020B0604020202020204" pitchFamily="34" charset="0"/>
+                <a:latin typeface="Times New Roman" panose="02020603050405020304" pitchFamily="18" charset="0"/>
                 <a:ea typeface="Ayuthaya" pitchFamily="2" charset="-34"/>
-                <a:cs typeface="Arial" panose="020B0604020202020204" pitchFamily="34" charset="0"/>
+                <a:cs typeface="Times New Roman" panose="02020603050405020304" pitchFamily="18" charset="0"/>
               </a:rPr>
               <a:t>(processed)</a:t>
             </a:r>
@@ -4619,9 +4759,9 @@
               <a:solidFill>
                 <a:schemeClr val="tx1"/>
               </a:solidFill>
-              <a:latin typeface="Arial" panose="020B0604020202020204" pitchFamily="34" charset="0"/>
+              <a:latin typeface="Times New Roman" panose="02020603050405020304" pitchFamily="18" charset="0"/>
               <a:ea typeface="Ayuthaya" pitchFamily="2" charset="-34"/>
-              <a:cs typeface="Arial" panose="020B0604020202020204" pitchFamily="34" charset="0"/>
+              <a:cs typeface="Times New Roman" panose="02020603050405020304" pitchFamily="18" charset="0"/>
             </a:endParaRPr>
           </a:p>
         </p:txBody>
@@ -4698,9 +4838,9 @@
                 <a:solidFill>
                   <a:schemeClr val="tx1"/>
                 </a:solidFill>
-                <a:latin typeface="Arial" panose="020B0604020202020204" pitchFamily="34" charset="0"/>
+                <a:latin typeface="Times New Roman" panose="02020603050405020304" pitchFamily="18" charset="0"/>
                 <a:ea typeface="Ayuthaya" pitchFamily="2" charset="-34"/>
-                <a:cs typeface="Arial" panose="020B0604020202020204" pitchFamily="34" charset="0"/>
+                <a:cs typeface="Times New Roman" panose="02020603050405020304" pitchFamily="18" charset="0"/>
               </a:rPr>
               <a:t>DL1b </a:t>
             </a:r>
@@ -4712,9 +4852,9 @@
                 <a:solidFill>
                   <a:schemeClr val="tx1"/>
                 </a:solidFill>
-                <a:latin typeface="Arial" panose="020B0604020202020204" pitchFamily="34" charset="0"/>
+                <a:latin typeface="Times New Roman" panose="02020603050405020304" pitchFamily="18" charset="0"/>
                 <a:ea typeface="Ayuthaya" pitchFamily="2" charset="-34"/>
-                <a:cs typeface="Arial" panose="020B0604020202020204" pitchFamily="34" charset="0"/>
+                <a:cs typeface="Times New Roman" panose="02020603050405020304" pitchFamily="18" charset="0"/>
               </a:rPr>
               <a:t>(processed)</a:t>
             </a:r>
@@ -4722,9 +4862,9 @@
               <a:solidFill>
                 <a:schemeClr val="tx1"/>
               </a:solidFill>
-              <a:latin typeface="Arial" panose="020B0604020202020204" pitchFamily="34" charset="0"/>
+              <a:latin typeface="Times New Roman" panose="02020603050405020304" pitchFamily="18" charset="0"/>
               <a:ea typeface="Ayuthaya" pitchFamily="2" charset="-34"/>
-              <a:cs typeface="Arial" panose="020B0604020202020204" pitchFamily="34" charset="0"/>
+              <a:cs typeface="Times New Roman" panose="02020603050405020304" pitchFamily="18" charset="0"/>
             </a:endParaRPr>
           </a:p>
         </p:txBody>
@@ -4801,9 +4941,9 @@
                 <a:solidFill>
                   <a:schemeClr val="tx1"/>
                 </a:solidFill>
-                <a:latin typeface="Arial" panose="020B0604020202020204" pitchFamily="34" charset="0"/>
+                <a:latin typeface="Times New Roman" panose="02020603050405020304" pitchFamily="18" charset="0"/>
                 <a:ea typeface="Ayuthaya" pitchFamily="2" charset="-34"/>
-                <a:cs typeface="Arial" panose="020B0604020202020204" pitchFamily="34" charset="0"/>
+                <a:cs typeface="Times New Roman" panose="02020603050405020304" pitchFamily="18" charset="0"/>
               </a:rPr>
               <a:t>DL2 </a:t>
             </a:r>
@@ -4815,9 +4955,9 @@
                 <a:solidFill>
                   <a:schemeClr val="tx1"/>
                 </a:solidFill>
-                <a:latin typeface="Arial" panose="020B0604020202020204" pitchFamily="34" charset="0"/>
+                <a:latin typeface="Times New Roman" panose="02020603050405020304" pitchFamily="18" charset="0"/>
                 <a:ea typeface="Ayuthaya" pitchFamily="2" charset="-34"/>
-                <a:cs typeface="Arial" panose="020B0604020202020204" pitchFamily="34" charset="0"/>
+                <a:cs typeface="Times New Roman" panose="02020603050405020304" pitchFamily="18" charset="0"/>
               </a:rPr>
               <a:t>(reconstructed)</a:t>
             </a:r>
@@ -4825,9 +4965,9 @@
               <a:solidFill>
                 <a:schemeClr val="tx1"/>
               </a:solidFill>
-              <a:latin typeface="Arial" panose="020B0604020202020204" pitchFamily="34" charset="0"/>
+              <a:latin typeface="Times New Roman" panose="02020603050405020304" pitchFamily="18" charset="0"/>
               <a:ea typeface="Ayuthaya" pitchFamily="2" charset="-34"/>
-              <a:cs typeface="Arial" panose="020B0604020202020204" pitchFamily="34" charset="0"/>
+              <a:cs typeface="Times New Roman" panose="02020603050405020304" pitchFamily="18" charset="0"/>
             </a:endParaRPr>
           </a:p>
         </p:txBody>
@@ -4904,9 +5044,9 @@
                 <a:solidFill>
                   <a:schemeClr val="tx1"/>
                 </a:solidFill>
-                <a:latin typeface="Arial" panose="020B0604020202020204" pitchFamily="34" charset="0"/>
+                <a:latin typeface="Times New Roman" panose="02020603050405020304" pitchFamily="18" charset="0"/>
                 <a:ea typeface="Ayuthaya" pitchFamily="2" charset="-34"/>
-                <a:cs typeface="Arial" panose="020B0604020202020204" pitchFamily="34" charset="0"/>
+                <a:cs typeface="Times New Roman" panose="02020603050405020304" pitchFamily="18" charset="0"/>
               </a:rPr>
               <a:t>DL3 </a:t>
             </a:r>
@@ -4918,9 +5058,9 @@
                 <a:solidFill>
                   <a:schemeClr val="tx1"/>
                 </a:solidFill>
-                <a:latin typeface="Arial" panose="020B0604020202020204" pitchFamily="34" charset="0"/>
+                <a:latin typeface="Times New Roman" panose="02020603050405020304" pitchFamily="18" charset="0"/>
                 <a:ea typeface="Ayuthaya" pitchFamily="2" charset="-34"/>
-                <a:cs typeface="Arial" panose="020B0604020202020204" pitchFamily="34" charset="0"/>
+                <a:cs typeface="Times New Roman" panose="02020603050405020304" pitchFamily="18" charset="0"/>
               </a:rPr>
               <a:t>(reduced)</a:t>
             </a:r>
@@ -4928,9 +5068,9 @@
               <a:solidFill>
                 <a:schemeClr val="tx1"/>
               </a:solidFill>
-              <a:latin typeface="Arial" panose="020B0604020202020204" pitchFamily="34" charset="0"/>
+              <a:latin typeface="Times New Roman" panose="02020603050405020304" pitchFamily="18" charset="0"/>
               <a:ea typeface="Ayuthaya" pitchFamily="2" charset="-34"/>
-              <a:cs typeface="Arial" panose="020B0604020202020204" pitchFamily="34" charset="0"/>
+              <a:cs typeface="Times New Roman" panose="02020603050405020304" pitchFamily="18" charset="0"/>
             </a:endParaRPr>
           </a:p>
         </p:txBody>
@@ -5007,9 +5147,9 @@
                 <a:solidFill>
                   <a:schemeClr val="tx1"/>
                 </a:solidFill>
-                <a:latin typeface="Arial" panose="020B0604020202020204" pitchFamily="34" charset="0"/>
+                <a:latin typeface="Times New Roman" panose="02020603050405020304" pitchFamily="18" charset="0"/>
                 <a:ea typeface="Ayuthaya" pitchFamily="2" charset="-34"/>
-                <a:cs typeface="Arial" panose="020B0604020202020204" pitchFamily="34" charset="0"/>
+                <a:cs typeface="Times New Roman" panose="02020603050405020304" pitchFamily="18" charset="0"/>
               </a:rPr>
               <a:t>DL4 </a:t>
             </a:r>
@@ -5021,9 +5161,9 @@
                 <a:solidFill>
                   <a:schemeClr val="tx1"/>
                 </a:solidFill>
-                <a:latin typeface="Arial" panose="020B0604020202020204" pitchFamily="34" charset="0"/>
+                <a:latin typeface="Times New Roman" panose="02020603050405020304" pitchFamily="18" charset="0"/>
                 <a:ea typeface="Ayuthaya" pitchFamily="2" charset="-34"/>
-                <a:cs typeface="Arial" panose="020B0604020202020204" pitchFamily="34" charset="0"/>
+                <a:cs typeface="Times New Roman" panose="02020603050405020304" pitchFamily="18" charset="0"/>
               </a:rPr>
               <a:t>(science)</a:t>
             </a:r>
@@ -5031,9 +5171,9 @@
               <a:solidFill>
                 <a:schemeClr val="tx1"/>
               </a:solidFill>
-              <a:latin typeface="Arial" panose="020B0604020202020204" pitchFamily="34" charset="0"/>
+              <a:latin typeface="Times New Roman" panose="02020603050405020304" pitchFamily="18" charset="0"/>
               <a:ea typeface="Ayuthaya" pitchFamily="2" charset="-34"/>
-              <a:cs typeface="Arial" panose="020B0604020202020204" pitchFamily="34" charset="0"/>
+              <a:cs typeface="Times New Roman" panose="02020603050405020304" pitchFamily="18" charset="0"/>
             </a:endParaRPr>
           </a:p>
         </p:txBody>
@@ -5110,9 +5250,9 @@
                 <a:solidFill>
                   <a:schemeClr val="tx1"/>
                 </a:solidFill>
-                <a:latin typeface="Arial" panose="020B0604020202020204" pitchFamily="34" charset="0"/>
+                <a:latin typeface="Times New Roman" panose="02020603050405020304" pitchFamily="18" charset="0"/>
                 <a:ea typeface="Ayuthaya" pitchFamily="2" charset="-34"/>
-                <a:cs typeface="Arial" panose="020B0604020202020204" pitchFamily="34" charset="0"/>
+                <a:cs typeface="Times New Roman" panose="02020603050405020304" pitchFamily="18" charset="0"/>
               </a:rPr>
               <a:t>DL5 </a:t>
             </a:r>
@@ -5124,9 +5264,9 @@
                 <a:solidFill>
                   <a:schemeClr val="tx1"/>
                 </a:solidFill>
-                <a:latin typeface="Arial" panose="020B0604020202020204" pitchFamily="34" charset="0"/>
+                <a:latin typeface="Times New Roman" panose="02020603050405020304" pitchFamily="18" charset="0"/>
                 <a:ea typeface="Ayuthaya" pitchFamily="2" charset="-34"/>
-                <a:cs typeface="Arial" panose="020B0604020202020204" pitchFamily="34" charset="0"/>
+                <a:cs typeface="Times New Roman" panose="02020603050405020304" pitchFamily="18" charset="0"/>
               </a:rPr>
               <a:t>(high-level)</a:t>
             </a:r>
@@ -5134,9 +5274,9 @@
               <a:solidFill>
                 <a:schemeClr val="tx1"/>
               </a:solidFill>
-              <a:latin typeface="Arial" panose="020B0604020202020204" pitchFamily="34" charset="0"/>
+              <a:latin typeface="Times New Roman" panose="02020603050405020304" pitchFamily="18" charset="0"/>
               <a:ea typeface="Ayuthaya" pitchFamily="2" charset="-34"/>
-              <a:cs typeface="Arial" panose="020B0604020202020204" pitchFamily="34" charset="0"/>
+              <a:cs typeface="Times New Roman" panose="02020603050405020304" pitchFamily="18" charset="0"/>
             </a:endParaRPr>
           </a:p>
         </p:txBody>
@@ -5202,9 +5342,9 @@
                 <a:solidFill>
                   <a:schemeClr val="tx1"/>
                 </a:solidFill>
-                <a:latin typeface="Arial" panose="020B0604020202020204" pitchFamily="34" charset="0"/>
+                <a:latin typeface="Times New Roman" panose="02020603050405020304" pitchFamily="18" charset="0"/>
                 <a:ea typeface="Ayuthaya" pitchFamily="2" charset="-34"/>
-                <a:cs typeface="Arial" panose="020B0604020202020204" pitchFamily="34" charset="0"/>
+                <a:cs typeface="Times New Roman" panose="02020603050405020304" pitchFamily="18" charset="0"/>
               </a:rPr>
               <a:t>R1 Calibration, </a:t>
             </a:r>
@@ -5216,9 +5356,9 @@
                 <a:solidFill>
                   <a:schemeClr val="tx1"/>
                 </a:solidFill>
-                <a:latin typeface="Arial" panose="020B0604020202020204" pitchFamily="34" charset="0"/>
+                <a:latin typeface="Times New Roman" panose="02020603050405020304" pitchFamily="18" charset="0"/>
                 <a:ea typeface="Ayuthaya" pitchFamily="2" charset="-34"/>
-                <a:cs typeface="Arial" panose="020B0604020202020204" pitchFamily="34" charset="0"/>
+                <a:cs typeface="Times New Roman" panose="02020603050405020304" pitchFamily="18" charset="0"/>
               </a:rPr>
               <a:t>Gain Selection</a:t>
             </a:r>
@@ -5286,9 +5426,9 @@
                 <a:solidFill>
                   <a:schemeClr val="tx1"/>
                 </a:solidFill>
-                <a:latin typeface="Arial" panose="020B0604020202020204" pitchFamily="34" charset="0"/>
+                <a:latin typeface="Times New Roman" panose="02020603050405020304" pitchFamily="18" charset="0"/>
                 <a:ea typeface="Ayuthaya" pitchFamily="2" charset="-34"/>
-                <a:cs typeface="Arial" panose="020B0604020202020204" pitchFamily="34" charset="0"/>
+                <a:cs typeface="Times New Roman" panose="02020603050405020304" pitchFamily="18" charset="0"/>
               </a:rPr>
               <a:t>Data Volume Reduction</a:t>
             </a:r>
@@ -5356,9 +5496,9 @@
                 <a:solidFill>
                   <a:schemeClr val="tx1"/>
                 </a:solidFill>
-                <a:latin typeface="Arial" panose="020B0604020202020204" pitchFamily="34" charset="0"/>
+                <a:latin typeface="Times New Roman" panose="02020603050405020304" pitchFamily="18" charset="0"/>
                 <a:ea typeface="Ayuthaya" pitchFamily="2" charset="-34"/>
-                <a:cs typeface="Arial" panose="020B0604020202020204" pitchFamily="34" charset="0"/>
+                <a:cs typeface="Times New Roman" panose="02020603050405020304" pitchFamily="18" charset="0"/>
               </a:rPr>
               <a:t>Charge Extraction</a:t>
             </a:r>
@@ -5426,9 +5566,9 @@
                 <a:solidFill>
                   <a:schemeClr val="tx1"/>
                 </a:solidFill>
-                <a:latin typeface="Arial" panose="020B0604020202020204" pitchFamily="34" charset="0"/>
+                <a:latin typeface="Times New Roman" panose="02020603050405020304" pitchFamily="18" charset="0"/>
                 <a:ea typeface="Ayuthaya" pitchFamily="2" charset="-34"/>
-                <a:cs typeface="Arial" panose="020B0604020202020204" pitchFamily="34" charset="0"/>
+                <a:cs typeface="Times New Roman" panose="02020603050405020304" pitchFamily="18" charset="0"/>
               </a:rPr>
               <a:t>Hillas Parameterisation</a:t>
             </a:r>
@@ -5496,9 +5636,9 @@
                 <a:solidFill>
                   <a:schemeClr val="tx1"/>
                 </a:solidFill>
-                <a:latin typeface="Arial" panose="020B0604020202020204" pitchFamily="34" charset="0"/>
+                <a:latin typeface="Times New Roman" panose="02020603050405020304" pitchFamily="18" charset="0"/>
                 <a:ea typeface="Ayuthaya" pitchFamily="2" charset="-34"/>
-                <a:cs typeface="Arial" panose="020B0604020202020204" pitchFamily="34" charset="0"/>
+                <a:cs typeface="Times New Roman" panose="02020603050405020304" pitchFamily="18" charset="0"/>
               </a:rPr>
               <a:t>Shower Reconstruction</a:t>
             </a:r>
@@ -5566,9 +5706,9 @@
                 <a:solidFill>
                   <a:schemeClr val="tx1"/>
                 </a:solidFill>
-                <a:latin typeface="Arial" panose="020B0604020202020204" pitchFamily="34" charset="0"/>
+                <a:latin typeface="Times New Roman" panose="02020603050405020304" pitchFamily="18" charset="0"/>
                 <a:ea typeface="Ayuthaya" pitchFamily="2" charset="-34"/>
-                <a:cs typeface="Arial" panose="020B0604020202020204" pitchFamily="34" charset="0"/>
+                <a:cs typeface="Times New Roman" panose="02020603050405020304" pitchFamily="18" charset="0"/>
               </a:rPr>
               <a:t>Grouping of Events + </a:t>
             </a:r>
@@ -5580,9 +5720,9 @@
                 <a:solidFill>
                   <a:schemeClr val="tx1"/>
                 </a:solidFill>
-                <a:latin typeface="Arial" panose="020B0604020202020204" pitchFamily="34" charset="0"/>
+                <a:latin typeface="Times New Roman" panose="02020603050405020304" pitchFamily="18" charset="0"/>
                 <a:ea typeface="Ayuthaya" pitchFamily="2" charset="-34"/>
-                <a:cs typeface="Arial" panose="020B0604020202020204" pitchFamily="34" charset="0"/>
+                <a:cs typeface="Times New Roman" panose="02020603050405020304" pitchFamily="18" charset="0"/>
               </a:rPr>
               <a:t>IRF Generation</a:t>
             </a:r>
@@ -5650,9 +5790,9 @@
                 <a:solidFill>
                   <a:schemeClr val="tx1"/>
                 </a:solidFill>
-                <a:latin typeface="Arial" panose="020B0604020202020204" pitchFamily="34" charset="0"/>
+                <a:latin typeface="Times New Roman" panose="02020603050405020304" pitchFamily="18" charset="0"/>
                 <a:ea typeface="Ayuthaya" pitchFamily="2" charset="-34"/>
-                <a:cs typeface="Arial" panose="020B0604020202020204" pitchFamily="34" charset="0"/>
+                <a:cs typeface="Times New Roman" panose="02020603050405020304" pitchFamily="18" charset="0"/>
               </a:rPr>
               <a:t>Science Processing</a:t>
             </a:r>
@@ -5664,9 +5804,9 @@
                 <a:solidFill>
                   <a:schemeClr val="tx1"/>
                 </a:solidFill>
-                <a:latin typeface="Arial" panose="020B0604020202020204" pitchFamily="34" charset="0"/>
+                <a:latin typeface="Times New Roman" panose="02020603050405020304" pitchFamily="18" charset="0"/>
                 <a:ea typeface="Ayuthaya" pitchFamily="2" charset="-34"/>
-                <a:cs typeface="Arial" panose="020B0604020202020204" pitchFamily="34" charset="0"/>
+                <a:cs typeface="Times New Roman" panose="02020603050405020304" pitchFamily="18" charset="0"/>
               </a:rPr>
               <a:t>﻿</a:t>
             </a:r>
@@ -5675,9 +5815,9 @@
                 <a:solidFill>
                   <a:schemeClr val="tx1"/>
                 </a:solidFill>
-                <a:latin typeface="Arial" panose="020B0604020202020204" pitchFamily="34" charset="0"/>
+                <a:latin typeface="Times New Roman" panose="02020603050405020304" pitchFamily="18" charset="0"/>
                 <a:ea typeface="Ayuthaya" pitchFamily="2" charset="-34"/>
-                <a:cs typeface="Arial" panose="020B0604020202020204" pitchFamily="34" charset="0"/>
+                <a:cs typeface="Times New Roman" panose="02020603050405020304" pitchFamily="18" charset="0"/>
               </a:rPr>
               <a:t>(spectra, sky maps, light curves, fit results)</a:t>
             </a:r>
@@ -5685,9 +5825,9 @@
               <a:solidFill>
                 <a:schemeClr val="tx1"/>
               </a:solidFill>
-              <a:latin typeface="Arial" panose="020B0604020202020204" pitchFamily="34" charset="0"/>
+              <a:latin typeface="Times New Roman" panose="02020603050405020304" pitchFamily="18" charset="0"/>
               <a:ea typeface="Ayuthaya" pitchFamily="2" charset="-34"/>
-              <a:cs typeface="Arial" panose="020B0604020202020204" pitchFamily="34" charset="0"/>
+              <a:cs typeface="Times New Roman" panose="02020603050405020304" pitchFamily="18" charset="0"/>
             </a:endParaRPr>
           </a:p>
         </p:txBody>
@@ -5753,9 +5893,9 @@
                 <a:solidFill>
                   <a:schemeClr val="tx1"/>
                 </a:solidFill>
-                <a:latin typeface="Arial" panose="020B0604020202020204" pitchFamily="34" charset="0"/>
+                <a:latin typeface="Times New Roman" panose="02020603050405020304" pitchFamily="18" charset="0"/>
                 <a:ea typeface="Ayuthaya" pitchFamily="2" charset="-34"/>
-                <a:cs typeface="Arial" panose="020B0604020202020204" pitchFamily="34" charset="0"/>
+                <a:cs typeface="Times New Roman" panose="02020603050405020304" pitchFamily="18" charset="0"/>
               </a:rPr>
               <a:t>Survey Mapping &amp; Cataloguing </a:t>
             </a:r>
@@ -6510,6 +6650,4779 @@
 </p:sld>
 </file>
 
+<file path=ppt/slides/slide10.xml><?xml version="1.0" encoding="utf-8"?>
+<p:sld xmlns:a="http://schemas.openxmlformats.org/drawingml/2006/main" xmlns:r="http://schemas.openxmlformats.org/officeDocument/2006/relationships" xmlns:p="http://schemas.openxmlformats.org/presentationml/2006/main">
+  <p:cSld>
+    <p:spTree>
+      <p:nvGrpSpPr>
+        <p:cNvPr id="1" name=""/>
+        <p:cNvGrpSpPr/>
+        <p:nvPr/>
+      </p:nvGrpSpPr>
+      <p:grpSpPr>
+        <a:xfrm>
+          <a:off x="0" y="0"/>
+          <a:ext cx="0" cy="0"/>
+          <a:chOff x="0" y="0"/>
+          <a:chExt cx="0" cy="0"/>
+        </a:xfrm>
+      </p:grpSpPr>
+      <p:sp>
+        <p:nvSpPr>
+          <p:cNvPr id="45" name="Rectangle 44">
+            <a:extLst>
+              <a:ext uri="{FF2B5EF4-FFF2-40B4-BE49-F238E27FC236}">
+                <a16:creationId xmlns:a16="http://schemas.microsoft.com/office/drawing/2014/main" id="{62F4E03C-236F-0C49-A93D-825FA8092D4A}"/>
+              </a:ext>
+            </a:extLst>
+          </p:cNvPr>
+          <p:cNvSpPr/>
+          <p:nvPr/>
+        </p:nvSpPr>
+        <p:spPr>
+          <a:xfrm>
+            <a:off x="1636295" y="1239253"/>
+            <a:ext cx="8819147" cy="3489158"/>
+          </a:xfrm>
+          <a:prstGeom prst="rect">
+            <a:avLst/>
+          </a:prstGeom>
+          <a:noFill/>
+          <a:ln>
+            <a:noFill/>
+          </a:ln>
+        </p:spPr>
+        <p:style>
+          <a:lnRef idx="2">
+            <a:schemeClr val="accent1">
+              <a:shade val="50000"/>
+            </a:schemeClr>
+          </a:lnRef>
+          <a:fillRef idx="1">
+            <a:schemeClr val="accent1"/>
+          </a:fillRef>
+          <a:effectRef idx="0">
+            <a:schemeClr val="accent1"/>
+          </a:effectRef>
+          <a:fontRef idx="minor">
+            <a:schemeClr val="lt1"/>
+          </a:fontRef>
+        </p:style>
+        <p:txBody>
+          <a:bodyPr rtlCol="0" anchor="ctr"/>
+          <a:lstStyle/>
+          <a:p>
+            <a:pPr algn="ctr"/>
+            <a:endParaRPr lang="en-GB"/>
+          </a:p>
+        </p:txBody>
+      </p:sp>
+      <p:sp>
+        <p:nvSpPr>
+          <p:cNvPr id="27" name="Rounded Rectangle 26">
+            <a:extLst>
+              <a:ext uri="{FF2B5EF4-FFF2-40B4-BE49-F238E27FC236}">
+                <a16:creationId xmlns:a16="http://schemas.microsoft.com/office/drawing/2014/main" id="{C1D07411-24A5-4241-8E6F-46136D4685B9}"/>
+              </a:ext>
+            </a:extLst>
+          </p:cNvPr>
+          <p:cNvSpPr/>
+          <p:nvPr/>
+        </p:nvSpPr>
+        <p:spPr>
+          <a:xfrm>
+            <a:off x="5018648" y="4039556"/>
+            <a:ext cx="1707776" cy="497542"/>
+          </a:xfrm>
+          <a:prstGeom prst="roundRect">
+            <a:avLst/>
+          </a:prstGeom>
+          <a:solidFill>
+            <a:srgbClr val="00204E"/>
+          </a:solidFill>
+          <a:effectLst>
+            <a:outerShdw blurRad="50800" dist="38100" dir="2700000" algn="tl" rotWithShape="0">
+              <a:prstClr val="black">
+                <a:alpha val="40000"/>
+              </a:prstClr>
+            </a:outerShdw>
+          </a:effectLst>
+        </p:spPr>
+        <p:style>
+          <a:lnRef idx="3">
+            <a:schemeClr val="lt1"/>
+          </a:lnRef>
+          <a:fillRef idx="1">
+            <a:schemeClr val="dk1"/>
+          </a:fillRef>
+          <a:effectRef idx="1">
+            <a:schemeClr val="dk1"/>
+          </a:effectRef>
+          <a:fontRef idx="minor">
+            <a:schemeClr val="lt1"/>
+          </a:fontRef>
+        </p:style>
+        <p:txBody>
+          <a:bodyPr rtlCol="0" anchor="ctr"/>
+          <a:lstStyle/>
+          <a:p>
+            <a:pPr algn="ctr"/>
+            <a:r>
+              <a:rPr lang="en-GB" sz="1600" b="1" dirty="0" err="1">
+                <a:latin typeface="Times New Roman" panose="02020603050405020304" pitchFamily="18" charset="0"/>
+                <a:cs typeface="Times New Roman" panose="02020603050405020304" pitchFamily="18" charset="0"/>
+              </a:rPr>
+              <a:t>DataContainer</a:t>
+            </a:r>
+            <a:endParaRPr lang="en-GB" sz="1600" b="1" dirty="0">
+              <a:latin typeface="Times New Roman" panose="02020603050405020304" pitchFamily="18" charset="0"/>
+              <a:cs typeface="Times New Roman" panose="02020603050405020304" pitchFamily="18" charset="0"/>
+            </a:endParaRPr>
+          </a:p>
+        </p:txBody>
+      </p:sp>
+      <p:sp>
+        <p:nvSpPr>
+          <p:cNvPr id="28" name="Rounded Rectangle 27">
+            <a:extLst>
+              <a:ext uri="{FF2B5EF4-FFF2-40B4-BE49-F238E27FC236}">
+                <a16:creationId xmlns:a16="http://schemas.microsoft.com/office/drawing/2014/main" id="{53F2804B-01AA-1B4F-B7B8-B77A14C39635}"/>
+              </a:ext>
+            </a:extLst>
+          </p:cNvPr>
+          <p:cNvSpPr/>
+          <p:nvPr/>
+        </p:nvSpPr>
+        <p:spPr>
+          <a:xfrm>
+            <a:off x="1833922" y="2553293"/>
+            <a:ext cx="2119059" cy="647176"/>
+          </a:xfrm>
+          <a:prstGeom prst="roundRect">
+            <a:avLst/>
+          </a:prstGeom>
+          <a:solidFill>
+            <a:srgbClr val="00204E"/>
+          </a:solidFill>
+          <a:effectLst>
+            <a:outerShdw blurRad="50800" dist="38100" dir="2700000" algn="tl" rotWithShape="0">
+              <a:prstClr val="black">
+                <a:alpha val="40000"/>
+              </a:prstClr>
+            </a:outerShdw>
+          </a:effectLst>
+        </p:spPr>
+        <p:style>
+          <a:lnRef idx="3">
+            <a:schemeClr val="lt1"/>
+          </a:lnRef>
+          <a:fillRef idx="1">
+            <a:schemeClr val="dk1"/>
+          </a:fillRef>
+          <a:effectRef idx="1">
+            <a:schemeClr val="dk1"/>
+          </a:effectRef>
+          <a:fontRef idx="minor">
+            <a:schemeClr val="lt1"/>
+          </a:fontRef>
+        </p:style>
+        <p:txBody>
+          <a:bodyPr rtlCol="0" anchor="ctr"/>
+          <a:lstStyle/>
+          <a:p>
+            <a:pPr algn="ctr"/>
+            <a:r>
+              <a:rPr lang="en-GB" sz="1600" b="1" dirty="0" err="1">
+                <a:latin typeface="Times New Roman" panose="02020603050405020304" pitchFamily="18" charset="0"/>
+                <a:cs typeface="Times New Roman" panose="02020603050405020304" pitchFamily="18" charset="0"/>
+              </a:rPr>
+              <a:t>HESSIOEventSource</a:t>
+            </a:r>
+            <a:endParaRPr lang="en-GB" sz="1600" b="1" dirty="0">
+              <a:latin typeface="Times New Roman" panose="02020603050405020304" pitchFamily="18" charset="0"/>
+              <a:cs typeface="Times New Roman" panose="02020603050405020304" pitchFamily="18" charset="0"/>
+            </a:endParaRPr>
+          </a:p>
+          <a:p>
+            <a:pPr algn="ctr"/>
+            <a:r>
+              <a:rPr lang="en-GB" sz="1200" dirty="0" err="1">
+                <a:solidFill>
+                  <a:srgbClr val="92D050"/>
+                </a:solidFill>
+                <a:latin typeface="Times New Roman" panose="02020603050405020304" pitchFamily="18" charset="0"/>
+                <a:cs typeface="Times New Roman" panose="02020603050405020304" pitchFamily="18" charset="0"/>
+              </a:rPr>
+              <a:t>pyhessio</a:t>
+            </a:r>
+            <a:endParaRPr lang="en-GB" sz="1600" dirty="0">
+              <a:solidFill>
+                <a:srgbClr val="92D050"/>
+              </a:solidFill>
+              <a:latin typeface="Times New Roman" panose="02020603050405020304" pitchFamily="18" charset="0"/>
+              <a:cs typeface="Times New Roman" panose="02020603050405020304" pitchFamily="18" charset="0"/>
+            </a:endParaRPr>
+          </a:p>
+        </p:txBody>
+      </p:sp>
+      <p:sp>
+        <p:nvSpPr>
+          <p:cNvPr id="29" name="Rounded Rectangle 28">
+            <a:extLst>
+              <a:ext uri="{FF2B5EF4-FFF2-40B4-BE49-F238E27FC236}">
+                <a16:creationId xmlns:a16="http://schemas.microsoft.com/office/drawing/2014/main" id="{A2D543E7-F80A-BA46-A9E6-123E6D6D3151}"/>
+              </a:ext>
+            </a:extLst>
+          </p:cNvPr>
+          <p:cNvSpPr/>
+          <p:nvPr/>
+        </p:nvSpPr>
+        <p:spPr>
+          <a:xfrm>
+            <a:off x="6731285" y="2553293"/>
+            <a:ext cx="2239678" cy="647174"/>
+          </a:xfrm>
+          <a:prstGeom prst="roundRect">
+            <a:avLst/>
+          </a:prstGeom>
+          <a:solidFill>
+            <a:srgbClr val="00204E"/>
+          </a:solidFill>
+          <a:effectLst>
+            <a:outerShdw blurRad="50800" dist="38100" dir="2700000" algn="tl" rotWithShape="0">
+              <a:prstClr val="black">
+                <a:alpha val="40000"/>
+              </a:prstClr>
+            </a:outerShdw>
+          </a:effectLst>
+        </p:spPr>
+        <p:style>
+          <a:lnRef idx="3">
+            <a:schemeClr val="lt1"/>
+          </a:lnRef>
+          <a:fillRef idx="1">
+            <a:schemeClr val="dk1"/>
+          </a:fillRef>
+          <a:effectRef idx="1">
+            <a:schemeClr val="dk1"/>
+          </a:effectRef>
+          <a:fontRef idx="minor">
+            <a:schemeClr val="lt1"/>
+          </a:fontRef>
+        </p:style>
+        <p:txBody>
+          <a:bodyPr rtlCol="0" anchor="ctr"/>
+          <a:lstStyle/>
+          <a:p>
+            <a:pPr algn="ctr"/>
+            <a:r>
+              <a:rPr lang="en-GB" sz="1600" b="1" dirty="0" err="1">
+                <a:latin typeface="Times New Roman" panose="02020603050405020304" pitchFamily="18" charset="0"/>
+                <a:cs typeface="Times New Roman" panose="02020603050405020304" pitchFamily="18" charset="0"/>
+              </a:rPr>
+              <a:t>TargetIOEventSource</a:t>
+            </a:r>
+            <a:endParaRPr lang="en-GB" sz="1600" b="1" dirty="0">
+              <a:latin typeface="Times New Roman" panose="02020603050405020304" pitchFamily="18" charset="0"/>
+              <a:cs typeface="Times New Roman" panose="02020603050405020304" pitchFamily="18" charset="0"/>
+            </a:endParaRPr>
+          </a:p>
+          <a:p>
+            <a:pPr algn="ctr"/>
+            <a:r>
+              <a:rPr lang="en-GB" sz="1200" dirty="0">
+                <a:solidFill>
+                  <a:srgbClr val="92D050"/>
+                </a:solidFill>
+                <a:latin typeface="Times New Roman" panose="02020603050405020304" pitchFamily="18" charset="0"/>
+                <a:cs typeface="Times New Roman" panose="02020603050405020304" pitchFamily="18" charset="0"/>
+              </a:rPr>
+              <a:t>TargetIO</a:t>
+            </a:r>
+            <a:endParaRPr lang="en-GB" sz="1600" dirty="0">
+              <a:solidFill>
+                <a:srgbClr val="92D050"/>
+              </a:solidFill>
+              <a:latin typeface="Times New Roman" panose="02020603050405020304" pitchFamily="18" charset="0"/>
+              <a:cs typeface="Times New Roman" panose="02020603050405020304" pitchFamily="18" charset="0"/>
+            </a:endParaRPr>
+          </a:p>
+        </p:txBody>
+      </p:sp>
+      <p:sp>
+        <p:nvSpPr>
+          <p:cNvPr id="30" name="Rounded Rectangle 29">
+            <a:extLst>
+              <a:ext uri="{FF2B5EF4-FFF2-40B4-BE49-F238E27FC236}">
+                <a16:creationId xmlns:a16="http://schemas.microsoft.com/office/drawing/2014/main" id="{9303B324-1011-0941-9A36-45DA43C22EDE}"/>
+              </a:ext>
+            </a:extLst>
+          </p:cNvPr>
+          <p:cNvSpPr/>
+          <p:nvPr/>
+        </p:nvSpPr>
+        <p:spPr>
+          <a:xfrm>
+            <a:off x="4234260" y="2540560"/>
+            <a:ext cx="2187395" cy="659907"/>
+          </a:xfrm>
+          <a:prstGeom prst="roundRect">
+            <a:avLst/>
+          </a:prstGeom>
+          <a:solidFill>
+            <a:srgbClr val="00204E"/>
+          </a:solidFill>
+          <a:effectLst>
+            <a:outerShdw blurRad="50800" dist="38100" dir="2700000" algn="tl" rotWithShape="0">
+              <a:prstClr val="black">
+                <a:alpha val="40000"/>
+              </a:prstClr>
+            </a:outerShdw>
+          </a:effectLst>
+        </p:spPr>
+        <p:style>
+          <a:lnRef idx="3">
+            <a:schemeClr val="lt1"/>
+          </a:lnRef>
+          <a:fillRef idx="1">
+            <a:schemeClr val="dk1"/>
+          </a:fillRef>
+          <a:effectRef idx="1">
+            <a:schemeClr val="dk1"/>
+          </a:effectRef>
+          <a:fontRef idx="minor">
+            <a:schemeClr val="lt1"/>
+          </a:fontRef>
+        </p:style>
+        <p:txBody>
+          <a:bodyPr rtlCol="0" anchor="ctr"/>
+          <a:lstStyle/>
+          <a:p>
+            <a:pPr algn="ctr"/>
+            <a:r>
+              <a:rPr lang="en-GB" sz="1600" b="1" dirty="0">
+                <a:latin typeface="Times New Roman" panose="02020603050405020304" pitchFamily="18" charset="0"/>
+                <a:cs typeface="Times New Roman" panose="02020603050405020304" pitchFamily="18" charset="0"/>
+              </a:rPr>
+              <a:t>SST1MEventSource</a:t>
+            </a:r>
+          </a:p>
+          <a:p>
+            <a:pPr algn="ctr"/>
+            <a:r>
+              <a:rPr lang="en-GB" sz="1200" dirty="0" err="1">
+                <a:solidFill>
+                  <a:srgbClr val="92D050"/>
+                </a:solidFill>
+                <a:latin typeface="Times New Roman" panose="02020603050405020304" pitchFamily="18" charset="0"/>
+                <a:cs typeface="Times New Roman" panose="02020603050405020304" pitchFamily="18" charset="0"/>
+              </a:rPr>
+              <a:t>protozfits</a:t>
+            </a:r>
+            <a:endParaRPr lang="en-GB" sz="1600" dirty="0">
+              <a:solidFill>
+                <a:srgbClr val="92D050"/>
+              </a:solidFill>
+              <a:latin typeface="Times New Roman" panose="02020603050405020304" pitchFamily="18" charset="0"/>
+              <a:cs typeface="Times New Roman" panose="02020603050405020304" pitchFamily="18" charset="0"/>
+            </a:endParaRPr>
+          </a:p>
+        </p:txBody>
+      </p:sp>
+      <p:sp>
+        <p:nvSpPr>
+          <p:cNvPr id="31" name="Rounded Rectangle 30">
+            <a:extLst>
+              <a:ext uri="{FF2B5EF4-FFF2-40B4-BE49-F238E27FC236}">
+                <a16:creationId xmlns:a16="http://schemas.microsoft.com/office/drawing/2014/main" id="{10EB95A3-41A5-1547-B5F1-7B19FF5CCF4A}"/>
+              </a:ext>
+            </a:extLst>
+          </p:cNvPr>
+          <p:cNvSpPr/>
+          <p:nvPr/>
+        </p:nvSpPr>
+        <p:spPr>
+          <a:xfrm>
+            <a:off x="1847936" y="1465435"/>
+            <a:ext cx="2091030" cy="497542"/>
+          </a:xfrm>
+          <a:prstGeom prst="roundRect">
+            <a:avLst/>
+          </a:prstGeom>
+          <a:solidFill>
+            <a:srgbClr val="00204E"/>
+          </a:solidFill>
+          <a:effectLst>
+            <a:outerShdw blurRad="50800" dist="38100" dir="2700000" algn="tl" rotWithShape="0">
+              <a:prstClr val="black">
+                <a:alpha val="40000"/>
+              </a:prstClr>
+            </a:outerShdw>
+          </a:effectLst>
+        </p:spPr>
+        <p:style>
+          <a:lnRef idx="3">
+            <a:schemeClr val="lt1"/>
+          </a:lnRef>
+          <a:fillRef idx="1">
+            <a:schemeClr val="dk1"/>
+          </a:fillRef>
+          <a:effectRef idx="1">
+            <a:schemeClr val="dk1"/>
+          </a:effectRef>
+          <a:fontRef idx="minor">
+            <a:schemeClr val="lt1"/>
+          </a:fontRef>
+        </p:style>
+        <p:txBody>
+          <a:bodyPr rtlCol="0" anchor="ctr"/>
+          <a:lstStyle/>
+          <a:p>
+            <a:pPr algn="ctr"/>
+            <a:r>
+              <a:rPr lang="en-GB" sz="1600" b="1" dirty="0" err="1">
+                <a:latin typeface="Times New Roman" panose="02020603050405020304" pitchFamily="18" charset="0"/>
+                <a:cs typeface="Times New Roman" panose="02020603050405020304" pitchFamily="18" charset="0"/>
+              </a:rPr>
+              <a:t>EventSource</a:t>
+            </a:r>
+            <a:endParaRPr lang="en-GB" sz="1600" b="1" dirty="0">
+              <a:latin typeface="Times New Roman" panose="02020603050405020304" pitchFamily="18" charset="0"/>
+              <a:cs typeface="Times New Roman" panose="02020603050405020304" pitchFamily="18" charset="0"/>
+            </a:endParaRPr>
+          </a:p>
+        </p:txBody>
+      </p:sp>
+      <p:cxnSp>
+        <p:nvCxnSpPr>
+          <p:cNvPr id="32" name="Elbow Connector 31">
+            <a:extLst>
+              <a:ext uri="{FF2B5EF4-FFF2-40B4-BE49-F238E27FC236}">
+                <a16:creationId xmlns:a16="http://schemas.microsoft.com/office/drawing/2014/main" id="{3CEB12C7-6101-4942-B970-FA01C100AB46}"/>
+              </a:ext>
+            </a:extLst>
+          </p:cNvPr>
+          <p:cNvCxnSpPr>
+            <a:cxnSpLocks/>
+            <a:stCxn id="31" idx="2"/>
+            <a:endCxn id="28" idx="0"/>
+          </p:cNvCxnSpPr>
+          <p:nvPr/>
+        </p:nvCxnSpPr>
+        <p:spPr>
+          <a:xfrm rot="16200000" flipH="1">
+            <a:off x="2598293" y="2258134"/>
+            <a:ext cx="590316" cy="1"/>
+          </a:xfrm>
+          <a:prstGeom prst="bentConnector3">
+            <a:avLst>
+              <a:gd name="adj1" fmla="val 50000"/>
+            </a:avLst>
+          </a:prstGeom>
+          <a:ln w="76200">
+            <a:solidFill>
+              <a:srgbClr val="00204E"/>
+            </a:solidFill>
+            <a:tailEnd type="triangle"/>
+          </a:ln>
+        </p:spPr>
+        <p:style>
+          <a:lnRef idx="3">
+            <a:schemeClr val="dk1"/>
+          </a:lnRef>
+          <a:fillRef idx="0">
+            <a:schemeClr val="dk1"/>
+          </a:fillRef>
+          <a:effectRef idx="2">
+            <a:schemeClr val="dk1"/>
+          </a:effectRef>
+          <a:fontRef idx="minor">
+            <a:schemeClr val="tx1"/>
+          </a:fontRef>
+        </p:style>
+      </p:cxnSp>
+      <p:cxnSp>
+        <p:nvCxnSpPr>
+          <p:cNvPr id="33" name="Elbow Connector 32">
+            <a:extLst>
+              <a:ext uri="{FF2B5EF4-FFF2-40B4-BE49-F238E27FC236}">
+                <a16:creationId xmlns:a16="http://schemas.microsoft.com/office/drawing/2014/main" id="{A52091BE-DC7A-474F-8B1F-952664D8F31B}"/>
+              </a:ext>
+            </a:extLst>
+          </p:cNvPr>
+          <p:cNvCxnSpPr>
+            <a:cxnSpLocks/>
+            <a:stCxn id="31" idx="2"/>
+            <a:endCxn id="30" idx="0"/>
+          </p:cNvCxnSpPr>
+          <p:nvPr/>
+        </p:nvCxnSpPr>
+        <p:spPr>
+          <a:xfrm rot="16200000" flipH="1">
+            <a:off x="3821913" y="1034514"/>
+            <a:ext cx="577583" cy="2434507"/>
+          </a:xfrm>
+          <a:prstGeom prst="bentConnector3">
+            <a:avLst>
+              <a:gd name="adj1" fmla="val 34608"/>
+            </a:avLst>
+          </a:prstGeom>
+          <a:ln w="76200">
+            <a:solidFill>
+              <a:srgbClr val="00204E"/>
+            </a:solidFill>
+            <a:tailEnd type="triangle"/>
+          </a:ln>
+        </p:spPr>
+        <p:style>
+          <a:lnRef idx="3">
+            <a:schemeClr val="dk1"/>
+          </a:lnRef>
+          <a:fillRef idx="0">
+            <a:schemeClr val="dk1"/>
+          </a:fillRef>
+          <a:effectRef idx="2">
+            <a:schemeClr val="dk1"/>
+          </a:effectRef>
+          <a:fontRef idx="minor">
+            <a:schemeClr val="tx1"/>
+          </a:fontRef>
+        </p:style>
+      </p:cxnSp>
+      <p:cxnSp>
+        <p:nvCxnSpPr>
+          <p:cNvPr id="34" name="Elbow Connector 33">
+            <a:extLst>
+              <a:ext uri="{FF2B5EF4-FFF2-40B4-BE49-F238E27FC236}">
+                <a16:creationId xmlns:a16="http://schemas.microsoft.com/office/drawing/2014/main" id="{0D32548B-0493-8F41-8A17-387B47117FE8}"/>
+              </a:ext>
+            </a:extLst>
+          </p:cNvPr>
+          <p:cNvCxnSpPr>
+            <a:cxnSpLocks/>
+            <a:stCxn id="31" idx="2"/>
+            <a:endCxn id="29" idx="0"/>
+          </p:cNvCxnSpPr>
+          <p:nvPr/>
+        </p:nvCxnSpPr>
+        <p:spPr>
+          <a:xfrm rot="16200000" flipH="1">
+            <a:off x="5077129" y="-220702"/>
+            <a:ext cx="590316" cy="4957673"/>
+          </a:xfrm>
+          <a:prstGeom prst="bentConnector3">
+            <a:avLst>
+              <a:gd name="adj1" fmla="val 32789"/>
+            </a:avLst>
+          </a:prstGeom>
+          <a:ln w="76200">
+            <a:solidFill>
+              <a:srgbClr val="00204E"/>
+            </a:solidFill>
+            <a:tailEnd type="triangle"/>
+          </a:ln>
+        </p:spPr>
+        <p:style>
+          <a:lnRef idx="3">
+            <a:schemeClr val="dk1"/>
+          </a:lnRef>
+          <a:fillRef idx="0">
+            <a:schemeClr val="dk1"/>
+          </a:fillRef>
+          <a:effectRef idx="2">
+            <a:schemeClr val="dk1"/>
+          </a:effectRef>
+          <a:fontRef idx="minor">
+            <a:schemeClr val="tx1"/>
+          </a:fontRef>
+        </p:style>
+      </p:cxnSp>
+      <p:cxnSp>
+        <p:nvCxnSpPr>
+          <p:cNvPr id="35" name="Elbow Connector 34">
+            <a:extLst>
+              <a:ext uri="{FF2B5EF4-FFF2-40B4-BE49-F238E27FC236}">
+                <a16:creationId xmlns:a16="http://schemas.microsoft.com/office/drawing/2014/main" id="{1D8EDFFD-F5A0-9A4F-8C7A-F39CA34B864F}"/>
+              </a:ext>
+            </a:extLst>
+          </p:cNvPr>
+          <p:cNvCxnSpPr>
+            <a:cxnSpLocks/>
+            <a:stCxn id="28" idx="2"/>
+            <a:endCxn id="27" idx="0"/>
+          </p:cNvCxnSpPr>
+          <p:nvPr/>
+        </p:nvCxnSpPr>
+        <p:spPr>
+          <a:xfrm rot="16200000" flipH="1">
+            <a:off x="3963451" y="2130470"/>
+            <a:ext cx="839087" cy="2979084"/>
+          </a:xfrm>
+          <a:prstGeom prst="bentConnector3">
+            <a:avLst>
+              <a:gd name="adj1" fmla="val 50000"/>
+            </a:avLst>
+          </a:prstGeom>
+          <a:ln w="76200">
+            <a:solidFill>
+              <a:srgbClr val="E00034"/>
+            </a:solidFill>
+            <a:tailEnd type="triangle"/>
+          </a:ln>
+        </p:spPr>
+        <p:style>
+          <a:lnRef idx="3">
+            <a:schemeClr val="accent1"/>
+          </a:lnRef>
+          <a:fillRef idx="0">
+            <a:schemeClr val="accent1"/>
+          </a:fillRef>
+          <a:effectRef idx="2">
+            <a:schemeClr val="accent1"/>
+          </a:effectRef>
+          <a:fontRef idx="minor">
+            <a:schemeClr val="tx1"/>
+          </a:fontRef>
+        </p:style>
+      </p:cxnSp>
+      <p:cxnSp>
+        <p:nvCxnSpPr>
+          <p:cNvPr id="36" name="Elbow Connector 35">
+            <a:extLst>
+              <a:ext uri="{FF2B5EF4-FFF2-40B4-BE49-F238E27FC236}">
+                <a16:creationId xmlns:a16="http://schemas.microsoft.com/office/drawing/2014/main" id="{D0645715-DF2B-184E-934E-306DD2AE07FC}"/>
+              </a:ext>
+            </a:extLst>
+          </p:cNvPr>
+          <p:cNvCxnSpPr>
+            <a:cxnSpLocks/>
+            <a:stCxn id="30" idx="2"/>
+            <a:endCxn id="27" idx="0"/>
+          </p:cNvCxnSpPr>
+          <p:nvPr/>
+        </p:nvCxnSpPr>
+        <p:spPr>
+          <a:xfrm rot="16200000" flipH="1">
+            <a:off x="5180703" y="3347722"/>
+            <a:ext cx="839089" cy="544578"/>
+          </a:xfrm>
+          <a:prstGeom prst="bentConnector3">
+            <a:avLst>
+              <a:gd name="adj1" fmla="val 50000"/>
+            </a:avLst>
+          </a:prstGeom>
+          <a:ln w="76200">
+            <a:solidFill>
+              <a:srgbClr val="E00034"/>
+            </a:solidFill>
+            <a:tailEnd type="triangle"/>
+          </a:ln>
+        </p:spPr>
+        <p:style>
+          <a:lnRef idx="3">
+            <a:schemeClr val="accent1"/>
+          </a:lnRef>
+          <a:fillRef idx="0">
+            <a:schemeClr val="accent1"/>
+          </a:fillRef>
+          <a:effectRef idx="2">
+            <a:schemeClr val="accent1"/>
+          </a:effectRef>
+          <a:fontRef idx="minor">
+            <a:schemeClr val="tx1"/>
+          </a:fontRef>
+        </p:style>
+      </p:cxnSp>
+      <p:cxnSp>
+        <p:nvCxnSpPr>
+          <p:cNvPr id="37" name="Elbow Connector 36">
+            <a:extLst>
+              <a:ext uri="{FF2B5EF4-FFF2-40B4-BE49-F238E27FC236}">
+                <a16:creationId xmlns:a16="http://schemas.microsoft.com/office/drawing/2014/main" id="{995FCA86-D8DD-004A-A713-01C0B3B8A022}"/>
+              </a:ext>
+            </a:extLst>
+          </p:cNvPr>
+          <p:cNvCxnSpPr>
+            <a:cxnSpLocks/>
+            <a:stCxn id="29" idx="2"/>
+            <a:endCxn id="27" idx="0"/>
+          </p:cNvCxnSpPr>
+          <p:nvPr/>
+        </p:nvCxnSpPr>
+        <p:spPr>
+          <a:xfrm rot="5400000">
+            <a:off x="6442286" y="2630717"/>
+            <a:ext cx="839089" cy="1978588"/>
+          </a:xfrm>
+          <a:prstGeom prst="bentConnector3">
+            <a:avLst>
+              <a:gd name="adj1" fmla="val 50000"/>
+            </a:avLst>
+          </a:prstGeom>
+          <a:ln w="76200">
+            <a:solidFill>
+              <a:srgbClr val="E00034"/>
+            </a:solidFill>
+            <a:tailEnd type="triangle"/>
+          </a:ln>
+        </p:spPr>
+        <p:style>
+          <a:lnRef idx="3">
+            <a:schemeClr val="accent1"/>
+          </a:lnRef>
+          <a:fillRef idx="0">
+            <a:schemeClr val="accent1"/>
+          </a:fillRef>
+          <a:effectRef idx="2">
+            <a:schemeClr val="accent1"/>
+          </a:effectRef>
+          <a:fontRef idx="minor">
+            <a:schemeClr val="tx1"/>
+          </a:fontRef>
+        </p:style>
+      </p:cxnSp>
+      <p:sp>
+        <p:nvSpPr>
+          <p:cNvPr id="38" name="Rounded Rectangle 37">
+            <a:extLst>
+              <a:ext uri="{FF2B5EF4-FFF2-40B4-BE49-F238E27FC236}">
+                <a16:creationId xmlns:a16="http://schemas.microsoft.com/office/drawing/2014/main" id="{ED6E3A2E-344C-2D49-9D6F-78BC4A54E43B}"/>
+              </a:ext>
+            </a:extLst>
+          </p:cNvPr>
+          <p:cNvSpPr/>
+          <p:nvPr/>
+        </p:nvSpPr>
+        <p:spPr>
+          <a:xfrm>
+            <a:off x="9268652" y="2553293"/>
+            <a:ext cx="992111" cy="647174"/>
+          </a:xfrm>
+          <a:prstGeom prst="roundRect">
+            <a:avLst/>
+          </a:prstGeom>
+          <a:solidFill>
+            <a:srgbClr val="00204E"/>
+          </a:solidFill>
+          <a:effectLst>
+            <a:outerShdw blurRad="50800" dist="38100" dir="2700000" algn="tl" rotWithShape="0">
+              <a:prstClr val="black">
+                <a:alpha val="40000"/>
+              </a:prstClr>
+            </a:outerShdw>
+          </a:effectLst>
+        </p:spPr>
+        <p:style>
+          <a:lnRef idx="3">
+            <a:schemeClr val="lt1"/>
+          </a:lnRef>
+          <a:fillRef idx="1">
+            <a:schemeClr val="dk1"/>
+          </a:fillRef>
+          <a:effectRef idx="1">
+            <a:schemeClr val="dk1"/>
+          </a:effectRef>
+          <a:fontRef idx="minor">
+            <a:schemeClr val="lt1"/>
+          </a:fontRef>
+        </p:style>
+        <p:txBody>
+          <a:bodyPr rtlCol="0" anchor="ctr"/>
+          <a:lstStyle/>
+          <a:p>
+            <a:pPr algn="ctr"/>
+            <a:r>
+              <a:rPr lang="en-GB" sz="1600" b="1" dirty="0">
+                <a:latin typeface="Times New Roman" panose="02020603050405020304" pitchFamily="18" charset="0"/>
+                <a:cs typeface="Times New Roman" panose="02020603050405020304" pitchFamily="18" charset="0"/>
+              </a:rPr>
+              <a:t>…</a:t>
+            </a:r>
+          </a:p>
+        </p:txBody>
+      </p:sp>
+      <p:cxnSp>
+        <p:nvCxnSpPr>
+          <p:cNvPr id="39" name="Elbow Connector 38">
+            <a:extLst>
+              <a:ext uri="{FF2B5EF4-FFF2-40B4-BE49-F238E27FC236}">
+                <a16:creationId xmlns:a16="http://schemas.microsoft.com/office/drawing/2014/main" id="{E7B6D64A-0899-6D48-AB9B-CF6E90234E55}"/>
+              </a:ext>
+            </a:extLst>
+          </p:cNvPr>
+          <p:cNvCxnSpPr>
+            <a:cxnSpLocks/>
+            <a:stCxn id="31" idx="2"/>
+            <a:endCxn id="38" idx="0"/>
+          </p:cNvCxnSpPr>
+          <p:nvPr/>
+        </p:nvCxnSpPr>
+        <p:spPr>
+          <a:xfrm rot="16200000" flipH="1">
+            <a:off x="6033921" y="-1177494"/>
+            <a:ext cx="590316" cy="6871257"/>
+          </a:xfrm>
+          <a:prstGeom prst="bentConnector3">
+            <a:avLst>
+              <a:gd name="adj1" fmla="val 32789"/>
+            </a:avLst>
+          </a:prstGeom>
+          <a:ln w="76200">
+            <a:solidFill>
+              <a:srgbClr val="00204E"/>
+            </a:solidFill>
+            <a:tailEnd type="triangle"/>
+          </a:ln>
+        </p:spPr>
+        <p:style>
+          <a:lnRef idx="3">
+            <a:schemeClr val="dk1"/>
+          </a:lnRef>
+          <a:fillRef idx="0">
+            <a:schemeClr val="dk1"/>
+          </a:fillRef>
+          <a:effectRef idx="2">
+            <a:schemeClr val="dk1"/>
+          </a:effectRef>
+          <a:fontRef idx="minor">
+            <a:schemeClr val="tx1"/>
+          </a:fontRef>
+        </p:style>
+      </p:cxnSp>
+      <p:cxnSp>
+        <p:nvCxnSpPr>
+          <p:cNvPr id="40" name="Elbow Connector 39">
+            <a:extLst>
+              <a:ext uri="{FF2B5EF4-FFF2-40B4-BE49-F238E27FC236}">
+                <a16:creationId xmlns:a16="http://schemas.microsoft.com/office/drawing/2014/main" id="{8990408F-E949-6040-954B-FE7EB62DC052}"/>
+              </a:ext>
+            </a:extLst>
+          </p:cNvPr>
+          <p:cNvCxnSpPr>
+            <a:cxnSpLocks/>
+            <a:stCxn id="38" idx="2"/>
+            <a:endCxn id="27" idx="0"/>
+          </p:cNvCxnSpPr>
+          <p:nvPr/>
+        </p:nvCxnSpPr>
+        <p:spPr>
+          <a:xfrm rot="5400000">
+            <a:off x="7399078" y="1673925"/>
+            <a:ext cx="839089" cy="3892172"/>
+          </a:xfrm>
+          <a:prstGeom prst="bentConnector3">
+            <a:avLst>
+              <a:gd name="adj1" fmla="val 50000"/>
+            </a:avLst>
+          </a:prstGeom>
+          <a:ln w="76200">
+            <a:solidFill>
+              <a:srgbClr val="E00034"/>
+            </a:solidFill>
+            <a:tailEnd type="triangle"/>
+          </a:ln>
+        </p:spPr>
+        <p:style>
+          <a:lnRef idx="3">
+            <a:schemeClr val="accent1"/>
+          </a:lnRef>
+          <a:fillRef idx="0">
+            <a:schemeClr val="accent1"/>
+          </a:fillRef>
+          <a:effectRef idx="2">
+            <a:schemeClr val="accent1"/>
+          </a:effectRef>
+          <a:fontRef idx="minor">
+            <a:schemeClr val="tx1"/>
+          </a:fontRef>
+        </p:style>
+      </p:cxnSp>
+      <p:sp>
+        <p:nvSpPr>
+          <p:cNvPr id="41" name="Rectangle 40">
+            <a:extLst>
+              <a:ext uri="{FF2B5EF4-FFF2-40B4-BE49-F238E27FC236}">
+                <a16:creationId xmlns:a16="http://schemas.microsoft.com/office/drawing/2014/main" id="{353BDB3E-9604-2248-91A0-E14DFFACBEBA}"/>
+              </a:ext>
+            </a:extLst>
+          </p:cNvPr>
+          <p:cNvSpPr>
+            <a:spLocks noChangeAspect="1"/>
+          </p:cNvSpPr>
+          <p:nvPr/>
+        </p:nvSpPr>
+        <p:spPr>
+          <a:xfrm flipH="1">
+            <a:off x="9031045" y="1496254"/>
+            <a:ext cx="119285" cy="118893"/>
+          </a:xfrm>
+          <a:prstGeom prst="rect">
+            <a:avLst/>
+          </a:prstGeom>
+          <a:solidFill>
+            <a:srgbClr val="00204E"/>
+          </a:solidFill>
+          <a:ln>
+            <a:noFill/>
+          </a:ln>
+        </p:spPr>
+        <p:style>
+          <a:lnRef idx="1">
+            <a:schemeClr val="accent1"/>
+          </a:lnRef>
+          <a:fillRef idx="3">
+            <a:schemeClr val="accent1"/>
+          </a:fillRef>
+          <a:effectRef idx="2">
+            <a:schemeClr val="accent1"/>
+          </a:effectRef>
+          <a:fontRef idx="minor">
+            <a:schemeClr val="lt1"/>
+          </a:fontRef>
+        </p:style>
+        <p:txBody>
+          <a:bodyPr rtlCol="0" anchor="ctr"/>
+          <a:lstStyle/>
+          <a:p>
+            <a:pPr algn="ctr"/>
+            <a:endParaRPr lang="en-GB">
+              <a:latin typeface="Times New Roman" panose="02020603050405020304" pitchFamily="18" charset="0"/>
+              <a:cs typeface="Times New Roman" panose="02020603050405020304" pitchFamily="18" charset="0"/>
+            </a:endParaRPr>
+          </a:p>
+        </p:txBody>
+      </p:sp>
+      <p:sp>
+        <p:nvSpPr>
+          <p:cNvPr id="42" name="TextBox 41">
+            <a:extLst>
+              <a:ext uri="{FF2B5EF4-FFF2-40B4-BE49-F238E27FC236}">
+                <a16:creationId xmlns:a16="http://schemas.microsoft.com/office/drawing/2014/main" id="{DD50B3B6-5315-3542-A75E-31BC0CB6B057}"/>
+              </a:ext>
+            </a:extLst>
+          </p:cNvPr>
+          <p:cNvSpPr txBox="1"/>
+          <p:nvPr/>
+        </p:nvSpPr>
+        <p:spPr>
+          <a:xfrm>
+            <a:off x="9090688" y="1427138"/>
+            <a:ext cx="922047" cy="553998"/>
+          </a:xfrm>
+          <a:prstGeom prst="rect">
+            <a:avLst/>
+          </a:prstGeom>
+          <a:noFill/>
+        </p:spPr>
+        <p:txBody>
+          <a:bodyPr wrap="none" rtlCol="0">
+            <a:spAutoFit/>
+          </a:bodyPr>
+          <a:lstStyle/>
+          <a:p>
+            <a:r>
+              <a:rPr lang="en-GB" sz="1000" dirty="0">
+                <a:latin typeface="Times New Roman" panose="02020603050405020304" pitchFamily="18" charset="0"/>
+                <a:cs typeface="Times New Roman" panose="02020603050405020304" pitchFamily="18" charset="0"/>
+              </a:rPr>
+              <a:t>Inheritance</a:t>
+            </a:r>
+          </a:p>
+          <a:p>
+            <a:r>
+              <a:rPr lang="en-GB" sz="1000" dirty="0">
+                <a:latin typeface="Times New Roman" panose="02020603050405020304" pitchFamily="18" charset="0"/>
+                <a:cs typeface="Times New Roman" panose="02020603050405020304" pitchFamily="18" charset="0"/>
+              </a:rPr>
+              <a:t>Returns</a:t>
+            </a:r>
+          </a:p>
+          <a:p>
+            <a:r>
+              <a:rPr lang="en-GB" sz="1000" dirty="0">
+                <a:latin typeface="Times New Roman" panose="02020603050405020304" pitchFamily="18" charset="0"/>
+                <a:cs typeface="Times New Roman" panose="02020603050405020304" pitchFamily="18" charset="0"/>
+              </a:rPr>
+              <a:t>Dependencies</a:t>
+            </a:r>
+          </a:p>
+        </p:txBody>
+      </p:sp>
+      <p:sp>
+        <p:nvSpPr>
+          <p:cNvPr id="43" name="Rectangle 42">
+            <a:extLst>
+              <a:ext uri="{FF2B5EF4-FFF2-40B4-BE49-F238E27FC236}">
+                <a16:creationId xmlns:a16="http://schemas.microsoft.com/office/drawing/2014/main" id="{C31CE1DD-E14D-D144-8B2B-F06E5C03B985}"/>
+              </a:ext>
+            </a:extLst>
+          </p:cNvPr>
+          <p:cNvSpPr>
+            <a:spLocks noChangeAspect="1"/>
+          </p:cNvSpPr>
+          <p:nvPr/>
+        </p:nvSpPr>
+        <p:spPr>
+          <a:xfrm flipH="1">
+            <a:off x="9031044" y="1635611"/>
+            <a:ext cx="119285" cy="118893"/>
+          </a:xfrm>
+          <a:prstGeom prst="rect">
+            <a:avLst/>
+          </a:prstGeom>
+          <a:solidFill>
+            <a:srgbClr val="E00034"/>
+          </a:solidFill>
+          <a:ln>
+            <a:noFill/>
+          </a:ln>
+        </p:spPr>
+        <p:style>
+          <a:lnRef idx="1">
+            <a:schemeClr val="accent1"/>
+          </a:lnRef>
+          <a:fillRef idx="3">
+            <a:schemeClr val="accent1"/>
+          </a:fillRef>
+          <a:effectRef idx="2">
+            <a:schemeClr val="accent1"/>
+          </a:effectRef>
+          <a:fontRef idx="minor">
+            <a:schemeClr val="lt1"/>
+          </a:fontRef>
+        </p:style>
+        <p:txBody>
+          <a:bodyPr rtlCol="0" anchor="ctr"/>
+          <a:lstStyle/>
+          <a:p>
+            <a:pPr algn="ctr"/>
+            <a:endParaRPr lang="en-GB">
+              <a:latin typeface="Times New Roman" panose="02020603050405020304" pitchFamily="18" charset="0"/>
+              <a:cs typeface="Times New Roman" panose="02020603050405020304" pitchFamily="18" charset="0"/>
+            </a:endParaRPr>
+          </a:p>
+        </p:txBody>
+      </p:sp>
+      <p:sp>
+        <p:nvSpPr>
+          <p:cNvPr id="44" name="Rectangle 43">
+            <a:extLst>
+              <a:ext uri="{FF2B5EF4-FFF2-40B4-BE49-F238E27FC236}">
+                <a16:creationId xmlns:a16="http://schemas.microsoft.com/office/drawing/2014/main" id="{7A79EA51-4AD1-ED44-92D4-F417F1730014}"/>
+              </a:ext>
+            </a:extLst>
+          </p:cNvPr>
+          <p:cNvSpPr>
+            <a:spLocks noChangeAspect="1"/>
+          </p:cNvSpPr>
+          <p:nvPr/>
+        </p:nvSpPr>
+        <p:spPr>
+          <a:xfrm flipH="1">
+            <a:off x="9031043" y="1794074"/>
+            <a:ext cx="119285" cy="118893"/>
+          </a:xfrm>
+          <a:prstGeom prst="rect">
+            <a:avLst/>
+          </a:prstGeom>
+          <a:solidFill>
+            <a:srgbClr val="92D050"/>
+          </a:solidFill>
+          <a:ln>
+            <a:noFill/>
+          </a:ln>
+        </p:spPr>
+        <p:style>
+          <a:lnRef idx="1">
+            <a:schemeClr val="accent1"/>
+          </a:lnRef>
+          <a:fillRef idx="3">
+            <a:schemeClr val="accent1"/>
+          </a:fillRef>
+          <a:effectRef idx="2">
+            <a:schemeClr val="accent1"/>
+          </a:effectRef>
+          <a:fontRef idx="minor">
+            <a:schemeClr val="lt1"/>
+          </a:fontRef>
+        </p:style>
+        <p:txBody>
+          <a:bodyPr rtlCol="0" anchor="ctr"/>
+          <a:lstStyle/>
+          <a:p>
+            <a:pPr algn="ctr"/>
+            <a:endParaRPr lang="en-GB">
+              <a:latin typeface="Times New Roman" panose="02020603050405020304" pitchFamily="18" charset="0"/>
+              <a:cs typeface="Times New Roman" panose="02020603050405020304" pitchFamily="18" charset="0"/>
+            </a:endParaRPr>
+          </a:p>
+        </p:txBody>
+      </p:sp>
+    </p:spTree>
+    <p:extLst>
+      <p:ext uri="{BB962C8B-B14F-4D97-AF65-F5344CB8AC3E}">
+        <p14:creationId xmlns:p14="http://schemas.microsoft.com/office/powerpoint/2010/main" val="2394806824"/>
+      </p:ext>
+    </p:extLst>
+  </p:cSld>
+  <p:clrMapOvr>
+    <a:masterClrMapping/>
+  </p:clrMapOvr>
+</p:sld>
+</file>
+
+<file path=ppt/slides/slide11.xml><?xml version="1.0" encoding="utf-8"?>
+<p:sld xmlns:a="http://schemas.openxmlformats.org/drawingml/2006/main" xmlns:r="http://schemas.openxmlformats.org/officeDocument/2006/relationships" xmlns:p="http://schemas.openxmlformats.org/presentationml/2006/main">
+  <p:cSld>
+    <p:spTree>
+      <p:nvGrpSpPr>
+        <p:cNvPr id="1" name=""/>
+        <p:cNvGrpSpPr/>
+        <p:nvPr/>
+      </p:nvGrpSpPr>
+      <p:grpSpPr>
+        <a:xfrm>
+          <a:off x="0" y="0"/>
+          <a:ext cx="0" cy="0"/>
+          <a:chOff x="0" y="0"/>
+          <a:chExt cx="0" cy="0"/>
+        </a:xfrm>
+      </p:grpSpPr>
+      <p:sp>
+        <p:nvSpPr>
+          <p:cNvPr id="21" name="Rectangle 20">
+            <a:extLst>
+              <a:ext uri="{FF2B5EF4-FFF2-40B4-BE49-F238E27FC236}">
+                <a16:creationId xmlns:a16="http://schemas.microsoft.com/office/drawing/2014/main" id="{286B26A0-07D5-5740-A4BB-F90CC5CB249B}"/>
+              </a:ext>
+            </a:extLst>
+          </p:cNvPr>
+          <p:cNvSpPr/>
+          <p:nvPr/>
+        </p:nvSpPr>
+        <p:spPr>
+          <a:xfrm>
+            <a:off x="1636295" y="1239253"/>
+            <a:ext cx="8819147" cy="3489158"/>
+          </a:xfrm>
+          <a:prstGeom prst="rect">
+            <a:avLst/>
+          </a:prstGeom>
+          <a:noFill/>
+          <a:ln>
+            <a:noFill/>
+          </a:ln>
+        </p:spPr>
+        <p:style>
+          <a:lnRef idx="2">
+            <a:schemeClr val="accent1">
+              <a:shade val="50000"/>
+            </a:schemeClr>
+          </a:lnRef>
+          <a:fillRef idx="1">
+            <a:schemeClr val="accent1"/>
+          </a:fillRef>
+          <a:effectRef idx="0">
+            <a:schemeClr val="accent1"/>
+          </a:effectRef>
+          <a:fontRef idx="minor">
+            <a:schemeClr val="lt1"/>
+          </a:fontRef>
+        </p:style>
+        <p:txBody>
+          <a:bodyPr rtlCol="0" anchor="ctr"/>
+          <a:lstStyle/>
+          <a:p>
+            <a:pPr algn="ctr"/>
+            <a:endParaRPr lang="en-GB">
+              <a:latin typeface="Times New Roman" panose="02020603050405020304" pitchFamily="18" charset="0"/>
+              <a:cs typeface="Times New Roman" panose="02020603050405020304" pitchFamily="18" charset="0"/>
+            </a:endParaRPr>
+          </a:p>
+        </p:txBody>
+      </p:sp>
+      <p:sp>
+        <p:nvSpPr>
+          <p:cNvPr id="4" name="Rounded Rectangle 3">
+            <a:extLst>
+              <a:ext uri="{FF2B5EF4-FFF2-40B4-BE49-F238E27FC236}">
+                <a16:creationId xmlns:a16="http://schemas.microsoft.com/office/drawing/2014/main" id="{EFBACCD4-2915-DC4E-AC86-794482E0E559}"/>
+              </a:ext>
+            </a:extLst>
+          </p:cNvPr>
+          <p:cNvSpPr/>
+          <p:nvPr/>
+        </p:nvSpPr>
+        <p:spPr>
+          <a:xfrm>
+            <a:off x="1766996" y="3632626"/>
+            <a:ext cx="2119059" cy="647176"/>
+          </a:xfrm>
+          <a:prstGeom prst="roundRect">
+            <a:avLst/>
+          </a:prstGeom>
+          <a:solidFill>
+            <a:srgbClr val="00204E"/>
+          </a:solidFill>
+          <a:effectLst>
+            <a:outerShdw blurRad="50800" dist="38100" dir="2700000" algn="tl" rotWithShape="0">
+              <a:prstClr val="black">
+                <a:alpha val="40000"/>
+              </a:prstClr>
+            </a:outerShdw>
+          </a:effectLst>
+        </p:spPr>
+        <p:style>
+          <a:lnRef idx="3">
+            <a:schemeClr val="lt1"/>
+          </a:lnRef>
+          <a:fillRef idx="1">
+            <a:schemeClr val="dk1"/>
+          </a:fillRef>
+          <a:effectRef idx="1">
+            <a:schemeClr val="dk1"/>
+          </a:effectRef>
+          <a:fontRef idx="minor">
+            <a:schemeClr val="lt1"/>
+          </a:fontRef>
+        </p:style>
+        <p:txBody>
+          <a:bodyPr rtlCol="0" anchor="ctr"/>
+          <a:lstStyle/>
+          <a:p>
+            <a:pPr algn="ctr"/>
+            <a:r>
+              <a:rPr lang="en-GB" sz="1600" b="1" dirty="0" err="1">
+                <a:latin typeface="Times New Roman" panose="02020603050405020304" pitchFamily="18" charset="0"/>
+                <a:cs typeface="Times New Roman" panose="02020603050405020304" pitchFamily="18" charset="0"/>
+              </a:rPr>
+              <a:t>HESSIOEventSource</a:t>
+            </a:r>
+            <a:endParaRPr lang="en-GB" sz="1600" b="1" dirty="0">
+              <a:latin typeface="Times New Roman" panose="02020603050405020304" pitchFamily="18" charset="0"/>
+              <a:cs typeface="Times New Roman" panose="02020603050405020304" pitchFamily="18" charset="0"/>
+            </a:endParaRPr>
+          </a:p>
+          <a:p>
+            <a:pPr algn="ctr"/>
+            <a:r>
+              <a:rPr lang="en-GB" sz="1200" dirty="0">
+                <a:solidFill>
+                  <a:srgbClr val="92D050"/>
+                </a:solidFill>
+                <a:latin typeface="Times New Roman" panose="02020603050405020304" pitchFamily="18" charset="0"/>
+                <a:cs typeface="Times New Roman" panose="02020603050405020304" pitchFamily="18" charset="0"/>
+              </a:rPr>
+              <a:t>Check first 4 bytes</a:t>
+            </a:r>
+            <a:endParaRPr lang="en-GB" sz="1600" dirty="0">
+              <a:solidFill>
+                <a:srgbClr val="92D050"/>
+              </a:solidFill>
+              <a:latin typeface="Times New Roman" panose="02020603050405020304" pitchFamily="18" charset="0"/>
+              <a:cs typeface="Times New Roman" panose="02020603050405020304" pitchFamily="18" charset="0"/>
+            </a:endParaRPr>
+          </a:p>
+        </p:txBody>
+      </p:sp>
+      <p:sp>
+        <p:nvSpPr>
+          <p:cNvPr id="5" name="Rounded Rectangle 4">
+            <a:extLst>
+              <a:ext uri="{FF2B5EF4-FFF2-40B4-BE49-F238E27FC236}">
+                <a16:creationId xmlns:a16="http://schemas.microsoft.com/office/drawing/2014/main" id="{D718658A-0CA9-E144-8274-E71EB3672E1A}"/>
+              </a:ext>
+            </a:extLst>
+          </p:cNvPr>
+          <p:cNvSpPr/>
+          <p:nvPr/>
+        </p:nvSpPr>
+        <p:spPr>
+          <a:xfrm>
+            <a:off x="6636008" y="3619893"/>
+            <a:ext cx="2392078" cy="647174"/>
+          </a:xfrm>
+          <a:prstGeom prst="roundRect">
+            <a:avLst/>
+          </a:prstGeom>
+          <a:solidFill>
+            <a:srgbClr val="00204E"/>
+          </a:solidFill>
+          <a:effectLst>
+            <a:outerShdw blurRad="50800" dist="38100" dir="2700000" algn="tl" rotWithShape="0">
+              <a:prstClr val="black">
+                <a:alpha val="40000"/>
+              </a:prstClr>
+            </a:outerShdw>
+          </a:effectLst>
+        </p:spPr>
+        <p:style>
+          <a:lnRef idx="3">
+            <a:schemeClr val="lt1"/>
+          </a:lnRef>
+          <a:fillRef idx="1">
+            <a:schemeClr val="dk1"/>
+          </a:fillRef>
+          <a:effectRef idx="1">
+            <a:schemeClr val="dk1"/>
+          </a:effectRef>
+          <a:fontRef idx="minor">
+            <a:schemeClr val="lt1"/>
+          </a:fontRef>
+        </p:style>
+        <p:txBody>
+          <a:bodyPr rtlCol="0" anchor="ctr"/>
+          <a:lstStyle/>
+          <a:p>
+            <a:pPr algn="ctr"/>
+            <a:r>
+              <a:rPr lang="en-GB" sz="1600" b="1" dirty="0" err="1">
+                <a:latin typeface="Times New Roman" panose="02020603050405020304" pitchFamily="18" charset="0"/>
+                <a:cs typeface="Times New Roman" panose="02020603050405020304" pitchFamily="18" charset="0"/>
+              </a:rPr>
+              <a:t>TargetIOEventSource</a:t>
+            </a:r>
+            <a:endParaRPr lang="en-GB" sz="1600" b="1" dirty="0">
+              <a:latin typeface="Times New Roman" panose="02020603050405020304" pitchFamily="18" charset="0"/>
+              <a:cs typeface="Times New Roman" panose="02020603050405020304" pitchFamily="18" charset="0"/>
+            </a:endParaRPr>
+          </a:p>
+          <a:p>
+            <a:pPr algn="ctr"/>
+            <a:r>
+              <a:rPr lang="en-GB" sz="1200" dirty="0">
+                <a:solidFill>
+                  <a:srgbClr val="92D050"/>
+                </a:solidFill>
+                <a:latin typeface="Times New Roman" panose="02020603050405020304" pitchFamily="18" charset="0"/>
+                <a:cs typeface="Times New Roman" panose="02020603050405020304" pitchFamily="18" charset="0"/>
+              </a:rPr>
+              <a:t>Check filename ends with .</a:t>
+            </a:r>
+            <a:r>
+              <a:rPr lang="en-GB" sz="1200" dirty="0" err="1">
+                <a:solidFill>
+                  <a:srgbClr val="92D050"/>
+                </a:solidFill>
+                <a:latin typeface="Times New Roman" panose="02020603050405020304" pitchFamily="18" charset="0"/>
+                <a:cs typeface="Times New Roman" panose="02020603050405020304" pitchFamily="18" charset="0"/>
+              </a:rPr>
+              <a:t>tio</a:t>
+            </a:r>
+            <a:endParaRPr lang="en-GB" sz="1600" dirty="0">
+              <a:solidFill>
+                <a:srgbClr val="92D050"/>
+              </a:solidFill>
+              <a:latin typeface="Times New Roman" panose="02020603050405020304" pitchFamily="18" charset="0"/>
+              <a:cs typeface="Times New Roman" panose="02020603050405020304" pitchFamily="18" charset="0"/>
+            </a:endParaRPr>
+          </a:p>
+        </p:txBody>
+      </p:sp>
+      <p:sp>
+        <p:nvSpPr>
+          <p:cNvPr id="6" name="Rounded Rectangle 5">
+            <a:extLst>
+              <a:ext uri="{FF2B5EF4-FFF2-40B4-BE49-F238E27FC236}">
+                <a16:creationId xmlns:a16="http://schemas.microsoft.com/office/drawing/2014/main" id="{E1ACB56D-B748-8542-8B9A-4DF443414AAC}"/>
+              </a:ext>
+            </a:extLst>
+          </p:cNvPr>
+          <p:cNvSpPr/>
+          <p:nvPr/>
+        </p:nvSpPr>
+        <p:spPr>
+          <a:xfrm>
+            <a:off x="4167334" y="3619893"/>
+            <a:ext cx="2187395" cy="659907"/>
+          </a:xfrm>
+          <a:prstGeom prst="roundRect">
+            <a:avLst/>
+          </a:prstGeom>
+          <a:solidFill>
+            <a:srgbClr val="00204E"/>
+          </a:solidFill>
+          <a:effectLst>
+            <a:outerShdw blurRad="50800" dist="38100" dir="2700000" algn="tl" rotWithShape="0">
+              <a:prstClr val="black">
+                <a:alpha val="40000"/>
+              </a:prstClr>
+            </a:outerShdw>
+          </a:effectLst>
+        </p:spPr>
+        <p:style>
+          <a:lnRef idx="3">
+            <a:schemeClr val="lt1"/>
+          </a:lnRef>
+          <a:fillRef idx="1">
+            <a:schemeClr val="dk1"/>
+          </a:fillRef>
+          <a:effectRef idx="1">
+            <a:schemeClr val="dk1"/>
+          </a:effectRef>
+          <a:fontRef idx="minor">
+            <a:schemeClr val="lt1"/>
+          </a:fontRef>
+        </p:style>
+        <p:txBody>
+          <a:bodyPr rtlCol="0" anchor="ctr"/>
+          <a:lstStyle/>
+          <a:p>
+            <a:pPr algn="ctr"/>
+            <a:r>
+              <a:rPr lang="en-GB" sz="1600" b="1" dirty="0">
+                <a:latin typeface="Times New Roman" panose="02020603050405020304" pitchFamily="18" charset="0"/>
+                <a:cs typeface="Times New Roman" panose="02020603050405020304" pitchFamily="18" charset="0"/>
+              </a:rPr>
+              <a:t>SST1MEventSource</a:t>
+            </a:r>
+          </a:p>
+          <a:p>
+            <a:pPr algn="ctr"/>
+            <a:r>
+              <a:rPr lang="en-GB" sz="1200" dirty="0">
+                <a:solidFill>
+                  <a:srgbClr val="92D050"/>
+                </a:solidFill>
+                <a:latin typeface="Times New Roman" panose="02020603050405020304" pitchFamily="18" charset="0"/>
+                <a:cs typeface="Times New Roman" panose="02020603050405020304" pitchFamily="18" charset="0"/>
+              </a:rPr>
+              <a:t>Check fits header</a:t>
+            </a:r>
+            <a:endParaRPr lang="en-GB" sz="1600" dirty="0">
+              <a:solidFill>
+                <a:srgbClr val="92D050"/>
+              </a:solidFill>
+              <a:latin typeface="Times New Roman" panose="02020603050405020304" pitchFamily="18" charset="0"/>
+              <a:cs typeface="Times New Roman" panose="02020603050405020304" pitchFamily="18" charset="0"/>
+            </a:endParaRPr>
+          </a:p>
+        </p:txBody>
+      </p:sp>
+      <p:sp>
+        <p:nvSpPr>
+          <p:cNvPr id="7" name="Rounded Rectangle 6">
+            <a:extLst>
+              <a:ext uri="{FF2B5EF4-FFF2-40B4-BE49-F238E27FC236}">
+                <a16:creationId xmlns:a16="http://schemas.microsoft.com/office/drawing/2014/main" id="{799F1001-C212-3B41-8670-883009CE2913}"/>
+              </a:ext>
+            </a:extLst>
+          </p:cNvPr>
+          <p:cNvSpPr/>
+          <p:nvPr/>
+        </p:nvSpPr>
+        <p:spPr>
+          <a:xfrm>
+            <a:off x="4741521" y="2331664"/>
+            <a:ext cx="2195427" cy="497542"/>
+          </a:xfrm>
+          <a:prstGeom prst="roundRect">
+            <a:avLst/>
+          </a:prstGeom>
+          <a:solidFill>
+            <a:srgbClr val="00204E"/>
+          </a:solidFill>
+          <a:effectLst>
+            <a:outerShdw blurRad="50800" dist="38100" dir="2700000" algn="tl" rotWithShape="0">
+              <a:prstClr val="black">
+                <a:alpha val="40000"/>
+              </a:prstClr>
+            </a:outerShdw>
+          </a:effectLst>
+        </p:spPr>
+        <p:style>
+          <a:lnRef idx="3">
+            <a:schemeClr val="lt1"/>
+          </a:lnRef>
+          <a:fillRef idx="1">
+            <a:schemeClr val="dk1"/>
+          </a:fillRef>
+          <a:effectRef idx="1">
+            <a:schemeClr val="dk1"/>
+          </a:effectRef>
+          <a:fontRef idx="minor">
+            <a:schemeClr val="lt1"/>
+          </a:fontRef>
+        </p:style>
+        <p:txBody>
+          <a:bodyPr rtlCol="0" anchor="ctr"/>
+          <a:lstStyle/>
+          <a:p>
+            <a:pPr algn="ctr"/>
+            <a:r>
+              <a:rPr lang="en-GB" sz="1600" b="1" dirty="0" err="1">
+                <a:latin typeface="Times New Roman" panose="02020603050405020304" pitchFamily="18" charset="0"/>
+                <a:cs typeface="Times New Roman" panose="02020603050405020304" pitchFamily="18" charset="0"/>
+              </a:rPr>
+              <a:t>EventSourceFactory</a:t>
+            </a:r>
+            <a:endParaRPr lang="en-GB" sz="1600" b="1" dirty="0">
+              <a:latin typeface="Times New Roman" panose="02020603050405020304" pitchFamily="18" charset="0"/>
+              <a:cs typeface="Times New Roman" panose="02020603050405020304" pitchFamily="18" charset="0"/>
+            </a:endParaRPr>
+          </a:p>
+        </p:txBody>
+      </p:sp>
+      <p:cxnSp>
+        <p:nvCxnSpPr>
+          <p:cNvPr id="8" name="Elbow Connector 7">
+            <a:extLst>
+              <a:ext uri="{FF2B5EF4-FFF2-40B4-BE49-F238E27FC236}">
+                <a16:creationId xmlns:a16="http://schemas.microsoft.com/office/drawing/2014/main" id="{8AE70193-2C92-674C-9876-B03A6A2D4E62}"/>
+              </a:ext>
+            </a:extLst>
+          </p:cNvPr>
+          <p:cNvCxnSpPr>
+            <a:cxnSpLocks/>
+            <a:stCxn id="7" idx="2"/>
+            <a:endCxn id="4" idx="0"/>
+          </p:cNvCxnSpPr>
+          <p:nvPr/>
+        </p:nvCxnSpPr>
+        <p:spPr>
+          <a:xfrm rot="5400000">
+            <a:off x="3931171" y="1724562"/>
+            <a:ext cx="803420" cy="3012709"/>
+          </a:xfrm>
+          <a:prstGeom prst="bentConnector3">
+            <a:avLst>
+              <a:gd name="adj1" fmla="val 50000"/>
+            </a:avLst>
+          </a:prstGeom>
+          <a:ln w="76200">
+            <a:solidFill>
+              <a:srgbClr val="E00034"/>
+            </a:solidFill>
+            <a:tailEnd type="triangle"/>
+          </a:ln>
+        </p:spPr>
+        <p:style>
+          <a:lnRef idx="3">
+            <a:schemeClr val="accent1"/>
+          </a:lnRef>
+          <a:fillRef idx="0">
+            <a:schemeClr val="accent1"/>
+          </a:fillRef>
+          <a:effectRef idx="2">
+            <a:schemeClr val="accent1"/>
+          </a:effectRef>
+          <a:fontRef idx="minor">
+            <a:schemeClr val="tx1"/>
+          </a:fontRef>
+        </p:style>
+      </p:cxnSp>
+      <p:cxnSp>
+        <p:nvCxnSpPr>
+          <p:cNvPr id="9" name="Elbow Connector 8">
+            <a:extLst>
+              <a:ext uri="{FF2B5EF4-FFF2-40B4-BE49-F238E27FC236}">
+                <a16:creationId xmlns:a16="http://schemas.microsoft.com/office/drawing/2014/main" id="{E68BE6C4-F83B-D441-8F1F-F43C10536CD1}"/>
+              </a:ext>
+            </a:extLst>
+          </p:cNvPr>
+          <p:cNvCxnSpPr>
+            <a:cxnSpLocks/>
+            <a:stCxn id="7" idx="2"/>
+            <a:endCxn id="6" idx="0"/>
+          </p:cNvCxnSpPr>
+          <p:nvPr/>
+        </p:nvCxnSpPr>
+        <p:spPr>
+          <a:xfrm rot="5400000">
+            <a:off x="5154791" y="2935448"/>
+            <a:ext cx="790687" cy="578203"/>
+          </a:xfrm>
+          <a:prstGeom prst="bentConnector3">
+            <a:avLst>
+              <a:gd name="adj1" fmla="val 50000"/>
+            </a:avLst>
+          </a:prstGeom>
+          <a:ln w="76200">
+            <a:solidFill>
+              <a:srgbClr val="E00034"/>
+            </a:solidFill>
+            <a:tailEnd type="triangle"/>
+          </a:ln>
+        </p:spPr>
+        <p:style>
+          <a:lnRef idx="3">
+            <a:schemeClr val="accent1"/>
+          </a:lnRef>
+          <a:fillRef idx="0">
+            <a:schemeClr val="accent1"/>
+          </a:fillRef>
+          <a:effectRef idx="2">
+            <a:schemeClr val="accent1"/>
+          </a:effectRef>
+          <a:fontRef idx="minor">
+            <a:schemeClr val="tx1"/>
+          </a:fontRef>
+        </p:style>
+      </p:cxnSp>
+      <p:cxnSp>
+        <p:nvCxnSpPr>
+          <p:cNvPr id="10" name="Elbow Connector 9">
+            <a:extLst>
+              <a:ext uri="{FF2B5EF4-FFF2-40B4-BE49-F238E27FC236}">
+                <a16:creationId xmlns:a16="http://schemas.microsoft.com/office/drawing/2014/main" id="{A09D44A2-899A-B04F-BE59-379608807FBB}"/>
+              </a:ext>
+            </a:extLst>
+          </p:cNvPr>
+          <p:cNvCxnSpPr>
+            <a:cxnSpLocks/>
+            <a:stCxn id="7" idx="2"/>
+            <a:endCxn id="5" idx="0"/>
+          </p:cNvCxnSpPr>
+          <p:nvPr/>
+        </p:nvCxnSpPr>
+        <p:spPr>
+          <a:xfrm rot="16200000" flipH="1">
+            <a:off x="6440298" y="2228143"/>
+            <a:ext cx="790687" cy="1992812"/>
+          </a:xfrm>
+          <a:prstGeom prst="bentConnector3">
+            <a:avLst>
+              <a:gd name="adj1" fmla="val 50000"/>
+            </a:avLst>
+          </a:prstGeom>
+          <a:ln w="76200">
+            <a:solidFill>
+              <a:srgbClr val="E00034"/>
+            </a:solidFill>
+            <a:tailEnd type="triangle"/>
+          </a:ln>
+        </p:spPr>
+        <p:style>
+          <a:lnRef idx="3">
+            <a:schemeClr val="accent1"/>
+          </a:lnRef>
+          <a:fillRef idx="0">
+            <a:schemeClr val="accent1"/>
+          </a:fillRef>
+          <a:effectRef idx="2">
+            <a:schemeClr val="accent1"/>
+          </a:effectRef>
+          <a:fontRef idx="minor">
+            <a:schemeClr val="tx1"/>
+          </a:fontRef>
+        </p:style>
+      </p:cxnSp>
+      <p:sp>
+        <p:nvSpPr>
+          <p:cNvPr id="11" name="Rounded Rectangle 10">
+            <a:extLst>
+              <a:ext uri="{FF2B5EF4-FFF2-40B4-BE49-F238E27FC236}">
+                <a16:creationId xmlns:a16="http://schemas.microsoft.com/office/drawing/2014/main" id="{4DD5B8E8-54D9-124F-8BD7-AAC33E1D3992}"/>
+              </a:ext>
+            </a:extLst>
+          </p:cNvPr>
+          <p:cNvSpPr/>
+          <p:nvPr/>
+        </p:nvSpPr>
+        <p:spPr>
+          <a:xfrm>
+            <a:off x="9309365" y="3632627"/>
+            <a:ext cx="992111" cy="647174"/>
+          </a:xfrm>
+          <a:prstGeom prst="roundRect">
+            <a:avLst/>
+          </a:prstGeom>
+          <a:solidFill>
+            <a:srgbClr val="00204E"/>
+          </a:solidFill>
+          <a:effectLst>
+            <a:outerShdw blurRad="50800" dist="38100" dir="2700000" algn="tl" rotWithShape="0">
+              <a:prstClr val="black">
+                <a:alpha val="40000"/>
+              </a:prstClr>
+            </a:outerShdw>
+          </a:effectLst>
+        </p:spPr>
+        <p:style>
+          <a:lnRef idx="3">
+            <a:schemeClr val="lt1"/>
+          </a:lnRef>
+          <a:fillRef idx="1">
+            <a:schemeClr val="dk1"/>
+          </a:fillRef>
+          <a:effectRef idx="1">
+            <a:schemeClr val="dk1"/>
+          </a:effectRef>
+          <a:fontRef idx="minor">
+            <a:schemeClr val="lt1"/>
+          </a:fontRef>
+        </p:style>
+        <p:txBody>
+          <a:bodyPr rtlCol="0" anchor="ctr"/>
+          <a:lstStyle/>
+          <a:p>
+            <a:pPr algn="ctr"/>
+            <a:r>
+              <a:rPr lang="en-GB" sz="1600" b="1" dirty="0">
+                <a:latin typeface="Times New Roman" panose="02020603050405020304" pitchFamily="18" charset="0"/>
+                <a:cs typeface="Times New Roman" panose="02020603050405020304" pitchFamily="18" charset="0"/>
+              </a:rPr>
+              <a:t>…</a:t>
+            </a:r>
+          </a:p>
+        </p:txBody>
+      </p:sp>
+      <p:cxnSp>
+        <p:nvCxnSpPr>
+          <p:cNvPr id="12" name="Elbow Connector 11">
+            <a:extLst>
+              <a:ext uri="{FF2B5EF4-FFF2-40B4-BE49-F238E27FC236}">
+                <a16:creationId xmlns:a16="http://schemas.microsoft.com/office/drawing/2014/main" id="{6A9B6DAD-BA04-304A-B224-9D3CCC04ECA3}"/>
+              </a:ext>
+            </a:extLst>
+          </p:cNvPr>
+          <p:cNvCxnSpPr>
+            <a:cxnSpLocks/>
+            <a:stCxn id="7" idx="2"/>
+            <a:endCxn id="11" idx="0"/>
+          </p:cNvCxnSpPr>
+          <p:nvPr/>
+        </p:nvCxnSpPr>
+        <p:spPr>
+          <a:xfrm rot="16200000" flipH="1">
+            <a:off x="7420618" y="1247823"/>
+            <a:ext cx="803421" cy="3966186"/>
+          </a:xfrm>
+          <a:prstGeom prst="bentConnector3">
+            <a:avLst>
+              <a:gd name="adj1" fmla="val 50000"/>
+            </a:avLst>
+          </a:prstGeom>
+          <a:ln w="76200">
+            <a:solidFill>
+              <a:srgbClr val="E00034"/>
+            </a:solidFill>
+            <a:tailEnd type="triangle"/>
+          </a:ln>
+        </p:spPr>
+        <p:style>
+          <a:lnRef idx="3">
+            <a:schemeClr val="accent1"/>
+          </a:lnRef>
+          <a:fillRef idx="0">
+            <a:schemeClr val="accent1"/>
+          </a:fillRef>
+          <a:effectRef idx="2">
+            <a:schemeClr val="accent1"/>
+          </a:effectRef>
+          <a:fontRef idx="minor">
+            <a:schemeClr val="tx1"/>
+          </a:fontRef>
+        </p:style>
+      </p:cxnSp>
+      <p:sp>
+        <p:nvSpPr>
+          <p:cNvPr id="13" name="Rounded Rectangle 12">
+            <a:extLst>
+              <a:ext uri="{FF2B5EF4-FFF2-40B4-BE49-F238E27FC236}">
+                <a16:creationId xmlns:a16="http://schemas.microsoft.com/office/drawing/2014/main" id="{A37136C7-DA14-5641-8633-0E1B6DD56133}"/>
+              </a:ext>
+            </a:extLst>
+          </p:cNvPr>
+          <p:cNvSpPr/>
+          <p:nvPr/>
+        </p:nvSpPr>
+        <p:spPr>
+          <a:xfrm>
+            <a:off x="5290378" y="1632804"/>
+            <a:ext cx="1097715" cy="381878"/>
+          </a:xfrm>
+          <a:prstGeom prst="roundRect">
+            <a:avLst/>
+          </a:prstGeom>
+          <a:solidFill>
+            <a:srgbClr val="00204E"/>
+          </a:solidFill>
+          <a:effectLst>
+            <a:outerShdw blurRad="50800" dist="38100" dir="2700000" algn="tl" rotWithShape="0">
+              <a:prstClr val="black">
+                <a:alpha val="40000"/>
+              </a:prstClr>
+            </a:outerShdw>
+          </a:effectLst>
+        </p:spPr>
+        <p:style>
+          <a:lnRef idx="3">
+            <a:schemeClr val="lt1"/>
+          </a:lnRef>
+          <a:fillRef idx="1">
+            <a:schemeClr val="dk1"/>
+          </a:fillRef>
+          <a:effectRef idx="1">
+            <a:schemeClr val="dk1"/>
+          </a:effectRef>
+          <a:fontRef idx="minor">
+            <a:schemeClr val="lt1"/>
+          </a:fontRef>
+        </p:style>
+        <p:txBody>
+          <a:bodyPr rtlCol="0" anchor="ctr"/>
+          <a:lstStyle/>
+          <a:p>
+            <a:pPr algn="ctr"/>
+            <a:r>
+              <a:rPr lang="en-GB" sz="1600" b="1" dirty="0">
+                <a:latin typeface="Times New Roman" panose="02020603050405020304" pitchFamily="18" charset="0"/>
+                <a:cs typeface="Times New Roman" panose="02020603050405020304" pitchFamily="18" charset="0"/>
+              </a:rPr>
+              <a:t>Factory</a:t>
+            </a:r>
+          </a:p>
+        </p:txBody>
+      </p:sp>
+      <p:cxnSp>
+        <p:nvCxnSpPr>
+          <p:cNvPr id="14" name="Elbow Connector 13">
+            <a:extLst>
+              <a:ext uri="{FF2B5EF4-FFF2-40B4-BE49-F238E27FC236}">
+                <a16:creationId xmlns:a16="http://schemas.microsoft.com/office/drawing/2014/main" id="{37392B0E-DD71-2F4F-AC67-AC9EF105C693}"/>
+              </a:ext>
+            </a:extLst>
+          </p:cNvPr>
+          <p:cNvCxnSpPr>
+            <a:cxnSpLocks/>
+            <a:stCxn id="13" idx="2"/>
+            <a:endCxn id="7" idx="0"/>
+          </p:cNvCxnSpPr>
+          <p:nvPr/>
+        </p:nvCxnSpPr>
+        <p:spPr>
+          <a:xfrm rot="5400000">
+            <a:off x="5680745" y="2173173"/>
+            <a:ext cx="316982" cy="1"/>
+          </a:xfrm>
+          <a:prstGeom prst="bentConnector3">
+            <a:avLst>
+              <a:gd name="adj1" fmla="val 50000"/>
+            </a:avLst>
+          </a:prstGeom>
+          <a:ln w="76200">
+            <a:solidFill>
+              <a:srgbClr val="00204E"/>
+            </a:solidFill>
+            <a:tailEnd type="triangle"/>
+          </a:ln>
+        </p:spPr>
+        <p:style>
+          <a:lnRef idx="3">
+            <a:schemeClr val="dk1"/>
+          </a:lnRef>
+          <a:fillRef idx="0">
+            <a:schemeClr val="dk1"/>
+          </a:fillRef>
+          <a:effectRef idx="2">
+            <a:schemeClr val="dk1"/>
+          </a:effectRef>
+          <a:fontRef idx="minor">
+            <a:schemeClr val="tx1"/>
+          </a:fontRef>
+        </p:style>
+      </p:cxnSp>
+      <p:sp>
+        <p:nvSpPr>
+          <p:cNvPr id="15" name="Rounded Rectangle 14">
+            <a:extLst>
+              <a:ext uri="{FF2B5EF4-FFF2-40B4-BE49-F238E27FC236}">
+                <a16:creationId xmlns:a16="http://schemas.microsoft.com/office/drawing/2014/main" id="{7EE5BD5B-C270-7044-BEE2-1C338160B63A}"/>
+              </a:ext>
+            </a:extLst>
+          </p:cNvPr>
+          <p:cNvSpPr/>
+          <p:nvPr/>
+        </p:nvSpPr>
+        <p:spPr>
+          <a:xfrm>
+            <a:off x="6238773" y="1680917"/>
+            <a:ext cx="1193735" cy="307541"/>
+          </a:xfrm>
+          <a:prstGeom prst="roundRect">
+            <a:avLst/>
+          </a:prstGeom>
+          <a:solidFill>
+            <a:srgbClr val="00204E"/>
+          </a:solidFill>
+          <a:ln>
+            <a:solidFill>
+              <a:schemeClr val="bg1"/>
+            </a:solidFill>
+          </a:ln>
+          <a:effectLst>
+            <a:outerShdw blurRad="50800" dist="38100" dir="2700000" algn="tl" rotWithShape="0">
+              <a:prstClr val="black">
+                <a:alpha val="40000"/>
+              </a:prstClr>
+            </a:outerShdw>
+          </a:effectLst>
+        </p:spPr>
+        <p:style>
+          <a:lnRef idx="3">
+            <a:schemeClr val="lt1"/>
+          </a:lnRef>
+          <a:fillRef idx="1">
+            <a:schemeClr val="dk1"/>
+          </a:fillRef>
+          <a:effectRef idx="1">
+            <a:schemeClr val="dk1"/>
+          </a:effectRef>
+          <a:fontRef idx="minor">
+            <a:schemeClr val="lt1"/>
+          </a:fontRef>
+        </p:style>
+        <p:txBody>
+          <a:bodyPr rtlCol="0" anchor="ctr"/>
+          <a:lstStyle/>
+          <a:p>
+            <a:pPr algn="ctr"/>
+            <a:r>
+              <a:rPr lang="en-GB" sz="1100" b="1" dirty="0">
+                <a:latin typeface="Times New Roman" panose="02020603050405020304" pitchFamily="18" charset="0"/>
+                <a:cs typeface="Times New Roman" panose="02020603050405020304" pitchFamily="18" charset="0"/>
+              </a:rPr>
+              <a:t>+ </a:t>
+            </a:r>
+            <a:r>
+              <a:rPr lang="en-GB" sz="1100" b="1" dirty="0" err="1">
+                <a:latin typeface="Times New Roman" panose="02020603050405020304" pitchFamily="18" charset="0"/>
+                <a:cs typeface="Times New Roman" panose="02020603050405020304" pitchFamily="18" charset="0"/>
+              </a:rPr>
+              <a:t>EventSource</a:t>
+            </a:r>
+            <a:endParaRPr lang="en-GB" sz="1100" b="1" dirty="0">
+              <a:latin typeface="Times New Roman" panose="02020603050405020304" pitchFamily="18" charset="0"/>
+              <a:cs typeface="Times New Roman" panose="02020603050405020304" pitchFamily="18" charset="0"/>
+            </a:endParaRPr>
+          </a:p>
+        </p:txBody>
+      </p:sp>
+      <p:sp>
+        <p:nvSpPr>
+          <p:cNvPr id="16" name="Rounded Rectangle 15">
+            <a:extLst>
+              <a:ext uri="{FF2B5EF4-FFF2-40B4-BE49-F238E27FC236}">
+                <a16:creationId xmlns:a16="http://schemas.microsoft.com/office/drawing/2014/main" id="{44D349BF-16D2-4945-AF4D-7F67D090AA97}"/>
+              </a:ext>
+            </a:extLst>
+          </p:cNvPr>
+          <p:cNvSpPr/>
+          <p:nvPr/>
+        </p:nvSpPr>
+        <p:spPr>
+          <a:xfrm>
+            <a:off x="4360920" y="2985453"/>
+            <a:ext cx="2712765" cy="307541"/>
+          </a:xfrm>
+          <a:prstGeom prst="roundRect">
+            <a:avLst/>
+          </a:prstGeom>
+          <a:solidFill>
+            <a:srgbClr val="00204E"/>
+          </a:solidFill>
+          <a:ln>
+            <a:solidFill>
+              <a:srgbClr val="92D050"/>
+            </a:solidFill>
+          </a:ln>
+          <a:effectLst>
+            <a:outerShdw blurRad="50800" dist="38100" dir="2700000" algn="tl" rotWithShape="0">
+              <a:prstClr val="black">
+                <a:alpha val="40000"/>
+              </a:prstClr>
+            </a:outerShdw>
+          </a:effectLst>
+        </p:spPr>
+        <p:style>
+          <a:lnRef idx="3">
+            <a:schemeClr val="lt1"/>
+          </a:lnRef>
+          <a:fillRef idx="1">
+            <a:schemeClr val="dk1"/>
+          </a:fillRef>
+          <a:effectRef idx="1">
+            <a:schemeClr val="dk1"/>
+          </a:effectRef>
+          <a:fontRef idx="minor">
+            <a:schemeClr val="lt1"/>
+          </a:fontRef>
+        </p:style>
+        <p:txBody>
+          <a:bodyPr rtlCol="0" anchor="ctr"/>
+          <a:lstStyle/>
+          <a:p>
+            <a:pPr algn="ctr"/>
+            <a:r>
+              <a:rPr lang="en-GB" sz="1100" b="1" dirty="0" err="1">
+                <a:solidFill>
+                  <a:srgbClr val="92D050"/>
+                </a:solidFill>
+                <a:latin typeface="Times New Roman" panose="02020603050405020304" pitchFamily="18" charset="0"/>
+                <a:cs typeface="Times New Roman" panose="02020603050405020304" pitchFamily="18" charset="0"/>
+              </a:rPr>
+              <a:t>input_url</a:t>
+            </a:r>
+            <a:r>
+              <a:rPr lang="en-GB" sz="1100" b="1" dirty="0">
+                <a:solidFill>
+                  <a:srgbClr val="92D050"/>
+                </a:solidFill>
+                <a:latin typeface="Times New Roman" panose="02020603050405020304" pitchFamily="18" charset="0"/>
+                <a:cs typeface="Times New Roman" panose="02020603050405020304" pitchFamily="18" charset="0"/>
+              </a:rPr>
+              <a:t> + </a:t>
+            </a:r>
+            <a:r>
+              <a:rPr lang="en-GB" sz="1100" b="1" dirty="0" err="1">
+                <a:solidFill>
+                  <a:srgbClr val="92D050"/>
+                </a:solidFill>
+                <a:latin typeface="Times New Roman" panose="02020603050405020304" pitchFamily="18" charset="0"/>
+                <a:cs typeface="Times New Roman" panose="02020603050405020304" pitchFamily="18" charset="0"/>
+              </a:rPr>
+              <a:t>EventSource.is_compatible</a:t>
+            </a:r>
+            <a:endParaRPr lang="en-GB" sz="1100" b="1" dirty="0">
+              <a:solidFill>
+                <a:srgbClr val="92D050"/>
+              </a:solidFill>
+              <a:latin typeface="Times New Roman" panose="02020603050405020304" pitchFamily="18" charset="0"/>
+              <a:cs typeface="Times New Roman" panose="02020603050405020304" pitchFamily="18" charset="0"/>
+            </a:endParaRPr>
+          </a:p>
+        </p:txBody>
+      </p:sp>
+      <p:sp>
+        <p:nvSpPr>
+          <p:cNvPr id="17" name="Rectangle 16">
+            <a:extLst>
+              <a:ext uri="{FF2B5EF4-FFF2-40B4-BE49-F238E27FC236}">
+                <a16:creationId xmlns:a16="http://schemas.microsoft.com/office/drawing/2014/main" id="{88D55F16-25B8-2041-89BE-C422F64BCA21}"/>
+              </a:ext>
+            </a:extLst>
+          </p:cNvPr>
+          <p:cNvSpPr>
+            <a:spLocks noChangeAspect="1"/>
+          </p:cNvSpPr>
+          <p:nvPr/>
+        </p:nvSpPr>
+        <p:spPr>
+          <a:xfrm flipH="1">
+            <a:off x="9028088" y="1753242"/>
+            <a:ext cx="119285" cy="118893"/>
+          </a:xfrm>
+          <a:prstGeom prst="rect">
+            <a:avLst/>
+          </a:prstGeom>
+          <a:solidFill>
+            <a:srgbClr val="00204E"/>
+          </a:solidFill>
+          <a:ln>
+            <a:noFill/>
+          </a:ln>
+        </p:spPr>
+        <p:style>
+          <a:lnRef idx="1">
+            <a:schemeClr val="accent1"/>
+          </a:lnRef>
+          <a:fillRef idx="3">
+            <a:schemeClr val="accent1"/>
+          </a:fillRef>
+          <a:effectRef idx="2">
+            <a:schemeClr val="accent1"/>
+          </a:effectRef>
+          <a:fontRef idx="minor">
+            <a:schemeClr val="lt1"/>
+          </a:fontRef>
+        </p:style>
+        <p:txBody>
+          <a:bodyPr rtlCol="0" anchor="ctr"/>
+          <a:lstStyle/>
+          <a:p>
+            <a:pPr algn="ctr"/>
+            <a:endParaRPr lang="en-GB">
+              <a:latin typeface="Times New Roman" panose="02020603050405020304" pitchFamily="18" charset="0"/>
+              <a:cs typeface="Times New Roman" panose="02020603050405020304" pitchFamily="18" charset="0"/>
+            </a:endParaRPr>
+          </a:p>
+        </p:txBody>
+      </p:sp>
+      <p:sp>
+        <p:nvSpPr>
+          <p:cNvPr id="18" name="TextBox 17">
+            <a:extLst>
+              <a:ext uri="{FF2B5EF4-FFF2-40B4-BE49-F238E27FC236}">
+                <a16:creationId xmlns:a16="http://schemas.microsoft.com/office/drawing/2014/main" id="{244A64F0-A36F-464F-8D3E-F6D18D2A608E}"/>
+              </a:ext>
+            </a:extLst>
+          </p:cNvPr>
+          <p:cNvSpPr txBox="1"/>
+          <p:nvPr/>
+        </p:nvSpPr>
+        <p:spPr>
+          <a:xfrm>
+            <a:off x="9087731" y="1684126"/>
+            <a:ext cx="779381" cy="553998"/>
+          </a:xfrm>
+          <a:prstGeom prst="rect">
+            <a:avLst/>
+          </a:prstGeom>
+          <a:noFill/>
+        </p:spPr>
+        <p:txBody>
+          <a:bodyPr wrap="none" rtlCol="0">
+            <a:spAutoFit/>
+          </a:bodyPr>
+          <a:lstStyle/>
+          <a:p>
+            <a:r>
+              <a:rPr lang="en-GB" sz="1000" dirty="0">
+                <a:latin typeface="Times New Roman" panose="02020603050405020304" pitchFamily="18" charset="0"/>
+                <a:cs typeface="Times New Roman" panose="02020603050405020304" pitchFamily="18" charset="0"/>
+              </a:rPr>
+              <a:t>Inheritance</a:t>
+            </a:r>
+          </a:p>
+          <a:p>
+            <a:r>
+              <a:rPr lang="en-GB" sz="1000" dirty="0">
+                <a:latin typeface="Times New Roman" panose="02020603050405020304" pitchFamily="18" charset="0"/>
+                <a:cs typeface="Times New Roman" panose="02020603050405020304" pitchFamily="18" charset="0"/>
+              </a:rPr>
+              <a:t>Returns</a:t>
+            </a:r>
+          </a:p>
+          <a:p>
+            <a:r>
+              <a:rPr lang="en-GB" sz="1000" dirty="0">
+                <a:latin typeface="Times New Roman" panose="02020603050405020304" pitchFamily="18" charset="0"/>
+                <a:cs typeface="Times New Roman" panose="02020603050405020304" pitchFamily="18" charset="0"/>
+              </a:rPr>
+              <a:t>Method</a:t>
+            </a:r>
+          </a:p>
+        </p:txBody>
+      </p:sp>
+      <p:sp>
+        <p:nvSpPr>
+          <p:cNvPr id="19" name="Rectangle 18">
+            <a:extLst>
+              <a:ext uri="{FF2B5EF4-FFF2-40B4-BE49-F238E27FC236}">
+                <a16:creationId xmlns:a16="http://schemas.microsoft.com/office/drawing/2014/main" id="{D9D203F3-A2E9-5841-958E-7222C7520188}"/>
+              </a:ext>
+            </a:extLst>
+          </p:cNvPr>
+          <p:cNvSpPr>
+            <a:spLocks noChangeAspect="1"/>
+          </p:cNvSpPr>
+          <p:nvPr/>
+        </p:nvSpPr>
+        <p:spPr>
+          <a:xfrm flipH="1">
+            <a:off x="9028087" y="1892599"/>
+            <a:ext cx="119285" cy="118893"/>
+          </a:xfrm>
+          <a:prstGeom prst="rect">
+            <a:avLst/>
+          </a:prstGeom>
+          <a:solidFill>
+            <a:srgbClr val="E00034"/>
+          </a:solidFill>
+          <a:ln>
+            <a:noFill/>
+          </a:ln>
+        </p:spPr>
+        <p:style>
+          <a:lnRef idx="1">
+            <a:schemeClr val="accent1"/>
+          </a:lnRef>
+          <a:fillRef idx="3">
+            <a:schemeClr val="accent1"/>
+          </a:fillRef>
+          <a:effectRef idx="2">
+            <a:schemeClr val="accent1"/>
+          </a:effectRef>
+          <a:fontRef idx="minor">
+            <a:schemeClr val="lt1"/>
+          </a:fontRef>
+        </p:style>
+        <p:txBody>
+          <a:bodyPr rtlCol="0" anchor="ctr"/>
+          <a:lstStyle/>
+          <a:p>
+            <a:pPr algn="ctr"/>
+            <a:endParaRPr lang="en-GB">
+              <a:latin typeface="Times New Roman" panose="02020603050405020304" pitchFamily="18" charset="0"/>
+              <a:cs typeface="Times New Roman" panose="02020603050405020304" pitchFamily="18" charset="0"/>
+            </a:endParaRPr>
+          </a:p>
+        </p:txBody>
+      </p:sp>
+      <p:sp>
+        <p:nvSpPr>
+          <p:cNvPr id="20" name="Rectangle 19">
+            <a:extLst>
+              <a:ext uri="{FF2B5EF4-FFF2-40B4-BE49-F238E27FC236}">
+                <a16:creationId xmlns:a16="http://schemas.microsoft.com/office/drawing/2014/main" id="{89C3DF66-D728-E846-85D4-5F22CD9B83BE}"/>
+              </a:ext>
+            </a:extLst>
+          </p:cNvPr>
+          <p:cNvSpPr>
+            <a:spLocks noChangeAspect="1"/>
+          </p:cNvSpPr>
+          <p:nvPr/>
+        </p:nvSpPr>
+        <p:spPr>
+          <a:xfrm flipH="1">
+            <a:off x="9028086" y="2051062"/>
+            <a:ext cx="119285" cy="118893"/>
+          </a:xfrm>
+          <a:prstGeom prst="rect">
+            <a:avLst/>
+          </a:prstGeom>
+          <a:solidFill>
+            <a:srgbClr val="92D050"/>
+          </a:solidFill>
+          <a:ln>
+            <a:noFill/>
+          </a:ln>
+        </p:spPr>
+        <p:style>
+          <a:lnRef idx="1">
+            <a:schemeClr val="accent1"/>
+          </a:lnRef>
+          <a:fillRef idx="3">
+            <a:schemeClr val="accent1"/>
+          </a:fillRef>
+          <a:effectRef idx="2">
+            <a:schemeClr val="accent1"/>
+          </a:effectRef>
+          <a:fontRef idx="minor">
+            <a:schemeClr val="lt1"/>
+          </a:fontRef>
+        </p:style>
+        <p:txBody>
+          <a:bodyPr rtlCol="0" anchor="ctr"/>
+          <a:lstStyle/>
+          <a:p>
+            <a:pPr algn="ctr"/>
+            <a:endParaRPr lang="en-GB">
+              <a:latin typeface="Times New Roman" panose="02020603050405020304" pitchFamily="18" charset="0"/>
+              <a:cs typeface="Times New Roman" panose="02020603050405020304" pitchFamily="18" charset="0"/>
+            </a:endParaRPr>
+          </a:p>
+        </p:txBody>
+      </p:sp>
+    </p:spTree>
+    <p:extLst>
+      <p:ext uri="{BB962C8B-B14F-4D97-AF65-F5344CB8AC3E}">
+        <p14:creationId xmlns:p14="http://schemas.microsoft.com/office/powerpoint/2010/main" val="3065208366"/>
+      </p:ext>
+    </p:extLst>
+  </p:cSld>
+  <p:clrMapOvr>
+    <a:masterClrMapping/>
+  </p:clrMapOvr>
+</p:sld>
+</file>
+
+<file path=ppt/slides/slide12.xml><?xml version="1.0" encoding="utf-8"?>
+<p:sld xmlns:a="http://schemas.openxmlformats.org/drawingml/2006/main" xmlns:r="http://schemas.openxmlformats.org/officeDocument/2006/relationships" xmlns:p="http://schemas.openxmlformats.org/presentationml/2006/main">
+  <p:cSld>
+    <p:spTree>
+      <p:nvGrpSpPr>
+        <p:cNvPr id="1" name=""/>
+        <p:cNvGrpSpPr/>
+        <p:nvPr/>
+      </p:nvGrpSpPr>
+      <p:grpSpPr>
+        <a:xfrm>
+          <a:off x="0" y="0"/>
+          <a:ext cx="0" cy="0"/>
+          <a:chOff x="0" y="0"/>
+          <a:chExt cx="0" cy="0"/>
+        </a:xfrm>
+      </p:grpSpPr>
+      <p:sp>
+        <p:nvSpPr>
+          <p:cNvPr id="50" name="Rounded Rectangle 49">
+            <a:extLst>
+              <a:ext uri="{FF2B5EF4-FFF2-40B4-BE49-F238E27FC236}">
+                <a16:creationId xmlns:a16="http://schemas.microsoft.com/office/drawing/2014/main" id="{EB6F26A3-D9D8-0247-8C0F-1C84A9F225FD}"/>
+              </a:ext>
+            </a:extLst>
+          </p:cNvPr>
+          <p:cNvSpPr/>
+          <p:nvPr/>
+        </p:nvSpPr>
+        <p:spPr>
+          <a:xfrm rot="16200000">
+            <a:off x="4183039" y="439300"/>
+            <a:ext cx="2426157" cy="8684040"/>
+          </a:xfrm>
+          <a:prstGeom prst="roundRect">
+            <a:avLst>
+              <a:gd name="adj" fmla="val 5098"/>
+            </a:avLst>
+          </a:prstGeom>
+          <a:gradFill flip="none" rotWithShape="1">
+            <a:gsLst>
+              <a:gs pos="6000">
+                <a:schemeClr val="bg1">
+                  <a:lumMod val="85000"/>
+                </a:schemeClr>
+              </a:gs>
+              <a:gs pos="6000">
+                <a:schemeClr val="bg1">
+                  <a:lumMod val="95000"/>
+                </a:schemeClr>
+              </a:gs>
+              <a:gs pos="100000">
+                <a:schemeClr val="bg1">
+                  <a:lumMod val="95000"/>
+                </a:schemeClr>
+              </a:gs>
+            </a:gsLst>
+            <a:lin ang="5400000" scaled="1"/>
+            <a:tileRect/>
+          </a:gradFill>
+          <a:ln>
+            <a:solidFill>
+              <a:schemeClr val="tx1"/>
+            </a:solidFill>
+            <a:prstDash val="dash"/>
+          </a:ln>
+        </p:spPr>
+        <p:style>
+          <a:lnRef idx="2">
+            <a:schemeClr val="accent1">
+              <a:shade val="50000"/>
+            </a:schemeClr>
+          </a:lnRef>
+          <a:fillRef idx="1">
+            <a:schemeClr val="accent1"/>
+          </a:fillRef>
+          <a:effectRef idx="0">
+            <a:schemeClr val="accent1"/>
+          </a:effectRef>
+          <a:fontRef idx="minor">
+            <a:schemeClr val="lt1"/>
+          </a:fontRef>
+        </p:style>
+        <p:txBody>
+          <a:bodyPr vert="vert" rtlCol="0" anchor="ctr" anchorCtr="0"/>
+          <a:lstStyle/>
+          <a:p>
+            <a:r>
+              <a:rPr lang="en-GB" dirty="0">
+                <a:solidFill>
+                  <a:schemeClr val="tx1"/>
+                </a:solidFill>
+                <a:latin typeface="Times New Roman" panose="02020603050405020304" pitchFamily="18" charset="0"/>
+                <a:cs typeface="Times New Roman" panose="02020603050405020304" pitchFamily="18" charset="0"/>
+              </a:rPr>
+              <a:t>DL1</a:t>
+            </a:r>
+          </a:p>
+        </p:txBody>
+      </p:sp>
+      <p:sp>
+        <p:nvSpPr>
+          <p:cNvPr id="49" name="Rounded Rectangle 48">
+            <a:extLst>
+              <a:ext uri="{FF2B5EF4-FFF2-40B4-BE49-F238E27FC236}">
+                <a16:creationId xmlns:a16="http://schemas.microsoft.com/office/drawing/2014/main" id="{DE2C399E-D68F-5147-9D4F-C9C200464A14}"/>
+              </a:ext>
+            </a:extLst>
+          </p:cNvPr>
+          <p:cNvSpPr/>
+          <p:nvPr/>
+        </p:nvSpPr>
+        <p:spPr>
+          <a:xfrm rot="16200000">
+            <a:off x="4546335" y="-2740372"/>
+            <a:ext cx="1699565" cy="8684040"/>
+          </a:xfrm>
+          <a:prstGeom prst="roundRect">
+            <a:avLst>
+              <a:gd name="adj" fmla="val 5098"/>
+            </a:avLst>
+          </a:prstGeom>
+          <a:gradFill flip="none" rotWithShape="1">
+            <a:gsLst>
+              <a:gs pos="6000">
+                <a:schemeClr val="bg1">
+                  <a:lumMod val="85000"/>
+                </a:schemeClr>
+              </a:gs>
+              <a:gs pos="6000">
+                <a:schemeClr val="bg1">
+                  <a:lumMod val="95000"/>
+                </a:schemeClr>
+              </a:gs>
+              <a:gs pos="100000">
+                <a:schemeClr val="bg1">
+                  <a:lumMod val="95000"/>
+                </a:schemeClr>
+              </a:gs>
+            </a:gsLst>
+            <a:lin ang="5400000" scaled="1"/>
+            <a:tileRect/>
+          </a:gradFill>
+          <a:ln>
+            <a:solidFill>
+              <a:schemeClr val="tx1"/>
+            </a:solidFill>
+            <a:prstDash val="dash"/>
+          </a:ln>
+        </p:spPr>
+        <p:style>
+          <a:lnRef idx="2">
+            <a:schemeClr val="accent1">
+              <a:shade val="50000"/>
+            </a:schemeClr>
+          </a:lnRef>
+          <a:fillRef idx="1">
+            <a:schemeClr val="accent1"/>
+          </a:fillRef>
+          <a:effectRef idx="0">
+            <a:schemeClr val="accent1"/>
+          </a:effectRef>
+          <a:fontRef idx="minor">
+            <a:schemeClr val="lt1"/>
+          </a:fontRef>
+        </p:style>
+        <p:txBody>
+          <a:bodyPr vert="vert" rtlCol="0" anchor="ctr" anchorCtr="0"/>
+          <a:lstStyle/>
+          <a:p>
+            <a:r>
+              <a:rPr lang="en-GB" dirty="0">
+                <a:solidFill>
+                  <a:schemeClr val="tx1"/>
+                </a:solidFill>
+                <a:latin typeface="Times New Roman" panose="02020603050405020304" pitchFamily="18" charset="0"/>
+                <a:cs typeface="Times New Roman" panose="02020603050405020304" pitchFamily="18" charset="0"/>
+              </a:rPr>
+              <a:t> R1</a:t>
+            </a:r>
+          </a:p>
+        </p:txBody>
+      </p:sp>
+      <p:sp>
+        <p:nvSpPr>
+          <p:cNvPr id="48" name="Rounded Rectangle 47">
+            <a:extLst>
+              <a:ext uri="{FF2B5EF4-FFF2-40B4-BE49-F238E27FC236}">
+                <a16:creationId xmlns:a16="http://schemas.microsoft.com/office/drawing/2014/main" id="{ED9643F2-9778-894E-B086-D61D45B886F2}"/>
+              </a:ext>
+            </a:extLst>
+          </p:cNvPr>
+          <p:cNvSpPr/>
+          <p:nvPr/>
+        </p:nvSpPr>
+        <p:spPr>
+          <a:xfrm rot="16200000">
+            <a:off x="4837447" y="-1331991"/>
+            <a:ext cx="1117343" cy="8684039"/>
+          </a:xfrm>
+          <a:prstGeom prst="roundRect">
+            <a:avLst>
+              <a:gd name="adj" fmla="val 5098"/>
+            </a:avLst>
+          </a:prstGeom>
+          <a:gradFill flip="none" rotWithShape="1">
+            <a:gsLst>
+              <a:gs pos="6000">
+                <a:schemeClr val="bg1">
+                  <a:lumMod val="85000"/>
+                </a:schemeClr>
+              </a:gs>
+              <a:gs pos="6000">
+                <a:schemeClr val="bg1">
+                  <a:lumMod val="95000"/>
+                </a:schemeClr>
+              </a:gs>
+              <a:gs pos="100000">
+                <a:schemeClr val="bg1">
+                  <a:lumMod val="95000"/>
+                </a:schemeClr>
+              </a:gs>
+            </a:gsLst>
+            <a:lin ang="5400000" scaled="1"/>
+            <a:tileRect/>
+          </a:gradFill>
+          <a:ln>
+            <a:solidFill>
+              <a:schemeClr val="tx1"/>
+            </a:solidFill>
+            <a:prstDash val="dash"/>
+          </a:ln>
+        </p:spPr>
+        <p:style>
+          <a:lnRef idx="2">
+            <a:schemeClr val="accent1">
+              <a:shade val="50000"/>
+            </a:schemeClr>
+          </a:lnRef>
+          <a:fillRef idx="1">
+            <a:schemeClr val="accent1"/>
+          </a:fillRef>
+          <a:effectRef idx="0">
+            <a:schemeClr val="accent1"/>
+          </a:effectRef>
+          <a:fontRef idx="minor">
+            <a:schemeClr val="lt1"/>
+          </a:fontRef>
+        </p:style>
+        <p:txBody>
+          <a:bodyPr vert="vert" rtlCol="0" anchor="ctr" anchorCtr="0"/>
+          <a:lstStyle/>
+          <a:p>
+            <a:r>
+              <a:rPr lang="en-GB" dirty="0">
+                <a:solidFill>
+                  <a:schemeClr val="tx1"/>
+                </a:solidFill>
+                <a:latin typeface="Times New Roman" panose="02020603050405020304" pitchFamily="18" charset="0"/>
+                <a:cs typeface="Times New Roman" panose="02020603050405020304" pitchFamily="18" charset="0"/>
+              </a:rPr>
+              <a:t>DL0</a:t>
+            </a:r>
+          </a:p>
+        </p:txBody>
+      </p:sp>
+      <p:sp>
+        <p:nvSpPr>
+          <p:cNvPr id="6" name="Rounded Rectangle 5">
+            <a:extLst>
+              <a:ext uri="{FF2B5EF4-FFF2-40B4-BE49-F238E27FC236}">
+                <a16:creationId xmlns:a16="http://schemas.microsoft.com/office/drawing/2014/main" id="{2DFFD35F-4F9D-C34B-854F-701846E403A1}"/>
+              </a:ext>
+            </a:extLst>
+          </p:cNvPr>
+          <p:cNvSpPr/>
+          <p:nvPr/>
+        </p:nvSpPr>
+        <p:spPr>
+          <a:xfrm>
+            <a:off x="2292305" y="1602276"/>
+            <a:ext cx="1467214" cy="302158"/>
+          </a:xfrm>
+          <a:prstGeom prst="roundRect">
+            <a:avLst/>
+          </a:prstGeom>
+          <a:solidFill>
+            <a:srgbClr val="00204E"/>
+          </a:solidFill>
+        </p:spPr>
+        <p:style>
+          <a:lnRef idx="3">
+            <a:schemeClr val="lt1"/>
+          </a:lnRef>
+          <a:fillRef idx="1">
+            <a:schemeClr val="dk1"/>
+          </a:fillRef>
+          <a:effectRef idx="1">
+            <a:schemeClr val="dk1"/>
+          </a:effectRef>
+          <a:fontRef idx="minor">
+            <a:schemeClr val="lt1"/>
+          </a:fontRef>
+        </p:style>
+        <p:txBody>
+          <a:bodyPr rtlCol="0" anchor="ctr"/>
+          <a:lstStyle/>
+          <a:p>
+            <a:pPr algn="ctr"/>
+            <a:r>
+              <a:rPr lang="en-GB" sz="1200" b="1" dirty="0">
+                <a:latin typeface="Times New Roman" panose="02020603050405020304" pitchFamily="18" charset="0"/>
+                <a:cs typeface="Times New Roman" panose="02020603050405020304" pitchFamily="18" charset="0"/>
+              </a:rPr>
+              <a:t>NullR1Calibrator</a:t>
+            </a:r>
+          </a:p>
+        </p:txBody>
+      </p:sp>
+      <p:sp>
+        <p:nvSpPr>
+          <p:cNvPr id="7" name="Rounded Rectangle 6">
+            <a:extLst>
+              <a:ext uri="{FF2B5EF4-FFF2-40B4-BE49-F238E27FC236}">
+                <a16:creationId xmlns:a16="http://schemas.microsoft.com/office/drawing/2014/main" id="{947A7A79-E70E-B144-9ACD-F2141CCDFC4D}"/>
+              </a:ext>
+            </a:extLst>
+          </p:cNvPr>
+          <p:cNvSpPr/>
+          <p:nvPr/>
+        </p:nvSpPr>
+        <p:spPr>
+          <a:xfrm>
+            <a:off x="5690477" y="1607029"/>
+            <a:ext cx="1781437" cy="297405"/>
+          </a:xfrm>
+          <a:prstGeom prst="roundRect">
+            <a:avLst/>
+          </a:prstGeom>
+          <a:solidFill>
+            <a:srgbClr val="00204E"/>
+          </a:solidFill>
+        </p:spPr>
+        <p:style>
+          <a:lnRef idx="3">
+            <a:schemeClr val="lt1"/>
+          </a:lnRef>
+          <a:fillRef idx="1">
+            <a:schemeClr val="dk1"/>
+          </a:fillRef>
+          <a:effectRef idx="1">
+            <a:schemeClr val="dk1"/>
+          </a:effectRef>
+          <a:fontRef idx="minor">
+            <a:schemeClr val="lt1"/>
+          </a:fontRef>
+        </p:style>
+        <p:txBody>
+          <a:bodyPr rtlCol="0" anchor="ctr"/>
+          <a:lstStyle/>
+          <a:p>
+            <a:pPr algn="ctr"/>
+            <a:r>
+              <a:rPr lang="en-GB" sz="1200" b="1" dirty="0">
+                <a:latin typeface="Times New Roman" panose="02020603050405020304" pitchFamily="18" charset="0"/>
+                <a:cs typeface="Times New Roman" panose="02020603050405020304" pitchFamily="18" charset="0"/>
+              </a:rPr>
+              <a:t>TargetIOR1Calibrator</a:t>
+            </a:r>
+          </a:p>
+        </p:txBody>
+      </p:sp>
+      <p:sp>
+        <p:nvSpPr>
+          <p:cNvPr id="8" name="Rounded Rectangle 7">
+            <a:extLst>
+              <a:ext uri="{FF2B5EF4-FFF2-40B4-BE49-F238E27FC236}">
+                <a16:creationId xmlns:a16="http://schemas.microsoft.com/office/drawing/2014/main" id="{E72123F6-FDAA-AC4C-84B0-C0A5CC057E6D}"/>
+              </a:ext>
+            </a:extLst>
+          </p:cNvPr>
+          <p:cNvSpPr/>
+          <p:nvPr/>
+        </p:nvSpPr>
+        <p:spPr>
+          <a:xfrm>
+            <a:off x="3925292" y="1602276"/>
+            <a:ext cx="1599414" cy="297405"/>
+          </a:xfrm>
+          <a:prstGeom prst="roundRect">
+            <a:avLst/>
+          </a:prstGeom>
+          <a:solidFill>
+            <a:srgbClr val="00204E"/>
+          </a:solidFill>
+        </p:spPr>
+        <p:style>
+          <a:lnRef idx="3">
+            <a:schemeClr val="lt1"/>
+          </a:lnRef>
+          <a:fillRef idx="1">
+            <a:schemeClr val="dk1"/>
+          </a:fillRef>
+          <a:effectRef idx="1">
+            <a:schemeClr val="dk1"/>
+          </a:effectRef>
+          <a:fontRef idx="minor">
+            <a:schemeClr val="lt1"/>
+          </a:fontRef>
+        </p:style>
+        <p:txBody>
+          <a:bodyPr rtlCol="0" anchor="ctr"/>
+          <a:lstStyle/>
+          <a:p>
+            <a:pPr algn="ctr"/>
+            <a:r>
+              <a:rPr lang="en-GB" sz="1200" b="1" dirty="0">
+                <a:latin typeface="Times New Roman" panose="02020603050405020304" pitchFamily="18" charset="0"/>
+                <a:cs typeface="Times New Roman" panose="02020603050405020304" pitchFamily="18" charset="0"/>
+              </a:rPr>
+              <a:t>HESSIOR1Calirator</a:t>
+            </a:r>
+          </a:p>
+        </p:txBody>
+      </p:sp>
+      <p:sp>
+        <p:nvSpPr>
+          <p:cNvPr id="9" name="Rounded Rectangle 8">
+            <a:extLst>
+              <a:ext uri="{FF2B5EF4-FFF2-40B4-BE49-F238E27FC236}">
+                <a16:creationId xmlns:a16="http://schemas.microsoft.com/office/drawing/2014/main" id="{FF3CB77B-5CD8-E241-A2F3-643A311C45CF}"/>
+              </a:ext>
+            </a:extLst>
+          </p:cNvPr>
+          <p:cNvSpPr/>
+          <p:nvPr/>
+        </p:nvSpPr>
+        <p:spPr>
+          <a:xfrm>
+            <a:off x="3925292" y="793642"/>
+            <a:ext cx="2242887" cy="339098"/>
+          </a:xfrm>
+          <a:prstGeom prst="roundRect">
+            <a:avLst/>
+          </a:prstGeom>
+          <a:solidFill>
+            <a:srgbClr val="00204E"/>
+          </a:solidFill>
+        </p:spPr>
+        <p:style>
+          <a:lnRef idx="3">
+            <a:schemeClr val="lt1"/>
+          </a:lnRef>
+          <a:fillRef idx="1">
+            <a:schemeClr val="dk1"/>
+          </a:fillRef>
+          <a:effectRef idx="1">
+            <a:schemeClr val="dk1"/>
+          </a:effectRef>
+          <a:fontRef idx="minor">
+            <a:schemeClr val="lt1"/>
+          </a:fontRef>
+        </p:style>
+        <p:txBody>
+          <a:bodyPr rtlCol="0" anchor="ctr"/>
+          <a:lstStyle/>
+          <a:p>
+            <a:pPr algn="ctr"/>
+            <a:r>
+              <a:rPr lang="en-GB" sz="1200" b="1" dirty="0">
+                <a:latin typeface="Times New Roman" panose="02020603050405020304" pitchFamily="18" charset="0"/>
+                <a:cs typeface="Times New Roman" panose="02020603050405020304" pitchFamily="18" charset="0"/>
+              </a:rPr>
+              <a:t>CameraR1CalibratorFactory</a:t>
+            </a:r>
+          </a:p>
+        </p:txBody>
+      </p:sp>
+      <p:cxnSp>
+        <p:nvCxnSpPr>
+          <p:cNvPr id="10" name="Elbow Connector 9">
+            <a:extLst>
+              <a:ext uri="{FF2B5EF4-FFF2-40B4-BE49-F238E27FC236}">
+                <a16:creationId xmlns:a16="http://schemas.microsoft.com/office/drawing/2014/main" id="{EA41A5E5-A097-FE47-BFF4-90A4FA8C69CC}"/>
+              </a:ext>
+            </a:extLst>
+          </p:cNvPr>
+          <p:cNvCxnSpPr>
+            <a:cxnSpLocks/>
+            <a:stCxn id="9" idx="2"/>
+            <a:endCxn id="6" idx="0"/>
+          </p:cNvCxnSpPr>
+          <p:nvPr/>
+        </p:nvCxnSpPr>
+        <p:spPr>
+          <a:xfrm rot="5400000">
+            <a:off x="3801556" y="357096"/>
+            <a:ext cx="469536" cy="2020824"/>
+          </a:xfrm>
+          <a:prstGeom prst="bentConnector3">
+            <a:avLst>
+              <a:gd name="adj1" fmla="val 50000"/>
+            </a:avLst>
+          </a:prstGeom>
+          <a:ln w="57150">
+            <a:solidFill>
+              <a:srgbClr val="E00034"/>
+            </a:solidFill>
+            <a:tailEnd type="triangle"/>
+          </a:ln>
+        </p:spPr>
+        <p:style>
+          <a:lnRef idx="3">
+            <a:schemeClr val="accent1"/>
+          </a:lnRef>
+          <a:fillRef idx="0">
+            <a:schemeClr val="accent1"/>
+          </a:fillRef>
+          <a:effectRef idx="2">
+            <a:schemeClr val="accent1"/>
+          </a:effectRef>
+          <a:fontRef idx="minor">
+            <a:schemeClr val="tx1"/>
+          </a:fontRef>
+        </p:style>
+      </p:cxnSp>
+      <p:cxnSp>
+        <p:nvCxnSpPr>
+          <p:cNvPr id="11" name="Elbow Connector 10">
+            <a:extLst>
+              <a:ext uri="{FF2B5EF4-FFF2-40B4-BE49-F238E27FC236}">
+                <a16:creationId xmlns:a16="http://schemas.microsoft.com/office/drawing/2014/main" id="{7B05C879-E2A0-9D43-8EA4-C069D9F5EAB1}"/>
+              </a:ext>
+            </a:extLst>
+          </p:cNvPr>
+          <p:cNvCxnSpPr>
+            <a:cxnSpLocks/>
+            <a:stCxn id="9" idx="2"/>
+            <a:endCxn id="8" idx="0"/>
+          </p:cNvCxnSpPr>
+          <p:nvPr/>
+        </p:nvCxnSpPr>
+        <p:spPr>
+          <a:xfrm rot="5400000">
+            <a:off x="4651100" y="1206640"/>
+            <a:ext cx="469536" cy="321737"/>
+          </a:xfrm>
+          <a:prstGeom prst="bentConnector3">
+            <a:avLst>
+              <a:gd name="adj1" fmla="val 50000"/>
+            </a:avLst>
+          </a:prstGeom>
+          <a:ln w="57150">
+            <a:solidFill>
+              <a:srgbClr val="E00034"/>
+            </a:solidFill>
+            <a:tailEnd type="triangle"/>
+          </a:ln>
+        </p:spPr>
+        <p:style>
+          <a:lnRef idx="3">
+            <a:schemeClr val="accent1"/>
+          </a:lnRef>
+          <a:fillRef idx="0">
+            <a:schemeClr val="accent1"/>
+          </a:fillRef>
+          <a:effectRef idx="2">
+            <a:schemeClr val="accent1"/>
+          </a:effectRef>
+          <a:fontRef idx="minor">
+            <a:schemeClr val="tx1"/>
+          </a:fontRef>
+        </p:style>
+      </p:cxnSp>
+      <p:cxnSp>
+        <p:nvCxnSpPr>
+          <p:cNvPr id="12" name="Elbow Connector 11">
+            <a:extLst>
+              <a:ext uri="{FF2B5EF4-FFF2-40B4-BE49-F238E27FC236}">
+                <a16:creationId xmlns:a16="http://schemas.microsoft.com/office/drawing/2014/main" id="{47633B07-9CCB-444C-AC12-FB7EB4542A84}"/>
+              </a:ext>
+            </a:extLst>
+          </p:cNvPr>
+          <p:cNvCxnSpPr>
+            <a:cxnSpLocks/>
+            <a:stCxn id="9" idx="2"/>
+            <a:endCxn id="7" idx="0"/>
+          </p:cNvCxnSpPr>
+          <p:nvPr/>
+        </p:nvCxnSpPr>
+        <p:spPr>
+          <a:xfrm rot="16200000" flipH="1">
+            <a:off x="5576822" y="602654"/>
+            <a:ext cx="474289" cy="1534460"/>
+          </a:xfrm>
+          <a:prstGeom prst="bentConnector3">
+            <a:avLst>
+              <a:gd name="adj1" fmla="val 50000"/>
+            </a:avLst>
+          </a:prstGeom>
+          <a:ln w="57150">
+            <a:solidFill>
+              <a:srgbClr val="E00034"/>
+            </a:solidFill>
+            <a:tailEnd type="triangle"/>
+          </a:ln>
+        </p:spPr>
+        <p:style>
+          <a:lnRef idx="3">
+            <a:schemeClr val="accent1"/>
+          </a:lnRef>
+          <a:fillRef idx="0">
+            <a:schemeClr val="accent1"/>
+          </a:fillRef>
+          <a:effectRef idx="2">
+            <a:schemeClr val="accent1"/>
+          </a:effectRef>
+          <a:fontRef idx="minor">
+            <a:schemeClr val="tx1"/>
+          </a:fontRef>
+        </p:style>
+      </p:cxnSp>
+      <p:sp>
+        <p:nvSpPr>
+          <p:cNvPr id="13" name="Rounded Rectangle 12">
+            <a:extLst>
+              <a:ext uri="{FF2B5EF4-FFF2-40B4-BE49-F238E27FC236}">
+                <a16:creationId xmlns:a16="http://schemas.microsoft.com/office/drawing/2014/main" id="{CEBA7CB0-E046-F34C-92FC-C57C0ABD39C8}"/>
+              </a:ext>
+            </a:extLst>
+          </p:cNvPr>
+          <p:cNvSpPr/>
+          <p:nvPr/>
+        </p:nvSpPr>
+        <p:spPr>
+          <a:xfrm>
+            <a:off x="7637685" y="1602562"/>
+            <a:ext cx="621919" cy="301684"/>
+          </a:xfrm>
+          <a:prstGeom prst="roundRect">
+            <a:avLst/>
+          </a:prstGeom>
+          <a:solidFill>
+            <a:srgbClr val="00204E"/>
+          </a:solidFill>
+        </p:spPr>
+        <p:style>
+          <a:lnRef idx="3">
+            <a:schemeClr val="lt1"/>
+          </a:lnRef>
+          <a:fillRef idx="1">
+            <a:schemeClr val="dk1"/>
+          </a:fillRef>
+          <a:effectRef idx="1">
+            <a:schemeClr val="dk1"/>
+          </a:effectRef>
+          <a:fontRef idx="minor">
+            <a:schemeClr val="lt1"/>
+          </a:fontRef>
+        </p:style>
+        <p:txBody>
+          <a:bodyPr rtlCol="0" anchor="ctr"/>
+          <a:lstStyle/>
+          <a:p>
+            <a:pPr algn="ctr"/>
+            <a:r>
+              <a:rPr lang="en-GB" sz="1200" b="1" dirty="0">
+                <a:latin typeface="Times New Roman" panose="02020603050405020304" pitchFamily="18" charset="0"/>
+                <a:cs typeface="Times New Roman" panose="02020603050405020304" pitchFamily="18" charset="0"/>
+              </a:rPr>
+              <a:t>…</a:t>
+            </a:r>
+          </a:p>
+        </p:txBody>
+      </p:sp>
+      <p:cxnSp>
+        <p:nvCxnSpPr>
+          <p:cNvPr id="14" name="Elbow Connector 13">
+            <a:extLst>
+              <a:ext uri="{FF2B5EF4-FFF2-40B4-BE49-F238E27FC236}">
+                <a16:creationId xmlns:a16="http://schemas.microsoft.com/office/drawing/2014/main" id="{43FB1EE5-492B-F247-A109-F708C4C23BAF}"/>
+              </a:ext>
+            </a:extLst>
+          </p:cNvPr>
+          <p:cNvCxnSpPr>
+            <a:cxnSpLocks/>
+            <a:stCxn id="9" idx="2"/>
+            <a:endCxn id="13" idx="0"/>
+          </p:cNvCxnSpPr>
+          <p:nvPr/>
+        </p:nvCxnSpPr>
+        <p:spPr>
+          <a:xfrm rot="16200000" flipH="1">
+            <a:off x="6262779" y="-83304"/>
+            <a:ext cx="469822" cy="2901909"/>
+          </a:xfrm>
+          <a:prstGeom prst="bentConnector3">
+            <a:avLst>
+              <a:gd name="adj1" fmla="val 50000"/>
+            </a:avLst>
+          </a:prstGeom>
+          <a:ln w="57150">
+            <a:solidFill>
+              <a:srgbClr val="E00034"/>
+            </a:solidFill>
+            <a:tailEnd type="triangle"/>
+          </a:ln>
+        </p:spPr>
+        <p:style>
+          <a:lnRef idx="3">
+            <a:schemeClr val="accent1"/>
+          </a:lnRef>
+          <a:fillRef idx="0">
+            <a:schemeClr val="accent1"/>
+          </a:fillRef>
+          <a:effectRef idx="2">
+            <a:schemeClr val="accent1"/>
+          </a:effectRef>
+          <a:fontRef idx="minor">
+            <a:schemeClr val="tx1"/>
+          </a:fontRef>
+        </p:style>
+      </p:cxnSp>
+      <p:sp>
+        <p:nvSpPr>
+          <p:cNvPr id="15" name="Rounded Rectangle 14">
+            <a:extLst>
+              <a:ext uri="{FF2B5EF4-FFF2-40B4-BE49-F238E27FC236}">
+                <a16:creationId xmlns:a16="http://schemas.microsoft.com/office/drawing/2014/main" id="{9627650D-13C2-F848-B6B7-80C8D370598C}"/>
+              </a:ext>
+            </a:extLst>
+          </p:cNvPr>
+          <p:cNvSpPr/>
+          <p:nvPr/>
+        </p:nvSpPr>
+        <p:spPr>
+          <a:xfrm>
+            <a:off x="2028961" y="809421"/>
+            <a:ext cx="1219375" cy="307541"/>
+          </a:xfrm>
+          <a:prstGeom prst="roundRect">
+            <a:avLst/>
+          </a:prstGeom>
+          <a:solidFill>
+            <a:srgbClr val="00204E"/>
+          </a:solidFill>
+          <a:ln>
+            <a:solidFill>
+              <a:schemeClr val="bg1"/>
+            </a:solidFill>
+          </a:ln>
+        </p:spPr>
+        <p:style>
+          <a:lnRef idx="3">
+            <a:schemeClr val="lt1"/>
+          </a:lnRef>
+          <a:fillRef idx="1">
+            <a:schemeClr val="dk1"/>
+          </a:fillRef>
+          <a:effectRef idx="1">
+            <a:schemeClr val="dk1"/>
+          </a:effectRef>
+          <a:fontRef idx="minor">
+            <a:schemeClr val="lt1"/>
+          </a:fontRef>
+        </p:style>
+        <p:txBody>
+          <a:bodyPr rtlCol="0" anchor="ctr"/>
+          <a:lstStyle/>
+          <a:p>
+            <a:pPr algn="ctr"/>
+            <a:r>
+              <a:rPr lang="en-GB" sz="1200" b="1" dirty="0" err="1">
+                <a:solidFill>
+                  <a:schemeClr val="bg1"/>
+                </a:solidFill>
+                <a:latin typeface="Times New Roman" panose="02020603050405020304" pitchFamily="18" charset="0"/>
+                <a:cs typeface="Times New Roman" panose="02020603050405020304" pitchFamily="18" charset="0"/>
+              </a:rPr>
+              <a:t>EventSource</a:t>
+            </a:r>
+            <a:endParaRPr lang="en-GB" sz="1200" b="1" dirty="0">
+              <a:solidFill>
+                <a:schemeClr val="bg1"/>
+              </a:solidFill>
+              <a:latin typeface="Times New Roman" panose="02020603050405020304" pitchFamily="18" charset="0"/>
+              <a:cs typeface="Times New Roman" panose="02020603050405020304" pitchFamily="18" charset="0"/>
+            </a:endParaRPr>
+          </a:p>
+        </p:txBody>
+      </p:sp>
+      <p:sp>
+        <p:nvSpPr>
+          <p:cNvPr id="16" name="Rectangle 15">
+            <a:extLst>
+              <a:ext uri="{FF2B5EF4-FFF2-40B4-BE49-F238E27FC236}">
+                <a16:creationId xmlns:a16="http://schemas.microsoft.com/office/drawing/2014/main" id="{01CB9789-1BC5-F745-A939-A5D476E4FD23}"/>
+              </a:ext>
+            </a:extLst>
+          </p:cNvPr>
+          <p:cNvSpPr>
+            <a:spLocks noChangeAspect="1"/>
+          </p:cNvSpPr>
+          <p:nvPr/>
+        </p:nvSpPr>
+        <p:spPr>
+          <a:xfrm flipH="1">
+            <a:off x="8954822" y="820982"/>
+            <a:ext cx="119285" cy="118893"/>
+          </a:xfrm>
+          <a:prstGeom prst="rect">
+            <a:avLst/>
+          </a:prstGeom>
+          <a:solidFill>
+            <a:srgbClr val="00204E"/>
+          </a:solidFill>
+          <a:ln>
+            <a:noFill/>
+          </a:ln>
+        </p:spPr>
+        <p:style>
+          <a:lnRef idx="1">
+            <a:schemeClr val="accent1"/>
+          </a:lnRef>
+          <a:fillRef idx="3">
+            <a:schemeClr val="accent1"/>
+          </a:fillRef>
+          <a:effectRef idx="2">
+            <a:schemeClr val="accent1"/>
+          </a:effectRef>
+          <a:fontRef idx="minor">
+            <a:schemeClr val="lt1"/>
+          </a:fontRef>
+        </p:style>
+        <p:txBody>
+          <a:bodyPr rtlCol="0" anchor="ctr"/>
+          <a:lstStyle/>
+          <a:p>
+            <a:pPr algn="ctr"/>
+            <a:endParaRPr lang="en-GB">
+              <a:latin typeface="Times New Roman" panose="02020603050405020304" pitchFamily="18" charset="0"/>
+              <a:cs typeface="Times New Roman" panose="02020603050405020304" pitchFamily="18" charset="0"/>
+            </a:endParaRPr>
+          </a:p>
+        </p:txBody>
+      </p:sp>
+      <p:sp>
+        <p:nvSpPr>
+          <p:cNvPr id="17" name="TextBox 16">
+            <a:extLst>
+              <a:ext uri="{FF2B5EF4-FFF2-40B4-BE49-F238E27FC236}">
+                <a16:creationId xmlns:a16="http://schemas.microsoft.com/office/drawing/2014/main" id="{C240CD48-4418-7C42-B824-AC97BDD3051B}"/>
+              </a:ext>
+            </a:extLst>
+          </p:cNvPr>
+          <p:cNvSpPr txBox="1"/>
+          <p:nvPr/>
+        </p:nvSpPr>
+        <p:spPr>
+          <a:xfrm>
+            <a:off x="9014465" y="751866"/>
+            <a:ext cx="779381" cy="707886"/>
+          </a:xfrm>
+          <a:prstGeom prst="rect">
+            <a:avLst/>
+          </a:prstGeom>
+          <a:noFill/>
+        </p:spPr>
+        <p:txBody>
+          <a:bodyPr wrap="none" rtlCol="0">
+            <a:spAutoFit/>
+          </a:bodyPr>
+          <a:lstStyle/>
+          <a:p>
+            <a:r>
+              <a:rPr lang="en-GB" sz="1000" dirty="0">
+                <a:latin typeface="Times New Roman" panose="02020603050405020304" pitchFamily="18" charset="0"/>
+                <a:cs typeface="Times New Roman" panose="02020603050405020304" pitchFamily="18" charset="0"/>
+              </a:rPr>
+              <a:t>Inheritance</a:t>
+            </a:r>
+          </a:p>
+          <a:p>
+            <a:r>
+              <a:rPr lang="en-GB" sz="1000" dirty="0">
+                <a:latin typeface="Times New Roman" panose="02020603050405020304" pitchFamily="18" charset="0"/>
+                <a:cs typeface="Times New Roman" panose="02020603050405020304" pitchFamily="18" charset="0"/>
+              </a:rPr>
+              <a:t>Returns</a:t>
+            </a:r>
+          </a:p>
+          <a:p>
+            <a:r>
+              <a:rPr lang="en-GB" sz="1000" dirty="0">
+                <a:latin typeface="Times New Roman" panose="02020603050405020304" pitchFamily="18" charset="0"/>
+                <a:cs typeface="Times New Roman" panose="02020603050405020304" pitchFamily="18" charset="0"/>
+              </a:rPr>
+              <a:t>Input</a:t>
+            </a:r>
+          </a:p>
+          <a:p>
+            <a:r>
+              <a:rPr lang="en-GB" sz="1000" dirty="0">
+                <a:latin typeface="Times New Roman" panose="02020603050405020304" pitchFamily="18" charset="0"/>
+                <a:cs typeface="Times New Roman" panose="02020603050405020304" pitchFamily="18" charset="0"/>
+              </a:rPr>
+              <a:t>Execution</a:t>
+            </a:r>
+          </a:p>
+        </p:txBody>
+      </p:sp>
+      <p:sp>
+        <p:nvSpPr>
+          <p:cNvPr id="18" name="Rectangle 17">
+            <a:extLst>
+              <a:ext uri="{FF2B5EF4-FFF2-40B4-BE49-F238E27FC236}">
+                <a16:creationId xmlns:a16="http://schemas.microsoft.com/office/drawing/2014/main" id="{F1F4A776-2F97-CF46-BB08-329CB76672AA}"/>
+              </a:ext>
+            </a:extLst>
+          </p:cNvPr>
+          <p:cNvSpPr>
+            <a:spLocks noChangeAspect="1"/>
+          </p:cNvSpPr>
+          <p:nvPr/>
+        </p:nvSpPr>
+        <p:spPr>
+          <a:xfrm flipH="1">
+            <a:off x="8954821" y="960339"/>
+            <a:ext cx="119285" cy="118893"/>
+          </a:xfrm>
+          <a:prstGeom prst="rect">
+            <a:avLst/>
+          </a:prstGeom>
+          <a:solidFill>
+            <a:srgbClr val="E00034"/>
+          </a:solidFill>
+          <a:ln>
+            <a:noFill/>
+          </a:ln>
+        </p:spPr>
+        <p:style>
+          <a:lnRef idx="1">
+            <a:schemeClr val="accent1"/>
+          </a:lnRef>
+          <a:fillRef idx="3">
+            <a:schemeClr val="accent1"/>
+          </a:fillRef>
+          <a:effectRef idx="2">
+            <a:schemeClr val="accent1"/>
+          </a:effectRef>
+          <a:fontRef idx="minor">
+            <a:schemeClr val="lt1"/>
+          </a:fontRef>
+        </p:style>
+        <p:txBody>
+          <a:bodyPr rtlCol="0" anchor="ctr"/>
+          <a:lstStyle/>
+          <a:p>
+            <a:pPr algn="ctr"/>
+            <a:endParaRPr lang="en-GB">
+              <a:latin typeface="Times New Roman" panose="02020603050405020304" pitchFamily="18" charset="0"/>
+              <a:cs typeface="Times New Roman" panose="02020603050405020304" pitchFamily="18" charset="0"/>
+            </a:endParaRPr>
+          </a:p>
+        </p:txBody>
+      </p:sp>
+      <p:sp>
+        <p:nvSpPr>
+          <p:cNvPr id="19" name="Rectangle 18">
+            <a:extLst>
+              <a:ext uri="{FF2B5EF4-FFF2-40B4-BE49-F238E27FC236}">
+                <a16:creationId xmlns:a16="http://schemas.microsoft.com/office/drawing/2014/main" id="{1361957C-A9E8-6A4F-8350-153BBD638234}"/>
+              </a:ext>
+            </a:extLst>
+          </p:cNvPr>
+          <p:cNvSpPr>
+            <a:spLocks noChangeAspect="1"/>
+          </p:cNvSpPr>
+          <p:nvPr/>
+        </p:nvSpPr>
+        <p:spPr>
+          <a:xfrm flipH="1">
+            <a:off x="8954819" y="1115030"/>
+            <a:ext cx="119285" cy="118893"/>
+          </a:xfrm>
+          <a:prstGeom prst="rect">
+            <a:avLst/>
+          </a:prstGeom>
+          <a:solidFill>
+            <a:srgbClr val="92D050"/>
+          </a:solidFill>
+          <a:ln>
+            <a:noFill/>
+          </a:ln>
+        </p:spPr>
+        <p:style>
+          <a:lnRef idx="1">
+            <a:schemeClr val="accent1"/>
+          </a:lnRef>
+          <a:fillRef idx="3">
+            <a:schemeClr val="accent1"/>
+          </a:fillRef>
+          <a:effectRef idx="2">
+            <a:schemeClr val="accent1"/>
+          </a:effectRef>
+          <a:fontRef idx="minor">
+            <a:schemeClr val="lt1"/>
+          </a:fontRef>
+        </p:style>
+        <p:txBody>
+          <a:bodyPr rtlCol="0" anchor="ctr"/>
+          <a:lstStyle/>
+          <a:p>
+            <a:pPr algn="ctr"/>
+            <a:endParaRPr lang="en-GB">
+              <a:latin typeface="Times New Roman" panose="02020603050405020304" pitchFamily="18" charset="0"/>
+              <a:cs typeface="Times New Roman" panose="02020603050405020304" pitchFamily="18" charset="0"/>
+            </a:endParaRPr>
+          </a:p>
+        </p:txBody>
+      </p:sp>
+      <p:sp>
+        <p:nvSpPr>
+          <p:cNvPr id="20" name="Rounded Rectangle 19">
+            <a:extLst>
+              <a:ext uri="{FF2B5EF4-FFF2-40B4-BE49-F238E27FC236}">
+                <a16:creationId xmlns:a16="http://schemas.microsoft.com/office/drawing/2014/main" id="{8CF66B1E-2968-D448-ABC7-054D9BBC5360}"/>
+              </a:ext>
+            </a:extLst>
+          </p:cNvPr>
+          <p:cNvSpPr/>
+          <p:nvPr/>
+        </p:nvSpPr>
+        <p:spPr>
+          <a:xfrm>
+            <a:off x="1627284" y="2053885"/>
+            <a:ext cx="3560466" cy="329006"/>
+          </a:xfrm>
+          <a:prstGeom prst="roundRect">
+            <a:avLst/>
+          </a:prstGeom>
+          <a:solidFill>
+            <a:schemeClr val="bg1">
+              <a:lumMod val="50000"/>
+            </a:schemeClr>
+          </a:solidFill>
+        </p:spPr>
+        <p:style>
+          <a:lnRef idx="3">
+            <a:schemeClr val="lt1"/>
+          </a:lnRef>
+          <a:fillRef idx="1">
+            <a:schemeClr val="dk1"/>
+          </a:fillRef>
+          <a:effectRef idx="1">
+            <a:schemeClr val="dk1"/>
+          </a:effectRef>
+          <a:fontRef idx="minor">
+            <a:schemeClr val="lt1"/>
+          </a:fontRef>
+        </p:style>
+        <p:txBody>
+          <a:bodyPr rtlCol="0" anchor="ctr"/>
+          <a:lstStyle/>
+          <a:p>
+            <a:pPr algn="ctr"/>
+            <a:r>
+              <a:rPr lang="en-GB" sz="1200" b="1" dirty="0">
+                <a:latin typeface="Times New Roman" panose="02020603050405020304" pitchFamily="18" charset="0"/>
+                <a:cs typeface="Times New Roman" panose="02020603050405020304" pitchFamily="18" charset="0"/>
+              </a:rPr>
+              <a:t>CameraR1Calibrator.calibrate(</a:t>
+            </a:r>
+            <a:r>
+              <a:rPr lang="en-GB" sz="1200" b="1" dirty="0" err="1">
+                <a:latin typeface="Times New Roman" panose="02020603050405020304" pitchFamily="18" charset="0"/>
+                <a:cs typeface="Times New Roman" panose="02020603050405020304" pitchFamily="18" charset="0"/>
+              </a:rPr>
+              <a:t>DataContainer</a:t>
+            </a:r>
+            <a:r>
+              <a:rPr lang="en-GB" sz="1200" b="1" dirty="0">
+                <a:latin typeface="Times New Roman" panose="02020603050405020304" pitchFamily="18" charset="0"/>
+                <a:cs typeface="Times New Roman" panose="02020603050405020304" pitchFamily="18" charset="0"/>
+              </a:rPr>
+              <a:t>)</a:t>
+            </a:r>
+          </a:p>
+        </p:txBody>
+      </p:sp>
+      <p:sp>
+        <p:nvSpPr>
+          <p:cNvPr id="21" name="Rectangle 20">
+            <a:extLst>
+              <a:ext uri="{FF2B5EF4-FFF2-40B4-BE49-F238E27FC236}">
+                <a16:creationId xmlns:a16="http://schemas.microsoft.com/office/drawing/2014/main" id="{A586A8CF-75F8-8740-BF2B-675B75E8C134}"/>
+              </a:ext>
+            </a:extLst>
+          </p:cNvPr>
+          <p:cNvSpPr>
+            <a:spLocks noChangeAspect="1"/>
+          </p:cNvSpPr>
+          <p:nvPr/>
+        </p:nvSpPr>
+        <p:spPr>
+          <a:xfrm flipH="1">
+            <a:off x="8954819" y="1260758"/>
+            <a:ext cx="119285" cy="118893"/>
+          </a:xfrm>
+          <a:prstGeom prst="rect">
+            <a:avLst/>
+          </a:prstGeom>
+          <a:solidFill>
+            <a:schemeClr val="bg1">
+              <a:lumMod val="50000"/>
+            </a:schemeClr>
+          </a:solidFill>
+          <a:ln>
+            <a:noFill/>
+          </a:ln>
+        </p:spPr>
+        <p:style>
+          <a:lnRef idx="1">
+            <a:schemeClr val="accent1"/>
+          </a:lnRef>
+          <a:fillRef idx="3">
+            <a:schemeClr val="accent1"/>
+          </a:fillRef>
+          <a:effectRef idx="2">
+            <a:schemeClr val="accent1"/>
+          </a:effectRef>
+          <a:fontRef idx="minor">
+            <a:schemeClr val="lt1"/>
+          </a:fontRef>
+        </p:style>
+        <p:txBody>
+          <a:bodyPr rtlCol="0" anchor="ctr"/>
+          <a:lstStyle/>
+          <a:p>
+            <a:pPr algn="ctr"/>
+            <a:endParaRPr lang="en-GB">
+              <a:solidFill>
+                <a:schemeClr val="bg1">
+                  <a:lumMod val="65000"/>
+                </a:schemeClr>
+              </a:solidFill>
+              <a:latin typeface="Times New Roman" panose="02020603050405020304" pitchFamily="18" charset="0"/>
+              <a:cs typeface="Times New Roman" panose="02020603050405020304" pitchFamily="18" charset="0"/>
+            </a:endParaRPr>
+          </a:p>
+        </p:txBody>
+      </p:sp>
+      <p:sp>
+        <p:nvSpPr>
+          <p:cNvPr id="22" name="Rounded Rectangle 21">
+            <a:extLst>
+              <a:ext uri="{FF2B5EF4-FFF2-40B4-BE49-F238E27FC236}">
+                <a16:creationId xmlns:a16="http://schemas.microsoft.com/office/drawing/2014/main" id="{B60DE116-819A-9849-B77D-3165C10F7BE6}"/>
+              </a:ext>
+            </a:extLst>
+          </p:cNvPr>
+          <p:cNvSpPr/>
+          <p:nvPr/>
+        </p:nvSpPr>
+        <p:spPr>
+          <a:xfrm>
+            <a:off x="1627284" y="2895156"/>
+            <a:ext cx="3560466" cy="329006"/>
+          </a:xfrm>
+          <a:prstGeom prst="roundRect">
+            <a:avLst/>
+          </a:prstGeom>
+          <a:solidFill>
+            <a:schemeClr val="bg1">
+              <a:lumMod val="50000"/>
+            </a:schemeClr>
+          </a:solidFill>
+        </p:spPr>
+        <p:style>
+          <a:lnRef idx="3">
+            <a:schemeClr val="lt1"/>
+          </a:lnRef>
+          <a:fillRef idx="1">
+            <a:schemeClr val="dk1"/>
+          </a:fillRef>
+          <a:effectRef idx="1">
+            <a:schemeClr val="dk1"/>
+          </a:effectRef>
+          <a:fontRef idx="minor">
+            <a:schemeClr val="lt1"/>
+          </a:fontRef>
+        </p:style>
+        <p:txBody>
+          <a:bodyPr rtlCol="0" anchor="ctr"/>
+          <a:lstStyle/>
+          <a:p>
+            <a:pPr algn="ctr"/>
+            <a:r>
+              <a:rPr lang="en-GB" sz="1200" b="1" dirty="0">
+                <a:latin typeface="Times New Roman" panose="02020603050405020304" pitchFamily="18" charset="0"/>
+                <a:cs typeface="Times New Roman" panose="02020603050405020304" pitchFamily="18" charset="0"/>
+              </a:rPr>
+              <a:t>CameraDL0Reducer.reduce(</a:t>
+            </a:r>
+            <a:r>
+              <a:rPr lang="en-GB" sz="1200" b="1" dirty="0" err="1">
+                <a:latin typeface="Times New Roman" panose="02020603050405020304" pitchFamily="18" charset="0"/>
+                <a:cs typeface="Times New Roman" panose="02020603050405020304" pitchFamily="18" charset="0"/>
+              </a:rPr>
+              <a:t>DataContainer</a:t>
+            </a:r>
+            <a:r>
+              <a:rPr lang="en-GB" sz="1200" b="1" dirty="0">
+                <a:latin typeface="Times New Roman" panose="02020603050405020304" pitchFamily="18" charset="0"/>
+                <a:cs typeface="Times New Roman" panose="02020603050405020304" pitchFamily="18" charset="0"/>
+              </a:rPr>
+              <a:t>)</a:t>
+            </a:r>
+          </a:p>
+        </p:txBody>
+      </p:sp>
+      <p:sp>
+        <p:nvSpPr>
+          <p:cNvPr id="23" name="TextBox 22">
+            <a:extLst>
+              <a:ext uri="{FF2B5EF4-FFF2-40B4-BE49-F238E27FC236}">
+                <a16:creationId xmlns:a16="http://schemas.microsoft.com/office/drawing/2014/main" id="{AE7992E9-0208-5142-9EEC-C44EB97C4FBD}"/>
+              </a:ext>
+            </a:extLst>
+          </p:cNvPr>
+          <p:cNvSpPr txBox="1"/>
+          <p:nvPr/>
+        </p:nvSpPr>
+        <p:spPr>
+          <a:xfrm>
+            <a:off x="5852917" y="2732030"/>
+            <a:ext cx="3934239" cy="646331"/>
+          </a:xfrm>
+          <a:prstGeom prst="rect">
+            <a:avLst/>
+          </a:prstGeom>
+          <a:noFill/>
+        </p:spPr>
+        <p:txBody>
+          <a:bodyPr wrap="square" rtlCol="0">
+            <a:spAutoFit/>
+          </a:bodyPr>
+          <a:lstStyle/>
+          <a:p>
+            <a:r>
+              <a:rPr lang="en-GB" dirty="0">
+                <a:latin typeface="Times New Roman" panose="02020603050405020304" pitchFamily="18" charset="0"/>
+                <a:cs typeface="Times New Roman" panose="02020603050405020304" pitchFamily="18" charset="0"/>
+              </a:rPr>
+              <a:t>No data-volume reduction methods have been implemented into ctapipe yet.</a:t>
+            </a:r>
+          </a:p>
+        </p:txBody>
+      </p:sp>
+      <p:cxnSp>
+        <p:nvCxnSpPr>
+          <p:cNvPr id="24" name="Elbow Connector 23">
+            <a:extLst>
+              <a:ext uri="{FF2B5EF4-FFF2-40B4-BE49-F238E27FC236}">
+                <a16:creationId xmlns:a16="http://schemas.microsoft.com/office/drawing/2014/main" id="{D7E38F0C-3F59-C34C-AAC3-8A37921DEF6C}"/>
+              </a:ext>
+            </a:extLst>
+          </p:cNvPr>
+          <p:cNvCxnSpPr>
+            <a:cxnSpLocks/>
+            <a:stCxn id="15" idx="3"/>
+            <a:endCxn id="9" idx="1"/>
+          </p:cNvCxnSpPr>
+          <p:nvPr/>
+        </p:nvCxnSpPr>
+        <p:spPr>
+          <a:xfrm flipV="1">
+            <a:off x="3248336" y="963191"/>
+            <a:ext cx="676956" cy="1"/>
+          </a:xfrm>
+          <a:prstGeom prst="bentConnector3">
+            <a:avLst>
+              <a:gd name="adj1" fmla="val 50000"/>
+            </a:avLst>
+          </a:prstGeom>
+          <a:ln w="57150">
+            <a:solidFill>
+              <a:srgbClr val="92D050"/>
+            </a:solidFill>
+            <a:tailEnd type="triangle"/>
+          </a:ln>
+        </p:spPr>
+        <p:style>
+          <a:lnRef idx="3">
+            <a:schemeClr val="accent1"/>
+          </a:lnRef>
+          <a:fillRef idx="0">
+            <a:schemeClr val="accent1"/>
+          </a:fillRef>
+          <a:effectRef idx="2">
+            <a:schemeClr val="accent1"/>
+          </a:effectRef>
+          <a:fontRef idx="minor">
+            <a:schemeClr val="tx1"/>
+          </a:fontRef>
+        </p:style>
+      </p:cxnSp>
+      <p:sp>
+        <p:nvSpPr>
+          <p:cNvPr id="25" name="Rounded Rectangle 24">
+            <a:extLst>
+              <a:ext uri="{FF2B5EF4-FFF2-40B4-BE49-F238E27FC236}">
+                <a16:creationId xmlns:a16="http://schemas.microsoft.com/office/drawing/2014/main" id="{351000EF-821D-0941-8C11-09979DB8EE29}"/>
+              </a:ext>
+            </a:extLst>
+          </p:cNvPr>
+          <p:cNvSpPr/>
+          <p:nvPr/>
+        </p:nvSpPr>
+        <p:spPr>
+          <a:xfrm>
+            <a:off x="1659692" y="4460685"/>
+            <a:ext cx="1690425" cy="302158"/>
+          </a:xfrm>
+          <a:prstGeom prst="roundRect">
+            <a:avLst/>
+          </a:prstGeom>
+          <a:solidFill>
+            <a:srgbClr val="00204E"/>
+          </a:solidFill>
+        </p:spPr>
+        <p:style>
+          <a:lnRef idx="3">
+            <a:schemeClr val="lt1"/>
+          </a:lnRef>
+          <a:fillRef idx="1">
+            <a:schemeClr val="dk1"/>
+          </a:fillRef>
+          <a:effectRef idx="1">
+            <a:schemeClr val="dk1"/>
+          </a:effectRef>
+          <a:fontRef idx="minor">
+            <a:schemeClr val="lt1"/>
+          </a:fontRef>
+        </p:style>
+        <p:txBody>
+          <a:bodyPr rtlCol="0" anchor="ctr"/>
+          <a:lstStyle/>
+          <a:p>
+            <a:pPr algn="ctr"/>
+            <a:r>
+              <a:rPr lang="en-GB" sz="1200" b="1" dirty="0" err="1">
+                <a:latin typeface="Times New Roman" panose="02020603050405020304" pitchFamily="18" charset="0"/>
+                <a:cs typeface="Times New Roman" panose="02020603050405020304" pitchFamily="18" charset="0"/>
+              </a:rPr>
+              <a:t>LocalPeakIntegrator</a:t>
+            </a:r>
+            <a:endParaRPr lang="en-GB" sz="1200" b="1" dirty="0">
+              <a:latin typeface="Times New Roman" panose="02020603050405020304" pitchFamily="18" charset="0"/>
+              <a:cs typeface="Times New Roman" panose="02020603050405020304" pitchFamily="18" charset="0"/>
+            </a:endParaRPr>
+          </a:p>
+        </p:txBody>
+      </p:sp>
+      <p:sp>
+        <p:nvSpPr>
+          <p:cNvPr id="26" name="Rounded Rectangle 25">
+            <a:extLst>
+              <a:ext uri="{FF2B5EF4-FFF2-40B4-BE49-F238E27FC236}">
+                <a16:creationId xmlns:a16="http://schemas.microsoft.com/office/drawing/2014/main" id="{037722C2-19A7-7742-8019-C40BE5112DE4}"/>
+              </a:ext>
+            </a:extLst>
+          </p:cNvPr>
+          <p:cNvSpPr/>
+          <p:nvPr/>
+        </p:nvSpPr>
+        <p:spPr>
+          <a:xfrm>
+            <a:off x="3515889" y="4460685"/>
+            <a:ext cx="2174587" cy="297405"/>
+          </a:xfrm>
+          <a:prstGeom prst="roundRect">
+            <a:avLst/>
+          </a:prstGeom>
+          <a:solidFill>
+            <a:srgbClr val="00204E"/>
+          </a:solidFill>
+        </p:spPr>
+        <p:style>
+          <a:lnRef idx="3">
+            <a:schemeClr val="lt1"/>
+          </a:lnRef>
+          <a:fillRef idx="1">
+            <a:schemeClr val="dk1"/>
+          </a:fillRef>
+          <a:effectRef idx="1">
+            <a:schemeClr val="dk1"/>
+          </a:effectRef>
+          <a:fontRef idx="minor">
+            <a:schemeClr val="lt1"/>
+          </a:fontRef>
+        </p:style>
+        <p:txBody>
+          <a:bodyPr rtlCol="0" anchor="ctr"/>
+          <a:lstStyle/>
+          <a:p>
+            <a:pPr algn="ctr"/>
+            <a:r>
+              <a:rPr lang="en-GB" sz="1200" b="1" dirty="0" err="1">
+                <a:latin typeface="Times New Roman" panose="02020603050405020304" pitchFamily="18" charset="0"/>
+                <a:cs typeface="Times New Roman" panose="02020603050405020304" pitchFamily="18" charset="0"/>
+              </a:rPr>
+              <a:t>NeighbourPeakIntegrator</a:t>
+            </a:r>
+            <a:endParaRPr lang="en-GB" sz="1200" b="1" dirty="0">
+              <a:latin typeface="Times New Roman" panose="02020603050405020304" pitchFamily="18" charset="0"/>
+              <a:cs typeface="Times New Roman" panose="02020603050405020304" pitchFamily="18" charset="0"/>
+            </a:endParaRPr>
+          </a:p>
+        </p:txBody>
+      </p:sp>
+      <p:sp>
+        <p:nvSpPr>
+          <p:cNvPr id="27" name="Rounded Rectangle 26">
+            <a:extLst>
+              <a:ext uri="{FF2B5EF4-FFF2-40B4-BE49-F238E27FC236}">
+                <a16:creationId xmlns:a16="http://schemas.microsoft.com/office/drawing/2014/main" id="{0EC61C83-31A1-FF43-AD20-F3EA43B6B1B4}"/>
+              </a:ext>
+            </a:extLst>
+          </p:cNvPr>
+          <p:cNvSpPr/>
+          <p:nvPr/>
+        </p:nvSpPr>
+        <p:spPr>
+          <a:xfrm>
+            <a:off x="3481739" y="3664665"/>
+            <a:ext cx="2242887" cy="339098"/>
+          </a:xfrm>
+          <a:prstGeom prst="roundRect">
+            <a:avLst/>
+          </a:prstGeom>
+          <a:solidFill>
+            <a:srgbClr val="00204E"/>
+          </a:solidFill>
+        </p:spPr>
+        <p:style>
+          <a:lnRef idx="3">
+            <a:schemeClr val="lt1"/>
+          </a:lnRef>
+          <a:fillRef idx="1">
+            <a:schemeClr val="dk1"/>
+          </a:fillRef>
+          <a:effectRef idx="1">
+            <a:schemeClr val="dk1"/>
+          </a:effectRef>
+          <a:fontRef idx="minor">
+            <a:schemeClr val="lt1"/>
+          </a:fontRef>
+        </p:style>
+        <p:txBody>
+          <a:bodyPr rtlCol="0" anchor="ctr"/>
+          <a:lstStyle/>
+          <a:p>
+            <a:pPr algn="ctr"/>
+            <a:r>
+              <a:rPr lang="en-GB" sz="1200" b="1" dirty="0" err="1">
+                <a:latin typeface="Times New Roman" panose="02020603050405020304" pitchFamily="18" charset="0"/>
+                <a:cs typeface="Times New Roman" panose="02020603050405020304" pitchFamily="18" charset="0"/>
+              </a:rPr>
+              <a:t>ChargeExtractorFactory</a:t>
+            </a:r>
+            <a:endParaRPr lang="en-GB" sz="1200" b="1" dirty="0">
+              <a:latin typeface="Times New Roman" panose="02020603050405020304" pitchFamily="18" charset="0"/>
+              <a:cs typeface="Times New Roman" panose="02020603050405020304" pitchFamily="18" charset="0"/>
+            </a:endParaRPr>
+          </a:p>
+        </p:txBody>
+      </p:sp>
+      <p:cxnSp>
+        <p:nvCxnSpPr>
+          <p:cNvPr id="28" name="Elbow Connector 27">
+            <a:extLst>
+              <a:ext uri="{FF2B5EF4-FFF2-40B4-BE49-F238E27FC236}">
+                <a16:creationId xmlns:a16="http://schemas.microsoft.com/office/drawing/2014/main" id="{71345085-D15F-6C4F-8BF9-97201CCE2146}"/>
+              </a:ext>
+            </a:extLst>
+          </p:cNvPr>
+          <p:cNvCxnSpPr>
+            <a:cxnSpLocks/>
+            <a:stCxn id="27" idx="2"/>
+            <a:endCxn id="25" idx="0"/>
+          </p:cNvCxnSpPr>
+          <p:nvPr/>
+        </p:nvCxnSpPr>
+        <p:spPr>
+          <a:xfrm rot="5400000">
+            <a:off x="3325583" y="3183085"/>
+            <a:ext cx="456922" cy="2098278"/>
+          </a:xfrm>
+          <a:prstGeom prst="bentConnector3">
+            <a:avLst>
+              <a:gd name="adj1" fmla="val 50000"/>
+            </a:avLst>
+          </a:prstGeom>
+          <a:ln w="57150">
+            <a:solidFill>
+              <a:srgbClr val="E00034"/>
+            </a:solidFill>
+            <a:tailEnd type="triangle"/>
+          </a:ln>
+        </p:spPr>
+        <p:style>
+          <a:lnRef idx="3">
+            <a:schemeClr val="accent1"/>
+          </a:lnRef>
+          <a:fillRef idx="0">
+            <a:schemeClr val="accent1"/>
+          </a:fillRef>
+          <a:effectRef idx="2">
+            <a:schemeClr val="accent1"/>
+          </a:effectRef>
+          <a:fontRef idx="minor">
+            <a:schemeClr val="tx1"/>
+          </a:fontRef>
+        </p:style>
+      </p:cxnSp>
+      <p:cxnSp>
+        <p:nvCxnSpPr>
+          <p:cNvPr id="29" name="Elbow Connector 28">
+            <a:extLst>
+              <a:ext uri="{FF2B5EF4-FFF2-40B4-BE49-F238E27FC236}">
+                <a16:creationId xmlns:a16="http://schemas.microsoft.com/office/drawing/2014/main" id="{1E66C957-8676-8046-9E2F-E8B8DC7DC8F3}"/>
+              </a:ext>
+            </a:extLst>
+          </p:cNvPr>
+          <p:cNvCxnSpPr>
+            <a:cxnSpLocks/>
+            <a:stCxn id="27" idx="2"/>
+            <a:endCxn id="26" idx="0"/>
+          </p:cNvCxnSpPr>
+          <p:nvPr/>
+        </p:nvCxnSpPr>
+        <p:spPr>
+          <a:xfrm rot="5400000">
+            <a:off x="4374722" y="4232224"/>
+            <a:ext cx="456922" cy="12700"/>
+          </a:xfrm>
+          <a:prstGeom prst="bentConnector3">
+            <a:avLst>
+              <a:gd name="adj1" fmla="val 50000"/>
+            </a:avLst>
+          </a:prstGeom>
+          <a:ln w="57150">
+            <a:solidFill>
+              <a:srgbClr val="E00034"/>
+            </a:solidFill>
+            <a:tailEnd type="triangle"/>
+          </a:ln>
+        </p:spPr>
+        <p:style>
+          <a:lnRef idx="3">
+            <a:schemeClr val="accent1"/>
+          </a:lnRef>
+          <a:fillRef idx="0">
+            <a:schemeClr val="accent1"/>
+          </a:fillRef>
+          <a:effectRef idx="2">
+            <a:schemeClr val="accent1"/>
+          </a:effectRef>
+          <a:fontRef idx="minor">
+            <a:schemeClr val="tx1"/>
+          </a:fontRef>
+        </p:style>
+      </p:cxnSp>
+      <p:cxnSp>
+        <p:nvCxnSpPr>
+          <p:cNvPr id="30" name="Elbow Connector 29">
+            <a:extLst>
+              <a:ext uri="{FF2B5EF4-FFF2-40B4-BE49-F238E27FC236}">
+                <a16:creationId xmlns:a16="http://schemas.microsoft.com/office/drawing/2014/main" id="{5B311F8B-6B93-A04A-84BC-41DC424AA08C}"/>
+              </a:ext>
+            </a:extLst>
+          </p:cNvPr>
+          <p:cNvCxnSpPr>
+            <a:cxnSpLocks/>
+            <a:stCxn id="27" idx="2"/>
+            <a:endCxn id="31" idx="0"/>
+          </p:cNvCxnSpPr>
+          <p:nvPr/>
+        </p:nvCxnSpPr>
+        <p:spPr>
+          <a:xfrm rot="16200000" flipH="1">
+            <a:off x="5159360" y="3447586"/>
+            <a:ext cx="452643" cy="1564996"/>
+          </a:xfrm>
+          <a:prstGeom prst="bentConnector3">
+            <a:avLst>
+              <a:gd name="adj1" fmla="val 50000"/>
+            </a:avLst>
+          </a:prstGeom>
+          <a:ln w="57150">
+            <a:solidFill>
+              <a:srgbClr val="E00034"/>
+            </a:solidFill>
+            <a:tailEnd type="triangle"/>
+          </a:ln>
+        </p:spPr>
+        <p:style>
+          <a:lnRef idx="3">
+            <a:schemeClr val="accent1"/>
+          </a:lnRef>
+          <a:fillRef idx="0">
+            <a:schemeClr val="accent1"/>
+          </a:fillRef>
+          <a:effectRef idx="2">
+            <a:schemeClr val="accent1"/>
+          </a:effectRef>
+          <a:fontRef idx="minor">
+            <a:schemeClr val="tx1"/>
+          </a:fontRef>
+        </p:style>
+      </p:cxnSp>
+      <p:sp>
+        <p:nvSpPr>
+          <p:cNvPr id="31" name="Rounded Rectangle 30">
+            <a:extLst>
+              <a:ext uri="{FF2B5EF4-FFF2-40B4-BE49-F238E27FC236}">
+                <a16:creationId xmlns:a16="http://schemas.microsoft.com/office/drawing/2014/main" id="{F40BAE10-EB6C-884E-9F87-137770C21C8A}"/>
+              </a:ext>
+            </a:extLst>
+          </p:cNvPr>
+          <p:cNvSpPr/>
+          <p:nvPr/>
+        </p:nvSpPr>
+        <p:spPr>
+          <a:xfrm>
+            <a:off x="5857219" y="4456406"/>
+            <a:ext cx="621919" cy="301684"/>
+          </a:xfrm>
+          <a:prstGeom prst="roundRect">
+            <a:avLst/>
+          </a:prstGeom>
+          <a:solidFill>
+            <a:srgbClr val="00204E"/>
+          </a:solidFill>
+        </p:spPr>
+        <p:style>
+          <a:lnRef idx="3">
+            <a:schemeClr val="lt1"/>
+          </a:lnRef>
+          <a:fillRef idx="1">
+            <a:schemeClr val="dk1"/>
+          </a:fillRef>
+          <a:effectRef idx="1">
+            <a:schemeClr val="dk1"/>
+          </a:effectRef>
+          <a:fontRef idx="minor">
+            <a:schemeClr val="lt1"/>
+          </a:fontRef>
+        </p:style>
+        <p:txBody>
+          <a:bodyPr rtlCol="0" anchor="ctr"/>
+          <a:lstStyle/>
+          <a:p>
+            <a:pPr algn="ctr"/>
+            <a:r>
+              <a:rPr lang="en-GB" sz="1200" b="1" dirty="0">
+                <a:latin typeface="Times New Roman" panose="02020603050405020304" pitchFamily="18" charset="0"/>
+                <a:cs typeface="Times New Roman" panose="02020603050405020304" pitchFamily="18" charset="0"/>
+              </a:rPr>
+              <a:t>…</a:t>
+            </a:r>
+          </a:p>
+        </p:txBody>
+      </p:sp>
+      <p:sp>
+        <p:nvSpPr>
+          <p:cNvPr id="32" name="Rounded Rectangle 31">
+            <a:extLst>
+              <a:ext uri="{FF2B5EF4-FFF2-40B4-BE49-F238E27FC236}">
+                <a16:creationId xmlns:a16="http://schemas.microsoft.com/office/drawing/2014/main" id="{77B89F66-4058-9F44-8DC9-6D5651AD5DBB}"/>
+              </a:ext>
+            </a:extLst>
+          </p:cNvPr>
+          <p:cNvSpPr/>
+          <p:nvPr/>
+        </p:nvSpPr>
+        <p:spPr>
+          <a:xfrm>
+            <a:off x="1625394" y="3678234"/>
+            <a:ext cx="1219375" cy="307541"/>
+          </a:xfrm>
+          <a:prstGeom prst="roundRect">
+            <a:avLst/>
+          </a:prstGeom>
+          <a:solidFill>
+            <a:srgbClr val="00204E"/>
+          </a:solidFill>
+          <a:ln>
+            <a:solidFill>
+              <a:schemeClr val="bg1"/>
+            </a:solidFill>
+          </a:ln>
+        </p:spPr>
+        <p:style>
+          <a:lnRef idx="3">
+            <a:schemeClr val="lt1"/>
+          </a:lnRef>
+          <a:fillRef idx="1">
+            <a:schemeClr val="dk1"/>
+          </a:fillRef>
+          <a:effectRef idx="1">
+            <a:schemeClr val="dk1"/>
+          </a:effectRef>
+          <a:fontRef idx="minor">
+            <a:schemeClr val="lt1"/>
+          </a:fontRef>
+        </p:style>
+        <p:txBody>
+          <a:bodyPr rtlCol="0" anchor="ctr"/>
+          <a:lstStyle/>
+          <a:p>
+            <a:pPr algn="ctr"/>
+            <a:r>
+              <a:rPr lang="en-GB" sz="1200" b="1" dirty="0">
+                <a:solidFill>
+                  <a:schemeClr val="bg1"/>
+                </a:solidFill>
+                <a:latin typeface="Times New Roman" panose="02020603050405020304" pitchFamily="18" charset="0"/>
+                <a:cs typeface="Times New Roman" panose="02020603050405020304" pitchFamily="18" charset="0"/>
+              </a:rPr>
+              <a:t>(user choice)</a:t>
+            </a:r>
+          </a:p>
+        </p:txBody>
+      </p:sp>
+      <p:cxnSp>
+        <p:nvCxnSpPr>
+          <p:cNvPr id="33" name="Elbow Connector 32">
+            <a:extLst>
+              <a:ext uri="{FF2B5EF4-FFF2-40B4-BE49-F238E27FC236}">
+                <a16:creationId xmlns:a16="http://schemas.microsoft.com/office/drawing/2014/main" id="{C5293208-A3BF-6745-B466-957DF0F3BAD2}"/>
+              </a:ext>
+            </a:extLst>
+          </p:cNvPr>
+          <p:cNvCxnSpPr>
+            <a:cxnSpLocks/>
+            <a:stCxn id="32" idx="3"/>
+            <a:endCxn id="27" idx="1"/>
+          </p:cNvCxnSpPr>
+          <p:nvPr/>
+        </p:nvCxnSpPr>
+        <p:spPr>
+          <a:xfrm>
+            <a:off x="2844769" y="3832005"/>
+            <a:ext cx="636970" cy="2209"/>
+          </a:xfrm>
+          <a:prstGeom prst="bentConnector3">
+            <a:avLst>
+              <a:gd name="adj1" fmla="val 50000"/>
+            </a:avLst>
+          </a:prstGeom>
+          <a:ln w="57150">
+            <a:solidFill>
+              <a:srgbClr val="92D050"/>
+            </a:solidFill>
+            <a:tailEnd type="triangle"/>
+          </a:ln>
+        </p:spPr>
+        <p:style>
+          <a:lnRef idx="3">
+            <a:schemeClr val="accent1"/>
+          </a:lnRef>
+          <a:fillRef idx="0">
+            <a:schemeClr val="accent1"/>
+          </a:fillRef>
+          <a:effectRef idx="2">
+            <a:schemeClr val="accent1"/>
+          </a:effectRef>
+          <a:fontRef idx="minor">
+            <a:schemeClr val="tx1"/>
+          </a:fontRef>
+        </p:style>
+      </p:cxnSp>
+      <p:sp>
+        <p:nvSpPr>
+          <p:cNvPr id="34" name="Rounded Rectangle 33">
+            <a:extLst>
+              <a:ext uri="{FF2B5EF4-FFF2-40B4-BE49-F238E27FC236}">
+                <a16:creationId xmlns:a16="http://schemas.microsoft.com/office/drawing/2014/main" id="{8716F0C5-A22A-0147-8D12-E7E755BB6488}"/>
+              </a:ext>
+            </a:extLst>
+          </p:cNvPr>
+          <p:cNvSpPr/>
+          <p:nvPr/>
+        </p:nvSpPr>
+        <p:spPr>
+          <a:xfrm>
+            <a:off x="7471914" y="3658527"/>
+            <a:ext cx="2242887" cy="339098"/>
+          </a:xfrm>
+          <a:prstGeom prst="roundRect">
+            <a:avLst/>
+          </a:prstGeom>
+          <a:solidFill>
+            <a:srgbClr val="00204E"/>
+          </a:solidFill>
+        </p:spPr>
+        <p:style>
+          <a:lnRef idx="3">
+            <a:schemeClr val="lt1"/>
+          </a:lnRef>
+          <a:fillRef idx="1">
+            <a:schemeClr val="dk1"/>
+          </a:fillRef>
+          <a:effectRef idx="1">
+            <a:schemeClr val="dk1"/>
+          </a:effectRef>
+          <a:fontRef idx="minor">
+            <a:schemeClr val="lt1"/>
+          </a:fontRef>
+        </p:style>
+        <p:txBody>
+          <a:bodyPr rtlCol="0" anchor="ctr"/>
+          <a:lstStyle/>
+          <a:p>
+            <a:pPr algn="ctr"/>
+            <a:r>
+              <a:rPr lang="en-GB" sz="1200" b="1" dirty="0" err="1">
+                <a:latin typeface="Times New Roman" panose="02020603050405020304" pitchFamily="18" charset="0"/>
+                <a:cs typeface="Times New Roman" panose="02020603050405020304" pitchFamily="18" charset="0"/>
+              </a:rPr>
+              <a:t>WaveformCleanerFactory</a:t>
+            </a:r>
+            <a:endParaRPr lang="en-GB" sz="1200" b="1" dirty="0">
+              <a:latin typeface="Times New Roman" panose="02020603050405020304" pitchFamily="18" charset="0"/>
+              <a:cs typeface="Times New Roman" panose="02020603050405020304" pitchFamily="18" charset="0"/>
+            </a:endParaRPr>
+          </a:p>
+        </p:txBody>
+      </p:sp>
+      <p:cxnSp>
+        <p:nvCxnSpPr>
+          <p:cNvPr id="35" name="Elbow Connector 34">
+            <a:extLst>
+              <a:ext uri="{FF2B5EF4-FFF2-40B4-BE49-F238E27FC236}">
+                <a16:creationId xmlns:a16="http://schemas.microsoft.com/office/drawing/2014/main" id="{809DD7C3-00FC-BF42-B237-703D3C4E707A}"/>
+              </a:ext>
+            </a:extLst>
+          </p:cNvPr>
+          <p:cNvCxnSpPr>
+            <a:cxnSpLocks/>
+            <a:stCxn id="34" idx="2"/>
+            <a:endCxn id="36" idx="0"/>
+          </p:cNvCxnSpPr>
+          <p:nvPr/>
+        </p:nvCxnSpPr>
+        <p:spPr>
+          <a:xfrm rot="5400000">
+            <a:off x="8363968" y="4227015"/>
+            <a:ext cx="458781" cy="1"/>
+          </a:xfrm>
+          <a:prstGeom prst="bentConnector3">
+            <a:avLst>
+              <a:gd name="adj1" fmla="val 50000"/>
+            </a:avLst>
+          </a:prstGeom>
+          <a:ln w="57150">
+            <a:solidFill>
+              <a:srgbClr val="E00034"/>
+            </a:solidFill>
+            <a:tailEnd type="triangle"/>
+          </a:ln>
+        </p:spPr>
+        <p:style>
+          <a:lnRef idx="3">
+            <a:schemeClr val="accent1"/>
+          </a:lnRef>
+          <a:fillRef idx="0">
+            <a:schemeClr val="accent1"/>
+          </a:fillRef>
+          <a:effectRef idx="2">
+            <a:schemeClr val="accent1"/>
+          </a:effectRef>
+          <a:fontRef idx="minor">
+            <a:schemeClr val="tx1"/>
+          </a:fontRef>
+        </p:style>
+      </p:cxnSp>
+      <p:sp>
+        <p:nvSpPr>
+          <p:cNvPr id="36" name="Rounded Rectangle 35">
+            <a:extLst>
+              <a:ext uri="{FF2B5EF4-FFF2-40B4-BE49-F238E27FC236}">
+                <a16:creationId xmlns:a16="http://schemas.microsoft.com/office/drawing/2014/main" id="{F5A5F4C3-558A-AD4E-8BBE-8AC527870966}"/>
+              </a:ext>
+            </a:extLst>
+          </p:cNvPr>
+          <p:cNvSpPr/>
+          <p:nvPr/>
+        </p:nvSpPr>
+        <p:spPr>
+          <a:xfrm>
+            <a:off x="8282397" y="4456406"/>
+            <a:ext cx="621919" cy="301684"/>
+          </a:xfrm>
+          <a:prstGeom prst="roundRect">
+            <a:avLst/>
+          </a:prstGeom>
+          <a:solidFill>
+            <a:srgbClr val="00204E"/>
+          </a:solidFill>
+        </p:spPr>
+        <p:style>
+          <a:lnRef idx="3">
+            <a:schemeClr val="lt1"/>
+          </a:lnRef>
+          <a:fillRef idx="1">
+            <a:schemeClr val="dk1"/>
+          </a:fillRef>
+          <a:effectRef idx="1">
+            <a:schemeClr val="dk1"/>
+          </a:effectRef>
+          <a:fontRef idx="minor">
+            <a:schemeClr val="lt1"/>
+          </a:fontRef>
+        </p:style>
+        <p:txBody>
+          <a:bodyPr rtlCol="0" anchor="ctr"/>
+          <a:lstStyle/>
+          <a:p>
+            <a:pPr algn="ctr"/>
+            <a:r>
+              <a:rPr lang="en-GB" sz="1200" b="1" dirty="0">
+                <a:latin typeface="Times New Roman" panose="02020603050405020304" pitchFamily="18" charset="0"/>
+                <a:cs typeface="Times New Roman" panose="02020603050405020304" pitchFamily="18" charset="0"/>
+              </a:rPr>
+              <a:t>…</a:t>
+            </a:r>
+          </a:p>
+        </p:txBody>
+      </p:sp>
+      <p:sp>
+        <p:nvSpPr>
+          <p:cNvPr id="37" name="Rounded Rectangle 36">
+            <a:extLst>
+              <a:ext uri="{FF2B5EF4-FFF2-40B4-BE49-F238E27FC236}">
+                <a16:creationId xmlns:a16="http://schemas.microsoft.com/office/drawing/2014/main" id="{13FE8D5A-B5BF-9A4E-ACD2-4F9D1FEDE57E}"/>
+              </a:ext>
+            </a:extLst>
+          </p:cNvPr>
+          <p:cNvSpPr/>
+          <p:nvPr/>
+        </p:nvSpPr>
+        <p:spPr>
+          <a:xfrm>
+            <a:off x="5924126" y="3674306"/>
+            <a:ext cx="1219375" cy="307541"/>
+          </a:xfrm>
+          <a:prstGeom prst="roundRect">
+            <a:avLst/>
+          </a:prstGeom>
+          <a:solidFill>
+            <a:srgbClr val="00204E"/>
+          </a:solidFill>
+          <a:ln>
+            <a:solidFill>
+              <a:schemeClr val="bg1"/>
+            </a:solidFill>
+          </a:ln>
+        </p:spPr>
+        <p:style>
+          <a:lnRef idx="3">
+            <a:schemeClr val="lt1"/>
+          </a:lnRef>
+          <a:fillRef idx="1">
+            <a:schemeClr val="dk1"/>
+          </a:fillRef>
+          <a:effectRef idx="1">
+            <a:schemeClr val="dk1"/>
+          </a:effectRef>
+          <a:fontRef idx="minor">
+            <a:schemeClr val="lt1"/>
+          </a:fontRef>
+        </p:style>
+        <p:txBody>
+          <a:bodyPr rtlCol="0" anchor="ctr"/>
+          <a:lstStyle/>
+          <a:p>
+            <a:pPr algn="ctr"/>
+            <a:r>
+              <a:rPr lang="en-GB" sz="1200" b="1" dirty="0">
+                <a:solidFill>
+                  <a:schemeClr val="bg1"/>
+                </a:solidFill>
+                <a:latin typeface="Times New Roman" panose="02020603050405020304" pitchFamily="18" charset="0"/>
+                <a:cs typeface="Times New Roman" panose="02020603050405020304" pitchFamily="18" charset="0"/>
+              </a:rPr>
+              <a:t>(user choice)</a:t>
+            </a:r>
+          </a:p>
+        </p:txBody>
+      </p:sp>
+      <p:cxnSp>
+        <p:nvCxnSpPr>
+          <p:cNvPr id="38" name="Elbow Connector 37">
+            <a:extLst>
+              <a:ext uri="{FF2B5EF4-FFF2-40B4-BE49-F238E27FC236}">
+                <a16:creationId xmlns:a16="http://schemas.microsoft.com/office/drawing/2014/main" id="{CEDD5EBB-A493-ED40-A7F6-7224F54106DE}"/>
+              </a:ext>
+            </a:extLst>
+          </p:cNvPr>
+          <p:cNvCxnSpPr>
+            <a:cxnSpLocks/>
+            <a:stCxn id="37" idx="3"/>
+            <a:endCxn id="34" idx="1"/>
+          </p:cNvCxnSpPr>
+          <p:nvPr/>
+        </p:nvCxnSpPr>
+        <p:spPr>
+          <a:xfrm flipV="1">
+            <a:off x="7143501" y="3828076"/>
+            <a:ext cx="328413" cy="1"/>
+          </a:xfrm>
+          <a:prstGeom prst="bentConnector3">
+            <a:avLst>
+              <a:gd name="adj1" fmla="val 50000"/>
+            </a:avLst>
+          </a:prstGeom>
+          <a:ln w="57150">
+            <a:solidFill>
+              <a:srgbClr val="92D050"/>
+            </a:solidFill>
+            <a:tailEnd type="triangle"/>
+          </a:ln>
+        </p:spPr>
+        <p:style>
+          <a:lnRef idx="3">
+            <a:schemeClr val="accent1"/>
+          </a:lnRef>
+          <a:fillRef idx="0">
+            <a:schemeClr val="accent1"/>
+          </a:fillRef>
+          <a:effectRef idx="2">
+            <a:schemeClr val="accent1"/>
+          </a:effectRef>
+          <a:fontRef idx="minor">
+            <a:schemeClr val="tx1"/>
+          </a:fontRef>
+        </p:style>
+      </p:cxnSp>
+      <p:sp>
+        <p:nvSpPr>
+          <p:cNvPr id="39" name="Rounded Rectangle 38">
+            <a:extLst>
+              <a:ext uri="{FF2B5EF4-FFF2-40B4-BE49-F238E27FC236}">
+                <a16:creationId xmlns:a16="http://schemas.microsoft.com/office/drawing/2014/main" id="{B0F17CBC-B259-AF47-9B21-590B7EDE6FDD}"/>
+              </a:ext>
+            </a:extLst>
+          </p:cNvPr>
+          <p:cNvSpPr/>
+          <p:nvPr/>
+        </p:nvSpPr>
+        <p:spPr>
+          <a:xfrm>
+            <a:off x="6388203" y="5087276"/>
+            <a:ext cx="2242887" cy="339098"/>
+          </a:xfrm>
+          <a:prstGeom prst="roundRect">
+            <a:avLst/>
+          </a:prstGeom>
+          <a:solidFill>
+            <a:srgbClr val="00204E"/>
+          </a:solidFill>
+        </p:spPr>
+        <p:style>
+          <a:lnRef idx="3">
+            <a:schemeClr val="lt1"/>
+          </a:lnRef>
+          <a:fillRef idx="1">
+            <a:schemeClr val="dk1"/>
+          </a:fillRef>
+          <a:effectRef idx="1">
+            <a:schemeClr val="dk1"/>
+          </a:effectRef>
+          <a:fontRef idx="minor">
+            <a:schemeClr val="lt1"/>
+          </a:fontRef>
+        </p:style>
+        <p:txBody>
+          <a:bodyPr rtlCol="0" anchor="ctr"/>
+          <a:lstStyle/>
+          <a:p>
+            <a:pPr algn="ctr"/>
+            <a:r>
+              <a:rPr lang="en-GB" sz="1200" b="1" dirty="0">
+                <a:latin typeface="Times New Roman" panose="02020603050405020304" pitchFamily="18" charset="0"/>
+                <a:cs typeface="Times New Roman" panose="02020603050405020304" pitchFamily="18" charset="0"/>
+              </a:rPr>
+              <a:t>CameraDL1Calibrator</a:t>
+            </a:r>
+          </a:p>
+        </p:txBody>
+      </p:sp>
+      <p:cxnSp>
+        <p:nvCxnSpPr>
+          <p:cNvPr id="40" name="Elbow Connector 39">
+            <a:extLst>
+              <a:ext uri="{FF2B5EF4-FFF2-40B4-BE49-F238E27FC236}">
+                <a16:creationId xmlns:a16="http://schemas.microsoft.com/office/drawing/2014/main" id="{1752A2C6-5DF6-8A4A-B7D8-A147CC636967}"/>
+              </a:ext>
+            </a:extLst>
+          </p:cNvPr>
+          <p:cNvCxnSpPr>
+            <a:cxnSpLocks/>
+            <a:stCxn id="26" idx="2"/>
+            <a:endCxn id="39" idx="1"/>
+          </p:cNvCxnSpPr>
+          <p:nvPr/>
+        </p:nvCxnSpPr>
+        <p:spPr>
+          <a:xfrm rot="16200000" flipH="1">
+            <a:off x="5246326" y="4114947"/>
+            <a:ext cx="498735" cy="1785020"/>
+          </a:xfrm>
+          <a:prstGeom prst="bentConnector2">
+            <a:avLst/>
+          </a:prstGeom>
+          <a:ln w="57150">
+            <a:solidFill>
+              <a:srgbClr val="92D050"/>
+            </a:solidFill>
+            <a:prstDash val="solid"/>
+            <a:tailEnd type="triangle"/>
+          </a:ln>
+        </p:spPr>
+        <p:style>
+          <a:lnRef idx="3">
+            <a:schemeClr val="accent1"/>
+          </a:lnRef>
+          <a:fillRef idx="0">
+            <a:schemeClr val="accent1"/>
+          </a:fillRef>
+          <a:effectRef idx="2">
+            <a:schemeClr val="accent1"/>
+          </a:effectRef>
+          <a:fontRef idx="minor">
+            <a:schemeClr val="tx1"/>
+          </a:fontRef>
+        </p:style>
+      </p:cxnSp>
+      <p:cxnSp>
+        <p:nvCxnSpPr>
+          <p:cNvPr id="41" name="Elbow Connector 40">
+            <a:extLst>
+              <a:ext uri="{FF2B5EF4-FFF2-40B4-BE49-F238E27FC236}">
+                <a16:creationId xmlns:a16="http://schemas.microsoft.com/office/drawing/2014/main" id="{3C379A10-2FBA-6B40-8D62-23B3C0F7AFF2}"/>
+              </a:ext>
+            </a:extLst>
+          </p:cNvPr>
+          <p:cNvCxnSpPr>
+            <a:cxnSpLocks/>
+            <a:stCxn id="36" idx="2"/>
+            <a:endCxn id="39" idx="0"/>
+          </p:cNvCxnSpPr>
+          <p:nvPr/>
+        </p:nvCxnSpPr>
+        <p:spPr>
+          <a:xfrm rot="5400000">
+            <a:off x="7886909" y="4380828"/>
+            <a:ext cx="329186" cy="1083710"/>
+          </a:xfrm>
+          <a:prstGeom prst="bentConnector3">
+            <a:avLst>
+              <a:gd name="adj1" fmla="val 28299"/>
+            </a:avLst>
+          </a:prstGeom>
+          <a:ln w="57150">
+            <a:solidFill>
+              <a:srgbClr val="92D050"/>
+            </a:solidFill>
+            <a:tailEnd type="triangle"/>
+          </a:ln>
+        </p:spPr>
+        <p:style>
+          <a:lnRef idx="3">
+            <a:schemeClr val="accent1"/>
+          </a:lnRef>
+          <a:fillRef idx="0">
+            <a:schemeClr val="accent1"/>
+          </a:fillRef>
+          <a:effectRef idx="2">
+            <a:schemeClr val="accent1"/>
+          </a:effectRef>
+          <a:fontRef idx="minor">
+            <a:schemeClr val="tx1"/>
+          </a:fontRef>
+        </p:style>
+      </p:cxnSp>
+      <p:sp>
+        <p:nvSpPr>
+          <p:cNvPr id="42" name="Rounded Rectangle 41">
+            <a:extLst>
+              <a:ext uri="{FF2B5EF4-FFF2-40B4-BE49-F238E27FC236}">
+                <a16:creationId xmlns:a16="http://schemas.microsoft.com/office/drawing/2014/main" id="{1658B067-D90F-514A-ADD1-12F7F1800CFB}"/>
+              </a:ext>
+            </a:extLst>
+          </p:cNvPr>
+          <p:cNvSpPr/>
+          <p:nvPr/>
+        </p:nvSpPr>
+        <p:spPr>
+          <a:xfrm>
+            <a:off x="1625393" y="5544897"/>
+            <a:ext cx="3645531" cy="329006"/>
+          </a:xfrm>
+          <a:prstGeom prst="roundRect">
+            <a:avLst/>
+          </a:prstGeom>
+          <a:solidFill>
+            <a:schemeClr val="bg1">
+              <a:lumMod val="50000"/>
+            </a:schemeClr>
+          </a:solidFill>
+        </p:spPr>
+        <p:style>
+          <a:lnRef idx="3">
+            <a:schemeClr val="lt1"/>
+          </a:lnRef>
+          <a:fillRef idx="1">
+            <a:schemeClr val="dk1"/>
+          </a:fillRef>
+          <a:effectRef idx="1">
+            <a:schemeClr val="dk1"/>
+          </a:effectRef>
+          <a:fontRef idx="minor">
+            <a:schemeClr val="lt1"/>
+          </a:fontRef>
+        </p:style>
+        <p:txBody>
+          <a:bodyPr rtlCol="0" anchor="ctr"/>
+          <a:lstStyle/>
+          <a:p>
+            <a:pPr algn="ctr"/>
+            <a:r>
+              <a:rPr lang="en-GB" sz="1200" b="1" dirty="0">
+                <a:latin typeface="Times New Roman" panose="02020603050405020304" pitchFamily="18" charset="0"/>
+                <a:cs typeface="Times New Roman" panose="02020603050405020304" pitchFamily="18" charset="0"/>
+              </a:rPr>
+              <a:t>CameraDL1Calibrator.calibrate(</a:t>
+            </a:r>
+            <a:r>
+              <a:rPr lang="en-GB" sz="1200" b="1" dirty="0" err="1">
+                <a:latin typeface="Times New Roman" panose="02020603050405020304" pitchFamily="18" charset="0"/>
+                <a:cs typeface="Times New Roman" panose="02020603050405020304" pitchFamily="18" charset="0"/>
+              </a:rPr>
+              <a:t>DataContainer</a:t>
+            </a:r>
+            <a:r>
+              <a:rPr lang="en-GB" sz="1200" b="1" dirty="0">
+                <a:latin typeface="Times New Roman" panose="02020603050405020304" pitchFamily="18" charset="0"/>
+                <a:cs typeface="Times New Roman" panose="02020603050405020304" pitchFamily="18" charset="0"/>
+              </a:rPr>
+              <a:t>)</a:t>
+            </a:r>
+          </a:p>
+        </p:txBody>
+      </p:sp>
+      <p:cxnSp>
+        <p:nvCxnSpPr>
+          <p:cNvPr id="43" name="Elbow Connector 42">
+            <a:extLst>
+              <a:ext uri="{FF2B5EF4-FFF2-40B4-BE49-F238E27FC236}">
+                <a16:creationId xmlns:a16="http://schemas.microsoft.com/office/drawing/2014/main" id="{42A09543-D179-624D-AF03-694CC7A0FC67}"/>
+              </a:ext>
+            </a:extLst>
+          </p:cNvPr>
+          <p:cNvCxnSpPr>
+            <a:cxnSpLocks/>
+            <a:stCxn id="25" idx="2"/>
+            <a:endCxn id="39" idx="1"/>
+          </p:cNvCxnSpPr>
+          <p:nvPr/>
+        </p:nvCxnSpPr>
+        <p:spPr>
+          <a:xfrm rot="16200000" flipH="1">
+            <a:off x="4199563" y="3068185"/>
+            <a:ext cx="493982" cy="3883298"/>
+          </a:xfrm>
+          <a:prstGeom prst="bentConnector2">
+            <a:avLst/>
+          </a:prstGeom>
+          <a:ln w="57150">
+            <a:solidFill>
+              <a:srgbClr val="92D050"/>
+            </a:solidFill>
+            <a:prstDash val="sysDot"/>
+            <a:tailEnd type="triangle"/>
+          </a:ln>
+        </p:spPr>
+        <p:style>
+          <a:lnRef idx="3">
+            <a:schemeClr val="accent1"/>
+          </a:lnRef>
+          <a:fillRef idx="0">
+            <a:schemeClr val="accent1"/>
+          </a:fillRef>
+          <a:effectRef idx="2">
+            <a:schemeClr val="accent1"/>
+          </a:effectRef>
+          <a:fontRef idx="minor">
+            <a:schemeClr val="tx1"/>
+          </a:fontRef>
+        </p:style>
+      </p:cxnSp>
+      <p:cxnSp>
+        <p:nvCxnSpPr>
+          <p:cNvPr id="44" name="Elbow Connector 43">
+            <a:extLst>
+              <a:ext uri="{FF2B5EF4-FFF2-40B4-BE49-F238E27FC236}">
+                <a16:creationId xmlns:a16="http://schemas.microsoft.com/office/drawing/2014/main" id="{587CF080-24DA-F447-9E25-3C6E58A77C89}"/>
+              </a:ext>
+            </a:extLst>
+          </p:cNvPr>
+          <p:cNvCxnSpPr>
+            <a:cxnSpLocks/>
+            <a:stCxn id="31" idx="2"/>
+            <a:endCxn id="39" idx="1"/>
+          </p:cNvCxnSpPr>
+          <p:nvPr/>
+        </p:nvCxnSpPr>
+        <p:spPr>
+          <a:xfrm rot="16200000" flipH="1">
+            <a:off x="6028824" y="4897445"/>
+            <a:ext cx="498735" cy="220024"/>
+          </a:xfrm>
+          <a:prstGeom prst="bentConnector2">
+            <a:avLst/>
+          </a:prstGeom>
+          <a:ln w="57150">
+            <a:solidFill>
+              <a:srgbClr val="92D050"/>
+            </a:solidFill>
+            <a:prstDash val="sysDot"/>
+            <a:tailEnd type="triangle"/>
+          </a:ln>
+        </p:spPr>
+        <p:style>
+          <a:lnRef idx="3">
+            <a:schemeClr val="accent1"/>
+          </a:lnRef>
+          <a:fillRef idx="0">
+            <a:schemeClr val="accent1"/>
+          </a:fillRef>
+          <a:effectRef idx="2">
+            <a:schemeClr val="accent1"/>
+          </a:effectRef>
+          <a:fontRef idx="minor">
+            <a:schemeClr val="tx1"/>
+          </a:fontRef>
+        </p:style>
+      </p:cxnSp>
+    </p:spTree>
+    <p:extLst>
+      <p:ext uri="{BB962C8B-B14F-4D97-AF65-F5344CB8AC3E}">
+        <p14:creationId xmlns:p14="http://schemas.microsoft.com/office/powerpoint/2010/main" val="1932953668"/>
+      </p:ext>
+    </p:extLst>
+  </p:cSld>
+  <p:clrMapOvr>
+    <a:masterClrMapping/>
+  </p:clrMapOvr>
+</p:sld>
+</file>
+
+<file path=ppt/slides/slide13.xml><?xml version="1.0" encoding="utf-8"?>
+<p:sld xmlns:a="http://schemas.openxmlformats.org/drawingml/2006/main" xmlns:r="http://schemas.openxmlformats.org/officeDocument/2006/relationships" xmlns:p="http://schemas.openxmlformats.org/presentationml/2006/main">
+  <p:cSld>
+    <p:spTree>
+      <p:nvGrpSpPr>
+        <p:cNvPr id="1" name=""/>
+        <p:cNvGrpSpPr/>
+        <p:nvPr/>
+      </p:nvGrpSpPr>
+      <p:grpSpPr>
+        <a:xfrm>
+          <a:off x="0" y="0"/>
+          <a:ext cx="0" cy="0"/>
+          <a:chOff x="0" y="0"/>
+          <a:chExt cx="0" cy="0"/>
+        </a:xfrm>
+      </p:grpSpPr>
+      <p:pic>
+        <p:nvPicPr>
+          <p:cNvPr id="16" name="Picture 15">
+            <a:extLst>
+              <a:ext uri="{FF2B5EF4-FFF2-40B4-BE49-F238E27FC236}">
+                <a16:creationId xmlns:a16="http://schemas.microsoft.com/office/drawing/2014/main" id="{FE446832-00B8-684A-9278-B53EBB259DA7}"/>
+              </a:ext>
+            </a:extLst>
+          </p:cNvPr>
+          <p:cNvPicPr>
+            <a:picLocks noChangeAspect="1"/>
+          </p:cNvPicPr>
+          <p:nvPr/>
+        </p:nvPicPr>
+        <p:blipFill>
+          <a:blip r:embed="rId3"/>
+          <a:stretch>
+            <a:fillRect/>
+          </a:stretch>
+        </p:blipFill>
+        <p:spPr>
+          <a:xfrm>
+            <a:off x="96543" y="0"/>
+            <a:ext cx="11998914" cy="6858000"/>
+          </a:xfrm>
+          <a:prstGeom prst="rect">
+            <a:avLst/>
+          </a:prstGeom>
+        </p:spPr>
+      </p:pic>
+    </p:spTree>
+    <p:extLst>
+      <p:ext uri="{BB962C8B-B14F-4D97-AF65-F5344CB8AC3E}">
+        <p14:creationId xmlns:p14="http://schemas.microsoft.com/office/powerpoint/2010/main" val="3443850089"/>
+      </p:ext>
+    </p:extLst>
+  </p:cSld>
+  <p:clrMapOvr>
+    <a:masterClrMapping/>
+  </p:clrMapOvr>
+</p:sld>
+</file>
+
+<file path=ppt/slides/slide14.xml><?xml version="1.0" encoding="utf-8"?>
+<p:sld xmlns:a="http://schemas.openxmlformats.org/drawingml/2006/main" xmlns:r="http://schemas.openxmlformats.org/officeDocument/2006/relationships" xmlns:p="http://schemas.openxmlformats.org/presentationml/2006/main">
+  <p:cSld>
+    <p:spTree>
+      <p:nvGrpSpPr>
+        <p:cNvPr id="1" name=""/>
+        <p:cNvGrpSpPr/>
+        <p:nvPr/>
+      </p:nvGrpSpPr>
+      <p:grpSpPr>
+        <a:xfrm>
+          <a:off x="0" y="0"/>
+          <a:ext cx="0" cy="0"/>
+          <a:chOff x="0" y="0"/>
+          <a:chExt cx="0" cy="0"/>
+        </a:xfrm>
+      </p:grpSpPr>
+      <p:pic>
+        <p:nvPicPr>
+          <p:cNvPr id="4" name="Picture 3">
+            <a:extLst>
+              <a:ext uri="{FF2B5EF4-FFF2-40B4-BE49-F238E27FC236}">
+                <a16:creationId xmlns:a16="http://schemas.microsoft.com/office/drawing/2014/main" id="{3187B02D-C09D-AA4E-9457-21D5E9D431F2}"/>
+              </a:ext>
+            </a:extLst>
+          </p:cNvPr>
+          <p:cNvPicPr>
+            <a:picLocks noChangeAspect="1"/>
+          </p:cNvPicPr>
+          <p:nvPr/>
+        </p:nvPicPr>
+        <p:blipFill>
+          <a:blip r:embed="rId2"/>
+          <a:stretch>
+            <a:fillRect/>
+          </a:stretch>
+        </p:blipFill>
+        <p:spPr>
+          <a:xfrm>
+            <a:off x="2703674" y="0"/>
+            <a:ext cx="6784652" cy="6858000"/>
+          </a:xfrm>
+          <a:prstGeom prst="rect">
+            <a:avLst/>
+          </a:prstGeom>
+        </p:spPr>
+      </p:pic>
+    </p:spTree>
+    <p:extLst>
+      <p:ext uri="{BB962C8B-B14F-4D97-AF65-F5344CB8AC3E}">
+        <p14:creationId xmlns:p14="http://schemas.microsoft.com/office/powerpoint/2010/main" val="1850383326"/>
+      </p:ext>
+    </p:extLst>
+  </p:cSld>
+  <p:clrMapOvr>
+    <a:masterClrMapping/>
+  </p:clrMapOvr>
+</p:sld>
+</file>
+
 <file path=ppt/slides/slide2.xml><?xml version="1.0" encoding="utf-8"?>
 <p:sld xmlns:a="http://schemas.openxmlformats.org/drawingml/2006/main" xmlns:r="http://schemas.openxmlformats.org/officeDocument/2006/relationships" xmlns:p="http://schemas.openxmlformats.org/presentationml/2006/main">
   <p:cSld>
@@ -7190,9 +12103,9 @@
                 <a:solidFill>
                   <a:schemeClr val="bg1"/>
                 </a:solidFill>
-                <a:latin typeface="Arial" panose="020B0604020202020204" pitchFamily="34" charset="0"/>
+                <a:latin typeface="Times New Roman" panose="02020603050405020304" pitchFamily="18" charset="0"/>
                 <a:ea typeface="Ayuthaya" pitchFamily="2" charset="-34"/>
-                <a:cs typeface="Arial" panose="020B0604020202020204" pitchFamily="34" charset="0"/>
+                <a:cs typeface="Times New Roman" panose="02020603050405020304" pitchFamily="18" charset="0"/>
               </a:rPr>
               <a:t>Waveform Reduction Tool</a:t>
             </a:r>
@@ -7200,9 +12113,9 @@
               <a:solidFill>
                 <a:schemeClr val="bg1"/>
               </a:solidFill>
-              <a:latin typeface="Arial" panose="020B0604020202020204" pitchFamily="34" charset="0"/>
+              <a:latin typeface="Times New Roman" panose="02020603050405020304" pitchFamily="18" charset="0"/>
               <a:ea typeface="Ayuthaya" pitchFamily="2" charset="-34"/>
-              <a:cs typeface="Arial" panose="020B0604020202020204" pitchFamily="34" charset="0"/>
+              <a:cs typeface="Times New Roman" panose="02020603050405020304" pitchFamily="18" charset="0"/>
             </a:endParaRPr>
           </a:p>
         </p:txBody>
@@ -7222,7 +12135,7 @@
           <p:nvPr>
             <p:extLst>
               <p:ext uri="{D42A27DB-BD31-4B8C-83A1-F6EECF244321}">
-                <p14:modId xmlns:p14="http://schemas.microsoft.com/office/powerpoint/2010/main" val="817040667"/>
+                <p14:modId xmlns:p14="http://schemas.microsoft.com/office/powerpoint/2010/main" val="463902100"/>
               </p:ext>
             </p:extLst>
           </p:nvPr>
@@ -10335,7 +15248,10 @@
           <a:lstStyle/>
           <a:p>
             <a:pPr algn="ctr"/>
-            <a:endParaRPr lang="en-GB"/>
+            <a:endParaRPr lang="en-GB">
+              <a:latin typeface="Times New Roman" panose="02020603050405020304" pitchFamily="18" charset="0"/>
+              <a:cs typeface="Times New Roman" panose="02020603050405020304" pitchFamily="18" charset="0"/>
+            </a:endParaRPr>
           </a:p>
         </p:txBody>
       </p:sp>
@@ -10389,7 +15305,10 @@
           <a:lstStyle/>
           <a:p>
             <a:pPr algn="ctr"/>
-            <a:endParaRPr lang="en-GB"/>
+            <a:endParaRPr lang="en-GB">
+              <a:latin typeface="Times New Roman" panose="02020603050405020304" pitchFamily="18" charset="0"/>
+              <a:cs typeface="Times New Roman" panose="02020603050405020304" pitchFamily="18" charset="0"/>
+            </a:endParaRPr>
           </a:p>
         </p:txBody>
       </p:sp>
@@ -10408,7 +15327,7 @@
           <p:nvPr>
             <p:extLst>
               <p:ext uri="{D42A27DB-BD31-4B8C-83A1-F6EECF244321}">
-                <p14:modId xmlns:p14="http://schemas.microsoft.com/office/powerpoint/2010/main" val="775617252"/>
+                <p14:modId xmlns:p14="http://schemas.microsoft.com/office/powerpoint/2010/main" val="4101706189"/>
               </p:ext>
             </p:extLst>
           </p:nvPr>
@@ -13521,7 +18440,10 @@
           <a:lstStyle/>
           <a:p>
             <a:pPr algn="ctr"/>
-            <a:endParaRPr lang="en-GB"/>
+            <a:endParaRPr lang="en-GB">
+              <a:latin typeface="Times New Roman" panose="02020603050405020304" pitchFamily="18" charset="0"/>
+              <a:cs typeface="Times New Roman" panose="02020603050405020304" pitchFamily="18" charset="0"/>
+            </a:endParaRPr>
           </a:p>
         </p:txBody>
       </p:sp>
@@ -13540,7 +18462,7 @@
           <p:nvPr>
             <p:extLst>
               <p:ext uri="{D42A27DB-BD31-4B8C-83A1-F6EECF244321}">
-                <p14:modId xmlns:p14="http://schemas.microsoft.com/office/powerpoint/2010/main" val="2197420169"/>
+                <p14:modId xmlns:p14="http://schemas.microsoft.com/office/powerpoint/2010/main" val="630673204"/>
               </p:ext>
             </p:extLst>
           </p:nvPr>
@@ -14115,9 +19037,9 @@
                 <a:solidFill>
                   <a:schemeClr val="bg1"/>
                 </a:solidFill>
-                <a:latin typeface="Arial" panose="020B0604020202020204" pitchFamily="34" charset="0"/>
+                <a:latin typeface="Times New Roman" panose="02020603050405020304" pitchFamily="18" charset="0"/>
                 <a:ea typeface="Ayuthaya" pitchFamily="2" charset="-34"/>
-                <a:cs typeface="Arial" panose="020B0604020202020204" pitchFamily="34" charset="0"/>
+                <a:cs typeface="Times New Roman" panose="02020603050405020304" pitchFamily="18" charset="0"/>
               </a:rPr>
               <a:t>Camera Server</a:t>
             </a:r>
@@ -14139,7 +19061,7 @@
           <p:nvPr>
             <p:extLst>
               <p:ext uri="{D42A27DB-BD31-4B8C-83A1-F6EECF244321}">
-                <p14:modId xmlns:p14="http://schemas.microsoft.com/office/powerpoint/2010/main" val="2219328200"/>
+                <p14:modId xmlns:p14="http://schemas.microsoft.com/office/powerpoint/2010/main" val="167921622"/>
               </p:ext>
             </p:extLst>
           </p:nvPr>
@@ -14666,7 +19588,7 @@
           <p:nvPr>
             <p:extLst>
               <p:ext uri="{D42A27DB-BD31-4B8C-83A1-F6EECF244321}">
-                <p14:modId xmlns:p14="http://schemas.microsoft.com/office/powerpoint/2010/main" val="3128156268"/>
+                <p14:modId xmlns:p14="http://schemas.microsoft.com/office/powerpoint/2010/main" val="3254053656"/>
               </p:ext>
             </p:extLst>
           </p:nvPr>
@@ -15201,7 +20123,7 @@
           <p:nvPr>
             <p:extLst>
               <p:ext uri="{D42A27DB-BD31-4B8C-83A1-F6EECF244321}">
-                <p14:modId xmlns:p14="http://schemas.microsoft.com/office/powerpoint/2010/main" val="760482421"/>
+                <p14:modId xmlns:p14="http://schemas.microsoft.com/office/powerpoint/2010/main" val="1736819861"/>
               </p:ext>
             </p:extLst>
           </p:nvPr>
@@ -15736,7 +20658,7 @@
         <p:spPr>
           <a:xfrm>
             <a:off x="964165" y="141536"/>
-            <a:ext cx="2214068" cy="338554"/>
+            <a:ext cx="1994457" cy="338554"/>
           </a:xfrm>
           <a:prstGeom prst="rect">
             <a:avLst/>
@@ -15751,8 +20673,8 @@
           <a:p>
             <a:r>
               <a:rPr lang="en-GB" sz="1600" dirty="0">
-                <a:latin typeface="Arial" panose="020B0604020202020204" pitchFamily="34" charset="0"/>
-                <a:cs typeface="Arial" panose="020B0604020202020204" pitchFamily="34" charset="0"/>
+                <a:latin typeface="Times New Roman" panose="02020603050405020304" pitchFamily="18" charset="0"/>
+                <a:cs typeface="Times New Roman" panose="02020603050405020304" pitchFamily="18" charset="0"/>
               </a:rPr>
               <a:t>1) R0 Sample Storage</a:t>
             </a:r>
@@ -15774,7 +20696,7 @@
           <p:nvPr>
             <p:extLst>
               <p:ext uri="{D42A27DB-BD31-4B8C-83A1-F6EECF244321}">
-                <p14:modId xmlns:p14="http://schemas.microsoft.com/office/powerpoint/2010/main" val="2486384961"/>
+                <p14:modId xmlns:p14="http://schemas.microsoft.com/office/powerpoint/2010/main" val="858988461"/>
               </p:ext>
             </p:extLst>
           </p:nvPr>
@@ -18848,7 +23770,7 @@
         <p:spPr>
           <a:xfrm>
             <a:off x="3814092" y="141536"/>
-            <a:ext cx="4163319" cy="338554"/>
+            <a:ext cx="3780202" cy="338554"/>
           </a:xfrm>
           <a:prstGeom prst="rect">
             <a:avLst/>
@@ -18863,8 +23785,8 @@
           <a:p>
             <a:r>
               <a:rPr lang="en-GB" sz="1600" dirty="0">
-                <a:latin typeface="Arial" panose="020B0604020202020204" pitchFamily="34" charset="0"/>
-                <a:cs typeface="Arial" panose="020B0604020202020204" pitchFamily="34" charset="0"/>
+                <a:latin typeface="Times New Roman" panose="02020603050405020304" pitchFamily="18" charset="0"/>
+                <a:cs typeface="Times New Roman" panose="02020603050405020304" pitchFamily="18" charset="0"/>
               </a:rPr>
               <a:t>2) R0 Readout, Calibration, and R1 Storage</a:t>
             </a:r>
@@ -18886,7 +23808,7 @@
           <p:nvPr>
             <p:extLst>
               <p:ext uri="{D42A27DB-BD31-4B8C-83A1-F6EECF244321}">
-                <p14:modId xmlns:p14="http://schemas.microsoft.com/office/powerpoint/2010/main" val="754948036"/>
+                <p14:modId xmlns:p14="http://schemas.microsoft.com/office/powerpoint/2010/main" val="370821460"/>
               </p:ext>
             </p:extLst>
           </p:nvPr>
@@ -19909,7 +24831,7 @@
           <p:nvPr>
             <p:extLst>
               <p:ext uri="{D42A27DB-BD31-4B8C-83A1-F6EECF244321}">
-                <p14:modId xmlns:p14="http://schemas.microsoft.com/office/powerpoint/2010/main" val="4269976868"/>
+                <p14:modId xmlns:p14="http://schemas.microsoft.com/office/powerpoint/2010/main" val="171666589"/>
               </p:ext>
             </p:extLst>
           </p:nvPr>
@@ -20996,9 +25918,9 @@
                 <a:solidFill>
                   <a:schemeClr val="bg1"/>
                 </a:solidFill>
-                <a:latin typeface="Arial" panose="020B0604020202020204" pitchFamily="34" charset="0"/>
+                <a:latin typeface="Times New Roman" panose="02020603050405020304" pitchFamily="18" charset="0"/>
                 <a:ea typeface="Ayuthaya" pitchFamily="2" charset="-34"/>
-                <a:cs typeface="Arial" panose="020B0604020202020204" pitchFamily="34" charset="0"/>
+                <a:cs typeface="Times New Roman" panose="02020603050405020304" pitchFamily="18" charset="0"/>
               </a:rPr>
               <a:t>Calibrate</a:t>
             </a:r>
@@ -21010,9 +25932,9 @@
                 <a:solidFill>
                   <a:schemeClr val="bg1"/>
                 </a:solidFill>
-                <a:latin typeface="Arial" panose="020B0604020202020204" pitchFamily="34" charset="0"/>
+                <a:latin typeface="Times New Roman" panose="02020603050405020304" pitchFamily="18" charset="0"/>
                 <a:ea typeface="Ayuthaya" pitchFamily="2" charset="-34"/>
-                <a:cs typeface="Arial" panose="020B0604020202020204" pitchFamily="34" charset="0"/>
+                <a:cs typeface="Times New Roman" panose="02020603050405020304" pitchFamily="18" charset="0"/>
               </a:rPr>
               <a:t>Add OFFSET to the resulting floating-point value and divide by SCALE to fit into uint16</a:t>
             </a:r>
@@ -21034,7 +25956,7 @@
           <p:nvPr>
             <p:extLst>
               <p:ext uri="{D42A27DB-BD31-4B8C-83A1-F6EECF244321}">
-                <p14:modId xmlns:p14="http://schemas.microsoft.com/office/powerpoint/2010/main" val="895201692"/>
+                <p14:modId xmlns:p14="http://schemas.microsoft.com/office/powerpoint/2010/main" val="743494205"/>
               </p:ext>
             </p:extLst>
           </p:nvPr>
@@ -24160,9 +29082,9 @@
                 <a:solidFill>
                   <a:schemeClr val="bg1"/>
                 </a:solidFill>
-                <a:latin typeface="Arial" panose="020B0604020202020204" pitchFamily="34" charset="0"/>
+                <a:latin typeface="Times New Roman" panose="02020603050405020304" pitchFamily="18" charset="0"/>
                 <a:ea typeface="Ayuthaya" pitchFamily="2" charset="-34"/>
-                <a:cs typeface="Arial" panose="020B0604020202020204" pitchFamily="34" charset="0"/>
+                <a:cs typeface="Times New Roman" panose="02020603050405020304" pitchFamily="18" charset="0"/>
               </a:rPr>
               <a:t>Multiply by SCALE and subtract OFFSET to return R1-calibrated floating-point value</a:t>
             </a:r>
@@ -24184,7 +29106,7 @@
         <p:spPr>
           <a:xfrm>
             <a:off x="8910363" y="141536"/>
-            <a:ext cx="2270173" cy="338554"/>
+            <a:ext cx="2050561" cy="338554"/>
           </a:xfrm>
           <a:prstGeom prst="rect">
             <a:avLst/>
@@ -24199,8 +29121,8 @@
           <a:p>
             <a:r>
               <a:rPr lang="en-GB" sz="1600" dirty="0">
-                <a:latin typeface="Arial" panose="020B0604020202020204" pitchFamily="34" charset="0"/>
-                <a:cs typeface="Arial" panose="020B0604020202020204" pitchFamily="34" charset="0"/>
+                <a:latin typeface="Times New Roman" panose="02020603050405020304" pitchFamily="18" charset="0"/>
+                <a:cs typeface="Times New Roman" panose="02020603050405020304" pitchFamily="18" charset="0"/>
               </a:rPr>
               <a:t>3) R1 Sample Readout</a:t>
             </a:r>
@@ -24271,7 +29193,10 @@
           <a:lstStyle/>
           <a:p>
             <a:pPr algn="ctr"/>
-            <a:endParaRPr lang="en-GB"/>
+            <a:endParaRPr lang="en-GB">
+              <a:latin typeface="Times New Roman" panose="02020603050405020304" pitchFamily="18" charset="0"/>
+              <a:cs typeface="Times New Roman" panose="02020603050405020304" pitchFamily="18" charset="0"/>
+            </a:endParaRPr>
           </a:p>
         </p:txBody>
       </p:sp>
@@ -24339,7 +29264,10 @@
           <a:lstStyle/>
           <a:p>
             <a:pPr algn="ctr"/>
-            <a:endParaRPr lang="en-GB"/>
+            <a:endParaRPr lang="en-GB">
+              <a:latin typeface="Times New Roman" panose="02020603050405020304" pitchFamily="18" charset="0"/>
+              <a:cs typeface="Times New Roman" panose="02020603050405020304" pitchFamily="18" charset="0"/>
+            </a:endParaRPr>
           </a:p>
         </p:txBody>
       </p:sp>
@@ -24393,7 +29321,10 @@
           <a:lstStyle/>
           <a:p>
             <a:pPr algn="ctr"/>
-            <a:endParaRPr lang="en-GB"/>
+            <a:endParaRPr lang="en-GB">
+              <a:latin typeface="Times New Roman" panose="02020603050405020304" pitchFamily="18" charset="0"/>
+              <a:cs typeface="Times New Roman" panose="02020603050405020304" pitchFamily="18" charset="0"/>
+            </a:endParaRPr>
           </a:p>
         </p:txBody>
       </p:sp>
@@ -24461,7 +29392,10 @@
           <a:lstStyle/>
           <a:p>
             <a:pPr algn="ctr"/>
-            <a:endParaRPr lang="en-GB"/>
+            <a:endParaRPr lang="en-GB">
+              <a:latin typeface="Times New Roman" panose="02020603050405020304" pitchFamily="18" charset="0"/>
+              <a:cs typeface="Times New Roman" panose="02020603050405020304" pitchFamily="18" charset="0"/>
+            </a:endParaRPr>
           </a:p>
         </p:txBody>
       </p:sp>
@@ -24480,7 +29414,7 @@
           <p:nvPr>
             <p:extLst>
               <p:ext uri="{D42A27DB-BD31-4B8C-83A1-F6EECF244321}">
-                <p14:modId xmlns:p14="http://schemas.microsoft.com/office/powerpoint/2010/main" val="2415739429"/>
+                <p14:modId xmlns:p14="http://schemas.microsoft.com/office/powerpoint/2010/main" val="3314689569"/>
               </p:ext>
             </p:extLst>
           </p:nvPr>
@@ -25503,7 +30437,7 @@
           <p:nvPr>
             <p:extLst>
               <p:ext uri="{D42A27DB-BD31-4B8C-83A1-F6EECF244321}">
-                <p14:modId xmlns:p14="http://schemas.microsoft.com/office/powerpoint/2010/main" val="1668250326"/>
+                <p14:modId xmlns:p14="http://schemas.microsoft.com/office/powerpoint/2010/main" val="3254296793"/>
               </p:ext>
             </p:extLst>
           </p:nvPr>
@@ -26591,7 +31525,10 @@
           <a:lstStyle/>
           <a:p>
             <a:pPr algn="ctr"/>
-            <a:endParaRPr lang="en-GB"/>
+            <a:endParaRPr lang="en-GB">
+              <a:latin typeface="Times New Roman" panose="02020603050405020304" pitchFamily="18" charset="0"/>
+              <a:cs typeface="Times New Roman" panose="02020603050405020304" pitchFamily="18" charset="0"/>
+            </a:endParaRPr>
           </a:p>
         </p:txBody>
       </p:sp>
@@ -26645,7 +31582,10 @@
           <a:lstStyle/>
           <a:p>
             <a:pPr algn="ctr"/>
-            <a:endParaRPr lang="en-GB"/>
+            <a:endParaRPr lang="en-GB">
+              <a:latin typeface="Times New Roman" panose="02020603050405020304" pitchFamily="18" charset="0"/>
+              <a:cs typeface="Times New Roman" panose="02020603050405020304" pitchFamily="18" charset="0"/>
+            </a:endParaRPr>
           </a:p>
         </p:txBody>
       </p:sp>
@@ -26664,7 +31604,7 @@
           <p:nvPr>
             <p:extLst>
               <p:ext uri="{D42A27DB-BD31-4B8C-83A1-F6EECF244321}">
-                <p14:modId xmlns:p14="http://schemas.microsoft.com/office/powerpoint/2010/main" val="2092997455"/>
+                <p14:modId xmlns:p14="http://schemas.microsoft.com/office/powerpoint/2010/main" val="677312148"/>
               </p:ext>
             </p:extLst>
           </p:nvPr>
@@ -27687,7 +32627,7 @@
           <p:nvPr>
             <p:extLst>
               <p:ext uri="{D42A27DB-BD31-4B8C-83A1-F6EECF244321}">
-                <p14:modId xmlns:p14="http://schemas.microsoft.com/office/powerpoint/2010/main" val="3836667279"/>
+                <p14:modId xmlns:p14="http://schemas.microsoft.com/office/powerpoint/2010/main" val="1569511936"/>
               </p:ext>
             </p:extLst>
           </p:nvPr>
@@ -28755,8 +33695,8 @@
         </p:nvSpPr>
         <p:spPr>
           <a:xfrm rot="20728804">
-            <a:off x="3264951" y="3859621"/>
-            <a:ext cx="439544" cy="253916"/>
+            <a:off x="3254532" y="3859621"/>
+            <a:ext cx="460382" cy="253916"/>
           </a:xfrm>
           <a:prstGeom prst="rect">
             <a:avLst/>
@@ -28770,7 +33710,10 @@
           <a:lstStyle/>
           <a:p>
             <a:r>
-              <a:rPr lang="en-GB" sz="1050" dirty="0"/>
+              <a:rPr lang="en-GB" sz="1050" dirty="0">
+                <a:latin typeface="Times New Roman" panose="02020603050405020304" pitchFamily="18" charset="0"/>
+                <a:cs typeface="Times New Roman" panose="02020603050405020304" pitchFamily="18" charset="0"/>
+              </a:rPr>
               <a:t>Pixel</a:t>
             </a:r>
           </a:p>
@@ -28820,7 +33763,10 @@
           <a:lstStyle/>
           <a:p>
             <a:pPr algn="ctr"/>
-            <a:endParaRPr lang="en-GB"/>
+            <a:endParaRPr lang="en-GB">
+              <a:latin typeface="Times New Roman" panose="02020603050405020304" pitchFamily="18" charset="0"/>
+              <a:cs typeface="Times New Roman" panose="02020603050405020304" pitchFamily="18" charset="0"/>
+            </a:endParaRPr>
           </a:p>
         </p:txBody>
       </p:sp>
@@ -28950,7 +33896,10 @@
           <a:lstStyle/>
           <a:p>
             <a:pPr algn="ctr"/>
-            <a:endParaRPr lang="en-GB"/>
+            <a:endParaRPr lang="en-GB">
+              <a:latin typeface="Times New Roman" panose="02020603050405020304" pitchFamily="18" charset="0"/>
+              <a:cs typeface="Times New Roman" panose="02020603050405020304" pitchFamily="18" charset="0"/>
+            </a:endParaRPr>
           </a:p>
         </p:txBody>
       </p:sp>
@@ -29127,7 +34076,10 @@
           <a:lstStyle/>
           <a:p>
             <a:pPr algn="ctr"/>
-            <a:endParaRPr lang="en-GB"/>
+            <a:endParaRPr lang="en-GB">
+              <a:latin typeface="Times New Roman" panose="02020603050405020304" pitchFamily="18" charset="0"/>
+              <a:cs typeface="Times New Roman" panose="02020603050405020304" pitchFamily="18" charset="0"/>
+            </a:endParaRPr>
           </a:p>
         </p:txBody>
       </p:sp>
@@ -29174,7 +34126,10 @@
           <a:lstStyle/>
           <a:p>
             <a:pPr algn="ctr"/>
-            <a:endParaRPr lang="en-GB"/>
+            <a:endParaRPr lang="en-GB">
+              <a:latin typeface="Times New Roman" panose="02020603050405020304" pitchFamily="18" charset="0"/>
+              <a:cs typeface="Times New Roman" panose="02020603050405020304" pitchFamily="18" charset="0"/>
+            </a:endParaRPr>
           </a:p>
         </p:txBody>
       </p:sp>
@@ -29207,7 +34162,10 @@
           <a:lstStyle/>
           <a:p>
             <a:r>
-              <a:rPr lang="en-GB" dirty="0"/>
+              <a:rPr lang="en-GB" dirty="0">
+                <a:latin typeface="Times New Roman" panose="02020603050405020304" pitchFamily="18" charset="0"/>
+                <a:cs typeface="Times New Roman" panose="02020603050405020304" pitchFamily="18" charset="0"/>
+              </a:rPr>
               <a:t>α</a:t>
             </a:r>
           </a:p>
@@ -29261,7 +34219,10 @@
           <a:lstStyle/>
           <a:p>
             <a:pPr algn="ctr"/>
-            <a:endParaRPr lang="en-GB"/>
+            <a:endParaRPr lang="en-GB">
+              <a:latin typeface="Times New Roman" panose="02020603050405020304" pitchFamily="18" charset="0"/>
+              <a:cs typeface="Times New Roman" panose="02020603050405020304" pitchFamily="18" charset="0"/>
+            </a:endParaRPr>
           </a:p>
         </p:txBody>
       </p:sp>
@@ -29280,7 +34241,7 @@
         <p:spPr>
           <a:xfrm>
             <a:off x="4737829" y="976151"/>
-            <a:ext cx="308098" cy="369332"/>
+            <a:ext cx="295274" cy="369332"/>
           </a:xfrm>
           <a:prstGeom prst="rect">
             <a:avLst/>
@@ -29294,7 +34255,10 @@
           <a:lstStyle/>
           <a:p>
             <a:r>
-              <a:rPr lang="en-GB" dirty="0"/>
+              <a:rPr lang="en-GB" dirty="0">
+                <a:latin typeface="Times New Roman" panose="02020603050405020304" pitchFamily="18" charset="0"/>
+                <a:cs typeface="Times New Roman" panose="02020603050405020304" pitchFamily="18" charset="0"/>
+              </a:rPr>
               <a:t>θ</a:t>
             </a:r>
           </a:p>
@@ -29329,7 +34293,10 @@
           <a:lstStyle/>
           <a:p>
             <a:r>
-              <a:rPr lang="en-GB" sz="1050" dirty="0"/>
+              <a:rPr lang="en-GB" sz="1050" dirty="0">
+                <a:latin typeface="Times New Roman" panose="02020603050405020304" pitchFamily="18" charset="0"/>
+                <a:cs typeface="Times New Roman" panose="02020603050405020304" pitchFamily="18" charset="0"/>
+              </a:rPr>
               <a:t>Camera Focal Surface</a:t>
             </a:r>
           </a:p>
@@ -29350,7 +34317,7 @@
         <p:spPr>
           <a:xfrm>
             <a:off x="5066917" y="61712"/>
-            <a:ext cx="846707" cy="253916"/>
+            <a:ext cx="859531" cy="253916"/>
           </a:xfrm>
           <a:prstGeom prst="rect">
             <a:avLst/>
@@ -29364,7 +34331,10 @@
           <a:lstStyle/>
           <a:p>
             <a:r>
-              <a:rPr lang="en-GB" sz="1050" dirty="0"/>
+              <a:rPr lang="en-GB" sz="1050" dirty="0">
+                <a:latin typeface="Times New Roman" panose="02020603050405020304" pitchFamily="18" charset="0"/>
+                <a:cs typeface="Times New Roman" panose="02020603050405020304" pitchFamily="18" charset="0"/>
+              </a:rPr>
               <a:t>Light source</a:t>
             </a:r>
           </a:p>
@@ -29385,7 +34355,7 @@
         <p:spPr>
           <a:xfrm>
             <a:off x="5029033" y="6613117"/>
-            <a:ext cx="1483098" cy="253916"/>
+            <a:ext cx="1499128" cy="253916"/>
           </a:xfrm>
           <a:prstGeom prst="rect">
             <a:avLst/>
@@ -29399,7 +34369,10 @@
           <a:lstStyle/>
           <a:p>
             <a:r>
-              <a:rPr lang="en-GB" sz="1050" dirty="0"/>
+              <a:rPr lang="en-GB" sz="1050" dirty="0">
+                <a:latin typeface="Times New Roman" panose="02020603050405020304" pitchFamily="18" charset="0"/>
+                <a:cs typeface="Times New Roman" panose="02020603050405020304" pitchFamily="18" charset="0"/>
+              </a:rPr>
               <a:t>Centre of Camera Circle</a:t>
             </a:r>
           </a:p>
@@ -29450,7 +34423,10 @@
           <a:lstStyle/>
           <a:p>
             <a:pPr algn="ctr"/>
-            <a:endParaRPr lang="en-GB"/>
+            <a:endParaRPr lang="en-GB">
+              <a:latin typeface="Times New Roman" panose="02020603050405020304" pitchFamily="18" charset="0"/>
+              <a:cs typeface="Times New Roman" panose="02020603050405020304" pitchFamily="18" charset="0"/>
+            </a:endParaRPr>
           </a:p>
         </p:txBody>
       </p:sp>
@@ -29526,14 +34502,23 @@
           <a:lstStyle/>
           <a:p>
             <a:r>
-              <a:rPr lang="en-GB" dirty="0"/>
+              <a:rPr lang="en-GB" dirty="0">
+                <a:latin typeface="Times New Roman" panose="02020603050405020304" pitchFamily="18" charset="0"/>
+                <a:cs typeface="Times New Roman" panose="02020603050405020304" pitchFamily="18" charset="0"/>
+              </a:rPr>
               <a:t>d</a:t>
             </a:r>
             <a:r>
-              <a:rPr lang="en-GB" baseline="-25000" dirty="0"/>
+              <a:rPr lang="en-GB" baseline="-25000" dirty="0">
+                <a:latin typeface="Times New Roman" panose="02020603050405020304" pitchFamily="18" charset="0"/>
+                <a:cs typeface="Times New Roman" panose="02020603050405020304" pitchFamily="18" charset="0"/>
+              </a:rPr>
               <a:t>2</a:t>
             </a:r>
-            <a:endParaRPr lang="en-GB" dirty="0"/>
+            <a:endParaRPr lang="en-GB" dirty="0">
+              <a:latin typeface="Times New Roman" panose="02020603050405020304" pitchFamily="18" charset="0"/>
+              <a:cs typeface="Times New Roman" panose="02020603050405020304" pitchFamily="18" charset="0"/>
+            </a:endParaRPr>
           </a:p>
         </p:txBody>
       </p:sp>
@@ -29566,14 +34551,23 @@
           <a:lstStyle/>
           <a:p>
             <a:r>
-              <a:rPr lang="en-GB" dirty="0"/>
+              <a:rPr lang="en-GB" dirty="0">
+                <a:latin typeface="Times New Roman" panose="02020603050405020304" pitchFamily="18" charset="0"/>
+                <a:cs typeface="Times New Roman" panose="02020603050405020304" pitchFamily="18" charset="0"/>
+              </a:rPr>
               <a:t>d</a:t>
             </a:r>
             <a:r>
-              <a:rPr lang="en-GB" baseline="-25000" dirty="0"/>
+              <a:rPr lang="en-GB" baseline="-25000" dirty="0">
+                <a:latin typeface="Times New Roman" panose="02020603050405020304" pitchFamily="18" charset="0"/>
+                <a:cs typeface="Times New Roman" panose="02020603050405020304" pitchFamily="18" charset="0"/>
+              </a:rPr>
               <a:t>1</a:t>
             </a:r>
-            <a:endParaRPr lang="en-GB" dirty="0"/>
+            <a:endParaRPr lang="en-GB" dirty="0">
+              <a:latin typeface="Times New Roman" panose="02020603050405020304" pitchFamily="18" charset="0"/>
+              <a:cs typeface="Times New Roman" panose="02020603050405020304" pitchFamily="18" charset="0"/>
+            </a:endParaRPr>
           </a:p>
         </p:txBody>
       </p:sp>
@@ -29606,14 +34600,23 @@
           <a:lstStyle/>
           <a:p>
             <a:r>
-              <a:rPr lang="en-GB" dirty="0"/>
+              <a:rPr lang="en-GB" dirty="0">
+                <a:latin typeface="Times New Roman" panose="02020603050405020304" pitchFamily="18" charset="0"/>
+                <a:cs typeface="Times New Roman" panose="02020603050405020304" pitchFamily="18" charset="0"/>
+              </a:rPr>
               <a:t>d</a:t>
             </a:r>
             <a:r>
-              <a:rPr lang="en-GB" baseline="-25000" dirty="0"/>
+              <a:rPr lang="en-GB" baseline="-25000" dirty="0">
+                <a:latin typeface="Times New Roman" panose="02020603050405020304" pitchFamily="18" charset="0"/>
+                <a:cs typeface="Times New Roman" panose="02020603050405020304" pitchFamily="18" charset="0"/>
+              </a:rPr>
               <a:t>c</a:t>
             </a:r>
-            <a:endParaRPr lang="en-GB" dirty="0"/>
+            <a:endParaRPr lang="en-GB" dirty="0">
+              <a:latin typeface="Times New Roman" panose="02020603050405020304" pitchFamily="18" charset="0"/>
+              <a:cs typeface="Times New Roman" panose="02020603050405020304" pitchFamily="18" charset="0"/>
+            </a:endParaRPr>
           </a:p>
         </p:txBody>
       </p:sp>
@@ -29646,14 +34649,23 @@
           <a:lstStyle/>
           <a:p>
             <a:r>
-              <a:rPr lang="en-GB" dirty="0" err="1"/>
+              <a:rPr lang="en-GB" dirty="0" err="1">
+                <a:latin typeface="Times New Roman" panose="02020603050405020304" pitchFamily="18" charset="0"/>
+                <a:cs typeface="Times New Roman" panose="02020603050405020304" pitchFamily="18" charset="0"/>
+              </a:rPr>
               <a:t>d</a:t>
             </a:r>
             <a:r>
-              <a:rPr lang="en-GB" baseline="-25000" dirty="0" err="1"/>
+              <a:rPr lang="en-GB" baseline="-25000" dirty="0" err="1">
+                <a:latin typeface="Times New Roman" panose="02020603050405020304" pitchFamily="18" charset="0"/>
+                <a:cs typeface="Times New Roman" panose="02020603050405020304" pitchFamily="18" charset="0"/>
+              </a:rPr>
               <a:t>z</a:t>
             </a:r>
-            <a:endParaRPr lang="en-GB" dirty="0"/>
+            <a:endParaRPr lang="en-GB" dirty="0">
+              <a:latin typeface="Times New Roman" panose="02020603050405020304" pitchFamily="18" charset="0"/>
+              <a:cs typeface="Times New Roman" panose="02020603050405020304" pitchFamily="18" charset="0"/>
+            </a:endParaRPr>
           </a:p>
         </p:txBody>
       </p:sp>
@@ -29672,7 +34684,7 @@
         <p:spPr>
           <a:xfrm>
             <a:off x="4200113" y="3987196"/>
-            <a:ext cx="284052" cy="369332"/>
+            <a:ext cx="300082" cy="369332"/>
           </a:xfrm>
           <a:prstGeom prst="rect">
             <a:avLst/>
@@ -29686,7 +34698,10 @@
           <a:lstStyle/>
           <a:p>
             <a:r>
-              <a:rPr lang="en-GB" dirty="0"/>
+              <a:rPr lang="en-GB" dirty="0">
+                <a:latin typeface="Times New Roman" panose="02020603050405020304" pitchFamily="18" charset="0"/>
+                <a:cs typeface="Times New Roman" panose="02020603050405020304" pitchFamily="18" charset="0"/>
+              </a:rPr>
               <a:t>x</a:t>
             </a:r>
           </a:p>
@@ -29721,7 +34736,10 @@
           <a:lstStyle/>
           <a:p>
             <a:r>
-              <a:rPr lang="en-GB" dirty="0"/>
+              <a:rPr lang="en-GB" dirty="0">
+                <a:latin typeface="Times New Roman" panose="02020603050405020304" pitchFamily="18" charset="0"/>
+                <a:cs typeface="Times New Roman" panose="02020603050405020304" pitchFamily="18" charset="0"/>
+              </a:rPr>
               <a:t>r</a:t>
             </a:r>
           </a:p>
@@ -29820,7 +34838,10 @@
           <a:lstStyle/>
           <a:p>
             <a:pPr algn="ctr"/>
-            <a:endParaRPr lang="en-GB"/>
+            <a:endParaRPr lang="en-GB">
+              <a:latin typeface="Times New Roman" panose="02020603050405020304" pitchFamily="18" charset="0"/>
+              <a:cs typeface="Times New Roman" panose="02020603050405020304" pitchFamily="18" charset="0"/>
+            </a:endParaRPr>
           </a:p>
         </p:txBody>
       </p:sp>
@@ -29853,7 +34874,10 @@
           <a:lstStyle/>
           <a:p>
             <a:r>
-              <a:rPr lang="en-GB" dirty="0"/>
+              <a:rPr lang="en-GB" dirty="0">
+                <a:latin typeface="Times New Roman" panose="02020603050405020304" pitchFamily="18" charset="0"/>
+                <a:cs typeface="Times New Roman" panose="02020603050405020304" pitchFamily="18" charset="0"/>
+              </a:rPr>
               <a:t>β</a:t>
             </a:r>
           </a:p>
@@ -29993,7 +35017,10 @@
           <a:lstStyle/>
           <a:p>
             <a:pPr algn="ctr"/>
-            <a:endParaRPr lang="en-GB"/>
+            <a:endParaRPr lang="en-GB">
+              <a:latin typeface="Times New Roman" panose="02020603050405020304" pitchFamily="18" charset="0"/>
+              <a:cs typeface="Times New Roman" panose="02020603050405020304" pitchFamily="18" charset="0"/>
+            </a:endParaRPr>
           </a:p>
         </p:txBody>
       </p:sp>
@@ -30026,7 +35053,10 @@
           <a:lstStyle/>
           <a:p>
             <a:r>
-              <a:rPr lang="en-GB" sz="1100" dirty="0"/>
+              <a:rPr lang="en-GB" sz="1100" dirty="0">
+                <a:latin typeface="Times New Roman" panose="02020603050405020304" pitchFamily="18" charset="0"/>
+                <a:cs typeface="Times New Roman" panose="02020603050405020304" pitchFamily="18" charset="0"/>
+              </a:rPr>
               <a:t>θ</a:t>
             </a:r>
           </a:p>
@@ -30078,7 +35108,10 @@
           <a:lstStyle/>
           <a:p>
             <a:pPr algn="ctr"/>
-            <a:endParaRPr lang="en-GB"/>
+            <a:endParaRPr lang="en-GB">
+              <a:latin typeface="Times New Roman" panose="02020603050405020304" pitchFamily="18" charset="0"/>
+              <a:cs typeface="Times New Roman" panose="02020603050405020304" pitchFamily="18" charset="0"/>
+            </a:endParaRPr>
           </a:p>
         </p:txBody>
       </p:sp>
@@ -30111,7 +35144,10 @@
           <a:lstStyle/>
           <a:p>
             <a:r>
-              <a:rPr lang="en-GB" sz="1100" dirty="0"/>
+              <a:rPr lang="en-GB" sz="1100" dirty="0">
+                <a:latin typeface="Times New Roman" panose="02020603050405020304" pitchFamily="18" charset="0"/>
+                <a:cs typeface="Times New Roman" panose="02020603050405020304" pitchFamily="18" charset="0"/>
+              </a:rPr>
               <a:t>α</a:t>
             </a:r>
           </a:p>
@@ -30199,7 +35235,10 @@
           <a:lstStyle/>
           <a:p>
             <a:pPr algn="ctr"/>
-            <a:endParaRPr lang="en-GB"/>
+            <a:endParaRPr lang="en-GB">
+              <a:latin typeface="Times New Roman" panose="02020603050405020304" pitchFamily="18" charset="0"/>
+              <a:cs typeface="Times New Roman" panose="02020603050405020304" pitchFamily="18" charset="0"/>
+            </a:endParaRPr>
           </a:p>
         </p:txBody>
       </p:sp>
@@ -30255,7 +35294,10 @@
           <a:lstStyle/>
           <a:p>
             <a:pPr algn="ctr"/>
-            <a:endParaRPr lang="en-GB"/>
+            <a:endParaRPr lang="en-GB">
+              <a:latin typeface="Times New Roman" panose="02020603050405020304" pitchFamily="18" charset="0"/>
+              <a:cs typeface="Times New Roman" panose="02020603050405020304" pitchFamily="18" charset="0"/>
+            </a:endParaRPr>
           </a:p>
         </p:txBody>
       </p:sp>
@@ -30350,7 +35392,10 @@
           <a:lstStyle/>
           <a:p>
             <a:pPr algn="ctr"/>
-            <a:endParaRPr lang="en-GB"/>
+            <a:endParaRPr lang="en-GB">
+              <a:latin typeface="Times New Roman" panose="02020603050405020304" pitchFamily="18" charset="0"/>
+              <a:cs typeface="Times New Roman" panose="02020603050405020304" pitchFamily="18" charset="0"/>
+            </a:endParaRPr>
           </a:p>
         </p:txBody>
       </p:sp>
@@ -30404,7 +35449,10 @@
           <a:lstStyle/>
           <a:p>
             <a:pPr algn="ctr"/>
-            <a:endParaRPr lang="en-GB"/>
+            <a:endParaRPr lang="en-GB">
+              <a:latin typeface="Times New Roman" panose="02020603050405020304" pitchFamily="18" charset="0"/>
+              <a:cs typeface="Times New Roman" panose="02020603050405020304" pitchFamily="18" charset="0"/>
+            </a:endParaRPr>
           </a:p>
         </p:txBody>
       </p:sp>
@@ -30458,7 +35506,10 @@
           <a:lstStyle/>
           <a:p>
             <a:pPr algn="ctr"/>
-            <a:endParaRPr lang="en-GB"/>
+            <a:endParaRPr lang="en-GB">
+              <a:latin typeface="Times New Roman" panose="02020603050405020304" pitchFamily="18" charset="0"/>
+              <a:cs typeface="Times New Roman" panose="02020603050405020304" pitchFamily="18" charset="0"/>
+            </a:endParaRPr>
           </a:p>
         </p:txBody>
       </p:sp>
@@ -30590,7 +35641,10 @@
           <a:lstStyle/>
           <a:p>
             <a:pPr algn="ctr"/>
-            <a:endParaRPr lang="en-GB"/>
+            <a:endParaRPr lang="en-GB">
+              <a:latin typeface="Times New Roman" panose="02020603050405020304" pitchFamily="18" charset="0"/>
+              <a:cs typeface="Times New Roman" panose="02020603050405020304" pitchFamily="18" charset="0"/>
+            </a:endParaRPr>
           </a:p>
         </p:txBody>
       </p:sp>
@@ -30877,7 +35931,10 @@
           <a:lstStyle/>
           <a:p>
             <a:pPr algn="ctr"/>
-            <a:endParaRPr lang="en-GB"/>
+            <a:endParaRPr lang="en-GB">
+              <a:latin typeface="Times New Roman" panose="02020603050405020304" pitchFamily="18" charset="0"/>
+              <a:cs typeface="Times New Roman" panose="02020603050405020304" pitchFamily="18" charset="0"/>
+            </a:endParaRPr>
           </a:p>
         </p:txBody>
       </p:sp>
@@ -30968,7 +36025,10 @@
           <a:lstStyle/>
           <a:p>
             <a:pPr algn="ctr"/>
-            <a:endParaRPr lang="en-GB"/>
+            <a:endParaRPr lang="en-GB">
+              <a:latin typeface="Times New Roman" panose="02020603050405020304" pitchFamily="18" charset="0"/>
+              <a:cs typeface="Times New Roman" panose="02020603050405020304" pitchFamily="18" charset="0"/>
+            </a:endParaRPr>
           </a:p>
         </p:txBody>
       </p:sp>
@@ -31022,7 +36082,10 @@
           <a:lstStyle/>
           <a:p>
             <a:pPr algn="ctr"/>
-            <a:endParaRPr lang="en-GB"/>
+            <a:endParaRPr lang="en-GB">
+              <a:latin typeface="Times New Roman" panose="02020603050405020304" pitchFamily="18" charset="0"/>
+              <a:cs typeface="Times New Roman" panose="02020603050405020304" pitchFamily="18" charset="0"/>
+            </a:endParaRPr>
           </a:p>
         </p:txBody>
       </p:sp>
@@ -32906,6 +37969,194 @@
 </p:sld>
 </file>
 
+<file path=ppt/slides/slide9.xml><?xml version="1.0" encoding="utf-8"?>
+<p:sld xmlns:a="http://schemas.openxmlformats.org/drawingml/2006/main" xmlns:r="http://schemas.openxmlformats.org/officeDocument/2006/relationships" xmlns:p="http://schemas.openxmlformats.org/presentationml/2006/main">
+  <p:cSld>
+    <p:spTree>
+      <p:nvGrpSpPr>
+        <p:cNvPr id="1" name=""/>
+        <p:cNvGrpSpPr/>
+        <p:nvPr/>
+      </p:nvGrpSpPr>
+      <p:grpSpPr>
+        <a:xfrm>
+          <a:off x="0" y="0"/>
+          <a:ext cx="0" cy="0"/>
+          <a:chOff x="0" y="0"/>
+          <a:chExt cx="0" cy="0"/>
+        </a:xfrm>
+      </p:grpSpPr>
+      <p:sp>
+        <p:nvSpPr>
+          <p:cNvPr id="4" name="TextBox 3">
+            <a:extLst>
+              <a:ext uri="{FF2B5EF4-FFF2-40B4-BE49-F238E27FC236}">
+                <a16:creationId xmlns:a16="http://schemas.microsoft.com/office/drawing/2014/main" id="{8A1BFFF5-0E62-4D4D-A61F-BEB2BC8C68EE}"/>
+              </a:ext>
+            </a:extLst>
+          </p:cNvPr>
+          <p:cNvSpPr txBox="1"/>
+          <p:nvPr/>
+        </p:nvSpPr>
+        <p:spPr>
+          <a:xfrm>
+            <a:off x="1435738" y="1508396"/>
+            <a:ext cx="5822065" cy="3416320"/>
+          </a:xfrm>
+          <a:prstGeom prst="rect">
+            <a:avLst/>
+          </a:prstGeom>
+          <a:noFill/>
+        </p:spPr>
+        <p:txBody>
+          <a:bodyPr wrap="square" rtlCol="0">
+            <a:spAutoFit/>
+          </a:bodyPr>
+          <a:lstStyle/>
+          <a:p>
+            <a:r>
+              <a:rPr lang="en-GB" dirty="0" err="1">
+                <a:latin typeface="Times New Roman" panose="02020603050405020304" pitchFamily="18" charset="0"/>
+                <a:cs typeface="Times New Roman" panose="02020603050405020304" pitchFamily="18" charset="0"/>
+              </a:rPr>
+              <a:t>ctapipe.io.containers.DataContainer</a:t>
+            </a:r>
+            <a:r>
+              <a:rPr lang="en-GB" dirty="0">
+                <a:latin typeface="Times New Roman" panose="02020603050405020304" pitchFamily="18" charset="0"/>
+                <a:cs typeface="Times New Roman" panose="02020603050405020304" pitchFamily="18" charset="0"/>
+              </a:rPr>
+              <a:t>:</a:t>
+            </a:r>
+          </a:p>
+          <a:p>
+            <a:r>
+              <a:rPr lang="en-GB" dirty="0">
+                <a:latin typeface="Times New Roman" panose="02020603050405020304" pitchFamily="18" charset="0"/>
+                <a:cs typeface="Times New Roman" panose="02020603050405020304" pitchFamily="18" charset="0"/>
+              </a:rPr>
+              <a:t>                         r0.*: Raw Data</a:t>
+            </a:r>
+          </a:p>
+          <a:p>
+            <a:r>
+              <a:rPr lang="en-GB" dirty="0">
+                <a:latin typeface="Times New Roman" panose="02020603050405020304" pitchFamily="18" charset="0"/>
+                <a:cs typeface="Times New Roman" panose="02020603050405020304" pitchFamily="18" charset="0"/>
+              </a:rPr>
+              <a:t>                         r1.*: R1 Calibrated Data</a:t>
+            </a:r>
+          </a:p>
+          <a:p>
+            <a:r>
+              <a:rPr lang="en-GB" dirty="0">
+                <a:latin typeface="Times New Roman" panose="02020603050405020304" pitchFamily="18" charset="0"/>
+                <a:cs typeface="Times New Roman" panose="02020603050405020304" pitchFamily="18" charset="0"/>
+              </a:rPr>
+              <a:t>                         dl0.*: DL0 Data Volume Reduced Data</a:t>
+            </a:r>
+          </a:p>
+          <a:p>
+            <a:r>
+              <a:rPr lang="en-GB" dirty="0">
+                <a:latin typeface="Times New Roman" panose="02020603050405020304" pitchFamily="18" charset="0"/>
+                <a:cs typeface="Times New Roman" panose="02020603050405020304" pitchFamily="18" charset="0"/>
+              </a:rPr>
+              <a:t>                         dl1.*: DL1 Calibrated image</a:t>
+            </a:r>
+          </a:p>
+          <a:p>
+            <a:r>
+              <a:rPr lang="en-GB" dirty="0">
+                <a:latin typeface="Times New Roman" panose="02020603050405020304" pitchFamily="18" charset="0"/>
+                <a:cs typeface="Times New Roman" panose="02020603050405020304" pitchFamily="18" charset="0"/>
+              </a:rPr>
+              <a:t>                         dl2.*: Reconstructed Shower Information</a:t>
+            </a:r>
+          </a:p>
+          <a:p>
+            <a:r>
+              <a:rPr lang="en-GB" dirty="0">
+                <a:latin typeface="Times New Roman" panose="02020603050405020304" pitchFamily="18" charset="0"/>
+                <a:cs typeface="Times New Roman" panose="02020603050405020304" pitchFamily="18" charset="0"/>
+              </a:rPr>
+              <a:t>                         mc.*: Monte-Carlo data</a:t>
+            </a:r>
+          </a:p>
+          <a:p>
+            <a:r>
+              <a:rPr lang="en-GB" dirty="0">
+                <a:latin typeface="Times New Roman" panose="02020603050405020304" pitchFamily="18" charset="0"/>
+                <a:cs typeface="Times New Roman" panose="02020603050405020304" pitchFamily="18" charset="0"/>
+              </a:rPr>
+              <a:t>                         </a:t>
+            </a:r>
+            <a:r>
+              <a:rPr lang="en-GB" dirty="0" err="1">
+                <a:latin typeface="Times New Roman" panose="02020603050405020304" pitchFamily="18" charset="0"/>
+                <a:cs typeface="Times New Roman" panose="02020603050405020304" pitchFamily="18" charset="0"/>
+              </a:rPr>
+              <a:t>mcheader</a:t>
+            </a:r>
+            <a:r>
+              <a:rPr lang="en-GB" dirty="0">
+                <a:latin typeface="Times New Roman" panose="02020603050405020304" pitchFamily="18" charset="0"/>
+                <a:cs typeface="Times New Roman" panose="02020603050405020304" pitchFamily="18" charset="0"/>
+              </a:rPr>
+              <a:t>.*: Monte-Carlo run header data</a:t>
+            </a:r>
+          </a:p>
+          <a:p>
+            <a:r>
+              <a:rPr lang="en-GB" dirty="0">
+                <a:latin typeface="Times New Roman" panose="02020603050405020304" pitchFamily="18" charset="0"/>
+                <a:cs typeface="Times New Roman" panose="02020603050405020304" pitchFamily="18" charset="0"/>
+              </a:rPr>
+              <a:t>                         trig.*: Central trigger information</a:t>
+            </a:r>
+          </a:p>
+          <a:p>
+            <a:r>
+              <a:rPr lang="en-GB" dirty="0">
+                <a:latin typeface="Times New Roman" panose="02020603050405020304" pitchFamily="18" charset="0"/>
+                <a:cs typeface="Times New Roman" panose="02020603050405020304" pitchFamily="18" charset="0"/>
+              </a:rPr>
+              <a:t>                         count: Number of events processed</a:t>
+            </a:r>
+          </a:p>
+          <a:p>
+            <a:r>
+              <a:rPr lang="en-GB" dirty="0">
+                <a:latin typeface="Times New Roman" panose="02020603050405020304" pitchFamily="18" charset="0"/>
+                <a:cs typeface="Times New Roman" panose="02020603050405020304" pitchFamily="18" charset="0"/>
+              </a:rPr>
+              <a:t>                         inst.*: Instrumental information (deprecated)</a:t>
+            </a:r>
+          </a:p>
+          <a:p>
+            <a:r>
+              <a:rPr lang="en-GB" dirty="0">
+                <a:latin typeface="Times New Roman" panose="02020603050405020304" pitchFamily="18" charset="0"/>
+                <a:cs typeface="Times New Roman" panose="02020603050405020304" pitchFamily="18" charset="0"/>
+              </a:rPr>
+              <a:t>                         pointing[*]: Telescope pointing positions</a:t>
+            </a:r>
+          </a:p>
+        </p:txBody>
+      </p:sp>
+    </p:spTree>
+    <p:extLst>
+      <p:ext uri="{BB962C8B-B14F-4D97-AF65-F5344CB8AC3E}">
+        <p14:creationId xmlns:p14="http://schemas.microsoft.com/office/powerpoint/2010/main" val="1365887352"/>
+      </p:ext>
+    </p:extLst>
+  </p:cSld>
+  <p:clrMapOvr>
+    <a:masterClrMapping/>
+  </p:clrMapOvr>
+</p:sld>
+</file>
+
 <file path=ppt/theme/theme1.xml><?xml version="1.0" encoding="utf-8"?>
 <a:theme xmlns:a="http://schemas.openxmlformats.org/drawingml/2006/main" name="Office Theme">
   <a:themeElements>
